--- a/docs/diagrams/powerpoint/User Guide Diagrams.pptx
+++ b/docs/diagrams/powerpoint/User Guide Diagrams.pptx
@@ -11401,7 +11401,7 @@
                   </a:effectLst>
                   <a:latin typeface="Bahnschrift Light Condensed" panose="020B0502040204020203" pitchFamily="34" charset="0"/>
                 </a:rPr>
-                <a:t>Time left for current </a:t>
+                <a:t>T</a:t>
               </a:r>
               <a:r>
                 <a:rPr lang="en-SG" sz="1400" b="1" dirty="0">
@@ -11417,7 +11417,23 @@
                   </a:effectLst>
                   <a:latin typeface="Bahnschrift Light Condensed" panose="020B0502040204020203" pitchFamily="34" charset="0"/>
                 </a:rPr>
-                <a:t>Card</a:t>
+                <a:t>ime</a:t>
+              </a:r>
+              <a:r>
+                <a:rPr lang="en-SG" sz="1400" dirty="0">
+                  <a:solidFill>
+                    <a:schemeClr val="tx1"/>
+                  </a:solidFill>
+                  <a:effectLst>
+                    <a:outerShdw blurRad="38100" dist="38100" dir="2700000" algn="tl">
+                      <a:srgbClr val="000000">
+                        <a:alpha val="43137"/>
+                      </a:srgbClr>
+                    </a:outerShdw>
+                  </a:effectLst>
+                  <a:latin typeface="Bahnschrift Light Condensed" panose="020B0502040204020203" pitchFamily="34" charset="0"/>
+                </a:rPr>
+                <a:t> left for current Card</a:t>
               </a:r>
             </a:p>
           </p:txBody>

--- a/docs/diagrams/powerpoint/User Guide Diagrams.pptx
+++ b/docs/diagrams/powerpoint/User Guide Diagrams.pptx
@@ -5,13 +5,16 @@
     <p:sldMasterId id="2147483761" r:id="rId1"/>
   </p:sldMasterIdLst>
   <p:notesMasterIdLst>
-    <p:notesMasterId r:id="rId6"/>
+    <p:notesMasterId r:id="rId9"/>
   </p:notesMasterIdLst>
   <p:sldIdLst>
     <p:sldId id="256" r:id="rId2"/>
     <p:sldId id="257" r:id="rId3"/>
     <p:sldId id="258" r:id="rId4"/>
     <p:sldId id="259" r:id="rId5"/>
+    <p:sldId id="260" r:id="rId6"/>
+    <p:sldId id="261" r:id="rId7"/>
+    <p:sldId id="262" r:id="rId8"/>
   </p:sldIdLst>
   <p:sldSz cx="12192000" cy="6858000"/>
   <p:notesSz cx="6858000" cy="9144000"/>
@@ -819,6 +822,241 @@
     <p:extLst>
       <p:ext uri="{BB962C8B-B14F-4D97-AF65-F5344CB8AC3E}">
         <p14:creationId xmlns:p14="http://schemas.microsoft.com/office/powerpoint/2010/main" val="186326868"/>
+      </p:ext>
+    </p:extLst>
+  </p:cSld>
+  <p:clrMapOvr>
+    <a:masterClrMapping/>
+  </p:clrMapOvr>
+</p:notes>
+</file>
+
+<file path=ppt/notesSlides/notesSlide5.xml><?xml version="1.0" encoding="utf-8"?>
+<p:notes xmlns:a="http://schemas.openxmlformats.org/drawingml/2006/main" xmlns:r="http://schemas.openxmlformats.org/officeDocument/2006/relationships" xmlns:p="http://schemas.openxmlformats.org/presentationml/2006/main">
+  <p:cSld>
+    <p:spTree>
+      <p:nvGrpSpPr>
+        <p:cNvPr id="1" name=""/>
+        <p:cNvGrpSpPr/>
+        <p:nvPr/>
+      </p:nvGrpSpPr>
+      <p:grpSpPr>
+        <a:xfrm>
+          <a:off x="0" y="0"/>
+          <a:ext cx="0" cy="0"/>
+          <a:chOff x="0" y="0"/>
+          <a:chExt cx="0" cy="0"/>
+        </a:xfrm>
+      </p:grpSpPr>
+      <p:sp>
+        <p:nvSpPr>
+          <p:cNvPr id="2" name="Slide Image Placeholder 1"/>
+          <p:cNvSpPr>
+            <a:spLocks noGrp="1" noRot="1" noChangeAspect="1"/>
+          </p:cNvSpPr>
+          <p:nvPr>
+            <p:ph type="sldImg"/>
+          </p:nvPr>
+        </p:nvSpPr>
+        <p:spPr/>
+      </p:sp>
+      <p:sp>
+        <p:nvSpPr>
+          <p:cNvPr id="3" name="Notes Placeholder 2"/>
+          <p:cNvSpPr>
+            <a:spLocks noGrp="1"/>
+          </p:cNvSpPr>
+          <p:nvPr>
+            <p:ph type="body" idx="1"/>
+          </p:nvPr>
+        </p:nvSpPr>
+        <p:spPr/>
+        <p:txBody>
+          <a:bodyPr/>
+          <a:lstStyle/>
+          <a:p>
+            <a:pPr marL="0" marR="0" lvl="0" indent="0" algn="l" defTabSz="914400" rtl="0" eaLnBrk="1" fontAlgn="auto" latinLnBrk="0" hangingPunct="1">
+              <a:lnSpc>
+                <a:spcPct val="100000"/>
+              </a:lnSpc>
+              <a:spcBef>
+                <a:spcPts val="0"/>
+              </a:spcBef>
+              <a:spcAft>
+                <a:spcPts val="0"/>
+              </a:spcAft>
+              <a:buClrTx/>
+              <a:buSzTx/>
+              <a:buFontTx/>
+              <a:buNone/>
+              <a:tabLst/>
+              <a:defRPr/>
+            </a:pPr>
+            <a:r>
+              <a:rPr lang="en-SG" dirty="0"/>
+              <a:t>UserGuideGameSessionDiagram2</a:t>
+            </a:r>
+          </a:p>
+          <a:p>
+            <a:endParaRPr lang="en-SG" dirty="0"/>
+          </a:p>
+        </p:txBody>
+      </p:sp>
+      <p:sp>
+        <p:nvSpPr>
+          <p:cNvPr id="4" name="Slide Number Placeholder 3"/>
+          <p:cNvSpPr>
+            <a:spLocks noGrp="1"/>
+          </p:cNvSpPr>
+          <p:nvPr>
+            <p:ph type="sldNum" sz="quarter" idx="5"/>
+          </p:nvPr>
+        </p:nvSpPr>
+        <p:spPr/>
+        <p:txBody>
+          <a:bodyPr/>
+          <a:lstStyle/>
+          <a:p>
+            <a:fld id="{0FCAFDEF-04E4-4E08-87E8-ABCCC2F47D5C}" type="slidenum">
+              <a:rPr lang="en-SG" smtClean="0"/>
+              <a:t>5</a:t>
+            </a:fld>
+            <a:endParaRPr lang="en-SG"/>
+          </a:p>
+        </p:txBody>
+      </p:sp>
+    </p:spTree>
+    <p:extLst>
+      <p:ext uri="{BB962C8B-B14F-4D97-AF65-F5344CB8AC3E}">
+        <p14:creationId xmlns:p14="http://schemas.microsoft.com/office/powerpoint/2010/main" val="3996602733"/>
+      </p:ext>
+    </p:extLst>
+  </p:cSld>
+  <p:clrMapOvr>
+    <a:masterClrMapping/>
+  </p:clrMapOvr>
+</p:notes>
+</file>
+
+<file path=ppt/notesSlides/notesSlide6.xml><?xml version="1.0" encoding="utf-8"?>
+<p:notes xmlns:a="http://schemas.openxmlformats.org/drawingml/2006/main" xmlns:r="http://schemas.openxmlformats.org/officeDocument/2006/relationships" xmlns:p="http://schemas.openxmlformats.org/presentationml/2006/main">
+  <p:cSld>
+    <p:spTree>
+      <p:nvGrpSpPr>
+        <p:cNvPr id="1" name=""/>
+        <p:cNvGrpSpPr/>
+        <p:nvPr/>
+      </p:nvGrpSpPr>
+      <p:grpSpPr>
+        <a:xfrm>
+          <a:off x="0" y="0"/>
+          <a:ext cx="0" cy="0"/>
+          <a:chOff x="0" y="0"/>
+          <a:chExt cx="0" cy="0"/>
+        </a:xfrm>
+      </p:grpSpPr>
+      <p:sp>
+        <p:nvSpPr>
+          <p:cNvPr id="2" name="Slide Image Placeholder 1"/>
+          <p:cNvSpPr>
+            <a:spLocks noGrp="1" noRot="1" noChangeAspect="1"/>
+          </p:cNvSpPr>
+          <p:nvPr>
+            <p:ph type="sldImg"/>
+          </p:nvPr>
+        </p:nvSpPr>
+        <p:spPr/>
+      </p:sp>
+      <p:sp>
+        <p:nvSpPr>
+          <p:cNvPr id="3" name="Notes Placeholder 2"/>
+          <p:cNvSpPr>
+            <a:spLocks noGrp="1"/>
+          </p:cNvSpPr>
+          <p:nvPr>
+            <p:ph type="body" idx="1"/>
+          </p:nvPr>
+        </p:nvSpPr>
+        <p:spPr/>
+        <p:txBody>
+          <a:bodyPr/>
+          <a:lstStyle/>
+          <a:p>
+            <a:pPr marL="0" marR="0" lvl="0" indent="0" algn="l" defTabSz="914400" rtl="0" eaLnBrk="1" fontAlgn="auto" latinLnBrk="0" hangingPunct="1">
+              <a:lnSpc>
+                <a:spcPct val="100000"/>
+              </a:lnSpc>
+              <a:spcBef>
+                <a:spcPts val="0"/>
+              </a:spcBef>
+              <a:spcAft>
+                <a:spcPts val="0"/>
+              </a:spcAft>
+              <a:buClrTx/>
+              <a:buSzTx/>
+              <a:buFontTx/>
+              <a:buNone/>
+              <a:tabLst/>
+              <a:defRPr/>
+            </a:pPr>
+            <a:r>
+              <a:rPr lang="en-SG" dirty="0" err="1"/>
+              <a:t>UserGuideGameOverDiagram</a:t>
+            </a:r>
+            <a:endParaRPr lang="en-SG" dirty="0"/>
+          </a:p>
+          <a:p>
+            <a:pPr marL="0" marR="0" lvl="0" indent="0" algn="l" defTabSz="914400" rtl="0" eaLnBrk="1" fontAlgn="auto" latinLnBrk="0" hangingPunct="1">
+              <a:lnSpc>
+                <a:spcPct val="100000"/>
+              </a:lnSpc>
+              <a:spcBef>
+                <a:spcPts val="0"/>
+              </a:spcBef>
+              <a:spcAft>
+                <a:spcPts val="0"/>
+              </a:spcAft>
+              <a:buClrTx/>
+              <a:buSzTx/>
+              <a:buFontTx/>
+              <a:buNone/>
+              <a:tabLst/>
+              <a:defRPr/>
+            </a:pPr>
+            <a:endParaRPr lang="en-SG" dirty="0"/>
+          </a:p>
+          <a:p>
+            <a:endParaRPr lang="en-SG" dirty="0"/>
+          </a:p>
+        </p:txBody>
+      </p:sp>
+      <p:sp>
+        <p:nvSpPr>
+          <p:cNvPr id="4" name="Slide Number Placeholder 3"/>
+          <p:cNvSpPr>
+            <a:spLocks noGrp="1"/>
+          </p:cNvSpPr>
+          <p:nvPr>
+            <p:ph type="sldNum" sz="quarter" idx="5"/>
+          </p:nvPr>
+        </p:nvSpPr>
+        <p:spPr/>
+        <p:txBody>
+          <a:bodyPr/>
+          <a:lstStyle/>
+          <a:p>
+            <a:fld id="{0FCAFDEF-04E4-4E08-87E8-ABCCC2F47D5C}" type="slidenum">
+              <a:rPr lang="en-SG" smtClean="0"/>
+              <a:t>6</a:t>
+            </a:fld>
+            <a:endParaRPr lang="en-SG"/>
+          </a:p>
+        </p:txBody>
+      </p:sp>
+    </p:spTree>
+    <p:extLst>
+      <p:ext uri="{BB962C8B-B14F-4D97-AF65-F5344CB8AC3E}">
+        <p14:creationId xmlns:p14="http://schemas.microsoft.com/office/powerpoint/2010/main" val="2530896308"/>
       </p:ext>
     </p:extLst>
   </p:cSld>
@@ -11810,6 +12048,1242 @@
 </p:sld>
 </file>
 
+<file path=ppt/slides/slide5.xml><?xml version="1.0" encoding="utf-8"?>
+<p:sld xmlns:a="http://schemas.openxmlformats.org/drawingml/2006/main" xmlns:r="http://schemas.openxmlformats.org/officeDocument/2006/relationships" xmlns:p="http://schemas.openxmlformats.org/presentationml/2006/main">
+  <p:cSld>
+    <p:spTree>
+      <p:nvGrpSpPr>
+        <p:cNvPr id="1" name=""/>
+        <p:cNvGrpSpPr/>
+        <p:nvPr/>
+      </p:nvGrpSpPr>
+      <p:grpSpPr>
+        <a:xfrm>
+          <a:off x="0" y="0"/>
+          <a:ext cx="0" cy="0"/>
+          <a:chOff x="0" y="0"/>
+          <a:chExt cx="0" cy="0"/>
+        </a:xfrm>
+      </p:grpSpPr>
+      <p:grpSp>
+        <p:nvGrpSpPr>
+          <p:cNvPr id="16" name="Group 15">
+            <a:extLst>
+              <a:ext uri="{FF2B5EF4-FFF2-40B4-BE49-F238E27FC236}">
+                <a16:creationId xmlns:a16="http://schemas.microsoft.com/office/drawing/2014/main" id="{E3E6C150-4AF7-4D0F-8DDE-5476DE4EC13C}"/>
+              </a:ext>
+            </a:extLst>
+          </p:cNvPr>
+          <p:cNvGrpSpPr/>
+          <p:nvPr/>
+        </p:nvGrpSpPr>
+        <p:grpSpPr>
+          <a:xfrm>
+            <a:off x="2962656" y="276860"/>
+            <a:ext cx="7115645" cy="5361940"/>
+            <a:chOff x="2962656" y="276860"/>
+            <a:chExt cx="7115645" cy="5361940"/>
+          </a:xfrm>
+        </p:grpSpPr>
+        <p:pic>
+          <p:nvPicPr>
+            <p:cNvPr id="5" name="Picture 4">
+              <a:extLst>
+                <a:ext uri="{FF2B5EF4-FFF2-40B4-BE49-F238E27FC236}">
+                  <a16:creationId xmlns:a16="http://schemas.microsoft.com/office/drawing/2014/main" id="{EAF06261-D6B8-4DFD-8B64-BB792BA7CA23}"/>
+                </a:ext>
+              </a:extLst>
+            </p:cNvPr>
+            <p:cNvPicPr>
+              <a:picLocks noChangeAspect="1"/>
+            </p:cNvPicPr>
+            <p:nvPr/>
+          </p:nvPicPr>
+          <p:blipFill rotWithShape="1">
+            <a:blip r:embed="rId3"/>
+            <a:srcRect l="24301" t="4977" r="17949" b="17778"/>
+            <a:stretch/>
+          </p:blipFill>
+          <p:spPr>
+            <a:xfrm>
+              <a:off x="2962656" y="341376"/>
+              <a:ext cx="7040880" cy="5297424"/>
+            </a:xfrm>
+            <a:prstGeom prst="rect">
+              <a:avLst/>
+            </a:prstGeom>
+            <a:solidFill>
+              <a:srgbClr val="FFFFFF">
+                <a:shade val="85000"/>
+              </a:srgbClr>
+            </a:solidFill>
+            <a:ln w="88900" cap="sq">
+              <a:solidFill>
+                <a:srgbClr val="FFFFFF"/>
+              </a:solidFill>
+              <a:miter lim="800000"/>
+            </a:ln>
+            <a:effectLst>
+              <a:outerShdw blurRad="55000" dist="18000" dir="5400000" algn="tl" rotWithShape="0">
+                <a:srgbClr val="000000">
+                  <a:alpha val="40000"/>
+                </a:srgbClr>
+              </a:outerShdw>
+            </a:effectLst>
+            <a:scene3d>
+              <a:camera prst="orthographicFront"/>
+              <a:lightRig rig="twoPt" dir="t">
+                <a:rot lat="0" lon="0" rev="7200000"/>
+              </a:lightRig>
+            </a:scene3d>
+            <a:sp3d>
+              <a:bevelT w="25400" h="19050"/>
+              <a:contourClr>
+                <a:srgbClr val="FFFFFF"/>
+              </a:contourClr>
+            </a:sp3d>
+          </p:spPr>
+        </p:pic>
+        <p:sp>
+          <p:nvSpPr>
+            <p:cNvPr id="8" name="Rectangle: Rounded Corners 7">
+              <a:extLst>
+                <a:ext uri="{FF2B5EF4-FFF2-40B4-BE49-F238E27FC236}">
+                  <a16:creationId xmlns:a16="http://schemas.microsoft.com/office/drawing/2014/main" id="{2C4967A9-E2DF-4949-B4FA-F66948402BC6}"/>
+                </a:ext>
+              </a:extLst>
+            </p:cNvPr>
+            <p:cNvSpPr/>
+            <p:nvPr/>
+          </p:nvSpPr>
+          <p:spPr>
+            <a:xfrm>
+              <a:off x="2977975" y="1504189"/>
+              <a:ext cx="7025561" cy="848868"/>
+            </a:xfrm>
+            <a:prstGeom prst="roundRect">
+              <a:avLst/>
+            </a:prstGeom>
+            <a:noFill/>
+            <a:ln w="19050">
+              <a:solidFill>
+                <a:srgbClr val="FF0000"/>
+              </a:solidFill>
+              <a:prstDash val="sysDash"/>
+            </a:ln>
+          </p:spPr>
+          <p:style>
+            <a:lnRef idx="2">
+              <a:schemeClr val="accent1">
+                <a:shade val="50000"/>
+              </a:schemeClr>
+            </a:lnRef>
+            <a:fillRef idx="1">
+              <a:schemeClr val="accent1"/>
+            </a:fillRef>
+            <a:effectRef idx="0">
+              <a:schemeClr val="accent1"/>
+            </a:effectRef>
+            <a:fontRef idx="minor">
+              <a:schemeClr val="lt1"/>
+            </a:fontRef>
+          </p:style>
+          <p:txBody>
+            <a:bodyPr rtlCol="0" anchor="ctr"/>
+            <a:lstStyle/>
+            <a:p>
+              <a:pPr algn="ctr"/>
+              <a:endParaRPr lang="en-SG" dirty="0"/>
+            </a:p>
+          </p:txBody>
+        </p:sp>
+        <p:sp>
+          <p:nvSpPr>
+            <p:cNvPr id="9" name="Rectangle: Rounded Corners 8">
+              <a:extLst>
+                <a:ext uri="{FF2B5EF4-FFF2-40B4-BE49-F238E27FC236}">
+                  <a16:creationId xmlns:a16="http://schemas.microsoft.com/office/drawing/2014/main" id="{E540A1BD-7A17-4F17-8400-40455B1824D3}"/>
+                </a:ext>
+              </a:extLst>
+            </p:cNvPr>
+            <p:cNvSpPr/>
+            <p:nvPr/>
+          </p:nvSpPr>
+          <p:spPr>
+            <a:xfrm>
+              <a:off x="7652931" y="1330452"/>
+              <a:ext cx="2259244" cy="429767"/>
+            </a:xfrm>
+            <a:prstGeom prst="roundRect">
+              <a:avLst/>
+            </a:prstGeom>
+            <a:solidFill>
+              <a:srgbClr val="F86262"/>
+            </a:solidFill>
+            <a:ln>
+              <a:solidFill>
+                <a:srgbClr val="FF0000"/>
+              </a:solidFill>
+            </a:ln>
+          </p:spPr>
+          <p:style>
+            <a:lnRef idx="2">
+              <a:schemeClr val="accent1">
+                <a:shade val="50000"/>
+              </a:schemeClr>
+            </a:lnRef>
+            <a:fillRef idx="1">
+              <a:schemeClr val="accent1"/>
+            </a:fillRef>
+            <a:effectRef idx="0">
+              <a:schemeClr val="accent1"/>
+            </a:effectRef>
+            <a:fontRef idx="minor">
+              <a:schemeClr val="lt1"/>
+            </a:fontRef>
+          </p:style>
+          <p:txBody>
+            <a:bodyPr rtlCol="0" anchor="ctr"/>
+            <a:lstStyle/>
+            <a:p>
+              <a:pPr algn="ctr"/>
+              <a:r>
+                <a:rPr lang="en-SG" sz="1400" dirty="0">
+                  <a:solidFill>
+                    <a:schemeClr val="tx1"/>
+                  </a:solidFill>
+                  <a:effectLst>
+                    <a:outerShdw blurRad="38100" dist="38100" dir="2700000" algn="tl">
+                      <a:srgbClr val="000000">
+                        <a:alpha val="43137"/>
+                      </a:srgbClr>
+                    </a:outerShdw>
+                  </a:effectLst>
+                  <a:latin typeface="Bahnschrift Light Condensed" panose="020B0502040204020203" pitchFamily="34" charset="0"/>
+                </a:rPr>
+                <a:t>Feedback for each </a:t>
+              </a:r>
+              <a:r>
+                <a:rPr lang="en-SG" sz="1400" b="1" dirty="0">
+                  <a:solidFill>
+                    <a:schemeClr val="tx1"/>
+                  </a:solidFill>
+                  <a:effectLst>
+                    <a:outerShdw blurRad="38100" dist="38100" dir="2700000" algn="tl">
+                      <a:srgbClr val="000000">
+                        <a:alpha val="43137"/>
+                      </a:srgbClr>
+                    </a:outerShdw>
+                  </a:effectLst>
+                  <a:latin typeface="Bahnschrift Light Condensed" panose="020B0502040204020203" pitchFamily="34" charset="0"/>
+                </a:rPr>
+                <a:t>Guess</a:t>
+              </a:r>
+              <a:endParaRPr lang="en-SG" sz="1400" dirty="0">
+                <a:solidFill>
+                  <a:schemeClr val="tx1"/>
+                </a:solidFill>
+                <a:effectLst>
+                  <a:outerShdw blurRad="38100" dist="38100" dir="2700000" algn="tl">
+                    <a:srgbClr val="000000">
+                      <a:alpha val="43137"/>
+                    </a:srgbClr>
+                  </a:outerShdw>
+                </a:effectLst>
+                <a:latin typeface="Bahnschrift Light Condensed" panose="020B0502040204020203" pitchFamily="34" charset="0"/>
+              </a:endParaRPr>
+            </a:p>
+          </p:txBody>
+        </p:sp>
+        <p:sp>
+          <p:nvSpPr>
+            <p:cNvPr id="10" name="Rectangle: Rounded Corners 9">
+              <a:extLst>
+                <a:ext uri="{FF2B5EF4-FFF2-40B4-BE49-F238E27FC236}">
+                  <a16:creationId xmlns:a16="http://schemas.microsoft.com/office/drawing/2014/main" id="{6162EAD9-29C4-493A-97CE-DEFFF82441D7}"/>
+                </a:ext>
+              </a:extLst>
+            </p:cNvPr>
+            <p:cNvSpPr/>
+            <p:nvPr/>
+          </p:nvSpPr>
+          <p:spPr>
+            <a:xfrm>
+              <a:off x="3139440" y="1627633"/>
+              <a:ext cx="1103375" cy="243840"/>
+            </a:xfrm>
+            <a:prstGeom prst="roundRect">
+              <a:avLst/>
+            </a:prstGeom>
+            <a:noFill/>
+            <a:ln w="19050">
+              <a:solidFill>
+                <a:srgbClr val="FF0000"/>
+              </a:solidFill>
+              <a:prstDash val="sysDash"/>
+            </a:ln>
+          </p:spPr>
+          <p:style>
+            <a:lnRef idx="2">
+              <a:schemeClr val="accent1">
+                <a:shade val="50000"/>
+              </a:schemeClr>
+            </a:lnRef>
+            <a:fillRef idx="1">
+              <a:schemeClr val="accent1"/>
+            </a:fillRef>
+            <a:effectRef idx="0">
+              <a:schemeClr val="accent1"/>
+            </a:effectRef>
+            <a:fontRef idx="minor">
+              <a:schemeClr val="lt1"/>
+            </a:fontRef>
+          </p:style>
+          <p:txBody>
+            <a:bodyPr rtlCol="0" anchor="ctr"/>
+            <a:lstStyle/>
+            <a:p>
+              <a:pPr algn="ctr"/>
+              <a:endParaRPr lang="en-SG" dirty="0"/>
+            </a:p>
+          </p:txBody>
+        </p:sp>
+        <p:sp>
+          <p:nvSpPr>
+            <p:cNvPr id="12" name="Rectangle: Rounded Corners 11">
+              <a:extLst>
+                <a:ext uri="{FF2B5EF4-FFF2-40B4-BE49-F238E27FC236}">
+                  <a16:creationId xmlns:a16="http://schemas.microsoft.com/office/drawing/2014/main" id="{2745BBF1-CAE0-43D9-B37E-1481C2F2F60F}"/>
+                </a:ext>
+              </a:extLst>
+            </p:cNvPr>
+            <p:cNvSpPr/>
+            <p:nvPr/>
+          </p:nvSpPr>
+          <p:spPr>
+            <a:xfrm>
+              <a:off x="3851565" y="543895"/>
+              <a:ext cx="6226736" cy="304974"/>
+            </a:xfrm>
+            <a:prstGeom prst="roundRect">
+              <a:avLst/>
+            </a:prstGeom>
+            <a:noFill/>
+            <a:ln w="19050">
+              <a:solidFill>
+                <a:srgbClr val="00B050"/>
+              </a:solidFill>
+              <a:prstDash val="sysDash"/>
+            </a:ln>
+          </p:spPr>
+          <p:style>
+            <a:lnRef idx="2">
+              <a:schemeClr val="accent1">
+                <a:shade val="50000"/>
+              </a:schemeClr>
+            </a:lnRef>
+            <a:fillRef idx="1">
+              <a:schemeClr val="accent1"/>
+            </a:fillRef>
+            <a:effectRef idx="0">
+              <a:schemeClr val="accent1"/>
+            </a:effectRef>
+            <a:fontRef idx="minor">
+              <a:schemeClr val="lt1"/>
+            </a:fontRef>
+          </p:style>
+          <p:txBody>
+            <a:bodyPr rtlCol="0" anchor="ctr"/>
+            <a:lstStyle/>
+            <a:p>
+              <a:pPr algn="ctr"/>
+              <a:endParaRPr lang="en-SG" dirty="0"/>
+            </a:p>
+          </p:txBody>
+        </p:sp>
+        <p:sp>
+          <p:nvSpPr>
+            <p:cNvPr id="13" name="Rectangle: Rounded Corners 12">
+              <a:extLst>
+                <a:ext uri="{FF2B5EF4-FFF2-40B4-BE49-F238E27FC236}">
+                  <a16:creationId xmlns:a16="http://schemas.microsoft.com/office/drawing/2014/main" id="{4A1A3FEE-6BEC-46A8-89CC-B62FAD910099}"/>
+                </a:ext>
+              </a:extLst>
+            </p:cNvPr>
+            <p:cNvSpPr/>
+            <p:nvPr/>
+          </p:nvSpPr>
+          <p:spPr>
+            <a:xfrm>
+              <a:off x="7598156" y="276860"/>
+              <a:ext cx="2466340" cy="378461"/>
+            </a:xfrm>
+            <a:prstGeom prst="roundRect">
+              <a:avLst/>
+            </a:prstGeom>
+            <a:solidFill>
+              <a:srgbClr val="92D050"/>
+            </a:solidFill>
+            <a:ln>
+              <a:solidFill>
+                <a:srgbClr val="00B050"/>
+              </a:solidFill>
+            </a:ln>
+          </p:spPr>
+          <p:style>
+            <a:lnRef idx="2">
+              <a:schemeClr val="accent1">
+                <a:shade val="50000"/>
+              </a:schemeClr>
+            </a:lnRef>
+            <a:fillRef idx="1">
+              <a:schemeClr val="accent1"/>
+            </a:fillRef>
+            <a:effectRef idx="0">
+              <a:schemeClr val="accent1"/>
+            </a:effectRef>
+            <a:fontRef idx="minor">
+              <a:schemeClr val="lt1"/>
+            </a:fontRef>
+          </p:style>
+          <p:txBody>
+            <a:bodyPr rtlCol="0" anchor="ctr"/>
+            <a:lstStyle/>
+            <a:p>
+              <a:pPr algn="ctr"/>
+              <a:r>
+                <a:rPr lang="en-SG" sz="1400" dirty="0">
+                  <a:solidFill>
+                    <a:schemeClr val="tx1"/>
+                  </a:solidFill>
+                  <a:effectLst>
+                    <a:outerShdw blurRad="38100" dist="38100" dir="2700000" algn="tl">
+                      <a:srgbClr val="000000">
+                        <a:alpha val="43137"/>
+                      </a:srgbClr>
+                    </a:outerShdw>
+                  </a:effectLst>
+                  <a:latin typeface="Bahnschrift Light Condensed" panose="020B0502040204020203" pitchFamily="34" charset="0"/>
+                </a:rPr>
+                <a:t>T</a:t>
+              </a:r>
+              <a:r>
+                <a:rPr lang="en-SG" sz="1400" b="1" dirty="0">
+                  <a:solidFill>
+                    <a:schemeClr val="tx1"/>
+                  </a:solidFill>
+                  <a:effectLst>
+                    <a:outerShdw blurRad="38100" dist="38100" dir="2700000" algn="tl">
+                      <a:srgbClr val="000000">
+                        <a:alpha val="43137"/>
+                      </a:srgbClr>
+                    </a:outerShdw>
+                  </a:effectLst>
+                  <a:latin typeface="Bahnschrift Light Condensed" panose="020B0502040204020203" pitchFamily="34" charset="0"/>
+                </a:rPr>
+                <a:t>imer </a:t>
+              </a:r>
+              <a:r>
+                <a:rPr lang="en-SG" sz="1400" dirty="0">
+                  <a:solidFill>
+                    <a:schemeClr val="tx1"/>
+                  </a:solidFill>
+                  <a:effectLst>
+                    <a:outerShdw blurRad="38100" dist="38100" dir="2700000" algn="tl">
+                      <a:srgbClr val="000000">
+                        <a:alpha val="43137"/>
+                      </a:srgbClr>
+                    </a:outerShdw>
+                  </a:effectLst>
+                  <a:latin typeface="Bahnschrift Light Condensed" panose="020B0502040204020203" pitchFamily="34" charset="0"/>
+                </a:rPr>
+                <a:t>changes colour </a:t>
+              </a:r>
+              <a:br>
+                <a:rPr lang="en-SG" sz="1400" dirty="0">
+                  <a:solidFill>
+                    <a:schemeClr val="tx1"/>
+                  </a:solidFill>
+                  <a:effectLst>
+                    <a:outerShdw blurRad="38100" dist="38100" dir="2700000" algn="tl">
+                      <a:srgbClr val="000000">
+                        <a:alpha val="43137"/>
+                      </a:srgbClr>
+                    </a:outerShdw>
+                  </a:effectLst>
+                  <a:latin typeface="Bahnschrift Light Condensed" panose="020B0502040204020203" pitchFamily="34" charset="0"/>
+                </a:rPr>
+              </a:br>
+              <a:r>
+                <a:rPr lang="en-SG" sz="1400" dirty="0">
+                  <a:solidFill>
+                    <a:schemeClr val="tx1"/>
+                  </a:solidFill>
+                  <a:effectLst>
+                    <a:outerShdw blurRad="38100" dist="38100" dir="2700000" algn="tl">
+                      <a:srgbClr val="000000">
+                        <a:alpha val="43137"/>
+                      </a:srgbClr>
+                    </a:outerShdw>
+                  </a:effectLst>
+                  <a:latin typeface="Bahnschrift Light Condensed" panose="020B0502040204020203" pitchFamily="34" charset="0"/>
+                </a:rPr>
+                <a:t>when time is running out</a:t>
+              </a:r>
+              <a:endParaRPr lang="en-SG" sz="1400" b="1" dirty="0">
+                <a:solidFill>
+                  <a:schemeClr val="tx1"/>
+                </a:solidFill>
+                <a:effectLst>
+                  <a:outerShdw blurRad="38100" dist="38100" dir="2700000" algn="tl">
+                    <a:srgbClr val="000000">
+                      <a:alpha val="43137"/>
+                    </a:srgbClr>
+                  </a:outerShdw>
+                </a:effectLst>
+                <a:latin typeface="Bahnschrift Light Condensed" panose="020B0502040204020203" pitchFamily="34" charset="0"/>
+              </a:endParaRPr>
+            </a:p>
+          </p:txBody>
+        </p:sp>
+      </p:grpSp>
+    </p:spTree>
+    <p:extLst>
+      <p:ext uri="{BB962C8B-B14F-4D97-AF65-F5344CB8AC3E}">
+        <p14:creationId xmlns:p14="http://schemas.microsoft.com/office/powerpoint/2010/main" val="317800843"/>
+      </p:ext>
+    </p:extLst>
+  </p:cSld>
+  <p:clrMapOvr>
+    <a:masterClrMapping/>
+  </p:clrMapOvr>
+</p:sld>
+</file>
+
+<file path=ppt/slides/slide6.xml><?xml version="1.0" encoding="utf-8"?>
+<p:sld xmlns:a="http://schemas.openxmlformats.org/drawingml/2006/main" xmlns:r="http://schemas.openxmlformats.org/officeDocument/2006/relationships" xmlns:p="http://schemas.openxmlformats.org/presentationml/2006/main">
+  <p:cSld>
+    <p:spTree>
+      <p:nvGrpSpPr>
+        <p:cNvPr id="1" name=""/>
+        <p:cNvGrpSpPr/>
+        <p:nvPr/>
+      </p:nvGrpSpPr>
+      <p:grpSpPr>
+        <a:xfrm>
+          <a:off x="0" y="0"/>
+          <a:ext cx="0" cy="0"/>
+          <a:chOff x="0" y="0"/>
+          <a:chExt cx="0" cy="0"/>
+        </a:xfrm>
+      </p:grpSpPr>
+      <p:pic>
+        <p:nvPicPr>
+          <p:cNvPr id="2" name="Picture 1">
+            <a:extLst>
+              <a:ext uri="{FF2B5EF4-FFF2-40B4-BE49-F238E27FC236}">
+                <a16:creationId xmlns:a16="http://schemas.microsoft.com/office/drawing/2014/main" id="{8FA60423-CF98-4843-8FA5-D61737176228}"/>
+              </a:ext>
+            </a:extLst>
+          </p:cNvPr>
+          <p:cNvPicPr>
+            <a:picLocks noChangeAspect="1"/>
+          </p:cNvPicPr>
+          <p:nvPr/>
+        </p:nvPicPr>
+        <p:blipFill rotWithShape="1">
+          <a:blip r:embed="rId3"/>
+          <a:srcRect l="24583" t="4741" r="17750" b="6075"/>
+          <a:stretch/>
+        </p:blipFill>
+        <p:spPr>
+          <a:xfrm>
+            <a:off x="2997200" y="325120"/>
+            <a:ext cx="7030720" cy="6116320"/>
+          </a:xfrm>
+          <a:prstGeom prst="rect">
+            <a:avLst/>
+          </a:prstGeom>
+          <a:solidFill>
+            <a:srgbClr val="FFFFFF">
+              <a:shade val="85000"/>
+            </a:srgbClr>
+          </a:solidFill>
+          <a:ln w="88900" cap="sq">
+            <a:solidFill>
+              <a:srgbClr val="FFFFFF"/>
+            </a:solidFill>
+            <a:miter lim="800000"/>
+          </a:ln>
+          <a:effectLst>
+            <a:outerShdw blurRad="55000" dist="18000" dir="5400000" algn="tl" rotWithShape="0">
+              <a:srgbClr val="000000">
+                <a:alpha val="40000"/>
+              </a:srgbClr>
+            </a:outerShdw>
+          </a:effectLst>
+          <a:scene3d>
+            <a:camera prst="orthographicFront"/>
+            <a:lightRig rig="twoPt" dir="t">
+              <a:rot lat="0" lon="0" rev="7200000"/>
+            </a:lightRig>
+          </a:scene3d>
+          <a:sp3d>
+            <a:bevelT w="25400" h="19050"/>
+            <a:contourClr>
+              <a:srgbClr val="FFFFFF"/>
+            </a:contourClr>
+          </a:sp3d>
+        </p:spPr>
+      </p:pic>
+      <p:sp>
+        <p:nvSpPr>
+          <p:cNvPr id="11" name="Rectangle: Rounded Corners 10">
+            <a:extLst>
+              <a:ext uri="{FF2B5EF4-FFF2-40B4-BE49-F238E27FC236}">
+                <a16:creationId xmlns:a16="http://schemas.microsoft.com/office/drawing/2014/main" id="{AE24FBA4-AA9B-481A-9D0D-E1A115033A14}"/>
+              </a:ext>
+            </a:extLst>
+          </p:cNvPr>
+          <p:cNvSpPr/>
+          <p:nvPr/>
+        </p:nvSpPr>
+        <p:spPr>
+          <a:xfrm>
+            <a:off x="2977975" y="2215299"/>
+            <a:ext cx="7025561" cy="2771480"/>
+          </a:xfrm>
+          <a:prstGeom prst="roundRect">
+            <a:avLst/>
+          </a:prstGeom>
+          <a:noFill/>
+          <a:ln w="19050">
+            <a:solidFill>
+              <a:srgbClr val="FF0000"/>
+            </a:solidFill>
+            <a:prstDash val="sysDash"/>
+          </a:ln>
+        </p:spPr>
+        <p:style>
+          <a:lnRef idx="2">
+            <a:schemeClr val="accent1">
+              <a:shade val="50000"/>
+            </a:schemeClr>
+          </a:lnRef>
+          <a:fillRef idx="1">
+            <a:schemeClr val="accent1"/>
+          </a:fillRef>
+          <a:effectRef idx="0">
+            <a:schemeClr val="accent1"/>
+          </a:effectRef>
+          <a:fontRef idx="minor">
+            <a:schemeClr val="lt1"/>
+          </a:fontRef>
+        </p:style>
+        <p:txBody>
+          <a:bodyPr rtlCol="0" anchor="ctr"/>
+          <a:lstStyle/>
+          <a:p>
+            <a:pPr algn="ctr"/>
+            <a:endParaRPr lang="en-SG" dirty="0"/>
+          </a:p>
+        </p:txBody>
+      </p:sp>
+      <p:sp>
+        <p:nvSpPr>
+          <p:cNvPr id="14" name="Rectangle: Rounded Corners 13">
+            <a:extLst>
+              <a:ext uri="{FF2B5EF4-FFF2-40B4-BE49-F238E27FC236}">
+                <a16:creationId xmlns:a16="http://schemas.microsoft.com/office/drawing/2014/main" id="{FDDD965E-EABF-44AB-ACE4-2DA2168F1C6E}"/>
+              </a:ext>
+            </a:extLst>
+          </p:cNvPr>
+          <p:cNvSpPr/>
+          <p:nvPr/>
+        </p:nvSpPr>
+        <p:spPr>
+          <a:xfrm>
+            <a:off x="7652931" y="1933768"/>
+            <a:ext cx="2259244" cy="429767"/>
+          </a:xfrm>
+          <a:prstGeom prst="roundRect">
+            <a:avLst/>
+          </a:prstGeom>
+          <a:solidFill>
+            <a:srgbClr val="F86262"/>
+          </a:solidFill>
+          <a:ln>
+            <a:solidFill>
+              <a:srgbClr val="FF0000"/>
+            </a:solidFill>
+          </a:ln>
+        </p:spPr>
+        <p:style>
+          <a:lnRef idx="2">
+            <a:schemeClr val="accent1">
+              <a:shade val="50000"/>
+            </a:schemeClr>
+          </a:lnRef>
+          <a:fillRef idx="1">
+            <a:schemeClr val="accent1"/>
+          </a:fillRef>
+          <a:effectRef idx="0">
+            <a:schemeClr val="accent1"/>
+          </a:effectRef>
+          <a:fontRef idx="minor">
+            <a:schemeClr val="lt1"/>
+          </a:fontRef>
+        </p:style>
+        <p:txBody>
+          <a:bodyPr rtlCol="0" anchor="ctr"/>
+          <a:lstStyle/>
+          <a:p>
+            <a:pPr algn="ctr"/>
+            <a:r>
+              <a:rPr lang="en-SG" sz="1400" dirty="0">
+                <a:solidFill>
+                  <a:schemeClr val="tx1"/>
+                </a:solidFill>
+                <a:effectLst>
+                  <a:outerShdw blurRad="38100" dist="38100" dir="2700000" algn="tl">
+                    <a:srgbClr val="000000">
+                      <a:alpha val="43137"/>
+                    </a:srgbClr>
+                  </a:outerShdw>
+                </a:effectLst>
+                <a:latin typeface="Bahnschrift Light Condensed" panose="020B0502040204020203" pitchFamily="34" charset="0"/>
+              </a:rPr>
+              <a:t>Game Result and</a:t>
+            </a:r>
+          </a:p>
+          <a:p>
+            <a:pPr algn="ctr"/>
+            <a:r>
+              <a:rPr lang="en-SG" sz="1400" dirty="0">
+                <a:solidFill>
+                  <a:schemeClr val="tx1"/>
+                </a:solidFill>
+                <a:effectLst>
+                  <a:outerShdw blurRad="38100" dist="38100" dir="2700000" algn="tl">
+                    <a:srgbClr val="000000">
+                      <a:alpha val="43137"/>
+                    </a:srgbClr>
+                  </a:outerShdw>
+                </a:effectLst>
+                <a:latin typeface="Bahnschrift Light Condensed" panose="020B0502040204020203" pitchFamily="34" charset="0"/>
+              </a:rPr>
+              <a:t> </a:t>
+            </a:r>
+            <a:r>
+              <a:rPr lang="en-SG" sz="1400" b="1" dirty="0">
+                <a:solidFill>
+                  <a:schemeClr val="tx1"/>
+                </a:solidFill>
+                <a:effectLst>
+                  <a:outerShdw blurRad="38100" dist="38100" dir="2700000" algn="tl">
+                    <a:srgbClr val="000000">
+                      <a:alpha val="43137"/>
+                    </a:srgbClr>
+                  </a:outerShdw>
+                </a:effectLst>
+                <a:latin typeface="Bahnschrift Light Condensed" panose="020B0502040204020203" pitchFamily="34" charset="0"/>
+              </a:rPr>
+              <a:t>Statistics</a:t>
+            </a:r>
+            <a:r>
+              <a:rPr lang="en-SG" sz="1400" dirty="0">
+                <a:solidFill>
+                  <a:schemeClr val="tx1"/>
+                </a:solidFill>
+                <a:effectLst>
+                  <a:outerShdw blurRad="38100" dist="38100" dir="2700000" algn="tl">
+                    <a:srgbClr val="000000">
+                      <a:alpha val="43137"/>
+                    </a:srgbClr>
+                  </a:outerShdw>
+                </a:effectLst>
+                <a:latin typeface="Bahnschrift Light Condensed" panose="020B0502040204020203" pitchFamily="34" charset="0"/>
+              </a:rPr>
+              <a:t> are shown here</a:t>
+            </a:r>
+          </a:p>
+        </p:txBody>
+      </p:sp>
+      <p:sp>
+        <p:nvSpPr>
+          <p:cNvPr id="16" name="Rectangle: Rounded Corners 15">
+            <a:extLst>
+              <a:ext uri="{FF2B5EF4-FFF2-40B4-BE49-F238E27FC236}">
+                <a16:creationId xmlns:a16="http://schemas.microsoft.com/office/drawing/2014/main" id="{A1BC5BDE-DCBB-4280-8F82-4A7448238CE9}"/>
+              </a:ext>
+            </a:extLst>
+          </p:cNvPr>
+          <p:cNvSpPr/>
+          <p:nvPr/>
+        </p:nvSpPr>
+        <p:spPr>
+          <a:xfrm>
+            <a:off x="2977975" y="5090474"/>
+            <a:ext cx="7100326" cy="1350965"/>
+          </a:xfrm>
+          <a:prstGeom prst="roundRect">
+            <a:avLst/>
+          </a:prstGeom>
+          <a:noFill/>
+          <a:ln w="19050">
+            <a:solidFill>
+              <a:srgbClr val="00B050"/>
+            </a:solidFill>
+            <a:prstDash val="sysDash"/>
+          </a:ln>
+        </p:spPr>
+        <p:style>
+          <a:lnRef idx="2">
+            <a:schemeClr val="accent1">
+              <a:shade val="50000"/>
+            </a:schemeClr>
+          </a:lnRef>
+          <a:fillRef idx="1">
+            <a:schemeClr val="accent1"/>
+          </a:fillRef>
+          <a:effectRef idx="0">
+            <a:schemeClr val="accent1"/>
+          </a:effectRef>
+          <a:fontRef idx="minor">
+            <a:schemeClr val="lt1"/>
+          </a:fontRef>
+        </p:style>
+        <p:txBody>
+          <a:bodyPr rtlCol="0" anchor="ctr"/>
+          <a:lstStyle/>
+          <a:p>
+            <a:pPr algn="ctr"/>
+            <a:endParaRPr lang="en-SG" dirty="0"/>
+          </a:p>
+        </p:txBody>
+      </p:sp>
+      <p:sp>
+        <p:nvSpPr>
+          <p:cNvPr id="17" name="Rectangle: Rounded Corners 16">
+            <a:extLst>
+              <a:ext uri="{FF2B5EF4-FFF2-40B4-BE49-F238E27FC236}">
+                <a16:creationId xmlns:a16="http://schemas.microsoft.com/office/drawing/2014/main" id="{79DCB0F3-DF05-4884-AF11-40152EE3ABB6}"/>
+              </a:ext>
+            </a:extLst>
+          </p:cNvPr>
+          <p:cNvSpPr/>
+          <p:nvPr/>
+        </p:nvSpPr>
+        <p:spPr>
+          <a:xfrm>
+            <a:off x="7598156" y="4933700"/>
+            <a:ext cx="2466340" cy="429767"/>
+          </a:xfrm>
+          <a:prstGeom prst="roundRect">
+            <a:avLst/>
+          </a:prstGeom>
+          <a:solidFill>
+            <a:srgbClr val="92D050"/>
+          </a:solidFill>
+          <a:ln>
+            <a:solidFill>
+              <a:srgbClr val="00B050"/>
+            </a:solidFill>
+          </a:ln>
+        </p:spPr>
+        <p:style>
+          <a:lnRef idx="2">
+            <a:schemeClr val="accent1">
+              <a:shade val="50000"/>
+            </a:schemeClr>
+          </a:lnRef>
+          <a:fillRef idx="1">
+            <a:schemeClr val="accent1"/>
+          </a:fillRef>
+          <a:effectRef idx="0">
+            <a:schemeClr val="accent1"/>
+          </a:effectRef>
+          <a:fontRef idx="minor">
+            <a:schemeClr val="lt1"/>
+          </a:fontRef>
+        </p:style>
+        <p:txBody>
+          <a:bodyPr rtlCol="0" anchor="ctr"/>
+          <a:lstStyle/>
+          <a:p>
+            <a:pPr algn="ctr"/>
+            <a:r>
+              <a:rPr lang="en-SG" sz="1400" b="1" dirty="0">
+                <a:solidFill>
+                  <a:schemeClr val="tx1"/>
+                </a:solidFill>
+                <a:effectLst>
+                  <a:outerShdw blurRad="38100" dist="38100" dir="2700000" algn="tl">
+                    <a:srgbClr val="000000">
+                      <a:alpha val="43137"/>
+                    </a:srgbClr>
+                  </a:outerShdw>
+                </a:effectLst>
+                <a:latin typeface="Bahnschrift Light Condensed" panose="020B0502040204020203" pitchFamily="34" charset="0"/>
+              </a:rPr>
+              <a:t>Cards</a:t>
+            </a:r>
+            <a:r>
+              <a:rPr lang="en-SG" sz="1400" dirty="0">
+                <a:solidFill>
+                  <a:schemeClr val="tx1"/>
+                </a:solidFill>
+                <a:effectLst>
+                  <a:outerShdw blurRad="38100" dist="38100" dir="2700000" algn="tl">
+                    <a:srgbClr val="000000">
+                      <a:alpha val="43137"/>
+                    </a:srgbClr>
+                  </a:outerShdw>
+                </a:effectLst>
+                <a:latin typeface="Bahnschrift Light Condensed" panose="020B0502040204020203" pitchFamily="34" charset="0"/>
+              </a:rPr>
+              <a:t> answered wrongly shown here</a:t>
+            </a:r>
+            <a:endParaRPr lang="en-SG" sz="1400" b="1" dirty="0">
+              <a:solidFill>
+                <a:schemeClr val="tx1"/>
+              </a:solidFill>
+              <a:effectLst>
+                <a:outerShdw blurRad="38100" dist="38100" dir="2700000" algn="tl">
+                  <a:srgbClr val="000000">
+                    <a:alpha val="43137"/>
+                  </a:srgbClr>
+                </a:outerShdw>
+              </a:effectLst>
+              <a:latin typeface="Bahnschrift Light Condensed" panose="020B0502040204020203" pitchFamily="34" charset="0"/>
+            </a:endParaRPr>
+          </a:p>
+        </p:txBody>
+      </p:sp>
+    </p:spTree>
+    <p:extLst>
+      <p:ext uri="{BB962C8B-B14F-4D97-AF65-F5344CB8AC3E}">
+        <p14:creationId xmlns:p14="http://schemas.microsoft.com/office/powerpoint/2010/main" val="2558258663"/>
+      </p:ext>
+    </p:extLst>
+  </p:cSld>
+  <p:clrMapOvr>
+    <a:masterClrMapping/>
+  </p:clrMapOvr>
+</p:sld>
+</file>
+
+<file path=ppt/slides/slide7.xml><?xml version="1.0" encoding="utf-8"?>
+<p:sld xmlns:a="http://schemas.openxmlformats.org/drawingml/2006/main" xmlns:r="http://schemas.openxmlformats.org/officeDocument/2006/relationships" xmlns:p="http://schemas.openxmlformats.org/presentationml/2006/main">
+  <p:cSld>
+    <p:spTree>
+      <p:nvGrpSpPr>
+        <p:cNvPr id="1" name=""/>
+        <p:cNvGrpSpPr/>
+        <p:nvPr/>
+      </p:nvGrpSpPr>
+      <p:grpSpPr>
+        <a:xfrm>
+          <a:off x="0" y="0"/>
+          <a:ext cx="0" cy="0"/>
+          <a:chOff x="0" y="0"/>
+          <a:chExt cx="0" cy="0"/>
+        </a:xfrm>
+      </p:grpSpPr>
+      <p:grpSp>
+        <p:nvGrpSpPr>
+          <p:cNvPr id="7" name="Group 6">
+            <a:extLst>
+              <a:ext uri="{FF2B5EF4-FFF2-40B4-BE49-F238E27FC236}">
+                <a16:creationId xmlns:a16="http://schemas.microsoft.com/office/drawing/2014/main" id="{45DED426-3C43-4D82-9555-865CCA00F127}"/>
+              </a:ext>
+            </a:extLst>
+          </p:cNvPr>
+          <p:cNvGrpSpPr/>
+          <p:nvPr/>
+        </p:nvGrpSpPr>
+        <p:grpSpPr>
+          <a:xfrm>
+            <a:off x="2977975" y="286603"/>
+            <a:ext cx="7043850" cy="6133051"/>
+            <a:chOff x="2977975" y="286603"/>
+            <a:chExt cx="7043850" cy="6133051"/>
+          </a:xfrm>
+        </p:grpSpPr>
+        <p:pic>
+          <p:nvPicPr>
+            <p:cNvPr id="4" name="Picture 3">
+              <a:extLst>
+                <a:ext uri="{FF2B5EF4-FFF2-40B4-BE49-F238E27FC236}">
+                  <a16:creationId xmlns:a16="http://schemas.microsoft.com/office/drawing/2014/main" id="{06C69A90-07D7-488D-9952-3C6D6B7A565F}"/>
+                </a:ext>
+              </a:extLst>
+            </p:cNvPr>
+            <p:cNvPicPr>
+              <a:picLocks noChangeAspect="1"/>
+            </p:cNvPicPr>
+            <p:nvPr/>
+          </p:nvPicPr>
+          <p:blipFill rotWithShape="1">
+            <a:blip r:embed="rId2"/>
+            <a:srcRect l="24437" t="4180" r="17800" b="6392"/>
+            <a:stretch/>
+          </p:blipFill>
+          <p:spPr>
+            <a:xfrm>
+              <a:off x="2979421" y="286603"/>
+              <a:ext cx="7042404" cy="6133051"/>
+            </a:xfrm>
+            <a:prstGeom prst="rect">
+              <a:avLst/>
+            </a:prstGeom>
+            <a:solidFill>
+              <a:srgbClr val="FFFFFF">
+                <a:shade val="85000"/>
+              </a:srgbClr>
+            </a:solidFill>
+            <a:ln w="88900" cap="sq">
+              <a:solidFill>
+                <a:srgbClr val="FFFFFF"/>
+              </a:solidFill>
+              <a:miter lim="800000"/>
+            </a:ln>
+            <a:effectLst>
+              <a:outerShdw blurRad="55000" dist="18000" dir="5400000" algn="tl" rotWithShape="0">
+                <a:srgbClr val="000000">
+                  <a:alpha val="40000"/>
+                </a:srgbClr>
+              </a:outerShdw>
+            </a:effectLst>
+            <a:scene3d>
+              <a:camera prst="orthographicFront"/>
+              <a:lightRig rig="twoPt" dir="t">
+                <a:rot lat="0" lon="0" rev="7200000"/>
+              </a:lightRig>
+            </a:scene3d>
+            <a:sp3d>
+              <a:bevelT w="25400" h="19050"/>
+              <a:contourClr>
+                <a:srgbClr val="FFFFFF"/>
+              </a:contourClr>
+            </a:sp3d>
+          </p:spPr>
+        </p:pic>
+        <p:sp>
+          <p:nvSpPr>
+            <p:cNvPr id="5" name="Rectangle: Rounded Corners 4">
+              <a:extLst>
+                <a:ext uri="{FF2B5EF4-FFF2-40B4-BE49-F238E27FC236}">
+                  <a16:creationId xmlns:a16="http://schemas.microsoft.com/office/drawing/2014/main" id="{0E0E444D-BFC2-4CAD-9E3F-BC56BE752500}"/>
+                </a:ext>
+              </a:extLst>
+            </p:cNvPr>
+            <p:cNvSpPr/>
+            <p:nvPr/>
+          </p:nvSpPr>
+          <p:spPr>
+            <a:xfrm>
+              <a:off x="2977975" y="1517714"/>
+              <a:ext cx="7025561" cy="782426"/>
+            </a:xfrm>
+            <a:prstGeom prst="roundRect">
+              <a:avLst/>
+            </a:prstGeom>
+            <a:noFill/>
+            <a:ln w="19050">
+              <a:solidFill>
+                <a:schemeClr val="bg2">
+                  <a:lumMod val="75000"/>
+                </a:schemeClr>
+              </a:solidFill>
+              <a:prstDash val="sysDash"/>
+            </a:ln>
+          </p:spPr>
+          <p:style>
+            <a:lnRef idx="2">
+              <a:schemeClr val="accent1">
+                <a:shade val="50000"/>
+              </a:schemeClr>
+            </a:lnRef>
+            <a:fillRef idx="1">
+              <a:schemeClr val="accent1"/>
+            </a:fillRef>
+            <a:effectRef idx="0">
+              <a:schemeClr val="accent1"/>
+            </a:effectRef>
+            <a:fontRef idx="minor">
+              <a:schemeClr val="lt1"/>
+            </a:fontRef>
+          </p:style>
+          <p:txBody>
+            <a:bodyPr rtlCol="0" anchor="ctr"/>
+            <a:lstStyle/>
+            <a:p>
+              <a:pPr algn="ctr"/>
+              <a:endParaRPr lang="en-SG" dirty="0"/>
+            </a:p>
+          </p:txBody>
+        </p:sp>
+        <p:sp>
+          <p:nvSpPr>
+            <p:cNvPr id="6" name="Rectangle: Rounded Corners 5">
+              <a:extLst>
+                <a:ext uri="{FF2B5EF4-FFF2-40B4-BE49-F238E27FC236}">
+                  <a16:creationId xmlns:a16="http://schemas.microsoft.com/office/drawing/2014/main" id="{830CE4AE-0457-4742-A9B0-7D5195B14D99}"/>
+                </a:ext>
+              </a:extLst>
+            </p:cNvPr>
+            <p:cNvSpPr/>
+            <p:nvPr/>
+          </p:nvSpPr>
+          <p:spPr>
+            <a:xfrm>
+              <a:off x="7652931" y="1236183"/>
+              <a:ext cx="2259244" cy="532399"/>
+            </a:xfrm>
+            <a:prstGeom prst="roundRect">
+              <a:avLst/>
+            </a:prstGeom>
+            <a:gradFill flip="none" rotWithShape="1">
+              <a:gsLst>
+                <a:gs pos="0">
+                  <a:schemeClr val="bg2">
+                    <a:lumMod val="90000"/>
+                    <a:tint val="66000"/>
+                    <a:satMod val="160000"/>
+                  </a:schemeClr>
+                </a:gs>
+                <a:gs pos="50000">
+                  <a:schemeClr val="bg2">
+                    <a:lumMod val="90000"/>
+                    <a:tint val="44500"/>
+                    <a:satMod val="160000"/>
+                  </a:schemeClr>
+                </a:gs>
+                <a:gs pos="100000">
+                  <a:schemeClr val="bg2">
+                    <a:lumMod val="90000"/>
+                    <a:tint val="23500"/>
+                    <a:satMod val="160000"/>
+                  </a:schemeClr>
+                </a:gs>
+              </a:gsLst>
+              <a:lin ang="8100000" scaled="1"/>
+              <a:tileRect/>
+            </a:gradFill>
+            <a:ln>
+              <a:solidFill>
+                <a:schemeClr val="bg2">
+                  <a:lumMod val="50000"/>
+                </a:schemeClr>
+              </a:solidFill>
+            </a:ln>
+          </p:spPr>
+          <p:style>
+            <a:lnRef idx="2">
+              <a:schemeClr val="accent1">
+                <a:shade val="50000"/>
+              </a:schemeClr>
+            </a:lnRef>
+            <a:fillRef idx="1">
+              <a:schemeClr val="accent1"/>
+            </a:fillRef>
+            <a:effectRef idx="0">
+              <a:schemeClr val="accent1"/>
+            </a:effectRef>
+            <a:fontRef idx="minor">
+              <a:schemeClr val="lt1"/>
+            </a:fontRef>
+          </p:style>
+          <p:txBody>
+            <a:bodyPr rtlCol="0" anchor="ctr"/>
+            <a:lstStyle/>
+            <a:p>
+              <a:pPr algn="ctr"/>
+              <a:r>
+                <a:rPr lang="en-SG" sz="1400" dirty="0">
+                  <a:solidFill>
+                    <a:schemeClr val="tx1"/>
+                  </a:solidFill>
+                  <a:effectLst>
+                    <a:outerShdw blurRad="38100" dist="38100" dir="2700000" algn="tl">
+                      <a:srgbClr val="000000">
+                        <a:alpha val="43137"/>
+                      </a:srgbClr>
+                    </a:outerShdw>
+                  </a:effectLst>
+                  <a:latin typeface="Bahnschrift Light Condensed" panose="020B0502040204020203" pitchFamily="34" charset="0"/>
+                </a:rPr>
+                <a:t>Feedback when </a:t>
+              </a:r>
+              <a:r>
+                <a:rPr lang="en-SG" sz="1400" b="1" dirty="0">
+                  <a:solidFill>
+                    <a:schemeClr val="tx1"/>
+                  </a:solidFill>
+                  <a:effectLst>
+                    <a:outerShdw blurRad="38100" dist="38100" dir="2700000" algn="tl">
+                      <a:srgbClr val="000000">
+                        <a:alpha val="43137"/>
+                      </a:srgbClr>
+                    </a:outerShdw>
+                  </a:effectLst>
+                  <a:latin typeface="Bahnschrift Light Condensed" panose="020B0502040204020203" pitchFamily="34" charset="0"/>
+                </a:rPr>
+                <a:t>Game</a:t>
+              </a:r>
+            </a:p>
+            <a:p>
+              <a:pPr algn="ctr"/>
+              <a:r>
+                <a:rPr lang="en-SG" sz="1400" b="1" dirty="0">
+                  <a:solidFill>
+                    <a:schemeClr val="tx1"/>
+                  </a:solidFill>
+                  <a:effectLst>
+                    <a:outerShdw blurRad="38100" dist="38100" dir="2700000" algn="tl">
+                      <a:srgbClr val="000000">
+                        <a:alpha val="43137"/>
+                      </a:srgbClr>
+                    </a:outerShdw>
+                  </a:effectLst>
+                  <a:latin typeface="Bahnschrift Light Condensed" panose="020B0502040204020203" pitchFamily="34" charset="0"/>
+                </a:rPr>
+                <a:t> </a:t>
+              </a:r>
+              <a:r>
+                <a:rPr lang="en-SG" sz="1400" dirty="0">
+                  <a:solidFill>
+                    <a:schemeClr val="tx1"/>
+                  </a:solidFill>
+                  <a:effectLst>
+                    <a:outerShdw blurRad="38100" dist="38100" dir="2700000" algn="tl">
+                      <a:srgbClr val="000000">
+                        <a:alpha val="43137"/>
+                      </a:srgbClr>
+                    </a:outerShdw>
+                  </a:effectLst>
+                  <a:latin typeface="Bahnschrift Light Condensed" panose="020B0502040204020203" pitchFamily="34" charset="0"/>
+                </a:rPr>
+                <a:t>is stopped</a:t>
+              </a:r>
+            </a:p>
+          </p:txBody>
+        </p:sp>
+      </p:grpSp>
+    </p:spTree>
+    <p:extLst>
+      <p:ext uri="{BB962C8B-B14F-4D97-AF65-F5344CB8AC3E}">
+        <p14:creationId xmlns:p14="http://schemas.microsoft.com/office/powerpoint/2010/main" val="1795090436"/>
+      </p:ext>
+    </p:extLst>
+  </p:cSld>
+  <p:clrMapOvr>
+    <a:masterClrMapping/>
+  </p:clrMapOvr>
+</p:sld>
+</file>
+
 <file path=ppt/theme/theme1.xml><?xml version="1.0" encoding="utf-8"?>
 <a:theme xmlns:a="http://schemas.openxmlformats.org/drawingml/2006/main" name="Retrospect">
   <a:themeElements>

--- a/docs/diagrams/powerpoint/User Guide Diagrams.pptx
+++ b/docs/diagrams/powerpoint/User Guide Diagrams.pptx
@@ -5,7 +5,7 @@
     <p:sldMasterId id="2147483761" r:id="rId1"/>
   </p:sldMasterIdLst>
   <p:notesMasterIdLst>
-    <p:notesMasterId r:id="rId9"/>
+    <p:notesMasterId r:id="rId10"/>
   </p:notesMasterIdLst>
   <p:sldIdLst>
     <p:sldId id="256" r:id="rId2"/>
@@ -15,6 +15,7 @@
     <p:sldId id="260" r:id="rId6"/>
     <p:sldId id="261" r:id="rId7"/>
     <p:sldId id="262" r:id="rId8"/>
+    <p:sldId id="263" r:id="rId9"/>
   </p:sldIdLst>
   <p:sldSz cx="12192000" cy="6858000"/>
   <p:notesSz cx="6858000" cy="9144000"/>
@@ -1057,6 +1058,93 @@
     <p:extLst>
       <p:ext uri="{BB962C8B-B14F-4D97-AF65-F5344CB8AC3E}">
         <p14:creationId xmlns:p14="http://schemas.microsoft.com/office/powerpoint/2010/main" val="2530896308"/>
+      </p:ext>
+    </p:extLst>
+  </p:cSld>
+  <p:clrMapOvr>
+    <a:masterClrMapping/>
+  </p:clrMapOvr>
+</p:notes>
+</file>
+
+<file path=ppt/notesSlides/notesSlide7.xml><?xml version="1.0" encoding="utf-8"?>
+<p:notes xmlns:a="http://schemas.openxmlformats.org/drawingml/2006/main" xmlns:r="http://schemas.openxmlformats.org/officeDocument/2006/relationships" xmlns:p="http://schemas.openxmlformats.org/presentationml/2006/main">
+  <p:cSld>
+    <p:spTree>
+      <p:nvGrpSpPr>
+        <p:cNvPr id="1" name=""/>
+        <p:cNvGrpSpPr/>
+        <p:nvPr/>
+      </p:nvGrpSpPr>
+      <p:grpSpPr>
+        <a:xfrm>
+          <a:off x="0" y="0"/>
+          <a:ext cx="0" cy="0"/>
+          <a:chOff x="0" y="0"/>
+          <a:chExt cx="0" cy="0"/>
+        </a:xfrm>
+      </p:grpSpPr>
+      <p:sp>
+        <p:nvSpPr>
+          <p:cNvPr id="2" name="Slide Image Placeholder 1"/>
+          <p:cNvSpPr>
+            <a:spLocks noGrp="1" noRot="1" noChangeAspect="1"/>
+          </p:cNvSpPr>
+          <p:nvPr>
+            <p:ph type="sldImg"/>
+          </p:nvPr>
+        </p:nvSpPr>
+        <p:spPr/>
+      </p:sp>
+      <p:sp>
+        <p:nvSpPr>
+          <p:cNvPr id="3" name="Notes Placeholder 2"/>
+          <p:cNvSpPr>
+            <a:spLocks noGrp="1"/>
+          </p:cNvSpPr>
+          <p:nvPr>
+            <p:ph type="body" idx="1"/>
+          </p:nvPr>
+        </p:nvSpPr>
+        <p:spPr/>
+        <p:txBody>
+          <a:bodyPr/>
+          <a:lstStyle/>
+          <a:p>
+            <a:r>
+              <a:rPr lang="en-SG" dirty="0"/>
+              <a:t>UI Pic</a:t>
+            </a:r>
+          </a:p>
+        </p:txBody>
+      </p:sp>
+      <p:sp>
+        <p:nvSpPr>
+          <p:cNvPr id="4" name="Slide Number Placeholder 3"/>
+          <p:cNvSpPr>
+            <a:spLocks noGrp="1"/>
+          </p:cNvSpPr>
+          <p:nvPr>
+            <p:ph type="sldNum" sz="quarter" idx="5"/>
+          </p:nvPr>
+        </p:nvSpPr>
+        <p:spPr/>
+        <p:txBody>
+          <a:bodyPr/>
+          <a:lstStyle/>
+          <a:p>
+            <a:fld id="{0FCAFDEF-04E4-4E08-87E8-ABCCC2F47D5C}" type="slidenum">
+              <a:rPr lang="en-SG" smtClean="0"/>
+              <a:t>8</a:t>
+            </a:fld>
+            <a:endParaRPr lang="en-SG"/>
+          </a:p>
+        </p:txBody>
+      </p:sp>
+    </p:spTree>
+    <p:extLst>
+      <p:ext uri="{BB962C8B-B14F-4D97-AF65-F5344CB8AC3E}">
+        <p14:creationId xmlns:p14="http://schemas.microsoft.com/office/powerpoint/2010/main" val="3724162855"/>
       </p:ext>
     </p:extLst>
   </p:cSld>
@@ -13284,6 +13372,125 @@
 </p:sld>
 </file>
 
+<file path=ppt/slides/slide8.xml><?xml version="1.0" encoding="utf-8"?>
+<p:sld xmlns:a="http://schemas.openxmlformats.org/drawingml/2006/main" xmlns:r="http://schemas.openxmlformats.org/officeDocument/2006/relationships" xmlns:p="http://schemas.openxmlformats.org/presentationml/2006/main">
+  <p:cSld>
+    <p:spTree>
+      <p:nvGrpSpPr>
+        <p:cNvPr id="1" name=""/>
+        <p:cNvGrpSpPr/>
+        <p:nvPr/>
+      </p:nvGrpSpPr>
+      <p:grpSpPr>
+        <a:xfrm>
+          <a:off x="0" y="0"/>
+          <a:ext cx="0" cy="0"/>
+          <a:chOff x="0" y="0"/>
+          <a:chExt cx="0" cy="0"/>
+        </a:xfrm>
+      </p:grpSpPr>
+      <p:sp>
+        <p:nvSpPr>
+          <p:cNvPr id="2" name="Title 1">
+            <a:extLst>
+              <a:ext uri="{FF2B5EF4-FFF2-40B4-BE49-F238E27FC236}">
+                <a16:creationId xmlns:a16="http://schemas.microsoft.com/office/drawing/2014/main" id="{E70CC326-E048-4666-92D1-EE93F81C75B2}"/>
+              </a:ext>
+            </a:extLst>
+          </p:cNvPr>
+          <p:cNvSpPr>
+            <a:spLocks noGrp="1"/>
+          </p:cNvSpPr>
+          <p:nvPr>
+            <p:ph type="title"/>
+          </p:nvPr>
+        </p:nvSpPr>
+        <p:spPr/>
+        <p:txBody>
+          <a:bodyPr/>
+          <a:lstStyle/>
+          <a:p>
+            <a:endParaRPr lang="en-SG"/>
+          </a:p>
+        </p:txBody>
+      </p:sp>
+      <p:sp>
+        <p:nvSpPr>
+          <p:cNvPr id="3" name="Content Placeholder 2">
+            <a:extLst>
+              <a:ext uri="{FF2B5EF4-FFF2-40B4-BE49-F238E27FC236}">
+                <a16:creationId xmlns:a16="http://schemas.microsoft.com/office/drawing/2014/main" id="{017416C7-AE5F-48DD-91E0-161486727C52}"/>
+              </a:ext>
+            </a:extLst>
+          </p:cNvPr>
+          <p:cNvSpPr>
+            <a:spLocks noGrp="1"/>
+          </p:cNvSpPr>
+          <p:nvPr>
+            <p:ph idx="1"/>
+          </p:nvPr>
+        </p:nvSpPr>
+        <p:spPr/>
+        <p:txBody>
+          <a:bodyPr/>
+          <a:lstStyle/>
+          <a:p>
+            <a:endParaRPr lang="en-SG"/>
+          </a:p>
+        </p:txBody>
+      </p:sp>
+      <p:pic>
+        <p:nvPicPr>
+          <p:cNvPr id="9" name="Picture 8">
+            <a:extLst>
+              <a:ext uri="{FF2B5EF4-FFF2-40B4-BE49-F238E27FC236}">
+                <a16:creationId xmlns:a16="http://schemas.microsoft.com/office/drawing/2014/main" id="{751EE8B3-8063-4B95-BBDD-243173A28F1E}"/>
+              </a:ext>
+            </a:extLst>
+          </p:cNvPr>
+          <p:cNvPicPr>
+            <a:picLocks noChangeAspect="1"/>
+          </p:cNvPicPr>
+          <p:nvPr/>
+        </p:nvPicPr>
+        <p:blipFill rotWithShape="1">
+          <a:blip r:embed="rId3"/>
+          <a:srcRect t="2400" b="5333"/>
+          <a:stretch/>
+        </p:blipFill>
+        <p:spPr>
+          <a:xfrm>
+            <a:off x="0" y="164592"/>
+            <a:ext cx="12192000" cy="6327648"/>
+          </a:xfrm>
+          <a:prstGeom prst="rect">
+            <a:avLst/>
+          </a:prstGeom>
+          <a:ln>
+            <a:noFill/>
+          </a:ln>
+          <a:effectLst>
+            <a:outerShdw blurRad="190500" algn="tl" rotWithShape="0">
+              <a:srgbClr val="000000">
+                <a:alpha val="70000"/>
+              </a:srgbClr>
+            </a:outerShdw>
+          </a:effectLst>
+        </p:spPr>
+      </p:pic>
+    </p:spTree>
+    <p:extLst>
+      <p:ext uri="{BB962C8B-B14F-4D97-AF65-F5344CB8AC3E}">
+        <p14:creationId xmlns:p14="http://schemas.microsoft.com/office/powerpoint/2010/main" val="965872846"/>
+      </p:ext>
+    </p:extLst>
+  </p:cSld>
+  <p:clrMapOvr>
+    <a:masterClrMapping/>
+  </p:clrMapOvr>
+</p:sld>
+</file>
+
 <file path=ppt/theme/theme1.xml><?xml version="1.0" encoding="utf-8"?>
 <a:theme xmlns:a="http://schemas.openxmlformats.org/drawingml/2006/main" name="Retrospect">
   <a:themeElements>

--- a/docs/diagrams/powerpoint/User Guide Diagrams.pptx
+++ b/docs/diagrams/powerpoint/User Guide Diagrams.pptx
@@ -5,17 +5,18 @@
     <p:sldMasterId id="2147483761" r:id="rId1"/>
   </p:sldMasterIdLst>
   <p:notesMasterIdLst>
-    <p:notesMasterId r:id="rId10"/>
+    <p:notesMasterId r:id="rId11"/>
   </p:notesMasterIdLst>
   <p:sldIdLst>
     <p:sldId id="256" r:id="rId2"/>
     <p:sldId id="257" r:id="rId3"/>
-    <p:sldId id="258" r:id="rId4"/>
-    <p:sldId id="259" r:id="rId5"/>
-    <p:sldId id="260" r:id="rId6"/>
-    <p:sldId id="261" r:id="rId7"/>
-    <p:sldId id="262" r:id="rId8"/>
-    <p:sldId id="263" r:id="rId9"/>
+    <p:sldId id="264" r:id="rId4"/>
+    <p:sldId id="258" r:id="rId5"/>
+    <p:sldId id="259" r:id="rId6"/>
+    <p:sldId id="260" r:id="rId7"/>
+    <p:sldId id="261" r:id="rId8"/>
+    <p:sldId id="262" r:id="rId9"/>
+    <p:sldId id="263" r:id="rId10"/>
   </p:sldIdLst>
   <p:sldSz cx="12192000" cy="6858000"/>
   <p:notesSz cx="6858000" cy="9144000"/>
@@ -216,7 +217,7 @@
           <a:p>
             <a:fld id="{5B2801D8-4D43-438D-9515-44C566CDC596}" type="datetimeFigureOut">
               <a:rPr lang="en-SG" smtClean="0"/>
-              <a:t>30/10/2019</a:t>
+              <a:t>1/11/2019</a:t>
             </a:fld>
             <a:endParaRPr lang="en-SG"/>
           </a:p>
@@ -704,8 +705,11 @@
           <a:p>
             <a:r>
               <a:rPr lang="en-SG" dirty="0"/>
-              <a:t>Command Box diagram</a:t>
+              <a:t>Rendered Version</a:t>
             </a:r>
+          </a:p>
+          <a:p>
+            <a:endParaRPr lang="en-SG" dirty="0"/>
           </a:p>
         </p:txBody>
       </p:sp>
@@ -735,7 +739,7 @@
     </p:spTree>
     <p:extLst>
       <p:ext uri="{BB962C8B-B14F-4D97-AF65-F5344CB8AC3E}">
-        <p14:creationId xmlns:p14="http://schemas.microsoft.com/office/powerpoint/2010/main" val="1430280050"/>
+        <p14:creationId xmlns:p14="http://schemas.microsoft.com/office/powerpoint/2010/main" val="1310565823"/>
       </p:ext>
     </p:extLst>
   </p:cSld>
@@ -791,7 +795,7 @@
           <a:p>
             <a:r>
               <a:rPr lang="en-SG" dirty="0"/>
-              <a:t>UserGuideGameSessionDiagram1</a:t>
+              <a:t>Command Box diagram</a:t>
             </a:r>
           </a:p>
         </p:txBody>
@@ -822,7 +826,7 @@
     </p:spTree>
     <p:extLst>
       <p:ext uri="{BB962C8B-B14F-4D97-AF65-F5344CB8AC3E}">
-        <p14:creationId xmlns:p14="http://schemas.microsoft.com/office/powerpoint/2010/main" val="186326868"/>
+        <p14:creationId xmlns:p14="http://schemas.microsoft.com/office/powerpoint/2010/main" val="1430280050"/>
       </p:ext>
     </p:extLst>
   </p:cSld>
@@ -876,30 +880,10 @@
           <a:bodyPr/>
           <a:lstStyle/>
           <a:p>
-            <a:pPr marL="0" marR="0" lvl="0" indent="0" algn="l" defTabSz="914400" rtl="0" eaLnBrk="1" fontAlgn="auto" latinLnBrk="0" hangingPunct="1">
-              <a:lnSpc>
-                <a:spcPct val="100000"/>
-              </a:lnSpc>
-              <a:spcBef>
-                <a:spcPts val="0"/>
-              </a:spcBef>
-              <a:spcAft>
-                <a:spcPts val="0"/>
-              </a:spcAft>
-              <a:buClrTx/>
-              <a:buSzTx/>
-              <a:buFontTx/>
-              <a:buNone/>
-              <a:tabLst/>
-              <a:defRPr/>
-            </a:pPr>
             <a:r>
               <a:rPr lang="en-SG" dirty="0"/>
-              <a:t>UserGuideGameSessionDiagram2</a:t>
+              <a:t>UserGuideGameSessionDiagram1</a:t>
             </a:r>
-          </a:p>
-          <a:p>
-            <a:endParaRPr lang="en-SG" dirty="0"/>
           </a:p>
         </p:txBody>
       </p:sp>
@@ -929,7 +913,7 @@
     </p:spTree>
     <p:extLst>
       <p:ext uri="{BB962C8B-B14F-4D97-AF65-F5344CB8AC3E}">
-        <p14:creationId xmlns:p14="http://schemas.microsoft.com/office/powerpoint/2010/main" val="3996602733"/>
+        <p14:creationId xmlns:p14="http://schemas.microsoft.com/office/powerpoint/2010/main" val="186326868"/>
       </p:ext>
     </p:extLst>
   </p:cSld>
@@ -1001,30 +985,9 @@
               <a:defRPr/>
             </a:pPr>
             <a:r>
-              <a:rPr lang="en-SG" dirty="0" err="1"/>
-              <a:t>UserGuideGameOverDiagram</a:t>
+              <a:rPr lang="en-SG" dirty="0"/>
+              <a:t>UserGuideGameSessionDiagram2</a:t>
             </a:r>
-            <a:endParaRPr lang="en-SG" dirty="0"/>
-          </a:p>
-          <a:p>
-            <a:pPr marL="0" marR="0" lvl="0" indent="0" algn="l" defTabSz="914400" rtl="0" eaLnBrk="1" fontAlgn="auto" latinLnBrk="0" hangingPunct="1">
-              <a:lnSpc>
-                <a:spcPct val="100000"/>
-              </a:lnSpc>
-              <a:spcBef>
-                <a:spcPts val="0"/>
-              </a:spcBef>
-              <a:spcAft>
-                <a:spcPts val="0"/>
-              </a:spcAft>
-              <a:buClrTx/>
-              <a:buSzTx/>
-              <a:buFontTx/>
-              <a:buNone/>
-              <a:tabLst/>
-              <a:defRPr/>
-            </a:pPr>
-            <a:endParaRPr lang="en-SG" dirty="0"/>
           </a:p>
           <a:p>
             <a:endParaRPr lang="en-SG" dirty="0"/>
@@ -1057,7 +1020,7 @@
     </p:spTree>
     <p:extLst>
       <p:ext uri="{BB962C8B-B14F-4D97-AF65-F5344CB8AC3E}">
-        <p14:creationId xmlns:p14="http://schemas.microsoft.com/office/powerpoint/2010/main" val="2530896308"/>
+        <p14:creationId xmlns:p14="http://schemas.microsoft.com/office/powerpoint/2010/main" val="3996602733"/>
       </p:ext>
     </p:extLst>
   </p:cSld>
@@ -1111,10 +1074,51 @@
           <a:bodyPr/>
           <a:lstStyle/>
           <a:p>
+            <a:pPr marL="0" marR="0" lvl="0" indent="0" algn="l" defTabSz="914400" rtl="0" eaLnBrk="1" fontAlgn="auto" latinLnBrk="0" hangingPunct="1">
+              <a:lnSpc>
+                <a:spcPct val="100000"/>
+              </a:lnSpc>
+              <a:spcBef>
+                <a:spcPts val="0"/>
+              </a:spcBef>
+              <a:spcAft>
+                <a:spcPts val="0"/>
+              </a:spcAft>
+              <a:buClrTx/>
+              <a:buSzTx/>
+              <a:buFontTx/>
+              <a:buNone/>
+              <a:tabLst/>
+              <a:defRPr/>
+            </a:pPr>
             <a:r>
-              <a:rPr lang="en-SG" dirty="0"/>
-              <a:t>UI Pic</a:t>
+              <a:rPr lang="en-SG" dirty="0" err="1"/>
+              <a:t>UserGuideGameOverDiagram</a:t>
             </a:r>
+            <a:endParaRPr lang="en-SG" dirty="0"/>
+          </a:p>
+          <a:p>
+            <a:pPr marL="0" marR="0" lvl="0" indent="0" algn="l" defTabSz="914400" rtl="0" eaLnBrk="1" fontAlgn="auto" latinLnBrk="0" hangingPunct="1">
+              <a:lnSpc>
+                <a:spcPct val="100000"/>
+              </a:lnSpc>
+              <a:spcBef>
+                <a:spcPts val="0"/>
+              </a:spcBef>
+              <a:spcAft>
+                <a:spcPts val="0"/>
+              </a:spcAft>
+              <a:buClrTx/>
+              <a:buSzTx/>
+              <a:buFontTx/>
+              <a:buNone/>
+              <a:tabLst/>
+              <a:defRPr/>
+            </a:pPr>
+            <a:endParaRPr lang="en-SG" dirty="0"/>
+          </a:p>
+          <a:p>
+            <a:endParaRPr lang="en-SG" dirty="0"/>
           </a:p>
         </p:txBody>
       </p:sp>
@@ -1135,7 +1139,94 @@
           <a:p>
             <a:fld id="{0FCAFDEF-04E4-4E08-87E8-ABCCC2F47D5C}" type="slidenum">
               <a:rPr lang="en-SG" smtClean="0"/>
-              <a:t>8</a:t>
+              <a:t>7</a:t>
+            </a:fld>
+            <a:endParaRPr lang="en-SG"/>
+          </a:p>
+        </p:txBody>
+      </p:sp>
+    </p:spTree>
+    <p:extLst>
+      <p:ext uri="{BB962C8B-B14F-4D97-AF65-F5344CB8AC3E}">
+        <p14:creationId xmlns:p14="http://schemas.microsoft.com/office/powerpoint/2010/main" val="2530896308"/>
+      </p:ext>
+    </p:extLst>
+  </p:cSld>
+  <p:clrMapOvr>
+    <a:masterClrMapping/>
+  </p:clrMapOvr>
+</p:notes>
+</file>
+
+<file path=ppt/notesSlides/notesSlide8.xml><?xml version="1.0" encoding="utf-8"?>
+<p:notes xmlns:a="http://schemas.openxmlformats.org/drawingml/2006/main" xmlns:r="http://schemas.openxmlformats.org/officeDocument/2006/relationships" xmlns:p="http://schemas.openxmlformats.org/presentationml/2006/main">
+  <p:cSld>
+    <p:spTree>
+      <p:nvGrpSpPr>
+        <p:cNvPr id="1" name=""/>
+        <p:cNvGrpSpPr/>
+        <p:nvPr/>
+      </p:nvGrpSpPr>
+      <p:grpSpPr>
+        <a:xfrm>
+          <a:off x="0" y="0"/>
+          <a:ext cx="0" cy="0"/>
+          <a:chOff x="0" y="0"/>
+          <a:chExt cx="0" cy="0"/>
+        </a:xfrm>
+      </p:grpSpPr>
+      <p:sp>
+        <p:nvSpPr>
+          <p:cNvPr id="2" name="Slide Image Placeholder 1"/>
+          <p:cNvSpPr>
+            <a:spLocks noGrp="1" noRot="1" noChangeAspect="1"/>
+          </p:cNvSpPr>
+          <p:nvPr>
+            <p:ph type="sldImg"/>
+          </p:nvPr>
+        </p:nvSpPr>
+        <p:spPr/>
+      </p:sp>
+      <p:sp>
+        <p:nvSpPr>
+          <p:cNvPr id="3" name="Notes Placeholder 2"/>
+          <p:cNvSpPr>
+            <a:spLocks noGrp="1"/>
+          </p:cNvSpPr>
+          <p:nvPr>
+            <p:ph type="body" idx="1"/>
+          </p:nvPr>
+        </p:nvSpPr>
+        <p:spPr/>
+        <p:txBody>
+          <a:bodyPr/>
+          <a:lstStyle/>
+          <a:p>
+            <a:r>
+              <a:rPr lang="en-SG" dirty="0"/>
+              <a:t>UI Pic</a:t>
+            </a:r>
+          </a:p>
+        </p:txBody>
+      </p:sp>
+      <p:sp>
+        <p:nvSpPr>
+          <p:cNvPr id="4" name="Slide Number Placeholder 3"/>
+          <p:cNvSpPr>
+            <a:spLocks noGrp="1"/>
+          </p:cNvSpPr>
+          <p:nvPr>
+            <p:ph type="sldNum" sz="quarter" idx="5"/>
+          </p:nvPr>
+        </p:nvSpPr>
+        <p:spPr/>
+        <p:txBody>
+          <a:bodyPr/>
+          <a:lstStyle/>
+          <a:p>
+            <a:fld id="{0FCAFDEF-04E4-4E08-87E8-ABCCC2F47D5C}" type="slidenum">
+              <a:rPr lang="en-SG" smtClean="0"/>
+              <a:t>9</a:t>
             </a:fld>
             <a:endParaRPr lang="en-SG"/>
           </a:p>
@@ -1380,7 +1471,7 @@
           <a:p>
             <a:fld id="{7C816BAC-D0E5-4D54-8E35-1143676EFB9B}" type="datetimeFigureOut">
               <a:rPr lang="en-SG" smtClean="0"/>
-              <a:t>30/10/2019</a:t>
+              <a:t>1/11/2019</a:t>
             </a:fld>
             <a:endParaRPr lang="en-SG"/>
           </a:p>
@@ -1588,7 +1679,7 @@
           <a:p>
             <a:fld id="{7C816BAC-D0E5-4D54-8E35-1143676EFB9B}" type="datetimeFigureOut">
               <a:rPr lang="en-SG" smtClean="0"/>
-              <a:t>30/10/2019</a:t>
+              <a:t>1/11/2019</a:t>
             </a:fld>
             <a:endParaRPr lang="en-SG"/>
           </a:p>
@@ -1844,7 +1935,7 @@
           <a:p>
             <a:fld id="{7C816BAC-D0E5-4D54-8E35-1143676EFB9B}" type="datetimeFigureOut">
               <a:rPr lang="en-SG" smtClean="0"/>
-              <a:t>30/10/2019</a:t>
+              <a:t>1/11/2019</a:t>
             </a:fld>
             <a:endParaRPr lang="en-SG"/>
           </a:p>
@@ -2018,7 +2109,7 @@
           <a:p>
             <a:fld id="{7C816BAC-D0E5-4D54-8E35-1143676EFB9B}" type="datetimeFigureOut">
               <a:rPr lang="en-SG" smtClean="0"/>
-              <a:t>30/10/2019</a:t>
+              <a:t>1/11/2019</a:t>
             </a:fld>
             <a:endParaRPr lang="en-SG"/>
           </a:p>
@@ -2361,7 +2452,7 @@
           <a:p>
             <a:fld id="{7C816BAC-D0E5-4D54-8E35-1143676EFB9B}" type="datetimeFigureOut">
               <a:rPr lang="en-SG" smtClean="0"/>
-              <a:t>30/10/2019</a:t>
+              <a:t>1/11/2019</a:t>
             </a:fld>
             <a:endParaRPr lang="en-SG"/>
           </a:p>
@@ -2636,7 +2727,7 @@
           <a:p>
             <a:fld id="{7C816BAC-D0E5-4D54-8E35-1143676EFB9B}" type="datetimeFigureOut">
               <a:rPr lang="en-SG" smtClean="0"/>
-              <a:t>30/10/2019</a:t>
+              <a:t>1/11/2019</a:t>
             </a:fld>
             <a:endParaRPr lang="en-SG"/>
           </a:p>
@@ -3015,7 +3106,7 @@
           <a:p>
             <a:fld id="{7C816BAC-D0E5-4D54-8E35-1143676EFB9B}" type="datetimeFigureOut">
               <a:rPr lang="en-SG" smtClean="0"/>
-              <a:t>30/10/2019</a:t>
+              <a:t>1/11/2019</a:t>
             </a:fld>
             <a:endParaRPr lang="en-SG"/>
           </a:p>
@@ -3133,7 +3224,7 @@
           <a:p>
             <a:fld id="{7C816BAC-D0E5-4D54-8E35-1143676EFB9B}" type="datetimeFigureOut">
               <a:rPr lang="en-SG" smtClean="0"/>
-              <a:t>30/10/2019</a:t>
+              <a:t>1/11/2019</a:t>
             </a:fld>
             <a:endParaRPr lang="en-SG"/>
           </a:p>
@@ -3304,7 +3395,7 @@
           <a:p>
             <a:fld id="{7C816BAC-D0E5-4D54-8E35-1143676EFB9B}" type="datetimeFigureOut">
               <a:rPr lang="en-SG" smtClean="0"/>
-              <a:t>30/10/2019</a:t>
+              <a:t>1/11/2019</a:t>
             </a:fld>
             <a:endParaRPr lang="en-SG"/>
           </a:p>
@@ -3658,7 +3749,7 @@
           <a:p>
             <a:fld id="{7C816BAC-D0E5-4D54-8E35-1143676EFB9B}" type="datetimeFigureOut">
               <a:rPr lang="en-SG" smtClean="0"/>
-              <a:t>30/10/2019</a:t>
+              <a:t>1/11/2019</a:t>
             </a:fld>
             <a:endParaRPr lang="en-SG"/>
           </a:p>
@@ -4040,7 +4131,7 @@
           <a:p>
             <a:fld id="{7C816BAC-D0E5-4D54-8E35-1143676EFB9B}" type="datetimeFigureOut">
               <a:rPr lang="en-SG" smtClean="0"/>
-              <a:t>30/10/2019</a:t>
+              <a:t>1/11/2019</a:t>
             </a:fld>
             <a:endParaRPr lang="en-SG"/>
           </a:p>
@@ -4327,7 +4418,7 @@
           <a:p>
             <a:fld id="{7C816BAC-D0E5-4D54-8E35-1143676EFB9B}" type="datetimeFigureOut">
               <a:rPr lang="en-SG" smtClean="0"/>
-              <a:t>30/10/2019</a:t>
+              <a:t>1/11/2019</a:t>
             </a:fld>
             <a:endParaRPr lang="en-SG"/>
           </a:p>
@@ -6888,145 +6979,12 @@
           <a:chExt cx="0" cy="0"/>
         </a:xfrm>
       </p:grpSpPr>
-      <p:sp>
-        <p:nvSpPr>
-          <p:cNvPr id="115" name="Rectangle 114">
+      <p:grpSp>
+        <p:nvGrpSpPr>
+          <p:cNvPr id="2" name="Group 1">
             <a:extLst>
               <a:ext uri="{FF2B5EF4-FFF2-40B4-BE49-F238E27FC236}">
-                <a16:creationId xmlns:a16="http://schemas.microsoft.com/office/drawing/2014/main" id="{B1E03F7C-3935-4186-ABD0-8F9DE294E881}"/>
-              </a:ext>
-            </a:extLst>
-          </p:cNvPr>
-          <p:cNvSpPr/>
-          <p:nvPr/>
-        </p:nvSpPr>
-        <p:spPr>
-          <a:xfrm>
-            <a:off x="2150808" y="5416272"/>
-            <a:ext cx="5781040" cy="774749"/>
-          </a:xfrm>
-          <a:prstGeom prst="rect">
-            <a:avLst/>
-          </a:prstGeom>
-          <a:noFill/>
-          <a:ln w="9525" cap="flat" cmpd="sng" algn="ctr">
-            <a:solidFill>
-              <a:schemeClr val="dk1"/>
-            </a:solidFill>
-            <a:prstDash val="dash"/>
-            <a:round/>
-            <a:headEnd type="none" w="med" len="med"/>
-            <a:tailEnd type="none" w="med" len="med"/>
-          </a:ln>
-        </p:spPr>
-        <p:style>
-          <a:lnRef idx="0">
-            <a:scrgbClr r="0" g="0" b="0"/>
-          </a:lnRef>
-          <a:fillRef idx="0">
-            <a:scrgbClr r="0" g="0" b="0"/>
-          </a:fillRef>
-          <a:effectRef idx="0">
-            <a:scrgbClr r="0" g="0" b="0"/>
-          </a:effectRef>
-          <a:fontRef idx="minor">
-            <a:schemeClr val="dk1"/>
-          </a:fontRef>
-        </p:style>
-        <p:txBody>
-          <a:bodyPr rtlCol="0" anchor="ctr"/>
-          <a:lstStyle/>
-          <a:p>
-            <a:pPr algn="ctr"/>
-            <a:endParaRPr lang="en-SG"/>
-          </a:p>
-        </p:txBody>
-      </p:sp>
-      <p:sp>
-        <p:nvSpPr>
-          <p:cNvPr id="43" name="Rectangle 42">
-            <a:extLst>
-              <a:ext uri="{FF2B5EF4-FFF2-40B4-BE49-F238E27FC236}">
-                <a16:creationId xmlns:a16="http://schemas.microsoft.com/office/drawing/2014/main" id="{33CA7DBD-73C3-41F1-A1DA-C426A44B7068}"/>
-              </a:ext>
-            </a:extLst>
-          </p:cNvPr>
-          <p:cNvSpPr/>
-          <p:nvPr/>
-        </p:nvSpPr>
-        <p:spPr>
-          <a:xfrm>
-            <a:off x="323152" y="243048"/>
-            <a:ext cx="3124200" cy="2361609"/>
-          </a:xfrm>
-          <a:prstGeom prst="rect">
-            <a:avLst/>
-          </a:prstGeom>
-          <a:gradFill flip="none" rotWithShape="1">
-            <a:gsLst>
-              <a:gs pos="0">
-                <a:srgbClr val="FFFF00">
-                  <a:tint val="66000"/>
-                  <a:satMod val="160000"/>
-                </a:srgbClr>
-              </a:gs>
-              <a:gs pos="50000">
-                <a:srgbClr val="FFFF00">
-                  <a:tint val="44500"/>
-                  <a:satMod val="160000"/>
-                </a:srgbClr>
-              </a:gs>
-              <a:gs pos="100000">
-                <a:srgbClr val="FFFF00">
-                  <a:tint val="23500"/>
-                  <a:satMod val="160000"/>
-                </a:srgbClr>
-              </a:gs>
-            </a:gsLst>
-            <a:path path="circle">
-              <a:fillToRect l="50000" t="50000" r="50000" b="50000"/>
-            </a:path>
-            <a:tileRect/>
-          </a:gradFill>
-          <a:ln>
-            <a:solidFill>
-              <a:schemeClr val="accent1">
-                <a:lumMod val="75000"/>
-              </a:schemeClr>
-            </a:solidFill>
-          </a:ln>
-        </p:spPr>
-        <p:style>
-          <a:lnRef idx="2">
-            <a:schemeClr val="accent1">
-              <a:shade val="50000"/>
-            </a:schemeClr>
-          </a:lnRef>
-          <a:fillRef idx="1">
-            <a:schemeClr val="accent1"/>
-          </a:fillRef>
-          <a:effectRef idx="0">
-            <a:schemeClr val="accent1"/>
-          </a:effectRef>
-          <a:fontRef idx="minor">
-            <a:schemeClr val="lt1"/>
-          </a:fontRef>
-        </p:style>
-        <p:txBody>
-          <a:bodyPr rtlCol="0" anchor="ctr"/>
-          <a:lstStyle/>
-          <a:p>
-            <a:pPr algn="ctr"/>
-            <a:endParaRPr lang="en-SG"/>
-          </a:p>
-        </p:txBody>
-      </p:sp>
-      <p:grpSp>
-        <p:nvGrpSpPr>
-          <p:cNvPr id="14" name="Group 13">
-            <a:extLst>
-              <a:ext uri="{FF2B5EF4-FFF2-40B4-BE49-F238E27FC236}">
-                <a16:creationId xmlns:a16="http://schemas.microsoft.com/office/drawing/2014/main" id="{633D0E61-2B99-4B1F-B311-830B1378D547}"/>
+                <a16:creationId xmlns:a16="http://schemas.microsoft.com/office/drawing/2014/main" id="{35647030-B969-4676-BF04-D52C89C3C621}"/>
               </a:ext>
             </a:extLst>
           </p:cNvPr>
@@ -7035,18 +6993,151 @@
         </p:nvGrpSpPr>
         <p:grpSpPr>
           <a:xfrm>
-            <a:off x="414015" y="765857"/>
-            <a:ext cx="1545012" cy="650353"/>
-            <a:chOff x="3593015" y="3956407"/>
-            <a:chExt cx="1545012" cy="650353"/>
+            <a:off x="224916" y="172720"/>
+            <a:ext cx="12056074" cy="6018301"/>
+            <a:chOff x="224916" y="172720"/>
+            <a:chExt cx="12056074" cy="6018301"/>
           </a:xfrm>
         </p:grpSpPr>
+        <p:sp>
+          <p:nvSpPr>
+            <p:cNvPr id="115" name="Rectangle 114">
+              <a:extLst>
+                <a:ext uri="{FF2B5EF4-FFF2-40B4-BE49-F238E27FC236}">
+                  <a16:creationId xmlns:a16="http://schemas.microsoft.com/office/drawing/2014/main" id="{B1E03F7C-3935-4186-ABD0-8F9DE294E881}"/>
+                </a:ext>
+              </a:extLst>
+            </p:cNvPr>
+            <p:cNvSpPr/>
+            <p:nvPr/>
+          </p:nvSpPr>
+          <p:spPr>
+            <a:xfrm>
+              <a:off x="2150808" y="5416272"/>
+              <a:ext cx="5781040" cy="774749"/>
+            </a:xfrm>
+            <a:prstGeom prst="rect">
+              <a:avLst/>
+            </a:prstGeom>
+            <a:noFill/>
+            <a:ln w="9525" cap="flat" cmpd="sng" algn="ctr">
+              <a:solidFill>
+                <a:schemeClr val="dk1"/>
+              </a:solidFill>
+              <a:prstDash val="dash"/>
+              <a:round/>
+              <a:headEnd type="none" w="med" len="med"/>
+              <a:tailEnd type="none" w="med" len="med"/>
+            </a:ln>
+          </p:spPr>
+          <p:style>
+            <a:lnRef idx="0">
+              <a:scrgbClr r="0" g="0" b="0"/>
+            </a:lnRef>
+            <a:fillRef idx="0">
+              <a:scrgbClr r="0" g="0" b="0"/>
+            </a:fillRef>
+            <a:effectRef idx="0">
+              <a:scrgbClr r="0" g="0" b="0"/>
+            </a:effectRef>
+            <a:fontRef idx="minor">
+              <a:schemeClr val="dk1"/>
+            </a:fontRef>
+          </p:style>
+          <p:txBody>
+            <a:bodyPr rtlCol="0" anchor="ctr"/>
+            <a:lstStyle/>
+            <a:p>
+              <a:pPr algn="ctr"/>
+              <a:endParaRPr lang="en-SG"/>
+            </a:p>
+          </p:txBody>
+        </p:sp>
+        <p:sp>
+          <p:nvSpPr>
+            <p:cNvPr id="43" name="Rectangle 42">
+              <a:extLst>
+                <a:ext uri="{FF2B5EF4-FFF2-40B4-BE49-F238E27FC236}">
+                  <a16:creationId xmlns:a16="http://schemas.microsoft.com/office/drawing/2014/main" id="{33CA7DBD-73C3-41F1-A1DA-C426A44B7068}"/>
+                </a:ext>
+              </a:extLst>
+            </p:cNvPr>
+            <p:cNvSpPr/>
+            <p:nvPr/>
+          </p:nvSpPr>
+          <p:spPr>
+            <a:xfrm>
+              <a:off x="323152" y="243048"/>
+              <a:ext cx="3124200" cy="2361609"/>
+            </a:xfrm>
+            <a:prstGeom prst="rect">
+              <a:avLst/>
+            </a:prstGeom>
+            <a:gradFill flip="none" rotWithShape="1">
+              <a:gsLst>
+                <a:gs pos="0">
+                  <a:srgbClr val="FFFF00">
+                    <a:tint val="66000"/>
+                    <a:satMod val="160000"/>
+                  </a:srgbClr>
+                </a:gs>
+                <a:gs pos="50000">
+                  <a:srgbClr val="FFFF00">
+                    <a:tint val="44500"/>
+                    <a:satMod val="160000"/>
+                  </a:srgbClr>
+                </a:gs>
+                <a:gs pos="100000">
+                  <a:srgbClr val="FFFF00">
+                    <a:tint val="23500"/>
+                    <a:satMod val="160000"/>
+                  </a:srgbClr>
+                </a:gs>
+              </a:gsLst>
+              <a:path path="circle">
+                <a:fillToRect l="50000" t="50000" r="50000" b="50000"/>
+              </a:path>
+              <a:tileRect/>
+            </a:gradFill>
+            <a:ln>
+              <a:solidFill>
+                <a:schemeClr val="accent1">
+                  <a:lumMod val="75000"/>
+                </a:schemeClr>
+              </a:solidFill>
+            </a:ln>
+          </p:spPr>
+          <p:style>
+            <a:lnRef idx="2">
+              <a:schemeClr val="accent1">
+                <a:shade val="50000"/>
+              </a:schemeClr>
+            </a:lnRef>
+            <a:fillRef idx="1">
+              <a:schemeClr val="accent1"/>
+            </a:fillRef>
+            <a:effectRef idx="0">
+              <a:schemeClr val="accent1"/>
+            </a:effectRef>
+            <a:fontRef idx="minor">
+              <a:schemeClr val="lt1"/>
+            </a:fontRef>
+          </p:style>
+          <p:txBody>
+            <a:bodyPr rtlCol="0" anchor="ctr"/>
+            <a:lstStyle/>
+            <a:p>
+              <a:pPr algn="ctr"/>
+              <a:endParaRPr lang="en-SG"/>
+            </a:p>
+          </p:txBody>
+        </p:sp>
         <p:grpSp>
           <p:nvGrpSpPr>
-            <p:cNvPr id="8" name="Group 7">
+            <p:cNvPr id="14" name="Group 13">
               <a:extLst>
                 <a:ext uri="{FF2B5EF4-FFF2-40B4-BE49-F238E27FC236}">
-                  <a16:creationId xmlns:a16="http://schemas.microsoft.com/office/drawing/2014/main" id="{F3EBE094-0049-4C60-B85A-37C2A2E2F496}"/>
+                  <a16:creationId xmlns:a16="http://schemas.microsoft.com/office/drawing/2014/main" id="{633D0E61-2B99-4B1F-B311-830B1378D547}"/>
                 </a:ext>
               </a:extLst>
             </p:cNvPr>
@@ -7055,118 +7146,259 @@
           </p:nvGrpSpPr>
           <p:grpSpPr>
             <a:xfrm>
-              <a:off x="3593015" y="3956407"/>
-              <a:ext cx="1545012" cy="319596"/>
-              <a:chOff x="3016098" y="2411398"/>
-              <a:chExt cx="1545012" cy="319596"/>
+              <a:off x="414015" y="765857"/>
+              <a:ext cx="1545012" cy="650353"/>
+              <a:chOff x="3593015" y="3956407"/>
+              <a:chExt cx="1545012" cy="650353"/>
             </a:xfrm>
           </p:grpSpPr>
-          <p:sp>
-            <p:nvSpPr>
-              <p:cNvPr id="9" name="Rectangle 8">
+          <p:grpSp>
+            <p:nvGrpSpPr>
+              <p:cNvPr id="8" name="Group 7">
                 <a:extLst>
                   <a:ext uri="{FF2B5EF4-FFF2-40B4-BE49-F238E27FC236}">
-                    <a16:creationId xmlns:a16="http://schemas.microsoft.com/office/drawing/2014/main" id="{94A0F36E-2600-4A7D-86D5-9D3F21ABF525}"/>
+                    <a16:creationId xmlns:a16="http://schemas.microsoft.com/office/drawing/2014/main" id="{F3EBE094-0049-4C60-B85A-37C2A2E2F496}"/>
                   </a:ext>
                 </a:extLst>
               </p:cNvPr>
-              <p:cNvSpPr/>
+              <p:cNvGrpSpPr/>
               <p:nvPr/>
-            </p:nvSpPr>
-            <p:spPr>
+            </p:nvGrpSpPr>
+            <p:grpSpPr>
               <a:xfrm>
-                <a:off x="3227713" y="2411398"/>
-                <a:ext cx="1121783" cy="319596"/>
+                <a:off x="3593015" y="3956407"/>
+                <a:ext cx="1545012" cy="319596"/>
+                <a:chOff x="3016098" y="2411398"/>
+                <a:chExt cx="1545012" cy="319596"/>
               </a:xfrm>
-              <a:prstGeom prst="rect">
-                <a:avLst/>
-              </a:prstGeom>
-              <a:solidFill>
-                <a:srgbClr val="0070C0"/>
-              </a:solidFill>
-              <a:ln>
+            </p:grpSpPr>
+            <p:sp>
+              <p:nvSpPr>
+                <p:cNvPr id="9" name="Rectangle 8">
+                  <a:extLst>
+                    <a:ext uri="{FF2B5EF4-FFF2-40B4-BE49-F238E27FC236}">
+                      <a16:creationId xmlns:a16="http://schemas.microsoft.com/office/drawing/2014/main" id="{94A0F36E-2600-4A7D-86D5-9D3F21ABF525}"/>
+                    </a:ext>
+                  </a:extLst>
+                </p:cNvPr>
+                <p:cNvSpPr/>
+                <p:nvPr/>
+              </p:nvSpPr>
+              <p:spPr>
+                <a:xfrm>
+                  <a:off x="3227713" y="2411398"/>
+                  <a:ext cx="1121783" cy="319596"/>
+                </a:xfrm>
+                <a:prstGeom prst="rect">
+                  <a:avLst/>
+                </a:prstGeom>
                 <a:solidFill>
-                  <a:schemeClr val="tx1"/>
+                  <a:srgbClr val="0070C0"/>
                 </a:solidFill>
-              </a:ln>
-            </p:spPr>
-            <p:style>
-              <a:lnRef idx="2">
-                <a:schemeClr val="accent1">
-                  <a:shade val="50000"/>
-                </a:schemeClr>
-              </a:lnRef>
-              <a:fillRef idx="1">
-                <a:schemeClr val="accent1"/>
-              </a:fillRef>
-              <a:effectRef idx="0">
-                <a:schemeClr val="accent1"/>
-              </a:effectRef>
-              <a:fontRef idx="minor">
-                <a:schemeClr val="lt1"/>
-              </a:fontRef>
-            </p:style>
-            <p:txBody>
-              <a:bodyPr rtlCol="0" anchor="ctr"/>
-              <a:lstStyle/>
-              <a:p>
-                <a:pPr algn="ctr"/>
-                <a:endParaRPr lang="en-SG" sz="1050" dirty="0">
-                  <a:latin typeface="Arial" panose="020B0604020202020204" pitchFamily="34" charset="0"/>
-                  <a:cs typeface="Arial" panose="020B0604020202020204" pitchFamily="34" charset="0"/>
-                </a:endParaRPr>
-              </a:p>
-            </p:txBody>
-          </p:sp>
-          <p:sp>
-            <p:nvSpPr>
-              <p:cNvPr id="10" name="TextBox 9">
+                <a:ln>
+                  <a:solidFill>
+                    <a:schemeClr val="tx1"/>
+                  </a:solidFill>
+                </a:ln>
+              </p:spPr>
+              <p:style>
+                <a:lnRef idx="2">
+                  <a:schemeClr val="accent1">
+                    <a:shade val="50000"/>
+                  </a:schemeClr>
+                </a:lnRef>
+                <a:fillRef idx="1">
+                  <a:schemeClr val="accent1"/>
+                </a:fillRef>
+                <a:effectRef idx="0">
+                  <a:schemeClr val="accent1"/>
+                </a:effectRef>
+                <a:fontRef idx="minor">
+                  <a:schemeClr val="lt1"/>
+                </a:fontRef>
+              </p:style>
+              <p:txBody>
+                <a:bodyPr rtlCol="0" anchor="ctr"/>
+                <a:lstStyle/>
+                <a:p>
+                  <a:pPr algn="ctr"/>
+                  <a:endParaRPr lang="en-SG" sz="1050" dirty="0">
+                    <a:latin typeface="Arial" panose="020B0604020202020204" pitchFamily="34" charset="0"/>
+                    <a:cs typeface="Arial" panose="020B0604020202020204" pitchFamily="34" charset="0"/>
+                  </a:endParaRPr>
+                </a:p>
+              </p:txBody>
+            </p:sp>
+            <p:sp>
+              <p:nvSpPr>
+                <p:cNvPr id="10" name="TextBox 9">
+                  <a:extLst>
+                    <a:ext uri="{FF2B5EF4-FFF2-40B4-BE49-F238E27FC236}">
+                      <a16:creationId xmlns:a16="http://schemas.microsoft.com/office/drawing/2014/main" id="{4A185A15-3462-426D-B6F4-569670CF52C8}"/>
+                    </a:ext>
+                  </a:extLst>
+                </p:cNvPr>
+                <p:cNvSpPr txBox="1"/>
+                <p:nvPr/>
+              </p:nvSpPr>
+              <p:spPr>
+                <a:xfrm>
+                  <a:off x="3016098" y="2411398"/>
+                  <a:ext cx="1545012" cy="307777"/>
+                </a:xfrm>
+                <a:prstGeom prst="rect">
+                  <a:avLst/>
+                </a:prstGeom>
+                <a:noFill/>
+              </p:spPr>
+              <p:txBody>
+                <a:bodyPr wrap="square" rtlCol="0">
+                  <a:spAutoFit/>
+                </a:bodyPr>
+                <a:lstStyle/>
+                <a:p>
+                  <a:pPr algn="ctr"/>
+                  <a:r>
+                    <a:rPr lang="en-SG" sz="1400" dirty="0">
+                      <a:solidFill>
+                        <a:schemeClr val="bg1"/>
+                      </a:solidFill>
+                      <a:latin typeface="Arial" panose="020B0604020202020204" pitchFamily="34" charset="0"/>
+                      <a:cs typeface="Arial" panose="020B0604020202020204" pitchFamily="34" charset="0"/>
+                    </a:rPr>
+                    <a:t>Word</a:t>
+                  </a:r>
+                </a:p>
+              </p:txBody>
+            </p:sp>
+          </p:grpSp>
+          <p:grpSp>
+            <p:nvGrpSpPr>
+              <p:cNvPr id="11" name="Group 10">
                 <a:extLst>
                   <a:ext uri="{FF2B5EF4-FFF2-40B4-BE49-F238E27FC236}">
-                    <a16:creationId xmlns:a16="http://schemas.microsoft.com/office/drawing/2014/main" id="{4A185A15-3462-426D-B6F4-569670CF52C8}"/>
+                    <a16:creationId xmlns:a16="http://schemas.microsoft.com/office/drawing/2014/main" id="{AD480613-7DEC-431E-9A65-66F0F755EEDC}"/>
                   </a:ext>
                 </a:extLst>
               </p:cNvPr>
-              <p:cNvSpPr txBox="1"/>
+              <p:cNvGrpSpPr/>
               <p:nvPr/>
-            </p:nvSpPr>
-            <p:spPr>
+            </p:nvGrpSpPr>
+            <p:grpSpPr>
               <a:xfrm>
-                <a:off x="3016098" y="2411398"/>
-                <a:ext cx="1545012" cy="307777"/>
+                <a:off x="3593015" y="4275674"/>
+                <a:ext cx="1545012" cy="331086"/>
+                <a:chOff x="3016098" y="2411398"/>
+                <a:chExt cx="1545012" cy="331086"/>
               </a:xfrm>
-              <a:prstGeom prst="rect">
-                <a:avLst/>
-              </a:prstGeom>
-              <a:noFill/>
-            </p:spPr>
-            <p:txBody>
-              <a:bodyPr wrap="square" rtlCol="0">
-                <a:spAutoFit/>
-              </a:bodyPr>
-              <a:lstStyle/>
-              <a:p>
-                <a:pPr algn="ctr"/>
-                <a:r>
-                  <a:rPr lang="en-SG" sz="1400" dirty="0">
-                    <a:solidFill>
-                      <a:schemeClr val="bg1"/>
-                    </a:solidFill>
+            </p:grpSpPr>
+            <p:sp>
+              <p:nvSpPr>
+                <p:cNvPr id="12" name="Rectangle 11">
+                  <a:extLst>
+                    <a:ext uri="{FF2B5EF4-FFF2-40B4-BE49-F238E27FC236}">
+                      <a16:creationId xmlns:a16="http://schemas.microsoft.com/office/drawing/2014/main" id="{B8704E78-D5B6-4783-97BF-542E4E09D7A7}"/>
+                    </a:ext>
+                  </a:extLst>
+                </p:cNvPr>
+                <p:cNvSpPr/>
+                <p:nvPr/>
+              </p:nvSpPr>
+              <p:spPr>
+                <a:xfrm>
+                  <a:off x="3227713" y="2411398"/>
+                  <a:ext cx="1121783" cy="319596"/>
+                </a:xfrm>
+                <a:prstGeom prst="rect">
+                  <a:avLst/>
+                </a:prstGeom>
+                <a:solidFill>
+                  <a:srgbClr val="00B0F0"/>
+                </a:solidFill>
+                <a:ln>
+                  <a:solidFill>
+                    <a:schemeClr val="tx1"/>
+                  </a:solidFill>
+                </a:ln>
+              </p:spPr>
+              <p:style>
+                <a:lnRef idx="2">
+                  <a:schemeClr val="accent1">
+                    <a:shade val="50000"/>
+                  </a:schemeClr>
+                </a:lnRef>
+                <a:fillRef idx="1">
+                  <a:schemeClr val="accent1"/>
+                </a:fillRef>
+                <a:effectRef idx="0">
+                  <a:schemeClr val="accent1"/>
+                </a:effectRef>
+                <a:fontRef idx="minor">
+                  <a:schemeClr val="lt1"/>
+                </a:fontRef>
+              </p:style>
+              <p:txBody>
+                <a:bodyPr rtlCol="0" anchor="ctr"/>
+                <a:lstStyle/>
+                <a:p>
+                  <a:pPr algn="ctr"/>
+                  <a:endParaRPr lang="en-SG" sz="1050" dirty="0">
                     <a:latin typeface="Arial" panose="020B0604020202020204" pitchFamily="34" charset="0"/>
                     <a:cs typeface="Arial" panose="020B0604020202020204" pitchFamily="34" charset="0"/>
-                  </a:rPr>
-                  <a:t>Word</a:t>
-                </a:r>
-              </a:p>
-            </p:txBody>
-          </p:sp>
+                  </a:endParaRPr>
+                </a:p>
+              </p:txBody>
+            </p:sp>
+            <p:sp>
+              <p:nvSpPr>
+                <p:cNvPr id="13" name="TextBox 12">
+                  <a:extLst>
+                    <a:ext uri="{FF2B5EF4-FFF2-40B4-BE49-F238E27FC236}">
+                      <a16:creationId xmlns:a16="http://schemas.microsoft.com/office/drawing/2014/main" id="{E52F77E8-EF94-41C5-AB04-ABC6874AB131}"/>
+                    </a:ext>
+                  </a:extLst>
+                </p:cNvPr>
+                <p:cNvSpPr txBox="1"/>
+                <p:nvPr/>
+              </p:nvSpPr>
+              <p:spPr>
+                <a:xfrm>
+                  <a:off x="3016098" y="2434707"/>
+                  <a:ext cx="1545012" cy="307777"/>
+                </a:xfrm>
+                <a:prstGeom prst="rect">
+                  <a:avLst/>
+                </a:prstGeom>
+                <a:noFill/>
+              </p:spPr>
+              <p:txBody>
+                <a:bodyPr wrap="square" rtlCol="0">
+                  <a:spAutoFit/>
+                </a:bodyPr>
+                <a:lstStyle/>
+                <a:p>
+                  <a:pPr algn="ctr"/>
+                  <a:r>
+                    <a:rPr lang="en-SG" sz="1400" dirty="0">
+                      <a:solidFill>
+                        <a:schemeClr val="bg1"/>
+                      </a:solidFill>
+                      <a:latin typeface="Arial" panose="020B0604020202020204" pitchFamily="34" charset="0"/>
+                      <a:cs typeface="Arial" panose="020B0604020202020204" pitchFamily="34" charset="0"/>
+                    </a:rPr>
+                    <a:t>Meaning</a:t>
+                  </a:r>
+                </a:p>
+              </p:txBody>
+            </p:sp>
+          </p:grpSp>
         </p:grpSp>
         <p:grpSp>
           <p:nvGrpSpPr>
-            <p:cNvPr id="11" name="Group 10">
+            <p:cNvPr id="22" name="Group 21">
               <a:extLst>
                 <a:ext uri="{FF2B5EF4-FFF2-40B4-BE49-F238E27FC236}">
-                  <a16:creationId xmlns:a16="http://schemas.microsoft.com/office/drawing/2014/main" id="{AD480613-7DEC-431E-9A65-66F0F755EEDC}"/>
+                  <a16:creationId xmlns:a16="http://schemas.microsoft.com/office/drawing/2014/main" id="{5874011B-3067-4BCF-A2CD-5C7647AFB4CE}"/>
                 </a:ext>
               </a:extLst>
             </p:cNvPr>
@@ -7175,139 +7407,259 @@
           </p:nvGrpSpPr>
           <p:grpSpPr>
             <a:xfrm>
-              <a:off x="3593015" y="4275674"/>
-              <a:ext cx="1545012" cy="331086"/>
-              <a:chOff x="3016098" y="2411398"/>
-              <a:chExt cx="1545012" cy="331086"/>
+              <a:off x="1747413" y="777605"/>
+              <a:ext cx="1545012" cy="650353"/>
+              <a:chOff x="3593015" y="3956407"/>
+              <a:chExt cx="1545012" cy="650353"/>
             </a:xfrm>
           </p:grpSpPr>
-          <p:sp>
-            <p:nvSpPr>
-              <p:cNvPr id="12" name="Rectangle 11">
+          <p:grpSp>
+            <p:nvGrpSpPr>
+              <p:cNvPr id="23" name="Group 22">
                 <a:extLst>
                   <a:ext uri="{FF2B5EF4-FFF2-40B4-BE49-F238E27FC236}">
-                    <a16:creationId xmlns:a16="http://schemas.microsoft.com/office/drawing/2014/main" id="{B8704E78-D5B6-4783-97BF-542E4E09D7A7}"/>
+                    <a16:creationId xmlns:a16="http://schemas.microsoft.com/office/drawing/2014/main" id="{34947E98-4C0B-4AAE-B919-1580712EE2DC}"/>
                   </a:ext>
                 </a:extLst>
               </p:cNvPr>
-              <p:cNvSpPr/>
+              <p:cNvGrpSpPr/>
               <p:nvPr/>
-            </p:nvSpPr>
-            <p:spPr>
+            </p:nvGrpSpPr>
+            <p:grpSpPr>
               <a:xfrm>
-                <a:off x="3227713" y="2411398"/>
-                <a:ext cx="1121783" cy="319596"/>
+                <a:off x="3593015" y="3956407"/>
+                <a:ext cx="1545012" cy="319596"/>
+                <a:chOff x="3016098" y="2411398"/>
+                <a:chExt cx="1545012" cy="319596"/>
               </a:xfrm>
-              <a:prstGeom prst="rect">
-                <a:avLst/>
-              </a:prstGeom>
-              <a:solidFill>
-                <a:srgbClr val="00B0F0"/>
-              </a:solidFill>
-              <a:ln>
+            </p:grpSpPr>
+            <p:sp>
+              <p:nvSpPr>
+                <p:cNvPr id="27" name="Rectangle 26">
+                  <a:extLst>
+                    <a:ext uri="{FF2B5EF4-FFF2-40B4-BE49-F238E27FC236}">
+                      <a16:creationId xmlns:a16="http://schemas.microsoft.com/office/drawing/2014/main" id="{5186FE20-291E-47CA-ADC3-DAC614D87849}"/>
+                    </a:ext>
+                  </a:extLst>
+                </p:cNvPr>
+                <p:cNvSpPr/>
+                <p:nvPr/>
+              </p:nvSpPr>
+              <p:spPr>
+                <a:xfrm>
+                  <a:off x="3227713" y="2411398"/>
+                  <a:ext cx="1121783" cy="319596"/>
+                </a:xfrm>
+                <a:prstGeom prst="rect">
+                  <a:avLst/>
+                </a:prstGeom>
                 <a:solidFill>
-                  <a:schemeClr val="tx1"/>
+                  <a:srgbClr val="0070C0"/>
                 </a:solidFill>
-              </a:ln>
-            </p:spPr>
-            <p:style>
-              <a:lnRef idx="2">
-                <a:schemeClr val="accent1">
-                  <a:shade val="50000"/>
-                </a:schemeClr>
-              </a:lnRef>
-              <a:fillRef idx="1">
-                <a:schemeClr val="accent1"/>
-              </a:fillRef>
-              <a:effectRef idx="0">
-                <a:schemeClr val="accent1"/>
-              </a:effectRef>
-              <a:fontRef idx="minor">
-                <a:schemeClr val="lt1"/>
-              </a:fontRef>
-            </p:style>
-            <p:txBody>
-              <a:bodyPr rtlCol="0" anchor="ctr"/>
-              <a:lstStyle/>
-              <a:p>
-                <a:pPr algn="ctr"/>
-                <a:endParaRPr lang="en-SG" sz="1050" dirty="0">
-                  <a:latin typeface="Arial" panose="020B0604020202020204" pitchFamily="34" charset="0"/>
-                  <a:cs typeface="Arial" panose="020B0604020202020204" pitchFamily="34" charset="0"/>
-                </a:endParaRPr>
-              </a:p>
-            </p:txBody>
-          </p:sp>
-          <p:sp>
-            <p:nvSpPr>
-              <p:cNvPr id="13" name="TextBox 12">
+                <a:ln>
+                  <a:solidFill>
+                    <a:schemeClr val="tx1"/>
+                  </a:solidFill>
+                </a:ln>
+              </p:spPr>
+              <p:style>
+                <a:lnRef idx="2">
+                  <a:schemeClr val="accent1">
+                    <a:shade val="50000"/>
+                  </a:schemeClr>
+                </a:lnRef>
+                <a:fillRef idx="1">
+                  <a:schemeClr val="accent1"/>
+                </a:fillRef>
+                <a:effectRef idx="0">
+                  <a:schemeClr val="accent1"/>
+                </a:effectRef>
+                <a:fontRef idx="minor">
+                  <a:schemeClr val="lt1"/>
+                </a:fontRef>
+              </p:style>
+              <p:txBody>
+                <a:bodyPr rtlCol="0" anchor="ctr"/>
+                <a:lstStyle/>
+                <a:p>
+                  <a:pPr algn="ctr"/>
+                  <a:endParaRPr lang="en-SG" sz="1050" dirty="0">
+                    <a:latin typeface="Arial" panose="020B0604020202020204" pitchFamily="34" charset="0"/>
+                    <a:cs typeface="Arial" panose="020B0604020202020204" pitchFamily="34" charset="0"/>
+                  </a:endParaRPr>
+                </a:p>
+              </p:txBody>
+            </p:sp>
+            <p:sp>
+              <p:nvSpPr>
+                <p:cNvPr id="28" name="TextBox 27">
+                  <a:extLst>
+                    <a:ext uri="{FF2B5EF4-FFF2-40B4-BE49-F238E27FC236}">
+                      <a16:creationId xmlns:a16="http://schemas.microsoft.com/office/drawing/2014/main" id="{C600B1E6-FFEB-4D31-810F-40D370AB5555}"/>
+                    </a:ext>
+                  </a:extLst>
+                </p:cNvPr>
+                <p:cNvSpPr txBox="1"/>
+                <p:nvPr/>
+              </p:nvSpPr>
+              <p:spPr>
+                <a:xfrm>
+                  <a:off x="3016098" y="2411398"/>
+                  <a:ext cx="1545012" cy="307777"/>
+                </a:xfrm>
+                <a:prstGeom prst="rect">
+                  <a:avLst/>
+                </a:prstGeom>
+                <a:noFill/>
+              </p:spPr>
+              <p:txBody>
+                <a:bodyPr wrap="square" rtlCol="0">
+                  <a:spAutoFit/>
+                </a:bodyPr>
+                <a:lstStyle/>
+                <a:p>
+                  <a:pPr algn="ctr"/>
+                  <a:r>
+                    <a:rPr lang="en-SG" sz="1400" dirty="0">
+                      <a:solidFill>
+                        <a:schemeClr val="bg1"/>
+                      </a:solidFill>
+                      <a:latin typeface="Arial" panose="020B0604020202020204" pitchFamily="34" charset="0"/>
+                      <a:cs typeface="Arial" panose="020B0604020202020204" pitchFamily="34" charset="0"/>
+                    </a:rPr>
+                    <a:t>Word</a:t>
+                  </a:r>
+                </a:p>
+              </p:txBody>
+            </p:sp>
+          </p:grpSp>
+          <p:grpSp>
+            <p:nvGrpSpPr>
+              <p:cNvPr id="24" name="Group 23">
                 <a:extLst>
                   <a:ext uri="{FF2B5EF4-FFF2-40B4-BE49-F238E27FC236}">
-                    <a16:creationId xmlns:a16="http://schemas.microsoft.com/office/drawing/2014/main" id="{E52F77E8-EF94-41C5-AB04-ABC6874AB131}"/>
+                    <a16:creationId xmlns:a16="http://schemas.microsoft.com/office/drawing/2014/main" id="{23E2652E-19AF-456F-872A-9CAE836F3738}"/>
                   </a:ext>
                 </a:extLst>
               </p:cNvPr>
-              <p:cNvSpPr txBox="1"/>
+              <p:cNvGrpSpPr/>
               <p:nvPr/>
-            </p:nvSpPr>
-            <p:spPr>
+            </p:nvGrpSpPr>
+            <p:grpSpPr>
               <a:xfrm>
-                <a:off x="3016098" y="2434707"/>
-                <a:ext cx="1545012" cy="307777"/>
+                <a:off x="3593015" y="4275674"/>
+                <a:ext cx="1545012" cy="331086"/>
+                <a:chOff x="3016098" y="2411398"/>
+                <a:chExt cx="1545012" cy="331086"/>
               </a:xfrm>
-              <a:prstGeom prst="rect">
-                <a:avLst/>
-              </a:prstGeom>
-              <a:noFill/>
-            </p:spPr>
-            <p:txBody>
-              <a:bodyPr wrap="square" rtlCol="0">
-                <a:spAutoFit/>
-              </a:bodyPr>
-              <a:lstStyle/>
-              <a:p>
-                <a:pPr algn="ctr"/>
-                <a:r>
-                  <a:rPr lang="en-SG" sz="1400" dirty="0">
-                    <a:solidFill>
-                      <a:schemeClr val="bg1"/>
-                    </a:solidFill>
+            </p:grpSpPr>
+            <p:sp>
+              <p:nvSpPr>
+                <p:cNvPr id="25" name="Rectangle 24">
+                  <a:extLst>
+                    <a:ext uri="{FF2B5EF4-FFF2-40B4-BE49-F238E27FC236}">
+                      <a16:creationId xmlns:a16="http://schemas.microsoft.com/office/drawing/2014/main" id="{4171984D-2F3B-408D-9D69-055A70B80047}"/>
+                    </a:ext>
+                  </a:extLst>
+                </p:cNvPr>
+                <p:cNvSpPr/>
+                <p:nvPr/>
+              </p:nvSpPr>
+              <p:spPr>
+                <a:xfrm>
+                  <a:off x="3227713" y="2411398"/>
+                  <a:ext cx="1121783" cy="319596"/>
+                </a:xfrm>
+                <a:prstGeom prst="rect">
+                  <a:avLst/>
+                </a:prstGeom>
+                <a:solidFill>
+                  <a:srgbClr val="00B0F0"/>
+                </a:solidFill>
+                <a:ln>
+                  <a:solidFill>
+                    <a:schemeClr val="tx1"/>
+                  </a:solidFill>
+                </a:ln>
+              </p:spPr>
+              <p:style>
+                <a:lnRef idx="2">
+                  <a:schemeClr val="accent1">
+                    <a:shade val="50000"/>
+                  </a:schemeClr>
+                </a:lnRef>
+                <a:fillRef idx="1">
+                  <a:schemeClr val="accent1"/>
+                </a:fillRef>
+                <a:effectRef idx="0">
+                  <a:schemeClr val="accent1"/>
+                </a:effectRef>
+                <a:fontRef idx="minor">
+                  <a:schemeClr val="lt1"/>
+                </a:fontRef>
+              </p:style>
+              <p:txBody>
+                <a:bodyPr rtlCol="0" anchor="ctr"/>
+                <a:lstStyle/>
+                <a:p>
+                  <a:pPr algn="ctr"/>
+                  <a:endParaRPr lang="en-SG" sz="1050" dirty="0">
                     <a:latin typeface="Arial" panose="020B0604020202020204" pitchFamily="34" charset="0"/>
                     <a:cs typeface="Arial" panose="020B0604020202020204" pitchFamily="34" charset="0"/>
-                  </a:rPr>
-                  <a:t>Meaning</a:t>
-                </a:r>
-              </a:p>
-            </p:txBody>
-          </p:sp>
+                  </a:endParaRPr>
+                </a:p>
+              </p:txBody>
+            </p:sp>
+            <p:sp>
+              <p:nvSpPr>
+                <p:cNvPr id="26" name="TextBox 25">
+                  <a:extLst>
+                    <a:ext uri="{FF2B5EF4-FFF2-40B4-BE49-F238E27FC236}">
+                      <a16:creationId xmlns:a16="http://schemas.microsoft.com/office/drawing/2014/main" id="{17A5B4CD-3AAC-44C4-ADBB-CC16E80B48C6}"/>
+                    </a:ext>
+                  </a:extLst>
+                </p:cNvPr>
+                <p:cNvSpPr txBox="1"/>
+                <p:nvPr/>
+              </p:nvSpPr>
+              <p:spPr>
+                <a:xfrm>
+                  <a:off x="3016098" y="2434707"/>
+                  <a:ext cx="1545012" cy="307777"/>
+                </a:xfrm>
+                <a:prstGeom prst="rect">
+                  <a:avLst/>
+                </a:prstGeom>
+                <a:noFill/>
+              </p:spPr>
+              <p:txBody>
+                <a:bodyPr wrap="square" rtlCol="0">
+                  <a:spAutoFit/>
+                </a:bodyPr>
+                <a:lstStyle/>
+                <a:p>
+                  <a:pPr algn="ctr"/>
+                  <a:r>
+                    <a:rPr lang="en-SG" sz="1400" dirty="0">
+                      <a:solidFill>
+                        <a:schemeClr val="bg1"/>
+                      </a:solidFill>
+                      <a:latin typeface="Arial" panose="020B0604020202020204" pitchFamily="34" charset="0"/>
+                      <a:cs typeface="Arial" panose="020B0604020202020204" pitchFamily="34" charset="0"/>
+                    </a:rPr>
+                    <a:t>Meaning</a:t>
+                  </a:r>
+                </a:p>
+              </p:txBody>
+            </p:sp>
+          </p:grpSp>
         </p:grpSp>
-      </p:grpSp>
-      <p:grpSp>
-        <p:nvGrpSpPr>
-          <p:cNvPr id="22" name="Group 21">
-            <a:extLst>
-              <a:ext uri="{FF2B5EF4-FFF2-40B4-BE49-F238E27FC236}">
-                <a16:creationId xmlns:a16="http://schemas.microsoft.com/office/drawing/2014/main" id="{5874011B-3067-4BCF-A2CD-5C7647AFB4CE}"/>
-              </a:ext>
-            </a:extLst>
-          </p:cNvPr>
-          <p:cNvGrpSpPr/>
-          <p:nvPr/>
-        </p:nvGrpSpPr>
-        <p:grpSpPr>
-          <a:xfrm>
-            <a:off x="1747413" y="777605"/>
-            <a:ext cx="1545012" cy="650353"/>
-            <a:chOff x="3593015" y="3956407"/>
-            <a:chExt cx="1545012" cy="650353"/>
-          </a:xfrm>
-        </p:grpSpPr>
         <p:grpSp>
           <p:nvGrpSpPr>
-            <p:cNvPr id="23" name="Group 22">
+            <p:cNvPr id="29" name="Group 28">
               <a:extLst>
                 <a:ext uri="{FF2B5EF4-FFF2-40B4-BE49-F238E27FC236}">
-                  <a16:creationId xmlns:a16="http://schemas.microsoft.com/office/drawing/2014/main" id="{34947E98-4C0B-4AAE-B919-1580712EE2DC}"/>
+                  <a16:creationId xmlns:a16="http://schemas.microsoft.com/office/drawing/2014/main" id="{1BC18EE3-ED4C-44DE-8E54-79F1FF7ACF6D}"/>
                 </a:ext>
               </a:extLst>
             </p:cNvPr>
@@ -7316,118 +7668,259 @@
           </p:nvGrpSpPr>
           <p:grpSpPr>
             <a:xfrm>
-              <a:off x="3593015" y="3956407"/>
-              <a:ext cx="1545012" cy="319596"/>
-              <a:chOff x="3016098" y="2411398"/>
-              <a:chExt cx="1545012" cy="319596"/>
+              <a:off x="414015" y="1582721"/>
+              <a:ext cx="1545012" cy="650353"/>
+              <a:chOff x="3593015" y="3956407"/>
+              <a:chExt cx="1545012" cy="650353"/>
             </a:xfrm>
           </p:grpSpPr>
-          <p:sp>
-            <p:nvSpPr>
-              <p:cNvPr id="27" name="Rectangle 26">
+          <p:grpSp>
+            <p:nvGrpSpPr>
+              <p:cNvPr id="30" name="Group 29">
                 <a:extLst>
                   <a:ext uri="{FF2B5EF4-FFF2-40B4-BE49-F238E27FC236}">
-                    <a16:creationId xmlns:a16="http://schemas.microsoft.com/office/drawing/2014/main" id="{5186FE20-291E-47CA-ADC3-DAC614D87849}"/>
+                    <a16:creationId xmlns:a16="http://schemas.microsoft.com/office/drawing/2014/main" id="{5BF31315-AFFF-410C-BEA6-286F087CE9C1}"/>
                   </a:ext>
                 </a:extLst>
               </p:cNvPr>
-              <p:cNvSpPr/>
+              <p:cNvGrpSpPr/>
               <p:nvPr/>
-            </p:nvSpPr>
-            <p:spPr>
+            </p:nvGrpSpPr>
+            <p:grpSpPr>
               <a:xfrm>
-                <a:off x="3227713" y="2411398"/>
-                <a:ext cx="1121783" cy="319596"/>
+                <a:off x="3593015" y="3956407"/>
+                <a:ext cx="1545012" cy="319596"/>
+                <a:chOff x="3016098" y="2411398"/>
+                <a:chExt cx="1545012" cy="319596"/>
               </a:xfrm>
-              <a:prstGeom prst="rect">
-                <a:avLst/>
-              </a:prstGeom>
-              <a:solidFill>
-                <a:srgbClr val="0070C0"/>
-              </a:solidFill>
-              <a:ln>
+            </p:grpSpPr>
+            <p:sp>
+              <p:nvSpPr>
+                <p:cNvPr id="34" name="Rectangle 33">
+                  <a:extLst>
+                    <a:ext uri="{FF2B5EF4-FFF2-40B4-BE49-F238E27FC236}">
+                      <a16:creationId xmlns:a16="http://schemas.microsoft.com/office/drawing/2014/main" id="{ED4F7B34-58CA-4B86-B1F3-FFBC542EEC8F}"/>
+                    </a:ext>
+                  </a:extLst>
+                </p:cNvPr>
+                <p:cNvSpPr/>
+                <p:nvPr/>
+              </p:nvSpPr>
+              <p:spPr>
+                <a:xfrm>
+                  <a:off x="3227713" y="2411398"/>
+                  <a:ext cx="1121783" cy="319596"/>
+                </a:xfrm>
+                <a:prstGeom prst="rect">
+                  <a:avLst/>
+                </a:prstGeom>
                 <a:solidFill>
-                  <a:schemeClr val="tx1"/>
+                  <a:srgbClr val="0070C0"/>
                 </a:solidFill>
-              </a:ln>
-            </p:spPr>
-            <p:style>
-              <a:lnRef idx="2">
-                <a:schemeClr val="accent1">
-                  <a:shade val="50000"/>
-                </a:schemeClr>
-              </a:lnRef>
-              <a:fillRef idx="1">
-                <a:schemeClr val="accent1"/>
-              </a:fillRef>
-              <a:effectRef idx="0">
-                <a:schemeClr val="accent1"/>
-              </a:effectRef>
-              <a:fontRef idx="minor">
-                <a:schemeClr val="lt1"/>
-              </a:fontRef>
-            </p:style>
-            <p:txBody>
-              <a:bodyPr rtlCol="0" anchor="ctr"/>
-              <a:lstStyle/>
-              <a:p>
-                <a:pPr algn="ctr"/>
-                <a:endParaRPr lang="en-SG" sz="1050" dirty="0">
-                  <a:latin typeface="Arial" panose="020B0604020202020204" pitchFamily="34" charset="0"/>
-                  <a:cs typeface="Arial" panose="020B0604020202020204" pitchFamily="34" charset="0"/>
-                </a:endParaRPr>
-              </a:p>
-            </p:txBody>
-          </p:sp>
-          <p:sp>
-            <p:nvSpPr>
-              <p:cNvPr id="28" name="TextBox 27">
+                <a:ln>
+                  <a:solidFill>
+                    <a:schemeClr val="tx1"/>
+                  </a:solidFill>
+                </a:ln>
+              </p:spPr>
+              <p:style>
+                <a:lnRef idx="2">
+                  <a:schemeClr val="accent1">
+                    <a:shade val="50000"/>
+                  </a:schemeClr>
+                </a:lnRef>
+                <a:fillRef idx="1">
+                  <a:schemeClr val="accent1"/>
+                </a:fillRef>
+                <a:effectRef idx="0">
+                  <a:schemeClr val="accent1"/>
+                </a:effectRef>
+                <a:fontRef idx="minor">
+                  <a:schemeClr val="lt1"/>
+                </a:fontRef>
+              </p:style>
+              <p:txBody>
+                <a:bodyPr rtlCol="0" anchor="ctr"/>
+                <a:lstStyle/>
+                <a:p>
+                  <a:pPr algn="ctr"/>
+                  <a:endParaRPr lang="en-SG" sz="1050" dirty="0">
+                    <a:latin typeface="Arial" panose="020B0604020202020204" pitchFamily="34" charset="0"/>
+                    <a:cs typeface="Arial" panose="020B0604020202020204" pitchFamily="34" charset="0"/>
+                  </a:endParaRPr>
+                </a:p>
+              </p:txBody>
+            </p:sp>
+            <p:sp>
+              <p:nvSpPr>
+                <p:cNvPr id="35" name="TextBox 34">
+                  <a:extLst>
+                    <a:ext uri="{FF2B5EF4-FFF2-40B4-BE49-F238E27FC236}">
+                      <a16:creationId xmlns:a16="http://schemas.microsoft.com/office/drawing/2014/main" id="{0B74C913-6957-4047-BA38-D9D63F548C83}"/>
+                    </a:ext>
+                  </a:extLst>
+                </p:cNvPr>
+                <p:cNvSpPr txBox="1"/>
+                <p:nvPr/>
+              </p:nvSpPr>
+              <p:spPr>
+                <a:xfrm>
+                  <a:off x="3016098" y="2411398"/>
+                  <a:ext cx="1545012" cy="307777"/>
+                </a:xfrm>
+                <a:prstGeom prst="rect">
+                  <a:avLst/>
+                </a:prstGeom>
+                <a:noFill/>
+              </p:spPr>
+              <p:txBody>
+                <a:bodyPr wrap="square" rtlCol="0">
+                  <a:spAutoFit/>
+                </a:bodyPr>
+                <a:lstStyle/>
+                <a:p>
+                  <a:pPr algn="ctr"/>
+                  <a:r>
+                    <a:rPr lang="en-SG" sz="1400" dirty="0">
+                      <a:solidFill>
+                        <a:schemeClr val="bg1"/>
+                      </a:solidFill>
+                      <a:latin typeface="Arial" panose="020B0604020202020204" pitchFamily="34" charset="0"/>
+                      <a:cs typeface="Arial" panose="020B0604020202020204" pitchFamily="34" charset="0"/>
+                    </a:rPr>
+                    <a:t>Word</a:t>
+                  </a:r>
+                </a:p>
+              </p:txBody>
+            </p:sp>
+          </p:grpSp>
+          <p:grpSp>
+            <p:nvGrpSpPr>
+              <p:cNvPr id="31" name="Group 30">
                 <a:extLst>
                   <a:ext uri="{FF2B5EF4-FFF2-40B4-BE49-F238E27FC236}">
-                    <a16:creationId xmlns:a16="http://schemas.microsoft.com/office/drawing/2014/main" id="{C600B1E6-FFEB-4D31-810F-40D370AB5555}"/>
+                    <a16:creationId xmlns:a16="http://schemas.microsoft.com/office/drawing/2014/main" id="{0B511C27-3245-4BF9-95DF-0EFFFE1AC546}"/>
                   </a:ext>
                 </a:extLst>
               </p:cNvPr>
-              <p:cNvSpPr txBox="1"/>
+              <p:cNvGrpSpPr/>
               <p:nvPr/>
-            </p:nvSpPr>
-            <p:spPr>
+            </p:nvGrpSpPr>
+            <p:grpSpPr>
               <a:xfrm>
-                <a:off x="3016098" y="2411398"/>
-                <a:ext cx="1545012" cy="307777"/>
+                <a:off x="3593015" y="4275674"/>
+                <a:ext cx="1545012" cy="331086"/>
+                <a:chOff x="3016098" y="2411398"/>
+                <a:chExt cx="1545012" cy="331086"/>
               </a:xfrm>
-              <a:prstGeom prst="rect">
-                <a:avLst/>
-              </a:prstGeom>
-              <a:noFill/>
-            </p:spPr>
-            <p:txBody>
-              <a:bodyPr wrap="square" rtlCol="0">
-                <a:spAutoFit/>
-              </a:bodyPr>
-              <a:lstStyle/>
-              <a:p>
-                <a:pPr algn="ctr"/>
-                <a:r>
-                  <a:rPr lang="en-SG" sz="1400" dirty="0">
-                    <a:solidFill>
-                      <a:schemeClr val="bg1"/>
-                    </a:solidFill>
+            </p:grpSpPr>
+            <p:sp>
+              <p:nvSpPr>
+                <p:cNvPr id="32" name="Rectangle 31">
+                  <a:extLst>
+                    <a:ext uri="{FF2B5EF4-FFF2-40B4-BE49-F238E27FC236}">
+                      <a16:creationId xmlns:a16="http://schemas.microsoft.com/office/drawing/2014/main" id="{C0F461AB-8EB3-4F31-9701-3366C4B8823F}"/>
+                    </a:ext>
+                  </a:extLst>
+                </p:cNvPr>
+                <p:cNvSpPr/>
+                <p:nvPr/>
+              </p:nvSpPr>
+              <p:spPr>
+                <a:xfrm>
+                  <a:off x="3227713" y="2411398"/>
+                  <a:ext cx="1121783" cy="319596"/>
+                </a:xfrm>
+                <a:prstGeom prst="rect">
+                  <a:avLst/>
+                </a:prstGeom>
+                <a:solidFill>
+                  <a:srgbClr val="00B0F0"/>
+                </a:solidFill>
+                <a:ln>
+                  <a:solidFill>
+                    <a:schemeClr val="tx1"/>
+                  </a:solidFill>
+                </a:ln>
+              </p:spPr>
+              <p:style>
+                <a:lnRef idx="2">
+                  <a:schemeClr val="accent1">
+                    <a:shade val="50000"/>
+                  </a:schemeClr>
+                </a:lnRef>
+                <a:fillRef idx="1">
+                  <a:schemeClr val="accent1"/>
+                </a:fillRef>
+                <a:effectRef idx="0">
+                  <a:schemeClr val="accent1"/>
+                </a:effectRef>
+                <a:fontRef idx="minor">
+                  <a:schemeClr val="lt1"/>
+                </a:fontRef>
+              </p:style>
+              <p:txBody>
+                <a:bodyPr rtlCol="0" anchor="ctr"/>
+                <a:lstStyle/>
+                <a:p>
+                  <a:pPr algn="ctr"/>
+                  <a:endParaRPr lang="en-SG" sz="1050" dirty="0">
                     <a:latin typeface="Arial" panose="020B0604020202020204" pitchFamily="34" charset="0"/>
                     <a:cs typeface="Arial" panose="020B0604020202020204" pitchFamily="34" charset="0"/>
-                  </a:rPr>
-                  <a:t>Word</a:t>
-                </a:r>
-              </a:p>
-            </p:txBody>
-          </p:sp>
+                  </a:endParaRPr>
+                </a:p>
+              </p:txBody>
+            </p:sp>
+            <p:sp>
+              <p:nvSpPr>
+                <p:cNvPr id="33" name="TextBox 32">
+                  <a:extLst>
+                    <a:ext uri="{FF2B5EF4-FFF2-40B4-BE49-F238E27FC236}">
+                      <a16:creationId xmlns:a16="http://schemas.microsoft.com/office/drawing/2014/main" id="{AC374904-020B-4A1A-984F-D6B58E57A8DE}"/>
+                    </a:ext>
+                  </a:extLst>
+                </p:cNvPr>
+                <p:cNvSpPr txBox="1"/>
+                <p:nvPr/>
+              </p:nvSpPr>
+              <p:spPr>
+                <a:xfrm>
+                  <a:off x="3016098" y="2434707"/>
+                  <a:ext cx="1545012" cy="307777"/>
+                </a:xfrm>
+                <a:prstGeom prst="rect">
+                  <a:avLst/>
+                </a:prstGeom>
+                <a:noFill/>
+              </p:spPr>
+              <p:txBody>
+                <a:bodyPr wrap="square" rtlCol="0">
+                  <a:spAutoFit/>
+                </a:bodyPr>
+                <a:lstStyle/>
+                <a:p>
+                  <a:pPr algn="ctr"/>
+                  <a:r>
+                    <a:rPr lang="en-SG" sz="1400" dirty="0">
+                      <a:solidFill>
+                        <a:schemeClr val="bg1"/>
+                      </a:solidFill>
+                      <a:latin typeface="Arial" panose="020B0604020202020204" pitchFamily="34" charset="0"/>
+                      <a:cs typeface="Arial" panose="020B0604020202020204" pitchFamily="34" charset="0"/>
+                    </a:rPr>
+                    <a:t>Meaning</a:t>
+                  </a:r>
+                </a:p>
+              </p:txBody>
+            </p:sp>
+          </p:grpSp>
         </p:grpSp>
         <p:grpSp>
           <p:nvGrpSpPr>
-            <p:cNvPr id="24" name="Group 23">
+            <p:cNvPr id="36" name="Group 35">
               <a:extLst>
                 <a:ext uri="{FF2B5EF4-FFF2-40B4-BE49-F238E27FC236}">
-                  <a16:creationId xmlns:a16="http://schemas.microsoft.com/office/drawing/2014/main" id="{23E2652E-19AF-456F-872A-9CAE836F3738}"/>
+                  <a16:creationId xmlns:a16="http://schemas.microsoft.com/office/drawing/2014/main" id="{EC402529-F6CF-40BC-8051-288639495193}"/>
                 </a:ext>
               </a:extLst>
             </p:cNvPr>
@@ -7436,139 +7929,373 @@
           </p:nvGrpSpPr>
           <p:grpSpPr>
             <a:xfrm>
-              <a:off x="3593015" y="4275674"/>
-              <a:ext cx="1545012" cy="331086"/>
-              <a:chOff x="3016098" y="2411398"/>
-              <a:chExt cx="1545012" cy="331086"/>
+              <a:off x="1743686" y="1600120"/>
+              <a:ext cx="1545012" cy="650353"/>
+              <a:chOff x="3593015" y="3956407"/>
+              <a:chExt cx="1545012" cy="650353"/>
             </a:xfrm>
           </p:grpSpPr>
-          <p:sp>
-            <p:nvSpPr>
-              <p:cNvPr id="25" name="Rectangle 24">
+          <p:grpSp>
+            <p:nvGrpSpPr>
+              <p:cNvPr id="37" name="Group 36">
                 <a:extLst>
                   <a:ext uri="{FF2B5EF4-FFF2-40B4-BE49-F238E27FC236}">
-                    <a16:creationId xmlns:a16="http://schemas.microsoft.com/office/drawing/2014/main" id="{4171984D-2F3B-408D-9D69-055A70B80047}"/>
+                    <a16:creationId xmlns:a16="http://schemas.microsoft.com/office/drawing/2014/main" id="{49749F56-0D0C-4625-BAEB-C1CE09E080F8}"/>
                   </a:ext>
                 </a:extLst>
               </p:cNvPr>
-              <p:cNvSpPr/>
+              <p:cNvGrpSpPr/>
               <p:nvPr/>
-            </p:nvSpPr>
-            <p:spPr>
+            </p:nvGrpSpPr>
+            <p:grpSpPr>
               <a:xfrm>
-                <a:off x="3227713" y="2411398"/>
-                <a:ext cx="1121783" cy="319596"/>
+                <a:off x="3593015" y="3956407"/>
+                <a:ext cx="1545012" cy="319596"/>
+                <a:chOff x="3016098" y="2411398"/>
+                <a:chExt cx="1545012" cy="319596"/>
               </a:xfrm>
-              <a:prstGeom prst="rect">
-                <a:avLst/>
-              </a:prstGeom>
-              <a:solidFill>
-                <a:srgbClr val="00B0F0"/>
-              </a:solidFill>
-              <a:ln>
+            </p:grpSpPr>
+            <p:sp>
+              <p:nvSpPr>
+                <p:cNvPr id="41" name="Rectangle 40">
+                  <a:extLst>
+                    <a:ext uri="{FF2B5EF4-FFF2-40B4-BE49-F238E27FC236}">
+                      <a16:creationId xmlns:a16="http://schemas.microsoft.com/office/drawing/2014/main" id="{AB20CF73-2AC0-4D43-82C4-27E042EF7B26}"/>
+                    </a:ext>
+                  </a:extLst>
+                </p:cNvPr>
+                <p:cNvSpPr/>
+                <p:nvPr/>
+              </p:nvSpPr>
+              <p:spPr>
+                <a:xfrm>
+                  <a:off x="3227713" y="2411398"/>
+                  <a:ext cx="1121783" cy="319596"/>
+                </a:xfrm>
+                <a:prstGeom prst="rect">
+                  <a:avLst/>
+                </a:prstGeom>
                 <a:solidFill>
-                  <a:schemeClr val="tx1"/>
+                  <a:srgbClr val="0070C0"/>
                 </a:solidFill>
-              </a:ln>
-            </p:spPr>
-            <p:style>
-              <a:lnRef idx="2">
-                <a:schemeClr val="accent1">
-                  <a:shade val="50000"/>
-                </a:schemeClr>
-              </a:lnRef>
-              <a:fillRef idx="1">
-                <a:schemeClr val="accent1"/>
-              </a:fillRef>
-              <a:effectRef idx="0">
-                <a:schemeClr val="accent1"/>
-              </a:effectRef>
-              <a:fontRef idx="minor">
-                <a:schemeClr val="lt1"/>
-              </a:fontRef>
-            </p:style>
-            <p:txBody>
-              <a:bodyPr rtlCol="0" anchor="ctr"/>
-              <a:lstStyle/>
-              <a:p>
-                <a:pPr algn="ctr"/>
-                <a:endParaRPr lang="en-SG" sz="1050" dirty="0">
-                  <a:latin typeface="Arial" panose="020B0604020202020204" pitchFamily="34" charset="0"/>
-                  <a:cs typeface="Arial" panose="020B0604020202020204" pitchFamily="34" charset="0"/>
-                </a:endParaRPr>
-              </a:p>
-            </p:txBody>
-          </p:sp>
-          <p:sp>
-            <p:nvSpPr>
-              <p:cNvPr id="26" name="TextBox 25">
+                <a:ln>
+                  <a:solidFill>
+                    <a:schemeClr val="tx1"/>
+                  </a:solidFill>
+                </a:ln>
+              </p:spPr>
+              <p:style>
+                <a:lnRef idx="2">
+                  <a:schemeClr val="accent1">
+                    <a:shade val="50000"/>
+                  </a:schemeClr>
+                </a:lnRef>
+                <a:fillRef idx="1">
+                  <a:schemeClr val="accent1"/>
+                </a:fillRef>
+                <a:effectRef idx="0">
+                  <a:schemeClr val="accent1"/>
+                </a:effectRef>
+                <a:fontRef idx="minor">
+                  <a:schemeClr val="lt1"/>
+                </a:fontRef>
+              </p:style>
+              <p:txBody>
+                <a:bodyPr rtlCol="0" anchor="ctr"/>
+                <a:lstStyle/>
+                <a:p>
+                  <a:pPr algn="ctr"/>
+                  <a:endParaRPr lang="en-SG" sz="1050" dirty="0">
+                    <a:latin typeface="Arial" panose="020B0604020202020204" pitchFamily="34" charset="0"/>
+                    <a:cs typeface="Arial" panose="020B0604020202020204" pitchFamily="34" charset="0"/>
+                  </a:endParaRPr>
+                </a:p>
+              </p:txBody>
+            </p:sp>
+            <p:sp>
+              <p:nvSpPr>
+                <p:cNvPr id="42" name="TextBox 41">
+                  <a:extLst>
+                    <a:ext uri="{FF2B5EF4-FFF2-40B4-BE49-F238E27FC236}">
+                      <a16:creationId xmlns:a16="http://schemas.microsoft.com/office/drawing/2014/main" id="{1F455FAD-6EE0-4624-B024-EB73860973BF}"/>
+                    </a:ext>
+                  </a:extLst>
+                </p:cNvPr>
+                <p:cNvSpPr txBox="1"/>
+                <p:nvPr/>
+              </p:nvSpPr>
+              <p:spPr>
+                <a:xfrm>
+                  <a:off x="3016098" y="2411398"/>
+                  <a:ext cx="1545012" cy="307777"/>
+                </a:xfrm>
+                <a:prstGeom prst="rect">
+                  <a:avLst/>
+                </a:prstGeom>
+                <a:noFill/>
+              </p:spPr>
+              <p:txBody>
+                <a:bodyPr wrap="square" rtlCol="0">
+                  <a:spAutoFit/>
+                </a:bodyPr>
+                <a:lstStyle/>
+                <a:p>
+                  <a:pPr algn="ctr"/>
+                  <a:r>
+                    <a:rPr lang="en-SG" sz="1400" dirty="0">
+                      <a:solidFill>
+                        <a:schemeClr val="bg1"/>
+                      </a:solidFill>
+                      <a:latin typeface="Arial" panose="020B0604020202020204" pitchFamily="34" charset="0"/>
+                      <a:cs typeface="Arial" panose="020B0604020202020204" pitchFamily="34" charset="0"/>
+                    </a:rPr>
+                    <a:t>Word</a:t>
+                  </a:r>
+                </a:p>
+              </p:txBody>
+            </p:sp>
+          </p:grpSp>
+          <p:grpSp>
+            <p:nvGrpSpPr>
+              <p:cNvPr id="38" name="Group 37">
                 <a:extLst>
                   <a:ext uri="{FF2B5EF4-FFF2-40B4-BE49-F238E27FC236}">
-                    <a16:creationId xmlns:a16="http://schemas.microsoft.com/office/drawing/2014/main" id="{17A5B4CD-3AAC-44C4-ADBB-CC16E80B48C6}"/>
+                    <a16:creationId xmlns:a16="http://schemas.microsoft.com/office/drawing/2014/main" id="{377A3D37-F6E1-4730-802F-48BFEDCFBA12}"/>
                   </a:ext>
                 </a:extLst>
               </p:cNvPr>
-              <p:cNvSpPr txBox="1"/>
+              <p:cNvGrpSpPr/>
               <p:nvPr/>
-            </p:nvSpPr>
-            <p:spPr>
+            </p:nvGrpSpPr>
+            <p:grpSpPr>
               <a:xfrm>
-                <a:off x="3016098" y="2434707"/>
-                <a:ext cx="1545012" cy="307777"/>
+                <a:off x="3593015" y="4275674"/>
+                <a:ext cx="1545012" cy="331086"/>
+                <a:chOff x="3016098" y="2411398"/>
+                <a:chExt cx="1545012" cy="331086"/>
               </a:xfrm>
-              <a:prstGeom prst="rect">
-                <a:avLst/>
-              </a:prstGeom>
-              <a:noFill/>
-            </p:spPr>
-            <p:txBody>
-              <a:bodyPr wrap="square" rtlCol="0">
-                <a:spAutoFit/>
-              </a:bodyPr>
-              <a:lstStyle/>
-              <a:p>
-                <a:pPr algn="ctr"/>
-                <a:r>
-                  <a:rPr lang="en-SG" sz="1400" dirty="0">
-                    <a:solidFill>
-                      <a:schemeClr val="bg1"/>
-                    </a:solidFill>
+            </p:grpSpPr>
+            <p:sp>
+              <p:nvSpPr>
+                <p:cNvPr id="39" name="Rectangle 38">
+                  <a:extLst>
+                    <a:ext uri="{FF2B5EF4-FFF2-40B4-BE49-F238E27FC236}">
+                      <a16:creationId xmlns:a16="http://schemas.microsoft.com/office/drawing/2014/main" id="{F276431F-FAEF-435C-92F3-5F1EAFFA267E}"/>
+                    </a:ext>
+                  </a:extLst>
+                </p:cNvPr>
+                <p:cNvSpPr/>
+                <p:nvPr/>
+              </p:nvSpPr>
+              <p:spPr>
+                <a:xfrm>
+                  <a:off x="3227713" y="2411398"/>
+                  <a:ext cx="1121783" cy="319596"/>
+                </a:xfrm>
+                <a:prstGeom prst="rect">
+                  <a:avLst/>
+                </a:prstGeom>
+                <a:solidFill>
+                  <a:srgbClr val="00B0F0"/>
+                </a:solidFill>
+                <a:ln>
+                  <a:solidFill>
+                    <a:schemeClr val="tx1"/>
+                  </a:solidFill>
+                </a:ln>
+              </p:spPr>
+              <p:style>
+                <a:lnRef idx="2">
+                  <a:schemeClr val="accent1">
+                    <a:shade val="50000"/>
+                  </a:schemeClr>
+                </a:lnRef>
+                <a:fillRef idx="1">
+                  <a:schemeClr val="accent1"/>
+                </a:fillRef>
+                <a:effectRef idx="0">
+                  <a:schemeClr val="accent1"/>
+                </a:effectRef>
+                <a:fontRef idx="minor">
+                  <a:schemeClr val="lt1"/>
+                </a:fontRef>
+              </p:style>
+              <p:txBody>
+                <a:bodyPr rtlCol="0" anchor="ctr"/>
+                <a:lstStyle/>
+                <a:p>
+                  <a:pPr algn="ctr"/>
+                  <a:endParaRPr lang="en-SG" sz="1050" dirty="0">
                     <a:latin typeface="Arial" panose="020B0604020202020204" pitchFamily="34" charset="0"/>
                     <a:cs typeface="Arial" panose="020B0604020202020204" pitchFamily="34" charset="0"/>
-                  </a:rPr>
-                  <a:t>Meaning</a:t>
-                </a:r>
-              </a:p>
-            </p:txBody>
-          </p:sp>
+                  </a:endParaRPr>
+                </a:p>
+              </p:txBody>
+            </p:sp>
+            <p:sp>
+              <p:nvSpPr>
+                <p:cNvPr id="40" name="TextBox 39">
+                  <a:extLst>
+                    <a:ext uri="{FF2B5EF4-FFF2-40B4-BE49-F238E27FC236}">
+                      <a16:creationId xmlns:a16="http://schemas.microsoft.com/office/drawing/2014/main" id="{40176AAC-F391-4010-B74F-B3BB1AFA5EE7}"/>
+                    </a:ext>
+                  </a:extLst>
+                </p:cNvPr>
+                <p:cNvSpPr txBox="1"/>
+                <p:nvPr/>
+              </p:nvSpPr>
+              <p:spPr>
+                <a:xfrm>
+                  <a:off x="3016098" y="2434707"/>
+                  <a:ext cx="1545012" cy="307777"/>
+                </a:xfrm>
+                <a:prstGeom prst="rect">
+                  <a:avLst/>
+                </a:prstGeom>
+                <a:noFill/>
+              </p:spPr>
+              <p:txBody>
+                <a:bodyPr wrap="square" rtlCol="0">
+                  <a:spAutoFit/>
+                </a:bodyPr>
+                <a:lstStyle/>
+                <a:p>
+                  <a:pPr algn="ctr"/>
+                  <a:r>
+                    <a:rPr lang="en-SG" sz="1400" dirty="0">
+                      <a:solidFill>
+                        <a:schemeClr val="bg1"/>
+                      </a:solidFill>
+                      <a:latin typeface="Arial" panose="020B0604020202020204" pitchFamily="34" charset="0"/>
+                      <a:cs typeface="Arial" panose="020B0604020202020204" pitchFamily="34" charset="0"/>
+                    </a:rPr>
+                    <a:t>Meaning</a:t>
+                  </a:r>
+                </a:p>
+              </p:txBody>
+            </p:sp>
+          </p:grpSp>
         </p:grpSp>
-      </p:grpSp>
-      <p:grpSp>
-        <p:nvGrpSpPr>
-          <p:cNvPr id="29" name="Group 28">
-            <a:extLst>
-              <a:ext uri="{FF2B5EF4-FFF2-40B4-BE49-F238E27FC236}">
-                <a16:creationId xmlns:a16="http://schemas.microsoft.com/office/drawing/2014/main" id="{1BC18EE3-ED4C-44DE-8E54-79F1FF7ACF6D}"/>
-              </a:ext>
-            </a:extLst>
-          </p:cNvPr>
-          <p:cNvGrpSpPr/>
-          <p:nvPr/>
-        </p:nvGrpSpPr>
-        <p:grpSpPr>
-          <a:xfrm>
-            <a:off x="414015" y="1582721"/>
-            <a:ext cx="1545012" cy="650353"/>
-            <a:chOff x="3593015" y="3956407"/>
-            <a:chExt cx="1545012" cy="650353"/>
-          </a:xfrm>
-        </p:grpSpPr>
+        <p:sp>
+          <p:nvSpPr>
+            <p:cNvPr id="44" name="TextBox 43">
+              <a:extLst>
+                <a:ext uri="{FF2B5EF4-FFF2-40B4-BE49-F238E27FC236}">
+                  <a16:creationId xmlns:a16="http://schemas.microsoft.com/office/drawing/2014/main" id="{7F0E62E0-CE29-41A2-8575-D610C0035AAB}"/>
+                </a:ext>
+              </a:extLst>
+            </p:cNvPr>
+            <p:cNvSpPr txBox="1"/>
+            <p:nvPr/>
+          </p:nvSpPr>
+          <p:spPr>
+            <a:xfrm>
+              <a:off x="1321372" y="224837"/>
+              <a:ext cx="1545012" cy="368858"/>
+            </a:xfrm>
+            <a:prstGeom prst="rect">
+              <a:avLst/>
+            </a:prstGeom>
+            <a:noFill/>
+          </p:spPr>
+          <p:txBody>
+            <a:bodyPr wrap="square" rtlCol="0">
+              <a:spAutoFit/>
+            </a:bodyPr>
+            <a:lstStyle/>
+            <a:p>
+              <a:r>
+                <a:rPr lang="en-SG" i="1" dirty="0"/>
+                <a:t>WordBank 1</a:t>
+              </a:r>
+            </a:p>
+          </p:txBody>
+        </p:sp>
+        <p:sp>
+          <p:nvSpPr>
+            <p:cNvPr id="45" name="Rectangle 44">
+              <a:extLst>
+                <a:ext uri="{FF2B5EF4-FFF2-40B4-BE49-F238E27FC236}">
+                  <a16:creationId xmlns:a16="http://schemas.microsoft.com/office/drawing/2014/main" id="{1DAB7E47-F518-458D-8DCF-6BDC17307B8D}"/>
+                </a:ext>
+              </a:extLst>
+            </p:cNvPr>
+            <p:cNvSpPr/>
+            <p:nvPr/>
+          </p:nvSpPr>
+          <p:spPr>
+            <a:xfrm>
+              <a:off x="4075304" y="249511"/>
+              <a:ext cx="3124200" cy="2361609"/>
+            </a:xfrm>
+            <a:prstGeom prst="rect">
+              <a:avLst/>
+            </a:prstGeom>
+            <a:gradFill flip="none" rotWithShape="1">
+              <a:gsLst>
+                <a:gs pos="0">
+                  <a:srgbClr val="7030A0">
+                    <a:tint val="66000"/>
+                    <a:satMod val="160000"/>
+                  </a:srgbClr>
+                </a:gs>
+                <a:gs pos="50000">
+                  <a:srgbClr val="7030A0">
+                    <a:tint val="44500"/>
+                    <a:satMod val="160000"/>
+                  </a:srgbClr>
+                </a:gs>
+                <a:gs pos="100000">
+                  <a:srgbClr val="7030A0">
+                    <a:tint val="23500"/>
+                    <a:satMod val="160000"/>
+                  </a:srgbClr>
+                </a:gs>
+              </a:gsLst>
+              <a:path path="circle">
+                <a:fillToRect l="50000" t="50000" r="50000" b="50000"/>
+              </a:path>
+              <a:tileRect/>
+            </a:gradFill>
+            <a:ln>
+              <a:solidFill>
+                <a:schemeClr val="accent1">
+                  <a:lumMod val="75000"/>
+                </a:schemeClr>
+              </a:solidFill>
+            </a:ln>
+          </p:spPr>
+          <p:style>
+            <a:lnRef idx="2">
+              <a:schemeClr val="accent1">
+                <a:shade val="50000"/>
+              </a:schemeClr>
+            </a:lnRef>
+            <a:fillRef idx="1">
+              <a:schemeClr val="accent1"/>
+            </a:fillRef>
+            <a:effectRef idx="0">
+              <a:schemeClr val="accent1"/>
+            </a:effectRef>
+            <a:fontRef idx="minor">
+              <a:schemeClr val="lt1"/>
+            </a:fontRef>
+          </p:style>
+          <p:txBody>
+            <a:bodyPr rtlCol="0" anchor="ctr"/>
+            <a:lstStyle/>
+            <a:p>
+              <a:pPr algn="ctr"/>
+              <a:endParaRPr lang="en-SG"/>
+            </a:p>
+          </p:txBody>
+        </p:sp>
         <p:grpSp>
           <p:nvGrpSpPr>
-            <p:cNvPr id="30" name="Group 29">
+            <p:cNvPr id="46" name="Group 45">
               <a:extLst>
                 <a:ext uri="{FF2B5EF4-FFF2-40B4-BE49-F238E27FC236}">
-                  <a16:creationId xmlns:a16="http://schemas.microsoft.com/office/drawing/2014/main" id="{5BF31315-AFFF-410C-BEA6-286F087CE9C1}"/>
+                  <a16:creationId xmlns:a16="http://schemas.microsoft.com/office/drawing/2014/main" id="{7A851A2E-2072-4B0F-AC31-CF86956E311C}"/>
                 </a:ext>
               </a:extLst>
             </p:cNvPr>
@@ -7577,118 +8304,259 @@
           </p:nvGrpSpPr>
           <p:grpSpPr>
             <a:xfrm>
-              <a:off x="3593015" y="3956407"/>
-              <a:ext cx="1545012" cy="319596"/>
-              <a:chOff x="3016098" y="2411398"/>
-              <a:chExt cx="1545012" cy="319596"/>
+              <a:off x="4166167" y="772320"/>
+              <a:ext cx="1545012" cy="650353"/>
+              <a:chOff x="3593015" y="3956407"/>
+              <a:chExt cx="1545012" cy="650353"/>
             </a:xfrm>
           </p:grpSpPr>
-          <p:sp>
-            <p:nvSpPr>
-              <p:cNvPr id="34" name="Rectangle 33">
+          <p:grpSp>
+            <p:nvGrpSpPr>
+              <p:cNvPr id="47" name="Group 46">
                 <a:extLst>
                   <a:ext uri="{FF2B5EF4-FFF2-40B4-BE49-F238E27FC236}">
-                    <a16:creationId xmlns:a16="http://schemas.microsoft.com/office/drawing/2014/main" id="{ED4F7B34-58CA-4B86-B1F3-FFBC542EEC8F}"/>
+                    <a16:creationId xmlns:a16="http://schemas.microsoft.com/office/drawing/2014/main" id="{CB6D480E-65EF-4BFC-AB5C-4389166D8AC4}"/>
                   </a:ext>
                 </a:extLst>
               </p:cNvPr>
-              <p:cNvSpPr/>
+              <p:cNvGrpSpPr/>
               <p:nvPr/>
-            </p:nvSpPr>
-            <p:spPr>
+            </p:nvGrpSpPr>
+            <p:grpSpPr>
               <a:xfrm>
-                <a:off x="3227713" y="2411398"/>
-                <a:ext cx="1121783" cy="319596"/>
+                <a:off x="3593015" y="3956407"/>
+                <a:ext cx="1545012" cy="319596"/>
+                <a:chOff x="3016098" y="2411398"/>
+                <a:chExt cx="1545012" cy="319596"/>
               </a:xfrm>
-              <a:prstGeom prst="rect">
-                <a:avLst/>
-              </a:prstGeom>
-              <a:solidFill>
-                <a:srgbClr val="0070C0"/>
-              </a:solidFill>
-              <a:ln>
+            </p:grpSpPr>
+            <p:sp>
+              <p:nvSpPr>
+                <p:cNvPr id="51" name="Rectangle 50">
+                  <a:extLst>
+                    <a:ext uri="{FF2B5EF4-FFF2-40B4-BE49-F238E27FC236}">
+                      <a16:creationId xmlns:a16="http://schemas.microsoft.com/office/drawing/2014/main" id="{DE4CC0FF-C7FD-4BA0-B032-DF1BD05EA160}"/>
+                    </a:ext>
+                  </a:extLst>
+                </p:cNvPr>
+                <p:cNvSpPr/>
+                <p:nvPr/>
+              </p:nvSpPr>
+              <p:spPr>
+                <a:xfrm>
+                  <a:off x="3227713" y="2411398"/>
+                  <a:ext cx="1121783" cy="319596"/>
+                </a:xfrm>
+                <a:prstGeom prst="rect">
+                  <a:avLst/>
+                </a:prstGeom>
                 <a:solidFill>
-                  <a:schemeClr val="tx1"/>
+                  <a:srgbClr val="0070C0"/>
                 </a:solidFill>
-              </a:ln>
-            </p:spPr>
-            <p:style>
-              <a:lnRef idx="2">
-                <a:schemeClr val="accent1">
-                  <a:shade val="50000"/>
-                </a:schemeClr>
-              </a:lnRef>
-              <a:fillRef idx="1">
-                <a:schemeClr val="accent1"/>
-              </a:fillRef>
-              <a:effectRef idx="0">
-                <a:schemeClr val="accent1"/>
-              </a:effectRef>
-              <a:fontRef idx="minor">
-                <a:schemeClr val="lt1"/>
-              </a:fontRef>
-            </p:style>
-            <p:txBody>
-              <a:bodyPr rtlCol="0" anchor="ctr"/>
-              <a:lstStyle/>
-              <a:p>
-                <a:pPr algn="ctr"/>
-                <a:endParaRPr lang="en-SG" sz="1050" dirty="0">
-                  <a:latin typeface="Arial" panose="020B0604020202020204" pitchFamily="34" charset="0"/>
-                  <a:cs typeface="Arial" panose="020B0604020202020204" pitchFamily="34" charset="0"/>
-                </a:endParaRPr>
-              </a:p>
-            </p:txBody>
-          </p:sp>
-          <p:sp>
-            <p:nvSpPr>
-              <p:cNvPr id="35" name="TextBox 34">
+                <a:ln>
+                  <a:solidFill>
+                    <a:schemeClr val="tx1"/>
+                  </a:solidFill>
+                </a:ln>
+              </p:spPr>
+              <p:style>
+                <a:lnRef idx="2">
+                  <a:schemeClr val="accent1">
+                    <a:shade val="50000"/>
+                  </a:schemeClr>
+                </a:lnRef>
+                <a:fillRef idx="1">
+                  <a:schemeClr val="accent1"/>
+                </a:fillRef>
+                <a:effectRef idx="0">
+                  <a:schemeClr val="accent1"/>
+                </a:effectRef>
+                <a:fontRef idx="minor">
+                  <a:schemeClr val="lt1"/>
+                </a:fontRef>
+              </p:style>
+              <p:txBody>
+                <a:bodyPr rtlCol="0" anchor="ctr"/>
+                <a:lstStyle/>
+                <a:p>
+                  <a:pPr algn="ctr"/>
+                  <a:endParaRPr lang="en-SG" sz="1050" dirty="0">
+                    <a:latin typeface="Arial" panose="020B0604020202020204" pitchFamily="34" charset="0"/>
+                    <a:cs typeface="Arial" panose="020B0604020202020204" pitchFamily="34" charset="0"/>
+                  </a:endParaRPr>
+                </a:p>
+              </p:txBody>
+            </p:sp>
+            <p:sp>
+              <p:nvSpPr>
+                <p:cNvPr id="52" name="TextBox 51">
+                  <a:extLst>
+                    <a:ext uri="{FF2B5EF4-FFF2-40B4-BE49-F238E27FC236}">
+                      <a16:creationId xmlns:a16="http://schemas.microsoft.com/office/drawing/2014/main" id="{86903273-661B-4B35-832B-A098726DF900}"/>
+                    </a:ext>
+                  </a:extLst>
+                </p:cNvPr>
+                <p:cNvSpPr txBox="1"/>
+                <p:nvPr/>
+              </p:nvSpPr>
+              <p:spPr>
+                <a:xfrm>
+                  <a:off x="3016098" y="2411398"/>
+                  <a:ext cx="1545012" cy="307777"/>
+                </a:xfrm>
+                <a:prstGeom prst="rect">
+                  <a:avLst/>
+                </a:prstGeom>
+                <a:noFill/>
+              </p:spPr>
+              <p:txBody>
+                <a:bodyPr wrap="square" rtlCol="0">
+                  <a:spAutoFit/>
+                </a:bodyPr>
+                <a:lstStyle/>
+                <a:p>
+                  <a:pPr algn="ctr"/>
+                  <a:r>
+                    <a:rPr lang="en-SG" sz="1400" dirty="0">
+                      <a:solidFill>
+                        <a:schemeClr val="bg1"/>
+                      </a:solidFill>
+                      <a:latin typeface="Arial" panose="020B0604020202020204" pitchFamily="34" charset="0"/>
+                      <a:cs typeface="Arial" panose="020B0604020202020204" pitchFamily="34" charset="0"/>
+                    </a:rPr>
+                    <a:t>Word</a:t>
+                  </a:r>
+                </a:p>
+              </p:txBody>
+            </p:sp>
+          </p:grpSp>
+          <p:grpSp>
+            <p:nvGrpSpPr>
+              <p:cNvPr id="48" name="Group 47">
                 <a:extLst>
                   <a:ext uri="{FF2B5EF4-FFF2-40B4-BE49-F238E27FC236}">
-                    <a16:creationId xmlns:a16="http://schemas.microsoft.com/office/drawing/2014/main" id="{0B74C913-6957-4047-BA38-D9D63F548C83}"/>
+                    <a16:creationId xmlns:a16="http://schemas.microsoft.com/office/drawing/2014/main" id="{70ABEA12-07BD-4E62-81E4-72761BCF6821}"/>
                   </a:ext>
                 </a:extLst>
               </p:cNvPr>
-              <p:cNvSpPr txBox="1"/>
+              <p:cNvGrpSpPr/>
               <p:nvPr/>
-            </p:nvSpPr>
-            <p:spPr>
+            </p:nvGrpSpPr>
+            <p:grpSpPr>
               <a:xfrm>
-                <a:off x="3016098" y="2411398"/>
-                <a:ext cx="1545012" cy="307777"/>
+                <a:off x="3593015" y="4275674"/>
+                <a:ext cx="1545012" cy="331086"/>
+                <a:chOff x="3016098" y="2411398"/>
+                <a:chExt cx="1545012" cy="331086"/>
               </a:xfrm>
-              <a:prstGeom prst="rect">
-                <a:avLst/>
-              </a:prstGeom>
-              <a:noFill/>
-            </p:spPr>
-            <p:txBody>
-              <a:bodyPr wrap="square" rtlCol="0">
-                <a:spAutoFit/>
-              </a:bodyPr>
-              <a:lstStyle/>
-              <a:p>
-                <a:pPr algn="ctr"/>
-                <a:r>
-                  <a:rPr lang="en-SG" sz="1400" dirty="0">
-                    <a:solidFill>
-                      <a:schemeClr val="bg1"/>
-                    </a:solidFill>
+            </p:grpSpPr>
+            <p:sp>
+              <p:nvSpPr>
+                <p:cNvPr id="49" name="Rectangle 48">
+                  <a:extLst>
+                    <a:ext uri="{FF2B5EF4-FFF2-40B4-BE49-F238E27FC236}">
+                      <a16:creationId xmlns:a16="http://schemas.microsoft.com/office/drawing/2014/main" id="{3353D20B-3C60-4BBE-8FCB-4B67861F0239}"/>
+                    </a:ext>
+                  </a:extLst>
+                </p:cNvPr>
+                <p:cNvSpPr/>
+                <p:nvPr/>
+              </p:nvSpPr>
+              <p:spPr>
+                <a:xfrm>
+                  <a:off x="3227713" y="2411398"/>
+                  <a:ext cx="1121783" cy="319596"/>
+                </a:xfrm>
+                <a:prstGeom prst="rect">
+                  <a:avLst/>
+                </a:prstGeom>
+                <a:solidFill>
+                  <a:srgbClr val="00B0F0"/>
+                </a:solidFill>
+                <a:ln>
+                  <a:solidFill>
+                    <a:schemeClr val="tx1"/>
+                  </a:solidFill>
+                </a:ln>
+              </p:spPr>
+              <p:style>
+                <a:lnRef idx="2">
+                  <a:schemeClr val="accent1">
+                    <a:shade val="50000"/>
+                  </a:schemeClr>
+                </a:lnRef>
+                <a:fillRef idx="1">
+                  <a:schemeClr val="accent1"/>
+                </a:fillRef>
+                <a:effectRef idx="0">
+                  <a:schemeClr val="accent1"/>
+                </a:effectRef>
+                <a:fontRef idx="minor">
+                  <a:schemeClr val="lt1"/>
+                </a:fontRef>
+              </p:style>
+              <p:txBody>
+                <a:bodyPr rtlCol="0" anchor="ctr"/>
+                <a:lstStyle/>
+                <a:p>
+                  <a:pPr algn="ctr"/>
+                  <a:endParaRPr lang="en-SG" sz="1050" dirty="0">
                     <a:latin typeface="Arial" panose="020B0604020202020204" pitchFamily="34" charset="0"/>
                     <a:cs typeface="Arial" panose="020B0604020202020204" pitchFamily="34" charset="0"/>
-                  </a:rPr>
-                  <a:t>Word</a:t>
-                </a:r>
-              </a:p>
-            </p:txBody>
-          </p:sp>
+                  </a:endParaRPr>
+                </a:p>
+              </p:txBody>
+            </p:sp>
+            <p:sp>
+              <p:nvSpPr>
+                <p:cNvPr id="50" name="TextBox 49">
+                  <a:extLst>
+                    <a:ext uri="{FF2B5EF4-FFF2-40B4-BE49-F238E27FC236}">
+                      <a16:creationId xmlns:a16="http://schemas.microsoft.com/office/drawing/2014/main" id="{2315703F-B583-4ED8-AC55-4BCEFF76A873}"/>
+                    </a:ext>
+                  </a:extLst>
+                </p:cNvPr>
+                <p:cNvSpPr txBox="1"/>
+                <p:nvPr/>
+              </p:nvSpPr>
+              <p:spPr>
+                <a:xfrm>
+                  <a:off x="3016098" y="2434707"/>
+                  <a:ext cx="1545012" cy="307777"/>
+                </a:xfrm>
+                <a:prstGeom prst="rect">
+                  <a:avLst/>
+                </a:prstGeom>
+                <a:noFill/>
+              </p:spPr>
+              <p:txBody>
+                <a:bodyPr wrap="square" rtlCol="0">
+                  <a:spAutoFit/>
+                </a:bodyPr>
+                <a:lstStyle/>
+                <a:p>
+                  <a:pPr algn="ctr"/>
+                  <a:r>
+                    <a:rPr lang="en-SG" sz="1400" dirty="0">
+                      <a:solidFill>
+                        <a:schemeClr val="bg1"/>
+                      </a:solidFill>
+                      <a:latin typeface="Arial" panose="020B0604020202020204" pitchFamily="34" charset="0"/>
+                      <a:cs typeface="Arial" panose="020B0604020202020204" pitchFamily="34" charset="0"/>
+                    </a:rPr>
+                    <a:t>Meaning</a:t>
+                  </a:r>
+                </a:p>
+              </p:txBody>
+            </p:sp>
+          </p:grpSp>
         </p:grpSp>
         <p:grpSp>
           <p:nvGrpSpPr>
-            <p:cNvPr id="31" name="Group 30">
+            <p:cNvPr id="53" name="Group 52">
               <a:extLst>
                 <a:ext uri="{FF2B5EF4-FFF2-40B4-BE49-F238E27FC236}">
-                  <a16:creationId xmlns:a16="http://schemas.microsoft.com/office/drawing/2014/main" id="{0B511C27-3245-4BF9-95DF-0EFFFE1AC546}"/>
+                  <a16:creationId xmlns:a16="http://schemas.microsoft.com/office/drawing/2014/main" id="{DA037BB3-0C4A-4A21-A769-F53A319288A8}"/>
                 </a:ext>
               </a:extLst>
             </p:cNvPr>
@@ -7697,139 +8565,259 @@
           </p:nvGrpSpPr>
           <p:grpSpPr>
             <a:xfrm>
-              <a:off x="3593015" y="4275674"/>
-              <a:ext cx="1545012" cy="331086"/>
-              <a:chOff x="3016098" y="2411398"/>
-              <a:chExt cx="1545012" cy="331086"/>
+              <a:off x="5499565" y="784068"/>
+              <a:ext cx="1545012" cy="650353"/>
+              <a:chOff x="3593015" y="3956407"/>
+              <a:chExt cx="1545012" cy="650353"/>
             </a:xfrm>
           </p:grpSpPr>
-          <p:sp>
-            <p:nvSpPr>
-              <p:cNvPr id="32" name="Rectangle 31">
+          <p:grpSp>
+            <p:nvGrpSpPr>
+              <p:cNvPr id="54" name="Group 53">
                 <a:extLst>
                   <a:ext uri="{FF2B5EF4-FFF2-40B4-BE49-F238E27FC236}">
-                    <a16:creationId xmlns:a16="http://schemas.microsoft.com/office/drawing/2014/main" id="{C0F461AB-8EB3-4F31-9701-3366C4B8823F}"/>
+                    <a16:creationId xmlns:a16="http://schemas.microsoft.com/office/drawing/2014/main" id="{C53148BA-5B2C-435B-8329-940BD2D04EE4}"/>
                   </a:ext>
                 </a:extLst>
               </p:cNvPr>
-              <p:cNvSpPr/>
+              <p:cNvGrpSpPr/>
               <p:nvPr/>
-            </p:nvSpPr>
-            <p:spPr>
+            </p:nvGrpSpPr>
+            <p:grpSpPr>
               <a:xfrm>
-                <a:off x="3227713" y="2411398"/>
-                <a:ext cx="1121783" cy="319596"/>
+                <a:off x="3593015" y="3956407"/>
+                <a:ext cx="1545012" cy="319596"/>
+                <a:chOff x="3016098" y="2411398"/>
+                <a:chExt cx="1545012" cy="319596"/>
               </a:xfrm>
-              <a:prstGeom prst="rect">
-                <a:avLst/>
-              </a:prstGeom>
-              <a:solidFill>
-                <a:srgbClr val="00B0F0"/>
-              </a:solidFill>
-              <a:ln>
+            </p:grpSpPr>
+            <p:sp>
+              <p:nvSpPr>
+                <p:cNvPr id="58" name="Rectangle 57">
+                  <a:extLst>
+                    <a:ext uri="{FF2B5EF4-FFF2-40B4-BE49-F238E27FC236}">
+                      <a16:creationId xmlns:a16="http://schemas.microsoft.com/office/drawing/2014/main" id="{3BB1A669-F23D-42B9-9212-E61703FD7916}"/>
+                    </a:ext>
+                  </a:extLst>
+                </p:cNvPr>
+                <p:cNvSpPr/>
+                <p:nvPr/>
+              </p:nvSpPr>
+              <p:spPr>
+                <a:xfrm>
+                  <a:off x="3227713" y="2411398"/>
+                  <a:ext cx="1121783" cy="319596"/>
+                </a:xfrm>
+                <a:prstGeom prst="rect">
+                  <a:avLst/>
+                </a:prstGeom>
                 <a:solidFill>
-                  <a:schemeClr val="tx1"/>
+                  <a:srgbClr val="0070C0"/>
                 </a:solidFill>
-              </a:ln>
-            </p:spPr>
-            <p:style>
-              <a:lnRef idx="2">
-                <a:schemeClr val="accent1">
-                  <a:shade val="50000"/>
-                </a:schemeClr>
-              </a:lnRef>
-              <a:fillRef idx="1">
-                <a:schemeClr val="accent1"/>
-              </a:fillRef>
-              <a:effectRef idx="0">
-                <a:schemeClr val="accent1"/>
-              </a:effectRef>
-              <a:fontRef idx="minor">
-                <a:schemeClr val="lt1"/>
-              </a:fontRef>
-            </p:style>
-            <p:txBody>
-              <a:bodyPr rtlCol="0" anchor="ctr"/>
-              <a:lstStyle/>
-              <a:p>
-                <a:pPr algn="ctr"/>
-                <a:endParaRPr lang="en-SG" sz="1050" dirty="0">
-                  <a:latin typeface="Arial" panose="020B0604020202020204" pitchFamily="34" charset="0"/>
-                  <a:cs typeface="Arial" panose="020B0604020202020204" pitchFamily="34" charset="0"/>
-                </a:endParaRPr>
-              </a:p>
-            </p:txBody>
-          </p:sp>
-          <p:sp>
-            <p:nvSpPr>
-              <p:cNvPr id="33" name="TextBox 32">
+                <a:ln>
+                  <a:solidFill>
+                    <a:schemeClr val="tx1"/>
+                  </a:solidFill>
+                </a:ln>
+              </p:spPr>
+              <p:style>
+                <a:lnRef idx="2">
+                  <a:schemeClr val="accent1">
+                    <a:shade val="50000"/>
+                  </a:schemeClr>
+                </a:lnRef>
+                <a:fillRef idx="1">
+                  <a:schemeClr val="accent1"/>
+                </a:fillRef>
+                <a:effectRef idx="0">
+                  <a:schemeClr val="accent1"/>
+                </a:effectRef>
+                <a:fontRef idx="minor">
+                  <a:schemeClr val="lt1"/>
+                </a:fontRef>
+              </p:style>
+              <p:txBody>
+                <a:bodyPr rtlCol="0" anchor="ctr"/>
+                <a:lstStyle/>
+                <a:p>
+                  <a:pPr algn="ctr"/>
+                  <a:endParaRPr lang="en-SG" sz="1050" dirty="0">
+                    <a:latin typeface="Arial" panose="020B0604020202020204" pitchFamily="34" charset="0"/>
+                    <a:cs typeface="Arial" panose="020B0604020202020204" pitchFamily="34" charset="0"/>
+                  </a:endParaRPr>
+                </a:p>
+              </p:txBody>
+            </p:sp>
+            <p:sp>
+              <p:nvSpPr>
+                <p:cNvPr id="59" name="TextBox 58">
+                  <a:extLst>
+                    <a:ext uri="{FF2B5EF4-FFF2-40B4-BE49-F238E27FC236}">
+                      <a16:creationId xmlns:a16="http://schemas.microsoft.com/office/drawing/2014/main" id="{E8EBDDCA-81FE-4A0F-B775-42A0C4B2B20F}"/>
+                    </a:ext>
+                  </a:extLst>
+                </p:cNvPr>
+                <p:cNvSpPr txBox="1"/>
+                <p:nvPr/>
+              </p:nvSpPr>
+              <p:spPr>
+                <a:xfrm>
+                  <a:off x="3016098" y="2411398"/>
+                  <a:ext cx="1545012" cy="307777"/>
+                </a:xfrm>
+                <a:prstGeom prst="rect">
+                  <a:avLst/>
+                </a:prstGeom>
+                <a:noFill/>
+              </p:spPr>
+              <p:txBody>
+                <a:bodyPr wrap="square" rtlCol="0">
+                  <a:spAutoFit/>
+                </a:bodyPr>
+                <a:lstStyle/>
+                <a:p>
+                  <a:pPr algn="ctr"/>
+                  <a:r>
+                    <a:rPr lang="en-SG" sz="1400" dirty="0">
+                      <a:solidFill>
+                        <a:schemeClr val="bg1"/>
+                      </a:solidFill>
+                      <a:latin typeface="Arial" panose="020B0604020202020204" pitchFamily="34" charset="0"/>
+                      <a:cs typeface="Arial" panose="020B0604020202020204" pitchFamily="34" charset="0"/>
+                    </a:rPr>
+                    <a:t>Word</a:t>
+                  </a:r>
+                </a:p>
+              </p:txBody>
+            </p:sp>
+          </p:grpSp>
+          <p:grpSp>
+            <p:nvGrpSpPr>
+              <p:cNvPr id="55" name="Group 54">
                 <a:extLst>
                   <a:ext uri="{FF2B5EF4-FFF2-40B4-BE49-F238E27FC236}">
-                    <a16:creationId xmlns:a16="http://schemas.microsoft.com/office/drawing/2014/main" id="{AC374904-020B-4A1A-984F-D6B58E57A8DE}"/>
+                    <a16:creationId xmlns:a16="http://schemas.microsoft.com/office/drawing/2014/main" id="{F19CD8BC-E022-40BB-9F01-EAFAF46FB158}"/>
                   </a:ext>
                 </a:extLst>
               </p:cNvPr>
-              <p:cNvSpPr txBox="1"/>
+              <p:cNvGrpSpPr/>
               <p:nvPr/>
-            </p:nvSpPr>
-            <p:spPr>
+            </p:nvGrpSpPr>
+            <p:grpSpPr>
               <a:xfrm>
-                <a:off x="3016098" y="2434707"/>
-                <a:ext cx="1545012" cy="307777"/>
+                <a:off x="3593015" y="4275674"/>
+                <a:ext cx="1545012" cy="331086"/>
+                <a:chOff x="3016098" y="2411398"/>
+                <a:chExt cx="1545012" cy="331086"/>
               </a:xfrm>
-              <a:prstGeom prst="rect">
-                <a:avLst/>
-              </a:prstGeom>
-              <a:noFill/>
-            </p:spPr>
-            <p:txBody>
-              <a:bodyPr wrap="square" rtlCol="0">
-                <a:spAutoFit/>
-              </a:bodyPr>
-              <a:lstStyle/>
-              <a:p>
-                <a:pPr algn="ctr"/>
-                <a:r>
-                  <a:rPr lang="en-SG" sz="1400" dirty="0">
-                    <a:solidFill>
-                      <a:schemeClr val="bg1"/>
-                    </a:solidFill>
+            </p:grpSpPr>
+            <p:sp>
+              <p:nvSpPr>
+                <p:cNvPr id="56" name="Rectangle 55">
+                  <a:extLst>
+                    <a:ext uri="{FF2B5EF4-FFF2-40B4-BE49-F238E27FC236}">
+                      <a16:creationId xmlns:a16="http://schemas.microsoft.com/office/drawing/2014/main" id="{129E65D3-05A8-465C-BBEF-E4BDD02BD894}"/>
+                    </a:ext>
+                  </a:extLst>
+                </p:cNvPr>
+                <p:cNvSpPr/>
+                <p:nvPr/>
+              </p:nvSpPr>
+              <p:spPr>
+                <a:xfrm>
+                  <a:off x="3227713" y="2411398"/>
+                  <a:ext cx="1121783" cy="319596"/>
+                </a:xfrm>
+                <a:prstGeom prst="rect">
+                  <a:avLst/>
+                </a:prstGeom>
+                <a:solidFill>
+                  <a:srgbClr val="00B0F0"/>
+                </a:solidFill>
+                <a:ln>
+                  <a:solidFill>
+                    <a:schemeClr val="tx1"/>
+                  </a:solidFill>
+                </a:ln>
+              </p:spPr>
+              <p:style>
+                <a:lnRef idx="2">
+                  <a:schemeClr val="accent1">
+                    <a:shade val="50000"/>
+                  </a:schemeClr>
+                </a:lnRef>
+                <a:fillRef idx="1">
+                  <a:schemeClr val="accent1"/>
+                </a:fillRef>
+                <a:effectRef idx="0">
+                  <a:schemeClr val="accent1"/>
+                </a:effectRef>
+                <a:fontRef idx="minor">
+                  <a:schemeClr val="lt1"/>
+                </a:fontRef>
+              </p:style>
+              <p:txBody>
+                <a:bodyPr rtlCol="0" anchor="ctr"/>
+                <a:lstStyle/>
+                <a:p>
+                  <a:pPr algn="ctr"/>
+                  <a:endParaRPr lang="en-SG" sz="1050" dirty="0">
                     <a:latin typeface="Arial" panose="020B0604020202020204" pitchFamily="34" charset="0"/>
                     <a:cs typeface="Arial" panose="020B0604020202020204" pitchFamily="34" charset="0"/>
-                  </a:rPr>
-                  <a:t>Meaning</a:t>
-                </a:r>
-              </a:p>
-            </p:txBody>
-          </p:sp>
+                  </a:endParaRPr>
+                </a:p>
+              </p:txBody>
+            </p:sp>
+            <p:sp>
+              <p:nvSpPr>
+                <p:cNvPr id="57" name="TextBox 56">
+                  <a:extLst>
+                    <a:ext uri="{FF2B5EF4-FFF2-40B4-BE49-F238E27FC236}">
+                      <a16:creationId xmlns:a16="http://schemas.microsoft.com/office/drawing/2014/main" id="{82802AFA-71BE-4D55-96AE-8B6EB32C6218}"/>
+                    </a:ext>
+                  </a:extLst>
+                </p:cNvPr>
+                <p:cNvSpPr txBox="1"/>
+                <p:nvPr/>
+              </p:nvSpPr>
+              <p:spPr>
+                <a:xfrm>
+                  <a:off x="3016098" y="2434707"/>
+                  <a:ext cx="1545012" cy="307777"/>
+                </a:xfrm>
+                <a:prstGeom prst="rect">
+                  <a:avLst/>
+                </a:prstGeom>
+                <a:noFill/>
+              </p:spPr>
+              <p:txBody>
+                <a:bodyPr wrap="square" rtlCol="0">
+                  <a:spAutoFit/>
+                </a:bodyPr>
+                <a:lstStyle/>
+                <a:p>
+                  <a:pPr algn="ctr"/>
+                  <a:r>
+                    <a:rPr lang="en-SG" sz="1400" dirty="0">
+                      <a:solidFill>
+                        <a:schemeClr val="bg1"/>
+                      </a:solidFill>
+                      <a:latin typeface="Arial" panose="020B0604020202020204" pitchFamily="34" charset="0"/>
+                      <a:cs typeface="Arial" panose="020B0604020202020204" pitchFamily="34" charset="0"/>
+                    </a:rPr>
+                    <a:t>Meaning</a:t>
+                  </a:r>
+                </a:p>
+              </p:txBody>
+            </p:sp>
+          </p:grpSp>
         </p:grpSp>
-      </p:grpSp>
-      <p:grpSp>
-        <p:nvGrpSpPr>
-          <p:cNvPr id="36" name="Group 35">
-            <a:extLst>
-              <a:ext uri="{FF2B5EF4-FFF2-40B4-BE49-F238E27FC236}">
-                <a16:creationId xmlns:a16="http://schemas.microsoft.com/office/drawing/2014/main" id="{EC402529-F6CF-40BC-8051-288639495193}"/>
-              </a:ext>
-            </a:extLst>
-          </p:cNvPr>
-          <p:cNvGrpSpPr/>
-          <p:nvPr/>
-        </p:nvGrpSpPr>
-        <p:grpSpPr>
-          <a:xfrm>
-            <a:off x="1743686" y="1600120"/>
-            <a:ext cx="1545012" cy="650353"/>
-            <a:chOff x="3593015" y="3956407"/>
-            <a:chExt cx="1545012" cy="650353"/>
-          </a:xfrm>
-        </p:grpSpPr>
         <p:grpSp>
           <p:nvGrpSpPr>
-            <p:cNvPr id="37" name="Group 36">
+            <p:cNvPr id="60" name="Group 59">
               <a:extLst>
                 <a:ext uri="{FF2B5EF4-FFF2-40B4-BE49-F238E27FC236}">
-                  <a16:creationId xmlns:a16="http://schemas.microsoft.com/office/drawing/2014/main" id="{49749F56-0D0C-4625-BAEB-C1CE09E080F8}"/>
+                  <a16:creationId xmlns:a16="http://schemas.microsoft.com/office/drawing/2014/main" id="{545E2774-6C30-4FA8-8FBA-F84656DEB2FD}"/>
                 </a:ext>
               </a:extLst>
             </p:cNvPr>
@@ -7838,118 +8826,259 @@
           </p:nvGrpSpPr>
           <p:grpSpPr>
             <a:xfrm>
-              <a:off x="3593015" y="3956407"/>
-              <a:ext cx="1545012" cy="319596"/>
-              <a:chOff x="3016098" y="2411398"/>
-              <a:chExt cx="1545012" cy="319596"/>
+              <a:off x="4166167" y="1589184"/>
+              <a:ext cx="1545012" cy="650353"/>
+              <a:chOff x="3593015" y="3956407"/>
+              <a:chExt cx="1545012" cy="650353"/>
             </a:xfrm>
           </p:grpSpPr>
-          <p:sp>
-            <p:nvSpPr>
-              <p:cNvPr id="41" name="Rectangle 40">
+          <p:grpSp>
+            <p:nvGrpSpPr>
+              <p:cNvPr id="61" name="Group 60">
                 <a:extLst>
                   <a:ext uri="{FF2B5EF4-FFF2-40B4-BE49-F238E27FC236}">
-                    <a16:creationId xmlns:a16="http://schemas.microsoft.com/office/drawing/2014/main" id="{AB20CF73-2AC0-4D43-82C4-27E042EF7B26}"/>
+                    <a16:creationId xmlns:a16="http://schemas.microsoft.com/office/drawing/2014/main" id="{96E90A56-8979-408B-96FC-B8D476974A86}"/>
                   </a:ext>
                 </a:extLst>
               </p:cNvPr>
-              <p:cNvSpPr/>
+              <p:cNvGrpSpPr/>
               <p:nvPr/>
-            </p:nvSpPr>
-            <p:spPr>
+            </p:nvGrpSpPr>
+            <p:grpSpPr>
               <a:xfrm>
-                <a:off x="3227713" y="2411398"/>
-                <a:ext cx="1121783" cy="319596"/>
+                <a:off x="3593015" y="3956407"/>
+                <a:ext cx="1545012" cy="319596"/>
+                <a:chOff x="3016098" y="2411398"/>
+                <a:chExt cx="1545012" cy="319596"/>
               </a:xfrm>
-              <a:prstGeom prst="rect">
-                <a:avLst/>
-              </a:prstGeom>
-              <a:solidFill>
-                <a:srgbClr val="0070C0"/>
-              </a:solidFill>
-              <a:ln>
+            </p:grpSpPr>
+            <p:sp>
+              <p:nvSpPr>
+                <p:cNvPr id="65" name="Rectangle 64">
+                  <a:extLst>
+                    <a:ext uri="{FF2B5EF4-FFF2-40B4-BE49-F238E27FC236}">
+                      <a16:creationId xmlns:a16="http://schemas.microsoft.com/office/drawing/2014/main" id="{6AD860B0-726A-4D40-99D0-CBA307D545E6}"/>
+                    </a:ext>
+                  </a:extLst>
+                </p:cNvPr>
+                <p:cNvSpPr/>
+                <p:nvPr/>
+              </p:nvSpPr>
+              <p:spPr>
+                <a:xfrm>
+                  <a:off x="3227713" y="2411398"/>
+                  <a:ext cx="1121783" cy="319596"/>
+                </a:xfrm>
+                <a:prstGeom prst="rect">
+                  <a:avLst/>
+                </a:prstGeom>
                 <a:solidFill>
-                  <a:schemeClr val="tx1"/>
+                  <a:srgbClr val="0070C0"/>
                 </a:solidFill>
-              </a:ln>
-            </p:spPr>
-            <p:style>
-              <a:lnRef idx="2">
-                <a:schemeClr val="accent1">
-                  <a:shade val="50000"/>
-                </a:schemeClr>
-              </a:lnRef>
-              <a:fillRef idx="1">
-                <a:schemeClr val="accent1"/>
-              </a:fillRef>
-              <a:effectRef idx="0">
-                <a:schemeClr val="accent1"/>
-              </a:effectRef>
-              <a:fontRef idx="minor">
-                <a:schemeClr val="lt1"/>
-              </a:fontRef>
-            </p:style>
-            <p:txBody>
-              <a:bodyPr rtlCol="0" anchor="ctr"/>
-              <a:lstStyle/>
-              <a:p>
-                <a:pPr algn="ctr"/>
-                <a:endParaRPr lang="en-SG" sz="1050" dirty="0">
-                  <a:latin typeface="Arial" panose="020B0604020202020204" pitchFamily="34" charset="0"/>
-                  <a:cs typeface="Arial" panose="020B0604020202020204" pitchFamily="34" charset="0"/>
-                </a:endParaRPr>
-              </a:p>
-            </p:txBody>
-          </p:sp>
-          <p:sp>
-            <p:nvSpPr>
-              <p:cNvPr id="42" name="TextBox 41">
+                <a:ln>
+                  <a:solidFill>
+                    <a:schemeClr val="tx1"/>
+                  </a:solidFill>
+                </a:ln>
+              </p:spPr>
+              <p:style>
+                <a:lnRef idx="2">
+                  <a:schemeClr val="accent1">
+                    <a:shade val="50000"/>
+                  </a:schemeClr>
+                </a:lnRef>
+                <a:fillRef idx="1">
+                  <a:schemeClr val="accent1"/>
+                </a:fillRef>
+                <a:effectRef idx="0">
+                  <a:schemeClr val="accent1"/>
+                </a:effectRef>
+                <a:fontRef idx="minor">
+                  <a:schemeClr val="lt1"/>
+                </a:fontRef>
+              </p:style>
+              <p:txBody>
+                <a:bodyPr rtlCol="0" anchor="ctr"/>
+                <a:lstStyle/>
+                <a:p>
+                  <a:pPr algn="ctr"/>
+                  <a:endParaRPr lang="en-SG" sz="1050" dirty="0">
+                    <a:latin typeface="Arial" panose="020B0604020202020204" pitchFamily="34" charset="0"/>
+                    <a:cs typeface="Arial" panose="020B0604020202020204" pitchFamily="34" charset="0"/>
+                  </a:endParaRPr>
+                </a:p>
+              </p:txBody>
+            </p:sp>
+            <p:sp>
+              <p:nvSpPr>
+                <p:cNvPr id="66" name="TextBox 65">
+                  <a:extLst>
+                    <a:ext uri="{FF2B5EF4-FFF2-40B4-BE49-F238E27FC236}">
+                      <a16:creationId xmlns:a16="http://schemas.microsoft.com/office/drawing/2014/main" id="{BF62EB53-7882-41EA-936D-B3D84D52AAF3}"/>
+                    </a:ext>
+                  </a:extLst>
+                </p:cNvPr>
+                <p:cNvSpPr txBox="1"/>
+                <p:nvPr/>
+              </p:nvSpPr>
+              <p:spPr>
+                <a:xfrm>
+                  <a:off x="3016098" y="2411398"/>
+                  <a:ext cx="1545012" cy="307777"/>
+                </a:xfrm>
+                <a:prstGeom prst="rect">
+                  <a:avLst/>
+                </a:prstGeom>
+                <a:noFill/>
+              </p:spPr>
+              <p:txBody>
+                <a:bodyPr wrap="square" rtlCol="0">
+                  <a:spAutoFit/>
+                </a:bodyPr>
+                <a:lstStyle/>
+                <a:p>
+                  <a:pPr algn="ctr"/>
+                  <a:r>
+                    <a:rPr lang="en-SG" sz="1400" dirty="0">
+                      <a:solidFill>
+                        <a:schemeClr val="bg1"/>
+                      </a:solidFill>
+                      <a:latin typeface="Arial" panose="020B0604020202020204" pitchFamily="34" charset="0"/>
+                      <a:cs typeface="Arial" panose="020B0604020202020204" pitchFamily="34" charset="0"/>
+                    </a:rPr>
+                    <a:t>Word</a:t>
+                  </a:r>
+                </a:p>
+              </p:txBody>
+            </p:sp>
+          </p:grpSp>
+          <p:grpSp>
+            <p:nvGrpSpPr>
+              <p:cNvPr id="62" name="Group 61">
                 <a:extLst>
                   <a:ext uri="{FF2B5EF4-FFF2-40B4-BE49-F238E27FC236}">
-                    <a16:creationId xmlns:a16="http://schemas.microsoft.com/office/drawing/2014/main" id="{1F455FAD-6EE0-4624-B024-EB73860973BF}"/>
+                    <a16:creationId xmlns:a16="http://schemas.microsoft.com/office/drawing/2014/main" id="{10D4E602-8E5A-4402-AA2E-DA685DA1C688}"/>
                   </a:ext>
                 </a:extLst>
               </p:cNvPr>
-              <p:cNvSpPr txBox="1"/>
+              <p:cNvGrpSpPr/>
               <p:nvPr/>
-            </p:nvSpPr>
-            <p:spPr>
+            </p:nvGrpSpPr>
+            <p:grpSpPr>
               <a:xfrm>
-                <a:off x="3016098" y="2411398"/>
-                <a:ext cx="1545012" cy="307777"/>
+                <a:off x="3593015" y="4275674"/>
+                <a:ext cx="1545012" cy="331086"/>
+                <a:chOff x="3016098" y="2411398"/>
+                <a:chExt cx="1545012" cy="331086"/>
               </a:xfrm>
-              <a:prstGeom prst="rect">
-                <a:avLst/>
-              </a:prstGeom>
-              <a:noFill/>
-            </p:spPr>
-            <p:txBody>
-              <a:bodyPr wrap="square" rtlCol="0">
-                <a:spAutoFit/>
-              </a:bodyPr>
-              <a:lstStyle/>
-              <a:p>
-                <a:pPr algn="ctr"/>
-                <a:r>
-                  <a:rPr lang="en-SG" sz="1400" dirty="0">
-                    <a:solidFill>
-                      <a:schemeClr val="bg1"/>
-                    </a:solidFill>
+            </p:grpSpPr>
+            <p:sp>
+              <p:nvSpPr>
+                <p:cNvPr id="63" name="Rectangle 62">
+                  <a:extLst>
+                    <a:ext uri="{FF2B5EF4-FFF2-40B4-BE49-F238E27FC236}">
+                      <a16:creationId xmlns:a16="http://schemas.microsoft.com/office/drawing/2014/main" id="{F30012F3-CE81-497A-AD2D-C21692F4A71A}"/>
+                    </a:ext>
+                  </a:extLst>
+                </p:cNvPr>
+                <p:cNvSpPr/>
+                <p:nvPr/>
+              </p:nvSpPr>
+              <p:spPr>
+                <a:xfrm>
+                  <a:off x="3227713" y="2411398"/>
+                  <a:ext cx="1121783" cy="319596"/>
+                </a:xfrm>
+                <a:prstGeom prst="rect">
+                  <a:avLst/>
+                </a:prstGeom>
+                <a:solidFill>
+                  <a:srgbClr val="00B0F0"/>
+                </a:solidFill>
+                <a:ln>
+                  <a:solidFill>
+                    <a:schemeClr val="tx1"/>
+                  </a:solidFill>
+                </a:ln>
+              </p:spPr>
+              <p:style>
+                <a:lnRef idx="2">
+                  <a:schemeClr val="accent1">
+                    <a:shade val="50000"/>
+                  </a:schemeClr>
+                </a:lnRef>
+                <a:fillRef idx="1">
+                  <a:schemeClr val="accent1"/>
+                </a:fillRef>
+                <a:effectRef idx="0">
+                  <a:schemeClr val="accent1"/>
+                </a:effectRef>
+                <a:fontRef idx="minor">
+                  <a:schemeClr val="lt1"/>
+                </a:fontRef>
+              </p:style>
+              <p:txBody>
+                <a:bodyPr rtlCol="0" anchor="ctr"/>
+                <a:lstStyle/>
+                <a:p>
+                  <a:pPr algn="ctr"/>
+                  <a:endParaRPr lang="en-SG" sz="1050" dirty="0">
                     <a:latin typeface="Arial" panose="020B0604020202020204" pitchFamily="34" charset="0"/>
                     <a:cs typeface="Arial" panose="020B0604020202020204" pitchFamily="34" charset="0"/>
-                  </a:rPr>
-                  <a:t>Word</a:t>
-                </a:r>
-              </a:p>
-            </p:txBody>
-          </p:sp>
+                  </a:endParaRPr>
+                </a:p>
+              </p:txBody>
+            </p:sp>
+            <p:sp>
+              <p:nvSpPr>
+                <p:cNvPr id="64" name="TextBox 63">
+                  <a:extLst>
+                    <a:ext uri="{FF2B5EF4-FFF2-40B4-BE49-F238E27FC236}">
+                      <a16:creationId xmlns:a16="http://schemas.microsoft.com/office/drawing/2014/main" id="{FAD0BBAE-BCB9-46B9-9BA8-C53E22FEF6B5}"/>
+                    </a:ext>
+                  </a:extLst>
+                </p:cNvPr>
+                <p:cNvSpPr txBox="1"/>
+                <p:nvPr/>
+              </p:nvSpPr>
+              <p:spPr>
+                <a:xfrm>
+                  <a:off x="3016098" y="2434707"/>
+                  <a:ext cx="1545012" cy="307777"/>
+                </a:xfrm>
+                <a:prstGeom prst="rect">
+                  <a:avLst/>
+                </a:prstGeom>
+                <a:noFill/>
+              </p:spPr>
+              <p:txBody>
+                <a:bodyPr wrap="square" rtlCol="0">
+                  <a:spAutoFit/>
+                </a:bodyPr>
+                <a:lstStyle/>
+                <a:p>
+                  <a:pPr algn="ctr"/>
+                  <a:r>
+                    <a:rPr lang="en-SG" sz="1400" dirty="0">
+                      <a:solidFill>
+                        <a:schemeClr val="bg1"/>
+                      </a:solidFill>
+                      <a:latin typeface="Arial" panose="020B0604020202020204" pitchFamily="34" charset="0"/>
+                      <a:cs typeface="Arial" panose="020B0604020202020204" pitchFamily="34" charset="0"/>
+                    </a:rPr>
+                    <a:t>Meaning</a:t>
+                  </a:r>
+                </a:p>
+              </p:txBody>
+            </p:sp>
+          </p:grpSp>
         </p:grpSp>
         <p:grpSp>
           <p:nvGrpSpPr>
-            <p:cNvPr id="38" name="Group 37">
+            <p:cNvPr id="67" name="Group 66">
               <a:extLst>
                 <a:ext uri="{FF2B5EF4-FFF2-40B4-BE49-F238E27FC236}">
-                  <a16:creationId xmlns:a16="http://schemas.microsoft.com/office/drawing/2014/main" id="{377A3D37-F6E1-4730-802F-48BFEDCFBA12}"/>
+                  <a16:creationId xmlns:a16="http://schemas.microsoft.com/office/drawing/2014/main" id="{BA869812-24B9-4E41-BC34-4CFE66BA782A}"/>
                 </a:ext>
               </a:extLst>
             </p:cNvPr>
@@ -7958,253 +9087,377 @@
           </p:nvGrpSpPr>
           <p:grpSpPr>
             <a:xfrm>
-              <a:off x="3593015" y="4275674"/>
-              <a:ext cx="1545012" cy="331086"/>
-              <a:chOff x="3016098" y="2411398"/>
-              <a:chExt cx="1545012" cy="331086"/>
+              <a:off x="5495838" y="1606583"/>
+              <a:ext cx="1545012" cy="650353"/>
+              <a:chOff x="3593015" y="3956407"/>
+              <a:chExt cx="1545012" cy="650353"/>
             </a:xfrm>
           </p:grpSpPr>
-          <p:sp>
-            <p:nvSpPr>
-              <p:cNvPr id="39" name="Rectangle 38">
+          <p:grpSp>
+            <p:nvGrpSpPr>
+              <p:cNvPr id="68" name="Group 67">
                 <a:extLst>
                   <a:ext uri="{FF2B5EF4-FFF2-40B4-BE49-F238E27FC236}">
-                    <a16:creationId xmlns:a16="http://schemas.microsoft.com/office/drawing/2014/main" id="{F276431F-FAEF-435C-92F3-5F1EAFFA267E}"/>
+                    <a16:creationId xmlns:a16="http://schemas.microsoft.com/office/drawing/2014/main" id="{23688239-1C58-4A04-A48B-EE8F8E905AF7}"/>
                   </a:ext>
                 </a:extLst>
               </p:cNvPr>
-              <p:cNvSpPr/>
+              <p:cNvGrpSpPr/>
               <p:nvPr/>
-            </p:nvSpPr>
-            <p:spPr>
+            </p:nvGrpSpPr>
+            <p:grpSpPr>
               <a:xfrm>
-                <a:off x="3227713" y="2411398"/>
-                <a:ext cx="1121783" cy="319596"/>
+                <a:off x="3593015" y="3956407"/>
+                <a:ext cx="1545012" cy="319596"/>
+                <a:chOff x="3016098" y="2411398"/>
+                <a:chExt cx="1545012" cy="319596"/>
               </a:xfrm>
-              <a:prstGeom prst="rect">
-                <a:avLst/>
-              </a:prstGeom>
-              <a:solidFill>
-                <a:srgbClr val="00B0F0"/>
-              </a:solidFill>
-              <a:ln>
+            </p:grpSpPr>
+            <p:sp>
+              <p:nvSpPr>
+                <p:cNvPr id="72" name="Rectangle 71">
+                  <a:extLst>
+                    <a:ext uri="{FF2B5EF4-FFF2-40B4-BE49-F238E27FC236}">
+                      <a16:creationId xmlns:a16="http://schemas.microsoft.com/office/drawing/2014/main" id="{C4F15A97-E69C-42FB-B9D7-7D1E0DCCA769}"/>
+                    </a:ext>
+                  </a:extLst>
+                </p:cNvPr>
+                <p:cNvSpPr/>
+                <p:nvPr/>
+              </p:nvSpPr>
+              <p:spPr>
+                <a:xfrm>
+                  <a:off x="3227713" y="2411398"/>
+                  <a:ext cx="1121783" cy="319596"/>
+                </a:xfrm>
+                <a:prstGeom prst="rect">
+                  <a:avLst/>
+                </a:prstGeom>
                 <a:solidFill>
-                  <a:schemeClr val="tx1"/>
+                  <a:srgbClr val="0070C0"/>
                 </a:solidFill>
-              </a:ln>
-            </p:spPr>
-            <p:style>
-              <a:lnRef idx="2">
-                <a:schemeClr val="accent1">
-                  <a:shade val="50000"/>
-                </a:schemeClr>
-              </a:lnRef>
-              <a:fillRef idx="1">
-                <a:schemeClr val="accent1"/>
-              </a:fillRef>
-              <a:effectRef idx="0">
-                <a:schemeClr val="accent1"/>
-              </a:effectRef>
-              <a:fontRef idx="minor">
-                <a:schemeClr val="lt1"/>
-              </a:fontRef>
-            </p:style>
-            <p:txBody>
-              <a:bodyPr rtlCol="0" anchor="ctr"/>
-              <a:lstStyle/>
-              <a:p>
-                <a:pPr algn="ctr"/>
-                <a:endParaRPr lang="en-SG" sz="1050" dirty="0">
-                  <a:latin typeface="Arial" panose="020B0604020202020204" pitchFamily="34" charset="0"/>
-                  <a:cs typeface="Arial" panose="020B0604020202020204" pitchFamily="34" charset="0"/>
-                </a:endParaRPr>
-              </a:p>
-            </p:txBody>
-          </p:sp>
-          <p:sp>
-            <p:nvSpPr>
-              <p:cNvPr id="40" name="TextBox 39">
+                <a:ln>
+                  <a:solidFill>
+                    <a:schemeClr val="tx1"/>
+                  </a:solidFill>
+                </a:ln>
+              </p:spPr>
+              <p:style>
+                <a:lnRef idx="2">
+                  <a:schemeClr val="accent1">
+                    <a:shade val="50000"/>
+                  </a:schemeClr>
+                </a:lnRef>
+                <a:fillRef idx="1">
+                  <a:schemeClr val="accent1"/>
+                </a:fillRef>
+                <a:effectRef idx="0">
+                  <a:schemeClr val="accent1"/>
+                </a:effectRef>
+                <a:fontRef idx="minor">
+                  <a:schemeClr val="lt1"/>
+                </a:fontRef>
+              </p:style>
+              <p:txBody>
+                <a:bodyPr rtlCol="0" anchor="ctr"/>
+                <a:lstStyle/>
+                <a:p>
+                  <a:pPr algn="ctr"/>
+                  <a:endParaRPr lang="en-SG" sz="1050" dirty="0">
+                    <a:latin typeface="Arial" panose="020B0604020202020204" pitchFamily="34" charset="0"/>
+                    <a:cs typeface="Arial" panose="020B0604020202020204" pitchFamily="34" charset="0"/>
+                  </a:endParaRPr>
+                </a:p>
+              </p:txBody>
+            </p:sp>
+            <p:sp>
+              <p:nvSpPr>
+                <p:cNvPr id="73" name="TextBox 72">
+                  <a:extLst>
+                    <a:ext uri="{FF2B5EF4-FFF2-40B4-BE49-F238E27FC236}">
+                      <a16:creationId xmlns:a16="http://schemas.microsoft.com/office/drawing/2014/main" id="{B11E4C49-ECAE-46D5-A2DF-73930B580278}"/>
+                    </a:ext>
+                  </a:extLst>
+                </p:cNvPr>
+                <p:cNvSpPr txBox="1"/>
+                <p:nvPr/>
+              </p:nvSpPr>
+              <p:spPr>
+                <a:xfrm>
+                  <a:off x="3016098" y="2411398"/>
+                  <a:ext cx="1545012" cy="307777"/>
+                </a:xfrm>
+                <a:prstGeom prst="rect">
+                  <a:avLst/>
+                </a:prstGeom>
+                <a:noFill/>
+              </p:spPr>
+              <p:txBody>
+                <a:bodyPr wrap="square" rtlCol="0">
+                  <a:spAutoFit/>
+                </a:bodyPr>
+                <a:lstStyle/>
+                <a:p>
+                  <a:pPr algn="ctr"/>
+                  <a:r>
+                    <a:rPr lang="en-SG" sz="1400" dirty="0">
+                      <a:solidFill>
+                        <a:schemeClr val="bg1"/>
+                      </a:solidFill>
+                      <a:latin typeface="Arial" panose="020B0604020202020204" pitchFamily="34" charset="0"/>
+                      <a:cs typeface="Arial" panose="020B0604020202020204" pitchFamily="34" charset="0"/>
+                    </a:rPr>
+                    <a:t>Word</a:t>
+                  </a:r>
+                </a:p>
+              </p:txBody>
+            </p:sp>
+          </p:grpSp>
+          <p:grpSp>
+            <p:nvGrpSpPr>
+              <p:cNvPr id="69" name="Group 68">
                 <a:extLst>
                   <a:ext uri="{FF2B5EF4-FFF2-40B4-BE49-F238E27FC236}">
-                    <a16:creationId xmlns:a16="http://schemas.microsoft.com/office/drawing/2014/main" id="{40176AAC-F391-4010-B74F-B3BB1AFA5EE7}"/>
+                    <a16:creationId xmlns:a16="http://schemas.microsoft.com/office/drawing/2014/main" id="{C10644DB-E214-4C47-9314-DE56F39DBB7E}"/>
                   </a:ext>
                 </a:extLst>
               </p:cNvPr>
-              <p:cNvSpPr txBox="1"/>
+              <p:cNvGrpSpPr/>
               <p:nvPr/>
-            </p:nvSpPr>
-            <p:spPr>
+            </p:nvGrpSpPr>
+            <p:grpSpPr>
               <a:xfrm>
-                <a:off x="3016098" y="2434707"/>
-                <a:ext cx="1545012" cy="307777"/>
+                <a:off x="3593015" y="4275674"/>
+                <a:ext cx="1545012" cy="331086"/>
+                <a:chOff x="3016098" y="2411398"/>
+                <a:chExt cx="1545012" cy="331086"/>
               </a:xfrm>
-              <a:prstGeom prst="rect">
-                <a:avLst/>
-              </a:prstGeom>
-              <a:noFill/>
-            </p:spPr>
-            <p:txBody>
-              <a:bodyPr wrap="square" rtlCol="0">
-                <a:spAutoFit/>
-              </a:bodyPr>
-              <a:lstStyle/>
-              <a:p>
-                <a:pPr algn="ctr"/>
-                <a:r>
-                  <a:rPr lang="en-SG" sz="1400" dirty="0">
-                    <a:solidFill>
-                      <a:schemeClr val="bg1"/>
-                    </a:solidFill>
+            </p:grpSpPr>
+            <p:sp>
+              <p:nvSpPr>
+                <p:cNvPr id="70" name="Rectangle 69">
+                  <a:extLst>
+                    <a:ext uri="{FF2B5EF4-FFF2-40B4-BE49-F238E27FC236}">
+                      <a16:creationId xmlns:a16="http://schemas.microsoft.com/office/drawing/2014/main" id="{59374BEC-4804-4D3E-99C0-78543C5C2F86}"/>
+                    </a:ext>
+                  </a:extLst>
+                </p:cNvPr>
+                <p:cNvSpPr/>
+                <p:nvPr/>
+              </p:nvSpPr>
+              <p:spPr>
+                <a:xfrm>
+                  <a:off x="3227713" y="2411398"/>
+                  <a:ext cx="1121783" cy="319596"/>
+                </a:xfrm>
+                <a:prstGeom prst="rect">
+                  <a:avLst/>
+                </a:prstGeom>
+                <a:solidFill>
+                  <a:srgbClr val="00B0F0"/>
+                </a:solidFill>
+                <a:ln>
+                  <a:solidFill>
+                    <a:schemeClr val="tx1"/>
+                  </a:solidFill>
+                </a:ln>
+              </p:spPr>
+              <p:style>
+                <a:lnRef idx="2">
+                  <a:schemeClr val="accent1">
+                    <a:shade val="50000"/>
+                  </a:schemeClr>
+                </a:lnRef>
+                <a:fillRef idx="1">
+                  <a:schemeClr val="accent1"/>
+                </a:fillRef>
+                <a:effectRef idx="0">
+                  <a:schemeClr val="accent1"/>
+                </a:effectRef>
+                <a:fontRef idx="minor">
+                  <a:schemeClr val="lt1"/>
+                </a:fontRef>
+              </p:style>
+              <p:txBody>
+                <a:bodyPr rtlCol="0" anchor="ctr"/>
+                <a:lstStyle/>
+                <a:p>
+                  <a:pPr algn="ctr"/>
+                  <a:endParaRPr lang="en-SG" sz="1050" dirty="0">
                     <a:latin typeface="Arial" panose="020B0604020202020204" pitchFamily="34" charset="0"/>
                     <a:cs typeface="Arial" panose="020B0604020202020204" pitchFamily="34" charset="0"/>
-                  </a:rPr>
-                  <a:t>Meaning</a:t>
-                </a:r>
-              </a:p>
-            </p:txBody>
-          </p:sp>
+                  </a:endParaRPr>
+                </a:p>
+              </p:txBody>
+            </p:sp>
+            <p:sp>
+              <p:nvSpPr>
+                <p:cNvPr id="71" name="TextBox 70">
+                  <a:extLst>
+                    <a:ext uri="{FF2B5EF4-FFF2-40B4-BE49-F238E27FC236}">
+                      <a16:creationId xmlns:a16="http://schemas.microsoft.com/office/drawing/2014/main" id="{F910D391-DC49-4111-A27F-E18240DEF597}"/>
+                    </a:ext>
+                  </a:extLst>
+                </p:cNvPr>
+                <p:cNvSpPr txBox="1"/>
+                <p:nvPr/>
+              </p:nvSpPr>
+              <p:spPr>
+                <a:xfrm>
+                  <a:off x="3016098" y="2434707"/>
+                  <a:ext cx="1545012" cy="307777"/>
+                </a:xfrm>
+                <a:prstGeom prst="rect">
+                  <a:avLst/>
+                </a:prstGeom>
+                <a:noFill/>
+              </p:spPr>
+              <p:txBody>
+                <a:bodyPr wrap="square" rtlCol="0">
+                  <a:spAutoFit/>
+                </a:bodyPr>
+                <a:lstStyle/>
+                <a:p>
+                  <a:pPr algn="ctr"/>
+                  <a:r>
+                    <a:rPr lang="en-SG" sz="1400" dirty="0">
+                      <a:solidFill>
+                        <a:schemeClr val="bg1"/>
+                      </a:solidFill>
+                      <a:latin typeface="Arial" panose="020B0604020202020204" pitchFamily="34" charset="0"/>
+                      <a:cs typeface="Arial" panose="020B0604020202020204" pitchFamily="34" charset="0"/>
+                    </a:rPr>
+                    <a:t>Meaning</a:t>
+                  </a:r>
+                </a:p>
+              </p:txBody>
+            </p:sp>
+          </p:grpSp>
         </p:grpSp>
-      </p:grpSp>
-      <p:sp>
-        <p:nvSpPr>
-          <p:cNvPr id="44" name="TextBox 43">
-            <a:extLst>
-              <a:ext uri="{FF2B5EF4-FFF2-40B4-BE49-F238E27FC236}">
-                <a16:creationId xmlns:a16="http://schemas.microsoft.com/office/drawing/2014/main" id="{7F0E62E0-CE29-41A2-8575-D610C0035AAB}"/>
-              </a:ext>
-            </a:extLst>
-          </p:cNvPr>
-          <p:cNvSpPr txBox="1"/>
-          <p:nvPr/>
-        </p:nvSpPr>
-        <p:spPr>
-          <a:xfrm>
-            <a:off x="1321372" y="224837"/>
-            <a:ext cx="1545012" cy="368858"/>
-          </a:xfrm>
-          <a:prstGeom prst="rect">
-            <a:avLst/>
-          </a:prstGeom>
-          <a:noFill/>
-        </p:spPr>
-        <p:txBody>
-          <a:bodyPr wrap="square" rtlCol="0">
-            <a:spAutoFit/>
-          </a:bodyPr>
-          <a:lstStyle/>
-          <a:p>
-            <a:r>
-              <a:rPr lang="en-SG" i="1" dirty="0"/>
-              <a:t>WordBank 1</a:t>
-            </a:r>
-          </a:p>
-        </p:txBody>
-      </p:sp>
-      <p:sp>
-        <p:nvSpPr>
-          <p:cNvPr id="45" name="Rectangle 44">
-            <a:extLst>
-              <a:ext uri="{FF2B5EF4-FFF2-40B4-BE49-F238E27FC236}">
-                <a16:creationId xmlns:a16="http://schemas.microsoft.com/office/drawing/2014/main" id="{1DAB7E47-F518-458D-8DCF-6BDC17307B8D}"/>
-              </a:ext>
-            </a:extLst>
-          </p:cNvPr>
-          <p:cNvSpPr/>
-          <p:nvPr/>
-        </p:nvSpPr>
-        <p:spPr>
-          <a:xfrm>
-            <a:off x="4075304" y="249511"/>
-            <a:ext cx="3124200" cy="2361609"/>
-          </a:xfrm>
-          <a:prstGeom prst="rect">
-            <a:avLst/>
-          </a:prstGeom>
-          <a:gradFill flip="none" rotWithShape="1">
-            <a:gsLst>
-              <a:gs pos="0">
-                <a:srgbClr val="7030A0">
-                  <a:tint val="66000"/>
-                  <a:satMod val="160000"/>
-                </a:srgbClr>
-              </a:gs>
-              <a:gs pos="50000">
-                <a:srgbClr val="7030A0">
-                  <a:tint val="44500"/>
-                  <a:satMod val="160000"/>
-                </a:srgbClr>
-              </a:gs>
-              <a:gs pos="100000">
-                <a:srgbClr val="7030A0">
-                  <a:tint val="23500"/>
-                  <a:satMod val="160000"/>
-                </a:srgbClr>
-              </a:gs>
-            </a:gsLst>
-            <a:path path="circle">
-              <a:fillToRect l="50000" t="50000" r="50000" b="50000"/>
-            </a:path>
-            <a:tileRect/>
-          </a:gradFill>
-          <a:ln>
-            <a:solidFill>
+        <p:sp>
+          <p:nvSpPr>
+            <p:cNvPr id="74" name="TextBox 73">
+              <a:extLst>
+                <a:ext uri="{FF2B5EF4-FFF2-40B4-BE49-F238E27FC236}">
+                  <a16:creationId xmlns:a16="http://schemas.microsoft.com/office/drawing/2014/main" id="{AE1C2EA8-E48F-435A-A478-643F74486C68}"/>
+                </a:ext>
+              </a:extLst>
+            </p:cNvPr>
+            <p:cNvSpPr txBox="1"/>
+            <p:nvPr/>
+          </p:nvSpPr>
+          <p:spPr>
+            <a:xfrm>
+              <a:off x="5073524" y="231300"/>
+              <a:ext cx="1545012" cy="368858"/>
+            </a:xfrm>
+            <a:prstGeom prst="rect">
+              <a:avLst/>
+            </a:prstGeom>
+            <a:noFill/>
+          </p:spPr>
+          <p:txBody>
+            <a:bodyPr wrap="square" rtlCol="0">
+              <a:spAutoFit/>
+            </a:bodyPr>
+            <a:lstStyle/>
+            <a:p>
+              <a:r>
+                <a:rPr lang="en-SG" i="1" dirty="0"/>
+                <a:t>WordBank 2</a:t>
+              </a:r>
+            </a:p>
+          </p:txBody>
+        </p:sp>
+        <p:sp>
+          <p:nvSpPr>
+            <p:cNvPr id="75" name="Rectangle 74">
+              <a:extLst>
+                <a:ext uri="{FF2B5EF4-FFF2-40B4-BE49-F238E27FC236}">
+                  <a16:creationId xmlns:a16="http://schemas.microsoft.com/office/drawing/2014/main" id="{4616B2A8-5932-4ED6-9B0E-35A049158DBB}"/>
+                </a:ext>
+              </a:extLst>
+            </p:cNvPr>
+            <p:cNvSpPr/>
+            <p:nvPr/>
+          </p:nvSpPr>
+          <p:spPr>
+            <a:xfrm>
+              <a:off x="7751290" y="261259"/>
+              <a:ext cx="3124200" cy="2361609"/>
+            </a:xfrm>
+            <a:prstGeom prst="rect">
+              <a:avLst/>
+            </a:prstGeom>
+            <a:gradFill flip="none" rotWithShape="1">
+              <a:gsLst>
+                <a:gs pos="0">
+                  <a:schemeClr val="accent6">
+                    <a:lumMod val="40000"/>
+                    <a:lumOff val="60000"/>
+                    <a:tint val="66000"/>
+                    <a:satMod val="160000"/>
+                  </a:schemeClr>
+                </a:gs>
+                <a:gs pos="50000">
+                  <a:schemeClr val="accent6">
+                    <a:lumMod val="40000"/>
+                    <a:lumOff val="60000"/>
+                    <a:tint val="44500"/>
+                    <a:satMod val="160000"/>
+                  </a:schemeClr>
+                </a:gs>
+                <a:gs pos="100000">
+                  <a:schemeClr val="accent6">
+                    <a:lumMod val="40000"/>
+                    <a:lumOff val="60000"/>
+                    <a:tint val="23500"/>
+                    <a:satMod val="160000"/>
+                  </a:schemeClr>
+                </a:gs>
+              </a:gsLst>
+              <a:lin ang="16200000" scaled="1"/>
+              <a:tileRect/>
+            </a:gradFill>
+            <a:ln>
+              <a:solidFill>
+                <a:schemeClr val="accent1">
+                  <a:lumMod val="75000"/>
+                </a:schemeClr>
+              </a:solidFill>
+            </a:ln>
+          </p:spPr>
+          <p:style>
+            <a:lnRef idx="2">
               <a:schemeClr val="accent1">
-                <a:lumMod val="75000"/>
+                <a:shade val="50000"/>
               </a:schemeClr>
-            </a:solidFill>
-          </a:ln>
-        </p:spPr>
-        <p:style>
-          <a:lnRef idx="2">
-            <a:schemeClr val="accent1">
-              <a:shade val="50000"/>
-            </a:schemeClr>
-          </a:lnRef>
-          <a:fillRef idx="1">
-            <a:schemeClr val="accent1"/>
-          </a:fillRef>
-          <a:effectRef idx="0">
-            <a:schemeClr val="accent1"/>
-          </a:effectRef>
-          <a:fontRef idx="minor">
-            <a:schemeClr val="lt1"/>
-          </a:fontRef>
-        </p:style>
-        <p:txBody>
-          <a:bodyPr rtlCol="0" anchor="ctr"/>
-          <a:lstStyle/>
-          <a:p>
-            <a:pPr algn="ctr"/>
-            <a:endParaRPr lang="en-SG"/>
-          </a:p>
-        </p:txBody>
-      </p:sp>
-      <p:grpSp>
-        <p:nvGrpSpPr>
-          <p:cNvPr id="46" name="Group 45">
-            <a:extLst>
-              <a:ext uri="{FF2B5EF4-FFF2-40B4-BE49-F238E27FC236}">
-                <a16:creationId xmlns:a16="http://schemas.microsoft.com/office/drawing/2014/main" id="{7A851A2E-2072-4B0F-AC31-CF86956E311C}"/>
-              </a:ext>
-            </a:extLst>
-          </p:cNvPr>
-          <p:cNvGrpSpPr/>
-          <p:nvPr/>
-        </p:nvGrpSpPr>
-        <p:grpSpPr>
-          <a:xfrm>
-            <a:off x="4166167" y="772320"/>
-            <a:ext cx="1545012" cy="650353"/>
-            <a:chOff x="3593015" y="3956407"/>
-            <a:chExt cx="1545012" cy="650353"/>
-          </a:xfrm>
-        </p:grpSpPr>
+            </a:lnRef>
+            <a:fillRef idx="1">
+              <a:schemeClr val="accent1"/>
+            </a:fillRef>
+            <a:effectRef idx="0">
+              <a:schemeClr val="accent1"/>
+            </a:effectRef>
+            <a:fontRef idx="minor">
+              <a:schemeClr val="lt1"/>
+            </a:fontRef>
+          </p:style>
+          <p:txBody>
+            <a:bodyPr rtlCol="0" anchor="ctr"/>
+            <a:lstStyle/>
+            <a:p>
+              <a:pPr algn="ctr"/>
+              <a:endParaRPr lang="en-SG"/>
+            </a:p>
+          </p:txBody>
+        </p:sp>
         <p:grpSp>
           <p:nvGrpSpPr>
-            <p:cNvPr id="47" name="Group 46">
+            <p:cNvPr id="76" name="Group 75">
               <a:extLst>
                 <a:ext uri="{FF2B5EF4-FFF2-40B4-BE49-F238E27FC236}">
-                  <a16:creationId xmlns:a16="http://schemas.microsoft.com/office/drawing/2014/main" id="{CB6D480E-65EF-4BFC-AB5C-4389166D8AC4}"/>
+                  <a16:creationId xmlns:a16="http://schemas.microsoft.com/office/drawing/2014/main" id="{1E9999E9-BE76-4FDD-8B73-7FE15145E2DB}"/>
                 </a:ext>
               </a:extLst>
             </p:cNvPr>
@@ -8213,118 +9466,259 @@
           </p:nvGrpSpPr>
           <p:grpSpPr>
             <a:xfrm>
-              <a:off x="3593015" y="3956407"/>
-              <a:ext cx="1545012" cy="319596"/>
-              <a:chOff x="3016098" y="2411398"/>
-              <a:chExt cx="1545012" cy="319596"/>
+              <a:off x="7842153" y="784068"/>
+              <a:ext cx="1545012" cy="650353"/>
+              <a:chOff x="3593015" y="3956407"/>
+              <a:chExt cx="1545012" cy="650353"/>
             </a:xfrm>
           </p:grpSpPr>
-          <p:sp>
-            <p:nvSpPr>
-              <p:cNvPr id="51" name="Rectangle 50">
+          <p:grpSp>
+            <p:nvGrpSpPr>
+              <p:cNvPr id="77" name="Group 76">
                 <a:extLst>
                   <a:ext uri="{FF2B5EF4-FFF2-40B4-BE49-F238E27FC236}">
-                    <a16:creationId xmlns:a16="http://schemas.microsoft.com/office/drawing/2014/main" id="{DE4CC0FF-C7FD-4BA0-B032-DF1BD05EA160}"/>
+                    <a16:creationId xmlns:a16="http://schemas.microsoft.com/office/drawing/2014/main" id="{D3A5994E-BC42-4F9D-AFC8-1667A4A3D39C}"/>
                   </a:ext>
                 </a:extLst>
               </p:cNvPr>
-              <p:cNvSpPr/>
+              <p:cNvGrpSpPr/>
               <p:nvPr/>
-            </p:nvSpPr>
-            <p:spPr>
+            </p:nvGrpSpPr>
+            <p:grpSpPr>
               <a:xfrm>
-                <a:off x="3227713" y="2411398"/>
-                <a:ext cx="1121783" cy="319596"/>
+                <a:off x="3593015" y="3956407"/>
+                <a:ext cx="1545012" cy="319596"/>
+                <a:chOff x="3016098" y="2411398"/>
+                <a:chExt cx="1545012" cy="319596"/>
               </a:xfrm>
-              <a:prstGeom prst="rect">
-                <a:avLst/>
-              </a:prstGeom>
-              <a:solidFill>
-                <a:srgbClr val="0070C0"/>
-              </a:solidFill>
-              <a:ln>
+            </p:grpSpPr>
+            <p:sp>
+              <p:nvSpPr>
+                <p:cNvPr id="81" name="Rectangle 80">
+                  <a:extLst>
+                    <a:ext uri="{FF2B5EF4-FFF2-40B4-BE49-F238E27FC236}">
+                      <a16:creationId xmlns:a16="http://schemas.microsoft.com/office/drawing/2014/main" id="{0C51B4E7-B6F1-4F7A-9326-D5F66CCCC87B}"/>
+                    </a:ext>
+                  </a:extLst>
+                </p:cNvPr>
+                <p:cNvSpPr/>
+                <p:nvPr/>
+              </p:nvSpPr>
+              <p:spPr>
+                <a:xfrm>
+                  <a:off x="3227713" y="2411398"/>
+                  <a:ext cx="1121783" cy="319596"/>
+                </a:xfrm>
+                <a:prstGeom prst="rect">
+                  <a:avLst/>
+                </a:prstGeom>
                 <a:solidFill>
-                  <a:schemeClr val="tx1"/>
+                  <a:srgbClr val="0070C0"/>
                 </a:solidFill>
-              </a:ln>
-            </p:spPr>
-            <p:style>
-              <a:lnRef idx="2">
-                <a:schemeClr val="accent1">
-                  <a:shade val="50000"/>
-                </a:schemeClr>
-              </a:lnRef>
-              <a:fillRef idx="1">
-                <a:schemeClr val="accent1"/>
-              </a:fillRef>
-              <a:effectRef idx="0">
-                <a:schemeClr val="accent1"/>
-              </a:effectRef>
-              <a:fontRef idx="minor">
-                <a:schemeClr val="lt1"/>
-              </a:fontRef>
-            </p:style>
-            <p:txBody>
-              <a:bodyPr rtlCol="0" anchor="ctr"/>
-              <a:lstStyle/>
-              <a:p>
-                <a:pPr algn="ctr"/>
-                <a:endParaRPr lang="en-SG" sz="1050" dirty="0">
-                  <a:latin typeface="Arial" panose="020B0604020202020204" pitchFamily="34" charset="0"/>
-                  <a:cs typeface="Arial" panose="020B0604020202020204" pitchFamily="34" charset="0"/>
-                </a:endParaRPr>
-              </a:p>
-            </p:txBody>
-          </p:sp>
-          <p:sp>
-            <p:nvSpPr>
-              <p:cNvPr id="52" name="TextBox 51">
+                <a:ln>
+                  <a:solidFill>
+                    <a:schemeClr val="tx1"/>
+                  </a:solidFill>
+                </a:ln>
+              </p:spPr>
+              <p:style>
+                <a:lnRef idx="2">
+                  <a:schemeClr val="accent1">
+                    <a:shade val="50000"/>
+                  </a:schemeClr>
+                </a:lnRef>
+                <a:fillRef idx="1">
+                  <a:schemeClr val="accent1"/>
+                </a:fillRef>
+                <a:effectRef idx="0">
+                  <a:schemeClr val="accent1"/>
+                </a:effectRef>
+                <a:fontRef idx="minor">
+                  <a:schemeClr val="lt1"/>
+                </a:fontRef>
+              </p:style>
+              <p:txBody>
+                <a:bodyPr rtlCol="0" anchor="ctr"/>
+                <a:lstStyle/>
+                <a:p>
+                  <a:pPr algn="ctr"/>
+                  <a:endParaRPr lang="en-SG" sz="1050" dirty="0">
+                    <a:latin typeface="Arial" panose="020B0604020202020204" pitchFamily="34" charset="0"/>
+                    <a:cs typeface="Arial" panose="020B0604020202020204" pitchFamily="34" charset="0"/>
+                  </a:endParaRPr>
+                </a:p>
+              </p:txBody>
+            </p:sp>
+            <p:sp>
+              <p:nvSpPr>
+                <p:cNvPr id="82" name="TextBox 81">
+                  <a:extLst>
+                    <a:ext uri="{FF2B5EF4-FFF2-40B4-BE49-F238E27FC236}">
+                      <a16:creationId xmlns:a16="http://schemas.microsoft.com/office/drawing/2014/main" id="{E63B404E-B6CA-4238-8E6C-EE0EB08C183C}"/>
+                    </a:ext>
+                  </a:extLst>
+                </p:cNvPr>
+                <p:cNvSpPr txBox="1"/>
+                <p:nvPr/>
+              </p:nvSpPr>
+              <p:spPr>
+                <a:xfrm>
+                  <a:off x="3016098" y="2411398"/>
+                  <a:ext cx="1545012" cy="307777"/>
+                </a:xfrm>
+                <a:prstGeom prst="rect">
+                  <a:avLst/>
+                </a:prstGeom>
+                <a:noFill/>
+              </p:spPr>
+              <p:txBody>
+                <a:bodyPr wrap="square" rtlCol="0">
+                  <a:spAutoFit/>
+                </a:bodyPr>
+                <a:lstStyle/>
+                <a:p>
+                  <a:pPr algn="ctr"/>
+                  <a:r>
+                    <a:rPr lang="en-SG" sz="1400" dirty="0">
+                      <a:solidFill>
+                        <a:schemeClr val="bg1"/>
+                      </a:solidFill>
+                      <a:latin typeface="Arial" panose="020B0604020202020204" pitchFamily="34" charset="0"/>
+                      <a:cs typeface="Arial" panose="020B0604020202020204" pitchFamily="34" charset="0"/>
+                    </a:rPr>
+                    <a:t>Word</a:t>
+                  </a:r>
+                </a:p>
+              </p:txBody>
+            </p:sp>
+          </p:grpSp>
+          <p:grpSp>
+            <p:nvGrpSpPr>
+              <p:cNvPr id="78" name="Group 77">
                 <a:extLst>
                   <a:ext uri="{FF2B5EF4-FFF2-40B4-BE49-F238E27FC236}">
-                    <a16:creationId xmlns:a16="http://schemas.microsoft.com/office/drawing/2014/main" id="{86903273-661B-4B35-832B-A098726DF900}"/>
+                    <a16:creationId xmlns:a16="http://schemas.microsoft.com/office/drawing/2014/main" id="{F1EA5C31-D736-4D23-923B-0C0A616E2E68}"/>
                   </a:ext>
                 </a:extLst>
               </p:cNvPr>
-              <p:cNvSpPr txBox="1"/>
+              <p:cNvGrpSpPr/>
               <p:nvPr/>
-            </p:nvSpPr>
-            <p:spPr>
+            </p:nvGrpSpPr>
+            <p:grpSpPr>
               <a:xfrm>
-                <a:off x="3016098" y="2411398"/>
-                <a:ext cx="1545012" cy="307777"/>
+                <a:off x="3593015" y="4275674"/>
+                <a:ext cx="1545012" cy="331086"/>
+                <a:chOff x="3016098" y="2411398"/>
+                <a:chExt cx="1545012" cy="331086"/>
               </a:xfrm>
-              <a:prstGeom prst="rect">
-                <a:avLst/>
-              </a:prstGeom>
-              <a:noFill/>
-            </p:spPr>
-            <p:txBody>
-              <a:bodyPr wrap="square" rtlCol="0">
-                <a:spAutoFit/>
-              </a:bodyPr>
-              <a:lstStyle/>
-              <a:p>
-                <a:pPr algn="ctr"/>
-                <a:r>
-                  <a:rPr lang="en-SG" sz="1400" dirty="0">
-                    <a:solidFill>
-                      <a:schemeClr val="bg1"/>
-                    </a:solidFill>
+            </p:grpSpPr>
+            <p:sp>
+              <p:nvSpPr>
+                <p:cNvPr id="79" name="Rectangle 78">
+                  <a:extLst>
+                    <a:ext uri="{FF2B5EF4-FFF2-40B4-BE49-F238E27FC236}">
+                      <a16:creationId xmlns:a16="http://schemas.microsoft.com/office/drawing/2014/main" id="{AEC4886A-0DDF-460D-9520-B39A979C8204}"/>
+                    </a:ext>
+                  </a:extLst>
+                </p:cNvPr>
+                <p:cNvSpPr/>
+                <p:nvPr/>
+              </p:nvSpPr>
+              <p:spPr>
+                <a:xfrm>
+                  <a:off x="3227713" y="2411398"/>
+                  <a:ext cx="1121783" cy="319596"/>
+                </a:xfrm>
+                <a:prstGeom prst="rect">
+                  <a:avLst/>
+                </a:prstGeom>
+                <a:solidFill>
+                  <a:srgbClr val="00B0F0"/>
+                </a:solidFill>
+                <a:ln>
+                  <a:solidFill>
+                    <a:schemeClr val="tx1"/>
+                  </a:solidFill>
+                </a:ln>
+              </p:spPr>
+              <p:style>
+                <a:lnRef idx="2">
+                  <a:schemeClr val="accent1">
+                    <a:shade val="50000"/>
+                  </a:schemeClr>
+                </a:lnRef>
+                <a:fillRef idx="1">
+                  <a:schemeClr val="accent1"/>
+                </a:fillRef>
+                <a:effectRef idx="0">
+                  <a:schemeClr val="accent1"/>
+                </a:effectRef>
+                <a:fontRef idx="minor">
+                  <a:schemeClr val="lt1"/>
+                </a:fontRef>
+              </p:style>
+              <p:txBody>
+                <a:bodyPr rtlCol="0" anchor="ctr"/>
+                <a:lstStyle/>
+                <a:p>
+                  <a:pPr algn="ctr"/>
+                  <a:endParaRPr lang="en-SG" sz="1050" dirty="0">
                     <a:latin typeface="Arial" panose="020B0604020202020204" pitchFamily="34" charset="0"/>
                     <a:cs typeface="Arial" panose="020B0604020202020204" pitchFamily="34" charset="0"/>
-                  </a:rPr>
-                  <a:t>Word</a:t>
-                </a:r>
-              </a:p>
-            </p:txBody>
-          </p:sp>
+                  </a:endParaRPr>
+                </a:p>
+              </p:txBody>
+            </p:sp>
+            <p:sp>
+              <p:nvSpPr>
+                <p:cNvPr id="80" name="TextBox 79">
+                  <a:extLst>
+                    <a:ext uri="{FF2B5EF4-FFF2-40B4-BE49-F238E27FC236}">
+                      <a16:creationId xmlns:a16="http://schemas.microsoft.com/office/drawing/2014/main" id="{9FDF9D74-668C-42D0-B55B-61D08E7FEF53}"/>
+                    </a:ext>
+                  </a:extLst>
+                </p:cNvPr>
+                <p:cNvSpPr txBox="1"/>
+                <p:nvPr/>
+              </p:nvSpPr>
+              <p:spPr>
+                <a:xfrm>
+                  <a:off x="3016098" y="2434707"/>
+                  <a:ext cx="1545012" cy="307777"/>
+                </a:xfrm>
+                <a:prstGeom prst="rect">
+                  <a:avLst/>
+                </a:prstGeom>
+                <a:noFill/>
+              </p:spPr>
+              <p:txBody>
+                <a:bodyPr wrap="square" rtlCol="0">
+                  <a:spAutoFit/>
+                </a:bodyPr>
+                <a:lstStyle/>
+                <a:p>
+                  <a:pPr algn="ctr"/>
+                  <a:r>
+                    <a:rPr lang="en-SG" sz="1400" dirty="0">
+                      <a:solidFill>
+                        <a:schemeClr val="bg1"/>
+                      </a:solidFill>
+                      <a:latin typeface="Arial" panose="020B0604020202020204" pitchFamily="34" charset="0"/>
+                      <a:cs typeface="Arial" panose="020B0604020202020204" pitchFamily="34" charset="0"/>
+                    </a:rPr>
+                    <a:t>Meaning</a:t>
+                  </a:r>
+                </a:p>
+              </p:txBody>
+            </p:sp>
+          </p:grpSp>
         </p:grpSp>
         <p:grpSp>
           <p:nvGrpSpPr>
-            <p:cNvPr id="48" name="Group 47">
+            <p:cNvPr id="83" name="Group 82">
               <a:extLst>
                 <a:ext uri="{FF2B5EF4-FFF2-40B4-BE49-F238E27FC236}">
-                  <a16:creationId xmlns:a16="http://schemas.microsoft.com/office/drawing/2014/main" id="{70ABEA12-07BD-4E62-81E4-72761BCF6821}"/>
+                  <a16:creationId xmlns:a16="http://schemas.microsoft.com/office/drawing/2014/main" id="{C7E04E84-EC2A-48D9-B8A9-023CF45FC17E}"/>
                 </a:ext>
               </a:extLst>
             </p:cNvPr>
@@ -8333,139 +9727,259 @@
           </p:nvGrpSpPr>
           <p:grpSpPr>
             <a:xfrm>
-              <a:off x="3593015" y="4275674"/>
-              <a:ext cx="1545012" cy="331086"/>
-              <a:chOff x="3016098" y="2411398"/>
-              <a:chExt cx="1545012" cy="331086"/>
+              <a:off x="9175551" y="795816"/>
+              <a:ext cx="1545012" cy="650353"/>
+              <a:chOff x="3593015" y="3956407"/>
+              <a:chExt cx="1545012" cy="650353"/>
             </a:xfrm>
           </p:grpSpPr>
-          <p:sp>
-            <p:nvSpPr>
-              <p:cNvPr id="49" name="Rectangle 48">
+          <p:grpSp>
+            <p:nvGrpSpPr>
+              <p:cNvPr id="84" name="Group 83">
                 <a:extLst>
                   <a:ext uri="{FF2B5EF4-FFF2-40B4-BE49-F238E27FC236}">
-                    <a16:creationId xmlns:a16="http://schemas.microsoft.com/office/drawing/2014/main" id="{3353D20B-3C60-4BBE-8FCB-4B67861F0239}"/>
+                    <a16:creationId xmlns:a16="http://schemas.microsoft.com/office/drawing/2014/main" id="{E1841202-8B77-43EE-AC29-B52B44C86766}"/>
                   </a:ext>
                 </a:extLst>
               </p:cNvPr>
-              <p:cNvSpPr/>
+              <p:cNvGrpSpPr/>
               <p:nvPr/>
-            </p:nvSpPr>
-            <p:spPr>
+            </p:nvGrpSpPr>
+            <p:grpSpPr>
               <a:xfrm>
-                <a:off x="3227713" y="2411398"/>
-                <a:ext cx="1121783" cy="319596"/>
+                <a:off x="3593015" y="3956407"/>
+                <a:ext cx="1545012" cy="319596"/>
+                <a:chOff x="3016098" y="2411398"/>
+                <a:chExt cx="1545012" cy="319596"/>
               </a:xfrm>
-              <a:prstGeom prst="rect">
-                <a:avLst/>
-              </a:prstGeom>
-              <a:solidFill>
-                <a:srgbClr val="00B0F0"/>
-              </a:solidFill>
-              <a:ln>
+            </p:grpSpPr>
+            <p:sp>
+              <p:nvSpPr>
+                <p:cNvPr id="88" name="Rectangle 87">
+                  <a:extLst>
+                    <a:ext uri="{FF2B5EF4-FFF2-40B4-BE49-F238E27FC236}">
+                      <a16:creationId xmlns:a16="http://schemas.microsoft.com/office/drawing/2014/main" id="{6365D775-3127-42CF-A610-01E710658C9F}"/>
+                    </a:ext>
+                  </a:extLst>
+                </p:cNvPr>
+                <p:cNvSpPr/>
+                <p:nvPr/>
+              </p:nvSpPr>
+              <p:spPr>
+                <a:xfrm>
+                  <a:off x="3227713" y="2411398"/>
+                  <a:ext cx="1121783" cy="319596"/>
+                </a:xfrm>
+                <a:prstGeom prst="rect">
+                  <a:avLst/>
+                </a:prstGeom>
                 <a:solidFill>
-                  <a:schemeClr val="tx1"/>
+                  <a:srgbClr val="0070C0"/>
                 </a:solidFill>
-              </a:ln>
-            </p:spPr>
-            <p:style>
-              <a:lnRef idx="2">
-                <a:schemeClr val="accent1">
-                  <a:shade val="50000"/>
-                </a:schemeClr>
-              </a:lnRef>
-              <a:fillRef idx="1">
-                <a:schemeClr val="accent1"/>
-              </a:fillRef>
-              <a:effectRef idx="0">
-                <a:schemeClr val="accent1"/>
-              </a:effectRef>
-              <a:fontRef idx="minor">
-                <a:schemeClr val="lt1"/>
-              </a:fontRef>
-            </p:style>
-            <p:txBody>
-              <a:bodyPr rtlCol="0" anchor="ctr"/>
-              <a:lstStyle/>
-              <a:p>
-                <a:pPr algn="ctr"/>
-                <a:endParaRPr lang="en-SG" sz="1050" dirty="0">
-                  <a:latin typeface="Arial" panose="020B0604020202020204" pitchFamily="34" charset="0"/>
-                  <a:cs typeface="Arial" panose="020B0604020202020204" pitchFamily="34" charset="0"/>
-                </a:endParaRPr>
-              </a:p>
-            </p:txBody>
-          </p:sp>
-          <p:sp>
-            <p:nvSpPr>
-              <p:cNvPr id="50" name="TextBox 49">
+                <a:ln>
+                  <a:solidFill>
+                    <a:schemeClr val="tx1"/>
+                  </a:solidFill>
+                </a:ln>
+              </p:spPr>
+              <p:style>
+                <a:lnRef idx="2">
+                  <a:schemeClr val="accent1">
+                    <a:shade val="50000"/>
+                  </a:schemeClr>
+                </a:lnRef>
+                <a:fillRef idx="1">
+                  <a:schemeClr val="accent1"/>
+                </a:fillRef>
+                <a:effectRef idx="0">
+                  <a:schemeClr val="accent1"/>
+                </a:effectRef>
+                <a:fontRef idx="minor">
+                  <a:schemeClr val="lt1"/>
+                </a:fontRef>
+              </p:style>
+              <p:txBody>
+                <a:bodyPr rtlCol="0" anchor="ctr"/>
+                <a:lstStyle/>
+                <a:p>
+                  <a:pPr algn="ctr"/>
+                  <a:endParaRPr lang="en-SG" sz="1050" dirty="0">
+                    <a:latin typeface="Arial" panose="020B0604020202020204" pitchFamily="34" charset="0"/>
+                    <a:cs typeface="Arial" panose="020B0604020202020204" pitchFamily="34" charset="0"/>
+                  </a:endParaRPr>
+                </a:p>
+              </p:txBody>
+            </p:sp>
+            <p:sp>
+              <p:nvSpPr>
+                <p:cNvPr id="89" name="TextBox 88">
+                  <a:extLst>
+                    <a:ext uri="{FF2B5EF4-FFF2-40B4-BE49-F238E27FC236}">
+                      <a16:creationId xmlns:a16="http://schemas.microsoft.com/office/drawing/2014/main" id="{1A212D81-FCC6-4D21-8CFF-A77A3DED3539}"/>
+                    </a:ext>
+                  </a:extLst>
+                </p:cNvPr>
+                <p:cNvSpPr txBox="1"/>
+                <p:nvPr/>
+              </p:nvSpPr>
+              <p:spPr>
+                <a:xfrm>
+                  <a:off x="3016098" y="2411398"/>
+                  <a:ext cx="1545012" cy="307777"/>
+                </a:xfrm>
+                <a:prstGeom prst="rect">
+                  <a:avLst/>
+                </a:prstGeom>
+                <a:noFill/>
+              </p:spPr>
+              <p:txBody>
+                <a:bodyPr wrap="square" rtlCol="0">
+                  <a:spAutoFit/>
+                </a:bodyPr>
+                <a:lstStyle/>
+                <a:p>
+                  <a:pPr algn="ctr"/>
+                  <a:r>
+                    <a:rPr lang="en-SG" sz="1400" dirty="0">
+                      <a:solidFill>
+                        <a:schemeClr val="bg1"/>
+                      </a:solidFill>
+                      <a:latin typeface="Arial" panose="020B0604020202020204" pitchFamily="34" charset="0"/>
+                      <a:cs typeface="Arial" panose="020B0604020202020204" pitchFamily="34" charset="0"/>
+                    </a:rPr>
+                    <a:t>Word</a:t>
+                  </a:r>
+                </a:p>
+              </p:txBody>
+            </p:sp>
+          </p:grpSp>
+          <p:grpSp>
+            <p:nvGrpSpPr>
+              <p:cNvPr id="85" name="Group 84">
                 <a:extLst>
                   <a:ext uri="{FF2B5EF4-FFF2-40B4-BE49-F238E27FC236}">
-                    <a16:creationId xmlns:a16="http://schemas.microsoft.com/office/drawing/2014/main" id="{2315703F-B583-4ED8-AC55-4BCEFF76A873}"/>
+                    <a16:creationId xmlns:a16="http://schemas.microsoft.com/office/drawing/2014/main" id="{41BC5458-207E-4760-85F0-56680A30228B}"/>
                   </a:ext>
                 </a:extLst>
               </p:cNvPr>
-              <p:cNvSpPr txBox="1"/>
+              <p:cNvGrpSpPr/>
               <p:nvPr/>
-            </p:nvSpPr>
-            <p:spPr>
+            </p:nvGrpSpPr>
+            <p:grpSpPr>
               <a:xfrm>
-                <a:off x="3016098" y="2434707"/>
-                <a:ext cx="1545012" cy="307777"/>
+                <a:off x="3593015" y="4275674"/>
+                <a:ext cx="1545012" cy="331086"/>
+                <a:chOff x="3016098" y="2411398"/>
+                <a:chExt cx="1545012" cy="331086"/>
               </a:xfrm>
-              <a:prstGeom prst="rect">
-                <a:avLst/>
-              </a:prstGeom>
-              <a:noFill/>
-            </p:spPr>
-            <p:txBody>
-              <a:bodyPr wrap="square" rtlCol="0">
-                <a:spAutoFit/>
-              </a:bodyPr>
-              <a:lstStyle/>
-              <a:p>
-                <a:pPr algn="ctr"/>
-                <a:r>
-                  <a:rPr lang="en-SG" sz="1400" dirty="0">
-                    <a:solidFill>
-                      <a:schemeClr val="bg1"/>
-                    </a:solidFill>
+            </p:grpSpPr>
+            <p:sp>
+              <p:nvSpPr>
+                <p:cNvPr id="86" name="Rectangle 85">
+                  <a:extLst>
+                    <a:ext uri="{FF2B5EF4-FFF2-40B4-BE49-F238E27FC236}">
+                      <a16:creationId xmlns:a16="http://schemas.microsoft.com/office/drawing/2014/main" id="{2435C2B2-6E23-46BF-9E7A-62FA1085863E}"/>
+                    </a:ext>
+                  </a:extLst>
+                </p:cNvPr>
+                <p:cNvSpPr/>
+                <p:nvPr/>
+              </p:nvSpPr>
+              <p:spPr>
+                <a:xfrm>
+                  <a:off x="3227713" y="2411398"/>
+                  <a:ext cx="1121783" cy="319596"/>
+                </a:xfrm>
+                <a:prstGeom prst="rect">
+                  <a:avLst/>
+                </a:prstGeom>
+                <a:solidFill>
+                  <a:srgbClr val="00B0F0"/>
+                </a:solidFill>
+                <a:ln>
+                  <a:solidFill>
+                    <a:schemeClr val="tx1"/>
+                  </a:solidFill>
+                </a:ln>
+              </p:spPr>
+              <p:style>
+                <a:lnRef idx="2">
+                  <a:schemeClr val="accent1">
+                    <a:shade val="50000"/>
+                  </a:schemeClr>
+                </a:lnRef>
+                <a:fillRef idx="1">
+                  <a:schemeClr val="accent1"/>
+                </a:fillRef>
+                <a:effectRef idx="0">
+                  <a:schemeClr val="accent1"/>
+                </a:effectRef>
+                <a:fontRef idx="minor">
+                  <a:schemeClr val="lt1"/>
+                </a:fontRef>
+              </p:style>
+              <p:txBody>
+                <a:bodyPr rtlCol="0" anchor="ctr"/>
+                <a:lstStyle/>
+                <a:p>
+                  <a:pPr algn="ctr"/>
+                  <a:endParaRPr lang="en-SG" sz="1050" dirty="0">
                     <a:latin typeface="Arial" panose="020B0604020202020204" pitchFamily="34" charset="0"/>
                     <a:cs typeface="Arial" panose="020B0604020202020204" pitchFamily="34" charset="0"/>
-                  </a:rPr>
-                  <a:t>Meaning</a:t>
-                </a:r>
-              </a:p>
-            </p:txBody>
-          </p:sp>
+                  </a:endParaRPr>
+                </a:p>
+              </p:txBody>
+            </p:sp>
+            <p:sp>
+              <p:nvSpPr>
+                <p:cNvPr id="87" name="TextBox 86">
+                  <a:extLst>
+                    <a:ext uri="{FF2B5EF4-FFF2-40B4-BE49-F238E27FC236}">
+                      <a16:creationId xmlns:a16="http://schemas.microsoft.com/office/drawing/2014/main" id="{B84EF7A1-BB8C-496A-B610-DB15B8E6EAA8}"/>
+                    </a:ext>
+                  </a:extLst>
+                </p:cNvPr>
+                <p:cNvSpPr txBox="1"/>
+                <p:nvPr/>
+              </p:nvSpPr>
+              <p:spPr>
+                <a:xfrm>
+                  <a:off x="3016098" y="2434707"/>
+                  <a:ext cx="1545012" cy="307777"/>
+                </a:xfrm>
+                <a:prstGeom prst="rect">
+                  <a:avLst/>
+                </a:prstGeom>
+                <a:noFill/>
+              </p:spPr>
+              <p:txBody>
+                <a:bodyPr wrap="square" rtlCol="0">
+                  <a:spAutoFit/>
+                </a:bodyPr>
+                <a:lstStyle/>
+                <a:p>
+                  <a:pPr algn="ctr"/>
+                  <a:r>
+                    <a:rPr lang="en-SG" sz="1400" dirty="0">
+                      <a:solidFill>
+                        <a:schemeClr val="bg1"/>
+                      </a:solidFill>
+                      <a:latin typeface="Arial" panose="020B0604020202020204" pitchFamily="34" charset="0"/>
+                      <a:cs typeface="Arial" panose="020B0604020202020204" pitchFamily="34" charset="0"/>
+                    </a:rPr>
+                    <a:t>Meaning</a:t>
+                  </a:r>
+                </a:p>
+              </p:txBody>
+            </p:sp>
+          </p:grpSp>
         </p:grpSp>
-      </p:grpSp>
-      <p:grpSp>
-        <p:nvGrpSpPr>
-          <p:cNvPr id="53" name="Group 52">
-            <a:extLst>
-              <a:ext uri="{FF2B5EF4-FFF2-40B4-BE49-F238E27FC236}">
-                <a16:creationId xmlns:a16="http://schemas.microsoft.com/office/drawing/2014/main" id="{DA037BB3-0C4A-4A21-A769-F53A319288A8}"/>
-              </a:ext>
-            </a:extLst>
-          </p:cNvPr>
-          <p:cNvGrpSpPr/>
-          <p:nvPr/>
-        </p:nvGrpSpPr>
-        <p:grpSpPr>
-          <a:xfrm>
-            <a:off x="5499565" y="784068"/>
-            <a:ext cx="1545012" cy="650353"/>
-            <a:chOff x="3593015" y="3956407"/>
-            <a:chExt cx="1545012" cy="650353"/>
-          </a:xfrm>
-        </p:grpSpPr>
         <p:grpSp>
           <p:nvGrpSpPr>
-            <p:cNvPr id="54" name="Group 53">
+            <p:cNvPr id="90" name="Group 89">
               <a:extLst>
                 <a:ext uri="{FF2B5EF4-FFF2-40B4-BE49-F238E27FC236}">
-                  <a16:creationId xmlns:a16="http://schemas.microsoft.com/office/drawing/2014/main" id="{C53148BA-5B2C-435B-8329-940BD2D04EE4}"/>
+                  <a16:creationId xmlns:a16="http://schemas.microsoft.com/office/drawing/2014/main" id="{2AE0FE47-FE6E-4CAD-BE3B-488ABEEC90DA}"/>
                 </a:ext>
               </a:extLst>
             </p:cNvPr>
@@ -8474,118 +9988,259 @@
           </p:nvGrpSpPr>
           <p:grpSpPr>
             <a:xfrm>
-              <a:off x="3593015" y="3956407"/>
-              <a:ext cx="1545012" cy="319596"/>
-              <a:chOff x="3016098" y="2411398"/>
-              <a:chExt cx="1545012" cy="319596"/>
+              <a:off x="7842153" y="1600932"/>
+              <a:ext cx="1545012" cy="650353"/>
+              <a:chOff x="3593015" y="3956407"/>
+              <a:chExt cx="1545012" cy="650353"/>
             </a:xfrm>
           </p:grpSpPr>
-          <p:sp>
-            <p:nvSpPr>
-              <p:cNvPr id="58" name="Rectangle 57">
+          <p:grpSp>
+            <p:nvGrpSpPr>
+              <p:cNvPr id="91" name="Group 90">
                 <a:extLst>
                   <a:ext uri="{FF2B5EF4-FFF2-40B4-BE49-F238E27FC236}">
-                    <a16:creationId xmlns:a16="http://schemas.microsoft.com/office/drawing/2014/main" id="{3BB1A669-F23D-42B9-9212-E61703FD7916}"/>
+                    <a16:creationId xmlns:a16="http://schemas.microsoft.com/office/drawing/2014/main" id="{A83CC1E3-6939-4279-A36D-4BD130D86A9E}"/>
                   </a:ext>
                 </a:extLst>
               </p:cNvPr>
-              <p:cNvSpPr/>
+              <p:cNvGrpSpPr/>
               <p:nvPr/>
-            </p:nvSpPr>
-            <p:spPr>
+            </p:nvGrpSpPr>
+            <p:grpSpPr>
               <a:xfrm>
-                <a:off x="3227713" y="2411398"/>
-                <a:ext cx="1121783" cy="319596"/>
+                <a:off x="3593015" y="3956407"/>
+                <a:ext cx="1545012" cy="319596"/>
+                <a:chOff x="3016098" y="2411398"/>
+                <a:chExt cx="1545012" cy="319596"/>
               </a:xfrm>
-              <a:prstGeom prst="rect">
-                <a:avLst/>
-              </a:prstGeom>
-              <a:solidFill>
-                <a:srgbClr val="0070C0"/>
-              </a:solidFill>
-              <a:ln>
+            </p:grpSpPr>
+            <p:sp>
+              <p:nvSpPr>
+                <p:cNvPr id="95" name="Rectangle 94">
+                  <a:extLst>
+                    <a:ext uri="{FF2B5EF4-FFF2-40B4-BE49-F238E27FC236}">
+                      <a16:creationId xmlns:a16="http://schemas.microsoft.com/office/drawing/2014/main" id="{91747F9C-323E-42A2-8C18-C487AA13BDEF}"/>
+                    </a:ext>
+                  </a:extLst>
+                </p:cNvPr>
+                <p:cNvSpPr/>
+                <p:nvPr/>
+              </p:nvSpPr>
+              <p:spPr>
+                <a:xfrm>
+                  <a:off x="3227713" y="2411398"/>
+                  <a:ext cx="1121783" cy="319596"/>
+                </a:xfrm>
+                <a:prstGeom prst="rect">
+                  <a:avLst/>
+                </a:prstGeom>
                 <a:solidFill>
-                  <a:schemeClr val="tx1"/>
+                  <a:srgbClr val="0070C0"/>
                 </a:solidFill>
-              </a:ln>
-            </p:spPr>
-            <p:style>
-              <a:lnRef idx="2">
-                <a:schemeClr val="accent1">
-                  <a:shade val="50000"/>
-                </a:schemeClr>
-              </a:lnRef>
-              <a:fillRef idx="1">
-                <a:schemeClr val="accent1"/>
-              </a:fillRef>
-              <a:effectRef idx="0">
-                <a:schemeClr val="accent1"/>
-              </a:effectRef>
-              <a:fontRef idx="minor">
-                <a:schemeClr val="lt1"/>
-              </a:fontRef>
-            </p:style>
-            <p:txBody>
-              <a:bodyPr rtlCol="0" anchor="ctr"/>
-              <a:lstStyle/>
-              <a:p>
-                <a:pPr algn="ctr"/>
-                <a:endParaRPr lang="en-SG" sz="1050" dirty="0">
-                  <a:latin typeface="Arial" panose="020B0604020202020204" pitchFamily="34" charset="0"/>
-                  <a:cs typeface="Arial" panose="020B0604020202020204" pitchFamily="34" charset="0"/>
-                </a:endParaRPr>
-              </a:p>
-            </p:txBody>
-          </p:sp>
-          <p:sp>
-            <p:nvSpPr>
-              <p:cNvPr id="59" name="TextBox 58">
+                <a:ln>
+                  <a:solidFill>
+                    <a:schemeClr val="tx1"/>
+                  </a:solidFill>
+                </a:ln>
+              </p:spPr>
+              <p:style>
+                <a:lnRef idx="2">
+                  <a:schemeClr val="accent1">
+                    <a:shade val="50000"/>
+                  </a:schemeClr>
+                </a:lnRef>
+                <a:fillRef idx="1">
+                  <a:schemeClr val="accent1"/>
+                </a:fillRef>
+                <a:effectRef idx="0">
+                  <a:schemeClr val="accent1"/>
+                </a:effectRef>
+                <a:fontRef idx="minor">
+                  <a:schemeClr val="lt1"/>
+                </a:fontRef>
+              </p:style>
+              <p:txBody>
+                <a:bodyPr rtlCol="0" anchor="ctr"/>
+                <a:lstStyle/>
+                <a:p>
+                  <a:pPr algn="ctr"/>
+                  <a:endParaRPr lang="en-SG" sz="1050" dirty="0">
+                    <a:latin typeface="Arial" panose="020B0604020202020204" pitchFamily="34" charset="0"/>
+                    <a:cs typeface="Arial" panose="020B0604020202020204" pitchFamily="34" charset="0"/>
+                  </a:endParaRPr>
+                </a:p>
+              </p:txBody>
+            </p:sp>
+            <p:sp>
+              <p:nvSpPr>
+                <p:cNvPr id="96" name="TextBox 95">
+                  <a:extLst>
+                    <a:ext uri="{FF2B5EF4-FFF2-40B4-BE49-F238E27FC236}">
+                      <a16:creationId xmlns:a16="http://schemas.microsoft.com/office/drawing/2014/main" id="{AE91A6E3-7F60-4F7D-B4F4-0F7D2E41DA75}"/>
+                    </a:ext>
+                  </a:extLst>
+                </p:cNvPr>
+                <p:cNvSpPr txBox="1"/>
+                <p:nvPr/>
+              </p:nvSpPr>
+              <p:spPr>
+                <a:xfrm>
+                  <a:off x="3016098" y="2411398"/>
+                  <a:ext cx="1545012" cy="307777"/>
+                </a:xfrm>
+                <a:prstGeom prst="rect">
+                  <a:avLst/>
+                </a:prstGeom>
+                <a:noFill/>
+              </p:spPr>
+              <p:txBody>
+                <a:bodyPr wrap="square" rtlCol="0">
+                  <a:spAutoFit/>
+                </a:bodyPr>
+                <a:lstStyle/>
+                <a:p>
+                  <a:pPr algn="ctr"/>
+                  <a:r>
+                    <a:rPr lang="en-SG" sz="1400" dirty="0">
+                      <a:solidFill>
+                        <a:schemeClr val="bg1"/>
+                      </a:solidFill>
+                      <a:latin typeface="Arial" panose="020B0604020202020204" pitchFamily="34" charset="0"/>
+                      <a:cs typeface="Arial" panose="020B0604020202020204" pitchFamily="34" charset="0"/>
+                    </a:rPr>
+                    <a:t>Word</a:t>
+                  </a:r>
+                </a:p>
+              </p:txBody>
+            </p:sp>
+          </p:grpSp>
+          <p:grpSp>
+            <p:nvGrpSpPr>
+              <p:cNvPr id="92" name="Group 91">
                 <a:extLst>
                   <a:ext uri="{FF2B5EF4-FFF2-40B4-BE49-F238E27FC236}">
-                    <a16:creationId xmlns:a16="http://schemas.microsoft.com/office/drawing/2014/main" id="{E8EBDDCA-81FE-4A0F-B775-42A0C4B2B20F}"/>
+                    <a16:creationId xmlns:a16="http://schemas.microsoft.com/office/drawing/2014/main" id="{74E932CD-2176-4FC5-B18F-D1CECAB7E531}"/>
                   </a:ext>
                 </a:extLst>
               </p:cNvPr>
-              <p:cNvSpPr txBox="1"/>
+              <p:cNvGrpSpPr/>
               <p:nvPr/>
-            </p:nvSpPr>
-            <p:spPr>
+            </p:nvGrpSpPr>
+            <p:grpSpPr>
               <a:xfrm>
-                <a:off x="3016098" y="2411398"/>
-                <a:ext cx="1545012" cy="307777"/>
+                <a:off x="3593015" y="4275674"/>
+                <a:ext cx="1545012" cy="331086"/>
+                <a:chOff x="3016098" y="2411398"/>
+                <a:chExt cx="1545012" cy="331086"/>
               </a:xfrm>
-              <a:prstGeom prst="rect">
-                <a:avLst/>
-              </a:prstGeom>
-              <a:noFill/>
-            </p:spPr>
-            <p:txBody>
-              <a:bodyPr wrap="square" rtlCol="0">
-                <a:spAutoFit/>
-              </a:bodyPr>
-              <a:lstStyle/>
-              <a:p>
-                <a:pPr algn="ctr"/>
-                <a:r>
-                  <a:rPr lang="en-SG" sz="1400" dirty="0">
-                    <a:solidFill>
-                      <a:schemeClr val="bg1"/>
-                    </a:solidFill>
+            </p:grpSpPr>
+            <p:sp>
+              <p:nvSpPr>
+                <p:cNvPr id="93" name="Rectangle 92">
+                  <a:extLst>
+                    <a:ext uri="{FF2B5EF4-FFF2-40B4-BE49-F238E27FC236}">
+                      <a16:creationId xmlns:a16="http://schemas.microsoft.com/office/drawing/2014/main" id="{4163C33D-E5DF-40C8-98BE-53D76CBCF59E}"/>
+                    </a:ext>
+                  </a:extLst>
+                </p:cNvPr>
+                <p:cNvSpPr/>
+                <p:nvPr/>
+              </p:nvSpPr>
+              <p:spPr>
+                <a:xfrm>
+                  <a:off x="3227713" y="2411398"/>
+                  <a:ext cx="1121783" cy="319596"/>
+                </a:xfrm>
+                <a:prstGeom prst="rect">
+                  <a:avLst/>
+                </a:prstGeom>
+                <a:solidFill>
+                  <a:srgbClr val="00B0F0"/>
+                </a:solidFill>
+                <a:ln>
+                  <a:solidFill>
+                    <a:schemeClr val="tx1"/>
+                  </a:solidFill>
+                </a:ln>
+              </p:spPr>
+              <p:style>
+                <a:lnRef idx="2">
+                  <a:schemeClr val="accent1">
+                    <a:shade val="50000"/>
+                  </a:schemeClr>
+                </a:lnRef>
+                <a:fillRef idx="1">
+                  <a:schemeClr val="accent1"/>
+                </a:fillRef>
+                <a:effectRef idx="0">
+                  <a:schemeClr val="accent1"/>
+                </a:effectRef>
+                <a:fontRef idx="minor">
+                  <a:schemeClr val="lt1"/>
+                </a:fontRef>
+              </p:style>
+              <p:txBody>
+                <a:bodyPr rtlCol="0" anchor="ctr"/>
+                <a:lstStyle/>
+                <a:p>
+                  <a:pPr algn="ctr"/>
+                  <a:endParaRPr lang="en-SG" sz="1050" dirty="0">
                     <a:latin typeface="Arial" panose="020B0604020202020204" pitchFamily="34" charset="0"/>
                     <a:cs typeface="Arial" panose="020B0604020202020204" pitchFamily="34" charset="0"/>
-                  </a:rPr>
-                  <a:t>Word</a:t>
-                </a:r>
-              </a:p>
-            </p:txBody>
-          </p:sp>
+                  </a:endParaRPr>
+                </a:p>
+              </p:txBody>
+            </p:sp>
+            <p:sp>
+              <p:nvSpPr>
+                <p:cNvPr id="94" name="TextBox 93">
+                  <a:extLst>
+                    <a:ext uri="{FF2B5EF4-FFF2-40B4-BE49-F238E27FC236}">
+                      <a16:creationId xmlns:a16="http://schemas.microsoft.com/office/drawing/2014/main" id="{475F1798-CA40-4AC3-A25B-84642255CCB6}"/>
+                    </a:ext>
+                  </a:extLst>
+                </p:cNvPr>
+                <p:cNvSpPr txBox="1"/>
+                <p:nvPr/>
+              </p:nvSpPr>
+              <p:spPr>
+                <a:xfrm>
+                  <a:off x="3016098" y="2434707"/>
+                  <a:ext cx="1545012" cy="307777"/>
+                </a:xfrm>
+                <a:prstGeom prst="rect">
+                  <a:avLst/>
+                </a:prstGeom>
+                <a:noFill/>
+              </p:spPr>
+              <p:txBody>
+                <a:bodyPr wrap="square" rtlCol="0">
+                  <a:spAutoFit/>
+                </a:bodyPr>
+                <a:lstStyle/>
+                <a:p>
+                  <a:pPr algn="ctr"/>
+                  <a:r>
+                    <a:rPr lang="en-SG" sz="1400" dirty="0">
+                      <a:solidFill>
+                        <a:schemeClr val="bg1"/>
+                      </a:solidFill>
+                      <a:latin typeface="Arial" panose="020B0604020202020204" pitchFamily="34" charset="0"/>
+                      <a:cs typeface="Arial" panose="020B0604020202020204" pitchFamily="34" charset="0"/>
+                    </a:rPr>
+                    <a:t>Meaning</a:t>
+                  </a:r>
+                </a:p>
+              </p:txBody>
+            </p:sp>
+          </p:grpSp>
         </p:grpSp>
         <p:grpSp>
           <p:nvGrpSpPr>
-            <p:cNvPr id="55" name="Group 54">
+            <p:cNvPr id="97" name="Group 96">
               <a:extLst>
                 <a:ext uri="{FF2B5EF4-FFF2-40B4-BE49-F238E27FC236}">
-                  <a16:creationId xmlns:a16="http://schemas.microsoft.com/office/drawing/2014/main" id="{F19CD8BC-E022-40BB-9F01-EAFAF46FB158}"/>
+                  <a16:creationId xmlns:a16="http://schemas.microsoft.com/office/drawing/2014/main" id="{06244D83-0412-4D02-AB15-1148E54801A3}"/>
                 </a:ext>
               </a:extLst>
             </p:cNvPr>
@@ -8594,2117 +10249,1117 @@
           </p:nvGrpSpPr>
           <p:grpSpPr>
             <a:xfrm>
-              <a:off x="3593015" y="4275674"/>
-              <a:ext cx="1545012" cy="331086"/>
-              <a:chOff x="3016098" y="2411398"/>
-              <a:chExt cx="1545012" cy="331086"/>
+              <a:off x="9171824" y="1618331"/>
+              <a:ext cx="1545012" cy="650353"/>
+              <a:chOff x="3593015" y="3956407"/>
+              <a:chExt cx="1545012" cy="650353"/>
             </a:xfrm>
           </p:grpSpPr>
-          <p:sp>
-            <p:nvSpPr>
-              <p:cNvPr id="56" name="Rectangle 55">
+          <p:grpSp>
+            <p:nvGrpSpPr>
+              <p:cNvPr id="98" name="Group 97">
                 <a:extLst>
                   <a:ext uri="{FF2B5EF4-FFF2-40B4-BE49-F238E27FC236}">
-                    <a16:creationId xmlns:a16="http://schemas.microsoft.com/office/drawing/2014/main" id="{129E65D3-05A8-465C-BBEF-E4BDD02BD894}"/>
+                    <a16:creationId xmlns:a16="http://schemas.microsoft.com/office/drawing/2014/main" id="{EF160AAF-EC1E-418F-81FD-C2818FACF9BD}"/>
                   </a:ext>
                 </a:extLst>
               </p:cNvPr>
-              <p:cNvSpPr/>
+              <p:cNvGrpSpPr/>
               <p:nvPr/>
-            </p:nvSpPr>
-            <p:spPr>
+            </p:nvGrpSpPr>
+            <p:grpSpPr>
               <a:xfrm>
-                <a:off x="3227713" y="2411398"/>
-                <a:ext cx="1121783" cy="319596"/>
+                <a:off x="3593015" y="3956407"/>
+                <a:ext cx="1545012" cy="319596"/>
+                <a:chOff x="3016098" y="2411398"/>
+                <a:chExt cx="1545012" cy="319596"/>
               </a:xfrm>
-              <a:prstGeom prst="rect">
-                <a:avLst/>
-              </a:prstGeom>
-              <a:solidFill>
-                <a:srgbClr val="00B0F0"/>
-              </a:solidFill>
-              <a:ln>
+            </p:grpSpPr>
+            <p:sp>
+              <p:nvSpPr>
+                <p:cNvPr id="102" name="Rectangle 101">
+                  <a:extLst>
+                    <a:ext uri="{FF2B5EF4-FFF2-40B4-BE49-F238E27FC236}">
+                      <a16:creationId xmlns:a16="http://schemas.microsoft.com/office/drawing/2014/main" id="{4B5445EA-4901-43F1-9507-7449AA6D7C42}"/>
+                    </a:ext>
+                  </a:extLst>
+                </p:cNvPr>
+                <p:cNvSpPr/>
+                <p:nvPr/>
+              </p:nvSpPr>
+              <p:spPr>
+                <a:xfrm>
+                  <a:off x="3227713" y="2411398"/>
+                  <a:ext cx="1121783" cy="319596"/>
+                </a:xfrm>
+                <a:prstGeom prst="rect">
+                  <a:avLst/>
+                </a:prstGeom>
                 <a:solidFill>
-                  <a:schemeClr val="tx1"/>
+                  <a:srgbClr val="0070C0"/>
                 </a:solidFill>
-              </a:ln>
-            </p:spPr>
-            <p:style>
-              <a:lnRef idx="2">
-                <a:schemeClr val="accent1">
-                  <a:shade val="50000"/>
-                </a:schemeClr>
-              </a:lnRef>
-              <a:fillRef idx="1">
-                <a:schemeClr val="accent1"/>
-              </a:fillRef>
-              <a:effectRef idx="0">
-                <a:schemeClr val="accent1"/>
-              </a:effectRef>
-              <a:fontRef idx="minor">
-                <a:schemeClr val="lt1"/>
-              </a:fontRef>
-            </p:style>
-            <p:txBody>
-              <a:bodyPr rtlCol="0" anchor="ctr"/>
-              <a:lstStyle/>
-              <a:p>
-                <a:pPr algn="ctr"/>
-                <a:endParaRPr lang="en-SG" sz="1050" dirty="0">
-                  <a:latin typeface="Arial" panose="020B0604020202020204" pitchFamily="34" charset="0"/>
-                  <a:cs typeface="Arial" panose="020B0604020202020204" pitchFamily="34" charset="0"/>
-                </a:endParaRPr>
-              </a:p>
-            </p:txBody>
-          </p:sp>
-          <p:sp>
-            <p:nvSpPr>
-              <p:cNvPr id="57" name="TextBox 56">
+                <a:ln>
+                  <a:solidFill>
+                    <a:schemeClr val="tx1"/>
+                  </a:solidFill>
+                </a:ln>
+              </p:spPr>
+              <p:style>
+                <a:lnRef idx="2">
+                  <a:schemeClr val="accent1">
+                    <a:shade val="50000"/>
+                  </a:schemeClr>
+                </a:lnRef>
+                <a:fillRef idx="1">
+                  <a:schemeClr val="accent1"/>
+                </a:fillRef>
+                <a:effectRef idx="0">
+                  <a:schemeClr val="accent1"/>
+                </a:effectRef>
+                <a:fontRef idx="minor">
+                  <a:schemeClr val="lt1"/>
+                </a:fontRef>
+              </p:style>
+              <p:txBody>
+                <a:bodyPr rtlCol="0" anchor="ctr"/>
+                <a:lstStyle/>
+                <a:p>
+                  <a:pPr algn="ctr"/>
+                  <a:endParaRPr lang="en-SG" sz="1050" dirty="0">
+                    <a:latin typeface="Arial" panose="020B0604020202020204" pitchFamily="34" charset="0"/>
+                    <a:cs typeface="Arial" panose="020B0604020202020204" pitchFamily="34" charset="0"/>
+                  </a:endParaRPr>
+                </a:p>
+              </p:txBody>
+            </p:sp>
+            <p:sp>
+              <p:nvSpPr>
+                <p:cNvPr id="103" name="TextBox 102">
+                  <a:extLst>
+                    <a:ext uri="{FF2B5EF4-FFF2-40B4-BE49-F238E27FC236}">
+                      <a16:creationId xmlns:a16="http://schemas.microsoft.com/office/drawing/2014/main" id="{2F1687B6-A344-4DE6-899E-EFB3EF8BF615}"/>
+                    </a:ext>
+                  </a:extLst>
+                </p:cNvPr>
+                <p:cNvSpPr txBox="1"/>
+                <p:nvPr/>
+              </p:nvSpPr>
+              <p:spPr>
+                <a:xfrm>
+                  <a:off x="3016098" y="2411398"/>
+                  <a:ext cx="1545012" cy="307777"/>
+                </a:xfrm>
+                <a:prstGeom prst="rect">
+                  <a:avLst/>
+                </a:prstGeom>
+                <a:noFill/>
+              </p:spPr>
+              <p:txBody>
+                <a:bodyPr wrap="square" rtlCol="0">
+                  <a:spAutoFit/>
+                </a:bodyPr>
+                <a:lstStyle/>
+                <a:p>
+                  <a:pPr algn="ctr"/>
+                  <a:r>
+                    <a:rPr lang="en-SG" sz="1400" dirty="0">
+                      <a:solidFill>
+                        <a:schemeClr val="bg1"/>
+                      </a:solidFill>
+                      <a:latin typeface="Arial" panose="020B0604020202020204" pitchFamily="34" charset="0"/>
+                      <a:cs typeface="Arial" panose="020B0604020202020204" pitchFamily="34" charset="0"/>
+                    </a:rPr>
+                    <a:t>Word</a:t>
+                  </a:r>
+                </a:p>
+              </p:txBody>
+            </p:sp>
+          </p:grpSp>
+          <p:grpSp>
+            <p:nvGrpSpPr>
+              <p:cNvPr id="99" name="Group 98">
                 <a:extLst>
                   <a:ext uri="{FF2B5EF4-FFF2-40B4-BE49-F238E27FC236}">
-                    <a16:creationId xmlns:a16="http://schemas.microsoft.com/office/drawing/2014/main" id="{82802AFA-71BE-4D55-96AE-8B6EB32C6218}"/>
+                    <a16:creationId xmlns:a16="http://schemas.microsoft.com/office/drawing/2014/main" id="{91F00607-151E-41C2-BD39-198A508B2E61}"/>
                   </a:ext>
                 </a:extLst>
               </p:cNvPr>
-              <p:cNvSpPr txBox="1"/>
+              <p:cNvGrpSpPr/>
               <p:nvPr/>
-            </p:nvSpPr>
-            <p:spPr>
+            </p:nvGrpSpPr>
+            <p:grpSpPr>
               <a:xfrm>
-                <a:off x="3016098" y="2434707"/>
-                <a:ext cx="1545012" cy="307777"/>
+                <a:off x="3593015" y="4275674"/>
+                <a:ext cx="1545012" cy="331086"/>
+                <a:chOff x="3016098" y="2411398"/>
+                <a:chExt cx="1545012" cy="331086"/>
               </a:xfrm>
-              <a:prstGeom prst="rect">
-                <a:avLst/>
-              </a:prstGeom>
-              <a:noFill/>
-            </p:spPr>
-            <p:txBody>
-              <a:bodyPr wrap="square" rtlCol="0">
-                <a:spAutoFit/>
-              </a:bodyPr>
-              <a:lstStyle/>
-              <a:p>
-                <a:pPr algn="ctr"/>
-                <a:r>
-                  <a:rPr lang="en-SG" sz="1400" dirty="0">
-                    <a:solidFill>
-                      <a:schemeClr val="bg1"/>
-                    </a:solidFill>
+            </p:grpSpPr>
+            <p:sp>
+              <p:nvSpPr>
+                <p:cNvPr id="100" name="Rectangle 99">
+                  <a:extLst>
+                    <a:ext uri="{FF2B5EF4-FFF2-40B4-BE49-F238E27FC236}">
+                      <a16:creationId xmlns:a16="http://schemas.microsoft.com/office/drawing/2014/main" id="{496DBFCC-67B2-43A2-B6F1-9EFB9A3DE0E2}"/>
+                    </a:ext>
+                  </a:extLst>
+                </p:cNvPr>
+                <p:cNvSpPr/>
+                <p:nvPr/>
+              </p:nvSpPr>
+              <p:spPr>
+                <a:xfrm>
+                  <a:off x="3227713" y="2411398"/>
+                  <a:ext cx="1121783" cy="319596"/>
+                </a:xfrm>
+                <a:prstGeom prst="rect">
+                  <a:avLst/>
+                </a:prstGeom>
+                <a:solidFill>
+                  <a:srgbClr val="00B0F0"/>
+                </a:solidFill>
+                <a:ln>
+                  <a:solidFill>
+                    <a:schemeClr val="tx1"/>
+                  </a:solidFill>
+                </a:ln>
+              </p:spPr>
+              <p:style>
+                <a:lnRef idx="2">
+                  <a:schemeClr val="accent1">
+                    <a:shade val="50000"/>
+                  </a:schemeClr>
+                </a:lnRef>
+                <a:fillRef idx="1">
+                  <a:schemeClr val="accent1"/>
+                </a:fillRef>
+                <a:effectRef idx="0">
+                  <a:schemeClr val="accent1"/>
+                </a:effectRef>
+                <a:fontRef idx="minor">
+                  <a:schemeClr val="lt1"/>
+                </a:fontRef>
+              </p:style>
+              <p:txBody>
+                <a:bodyPr rtlCol="0" anchor="ctr"/>
+                <a:lstStyle/>
+                <a:p>
+                  <a:pPr algn="ctr"/>
+                  <a:endParaRPr lang="en-SG" sz="1050" dirty="0">
                     <a:latin typeface="Arial" panose="020B0604020202020204" pitchFamily="34" charset="0"/>
                     <a:cs typeface="Arial" panose="020B0604020202020204" pitchFamily="34" charset="0"/>
-                  </a:rPr>
-                  <a:t>Meaning</a:t>
-                </a:r>
-              </a:p>
-            </p:txBody>
-          </p:sp>
+                  </a:endParaRPr>
+                </a:p>
+              </p:txBody>
+            </p:sp>
+            <p:sp>
+              <p:nvSpPr>
+                <p:cNvPr id="101" name="TextBox 100">
+                  <a:extLst>
+                    <a:ext uri="{FF2B5EF4-FFF2-40B4-BE49-F238E27FC236}">
+                      <a16:creationId xmlns:a16="http://schemas.microsoft.com/office/drawing/2014/main" id="{4CB7EB75-094E-4DD0-AD5B-C6653B1A5AEB}"/>
+                    </a:ext>
+                  </a:extLst>
+                </p:cNvPr>
+                <p:cNvSpPr txBox="1"/>
+                <p:nvPr/>
+              </p:nvSpPr>
+              <p:spPr>
+                <a:xfrm>
+                  <a:off x="3016098" y="2434707"/>
+                  <a:ext cx="1545012" cy="307777"/>
+                </a:xfrm>
+                <a:prstGeom prst="rect">
+                  <a:avLst/>
+                </a:prstGeom>
+                <a:noFill/>
+              </p:spPr>
+              <p:txBody>
+                <a:bodyPr wrap="square" rtlCol="0">
+                  <a:spAutoFit/>
+                </a:bodyPr>
+                <a:lstStyle/>
+                <a:p>
+                  <a:pPr algn="ctr"/>
+                  <a:r>
+                    <a:rPr lang="en-SG" sz="1400" dirty="0">
+                      <a:solidFill>
+                        <a:schemeClr val="bg1"/>
+                      </a:solidFill>
+                      <a:latin typeface="Arial" panose="020B0604020202020204" pitchFamily="34" charset="0"/>
+                      <a:cs typeface="Arial" panose="020B0604020202020204" pitchFamily="34" charset="0"/>
+                    </a:rPr>
+                    <a:t>Meaning</a:t>
+                  </a:r>
+                </a:p>
+              </p:txBody>
+            </p:sp>
+          </p:grpSp>
         </p:grpSp>
+        <p:sp>
+          <p:nvSpPr>
+            <p:cNvPr id="104" name="TextBox 103">
+              <a:extLst>
+                <a:ext uri="{FF2B5EF4-FFF2-40B4-BE49-F238E27FC236}">
+                  <a16:creationId xmlns:a16="http://schemas.microsoft.com/office/drawing/2014/main" id="{AFD5AA1E-D851-457E-A56B-8BFC2B1A8CE3}"/>
+                </a:ext>
+              </a:extLst>
+            </p:cNvPr>
+            <p:cNvSpPr txBox="1"/>
+            <p:nvPr/>
+          </p:nvSpPr>
+          <p:spPr>
+            <a:xfrm>
+              <a:off x="8749510" y="243048"/>
+              <a:ext cx="1545012" cy="368858"/>
+            </a:xfrm>
+            <a:prstGeom prst="rect">
+              <a:avLst/>
+            </a:prstGeom>
+            <a:noFill/>
+          </p:spPr>
+          <p:txBody>
+            <a:bodyPr wrap="square" rtlCol="0">
+              <a:spAutoFit/>
+            </a:bodyPr>
+            <a:lstStyle/>
+            <a:p>
+              <a:r>
+                <a:rPr lang="en-SG" i="1" dirty="0"/>
+                <a:t>WordBank 3</a:t>
+              </a:r>
+            </a:p>
+          </p:txBody>
+        </p:sp>
+        <p:sp>
+          <p:nvSpPr>
+            <p:cNvPr id="114" name="TextBox 113">
+              <a:extLst>
+                <a:ext uri="{FF2B5EF4-FFF2-40B4-BE49-F238E27FC236}">
+                  <a16:creationId xmlns:a16="http://schemas.microsoft.com/office/drawing/2014/main" id="{2043C378-2CEC-44CA-8E14-4ED1AD1F0FF8}"/>
+                </a:ext>
+              </a:extLst>
+            </p:cNvPr>
+            <p:cNvSpPr txBox="1"/>
+            <p:nvPr/>
+          </p:nvSpPr>
+          <p:spPr>
+            <a:xfrm>
+              <a:off x="3648644" y="3318193"/>
+              <a:ext cx="2848841" cy="369332"/>
+            </a:xfrm>
+            <a:prstGeom prst="rect">
+              <a:avLst/>
+            </a:prstGeom>
+            <a:solidFill>
+              <a:schemeClr val="accent1">
+                <a:lumMod val="50000"/>
+              </a:schemeClr>
+            </a:solidFill>
+          </p:spPr>
+          <p:style>
+            <a:lnRef idx="0">
+              <a:schemeClr val="accent2"/>
+            </a:lnRef>
+            <a:fillRef idx="3">
+              <a:schemeClr val="accent2"/>
+            </a:fillRef>
+            <a:effectRef idx="3">
+              <a:schemeClr val="accent2"/>
+            </a:effectRef>
+            <a:fontRef idx="minor">
+              <a:schemeClr val="lt1"/>
+            </a:fontRef>
+          </p:style>
+          <p:txBody>
+            <a:bodyPr wrap="square" rtlCol="0">
+              <a:spAutoFit/>
+            </a:bodyPr>
+            <a:lstStyle/>
+            <a:p>
+              <a:pPr algn="ctr"/>
+              <a:r>
+                <a:rPr lang="en-SG" i="1" u="sng" dirty="0">
+                  <a:latin typeface="Bahnschrift" panose="020B0502040204020203" pitchFamily="34" charset="0"/>
+                </a:rPr>
+                <a:t>Choose a </a:t>
+              </a:r>
+              <a:r>
+                <a:rPr lang="en-SG" b="1" i="1" u="sng" dirty="0">
+                  <a:latin typeface="Bahnschrift" panose="020B0502040204020203" pitchFamily="34" charset="0"/>
+                </a:rPr>
+                <a:t>WORDBANK!</a:t>
+              </a:r>
+            </a:p>
+          </p:txBody>
+        </p:sp>
+        <p:sp>
+          <p:nvSpPr>
+            <p:cNvPr id="124" name="TextBox 123">
+              <a:extLst>
+                <a:ext uri="{FF2B5EF4-FFF2-40B4-BE49-F238E27FC236}">
+                  <a16:creationId xmlns:a16="http://schemas.microsoft.com/office/drawing/2014/main" id="{F8B3C558-5829-4D07-B7F9-9F62A0E7424D}"/>
+                </a:ext>
+              </a:extLst>
+            </p:cNvPr>
+            <p:cNvSpPr txBox="1"/>
+            <p:nvPr/>
+          </p:nvSpPr>
+          <p:spPr>
+            <a:xfrm>
+              <a:off x="3638484" y="4574745"/>
+              <a:ext cx="2848841" cy="369332"/>
+            </a:xfrm>
+            <a:prstGeom prst="rect">
+              <a:avLst/>
+            </a:prstGeom>
+            <a:solidFill>
+              <a:schemeClr val="accent4">
+                <a:lumMod val="40000"/>
+                <a:lumOff val="60000"/>
+              </a:schemeClr>
+            </a:solidFill>
+          </p:spPr>
+          <p:style>
+            <a:lnRef idx="0">
+              <a:schemeClr val="accent6"/>
+            </a:lnRef>
+            <a:fillRef idx="3">
+              <a:schemeClr val="accent6"/>
+            </a:fillRef>
+            <a:effectRef idx="3">
+              <a:schemeClr val="accent6"/>
+            </a:effectRef>
+            <a:fontRef idx="minor">
+              <a:schemeClr val="lt1"/>
+            </a:fontRef>
+          </p:style>
+          <p:txBody>
+            <a:bodyPr wrap="square" rtlCol="0">
+              <a:spAutoFit/>
+            </a:bodyPr>
+            <a:lstStyle/>
+            <a:p>
+              <a:pPr algn="ctr"/>
+              <a:r>
+                <a:rPr lang="en-SG" i="1" u="sng" dirty="0">
+                  <a:solidFill>
+                    <a:schemeClr val="tx1"/>
+                  </a:solidFill>
+                  <a:latin typeface="Bahnschrift" panose="020B0502040204020203" pitchFamily="34" charset="0"/>
+                </a:rPr>
+                <a:t>Choose a </a:t>
+              </a:r>
+              <a:r>
+                <a:rPr lang="en-SG" b="1" i="1" u="sng" dirty="0">
+                  <a:solidFill>
+                    <a:schemeClr val="tx1"/>
+                  </a:solidFill>
+                  <a:latin typeface="Bahnschrift" panose="020B0502040204020203" pitchFamily="34" charset="0"/>
+                </a:rPr>
+                <a:t>DIFFICULTY!</a:t>
+              </a:r>
+            </a:p>
+          </p:txBody>
+        </p:sp>
+        <p:sp>
+          <p:nvSpPr>
+            <p:cNvPr id="125" name="Rectangle: Rounded Corners 124">
+              <a:extLst>
+                <a:ext uri="{FF2B5EF4-FFF2-40B4-BE49-F238E27FC236}">
+                  <a16:creationId xmlns:a16="http://schemas.microsoft.com/office/drawing/2014/main" id="{B29D7D31-9C0A-48AD-9EEA-66DCED675574}"/>
+                </a:ext>
+              </a:extLst>
+            </p:cNvPr>
+            <p:cNvSpPr/>
+            <p:nvPr/>
+          </p:nvSpPr>
+          <p:spPr>
+            <a:xfrm>
+              <a:off x="2919181" y="5576357"/>
+              <a:ext cx="931160" cy="461488"/>
+            </a:xfrm>
+            <a:prstGeom prst="roundRect">
+              <a:avLst/>
+            </a:prstGeom>
+          </p:spPr>
+          <p:style>
+            <a:lnRef idx="2">
+              <a:schemeClr val="accent3"/>
+            </a:lnRef>
+            <a:fillRef idx="1">
+              <a:schemeClr val="lt1"/>
+            </a:fillRef>
+            <a:effectRef idx="0">
+              <a:schemeClr val="accent3"/>
+            </a:effectRef>
+            <a:fontRef idx="minor">
+              <a:schemeClr val="dk1"/>
+            </a:fontRef>
+          </p:style>
+          <p:txBody>
+            <a:bodyPr rtlCol="0" anchor="ctr"/>
+            <a:lstStyle/>
+            <a:p>
+              <a:pPr algn="ctr"/>
+              <a:r>
+                <a:rPr lang="en-SG" dirty="0"/>
+                <a:t>EASY</a:t>
+              </a:r>
+            </a:p>
+          </p:txBody>
+        </p:sp>
+        <p:sp>
+          <p:nvSpPr>
+            <p:cNvPr id="127" name="Rectangle: Rounded Corners 126">
+              <a:extLst>
+                <a:ext uri="{FF2B5EF4-FFF2-40B4-BE49-F238E27FC236}">
+                  <a16:creationId xmlns:a16="http://schemas.microsoft.com/office/drawing/2014/main" id="{43364AC7-4018-4312-88CC-F14F1EBE72E1}"/>
+                </a:ext>
+              </a:extLst>
+            </p:cNvPr>
+            <p:cNvSpPr/>
+            <p:nvPr/>
+          </p:nvSpPr>
+          <p:spPr>
+            <a:xfrm>
+              <a:off x="4678139" y="5594791"/>
+              <a:ext cx="1117683" cy="461488"/>
+            </a:xfrm>
+            <a:prstGeom prst="roundRect">
+              <a:avLst/>
+            </a:prstGeom>
+          </p:spPr>
+          <p:style>
+            <a:lnRef idx="2">
+              <a:schemeClr val="accent3"/>
+            </a:lnRef>
+            <a:fillRef idx="1">
+              <a:schemeClr val="lt1"/>
+            </a:fillRef>
+            <a:effectRef idx="0">
+              <a:schemeClr val="accent3"/>
+            </a:effectRef>
+            <a:fontRef idx="minor">
+              <a:schemeClr val="dk1"/>
+            </a:fontRef>
+          </p:style>
+          <p:txBody>
+            <a:bodyPr rtlCol="0" anchor="ctr"/>
+            <a:lstStyle/>
+            <a:p>
+              <a:pPr algn="ctr"/>
+              <a:r>
+                <a:rPr lang="en-SG" dirty="0"/>
+                <a:t>MEDIUM</a:t>
+              </a:r>
+            </a:p>
+          </p:txBody>
+        </p:sp>
+        <p:sp>
+          <p:nvSpPr>
+            <p:cNvPr id="129" name="Rectangle: Rounded Corners 128">
+              <a:extLst>
+                <a:ext uri="{FF2B5EF4-FFF2-40B4-BE49-F238E27FC236}">
+                  <a16:creationId xmlns:a16="http://schemas.microsoft.com/office/drawing/2014/main" id="{23D7C16D-3EA9-44D2-8321-EF1BCAB41E4C}"/>
+                </a:ext>
+              </a:extLst>
+            </p:cNvPr>
+            <p:cNvSpPr/>
+            <p:nvPr/>
+          </p:nvSpPr>
+          <p:spPr>
+            <a:xfrm>
+              <a:off x="6558445" y="5589980"/>
+              <a:ext cx="1117683" cy="461488"/>
+            </a:xfrm>
+            <a:prstGeom prst="roundRect">
+              <a:avLst/>
+            </a:prstGeom>
+          </p:spPr>
+          <p:style>
+            <a:lnRef idx="2">
+              <a:schemeClr val="accent3"/>
+            </a:lnRef>
+            <a:fillRef idx="1">
+              <a:schemeClr val="lt1"/>
+            </a:fillRef>
+            <a:effectRef idx="0">
+              <a:schemeClr val="accent3"/>
+            </a:effectRef>
+            <a:fontRef idx="minor">
+              <a:schemeClr val="dk1"/>
+            </a:fontRef>
+          </p:style>
+          <p:txBody>
+            <a:bodyPr rtlCol="0" anchor="ctr"/>
+            <a:lstStyle/>
+            <a:p>
+              <a:pPr algn="ctr"/>
+              <a:r>
+                <a:rPr lang="en-SG" dirty="0"/>
+                <a:t>HARD</a:t>
+              </a:r>
+            </a:p>
+          </p:txBody>
+        </p:sp>
+        <p:pic>
+          <p:nvPicPr>
+            <p:cNvPr id="131" name="Picture 130">
+              <a:extLst>
+                <a:ext uri="{FF2B5EF4-FFF2-40B4-BE49-F238E27FC236}">
+                  <a16:creationId xmlns:a16="http://schemas.microsoft.com/office/drawing/2014/main" id="{CC8678F0-27C0-4874-AEE6-C84758354E25}"/>
+                </a:ext>
+              </a:extLst>
+            </p:cNvPr>
+            <p:cNvPicPr>
+              <a:picLocks noChangeAspect="1"/>
+            </p:cNvPicPr>
+            <p:nvPr/>
+          </p:nvPicPr>
+          <p:blipFill>
+            <a:blip r:embed="rId3">
+              <a:extLst>
+                <a:ext uri="{28A0092B-C50C-407E-A947-70E740481C1C}">
+                  <a14:useLocalDpi xmlns:a14="http://schemas.microsoft.com/office/drawing/2010/main" val="0"/>
+                </a:ext>
+              </a:extLst>
+            </a:blip>
+            <a:stretch>
+              <a:fillRect/>
+            </a:stretch>
+          </p:blipFill>
+          <p:spPr>
+            <a:xfrm>
+              <a:off x="2291691" y="5524556"/>
+              <a:ext cx="565266" cy="565266"/>
+            </a:xfrm>
+            <a:prstGeom prst="rect">
+              <a:avLst/>
+            </a:prstGeom>
+          </p:spPr>
+        </p:pic>
+        <p:pic>
+          <p:nvPicPr>
+            <p:cNvPr id="133" name="Picture 132">
+              <a:extLst>
+                <a:ext uri="{FF2B5EF4-FFF2-40B4-BE49-F238E27FC236}">
+                  <a16:creationId xmlns:a16="http://schemas.microsoft.com/office/drawing/2014/main" id="{5701A672-886B-4310-A4F6-29EAC0ED03D6}"/>
+                </a:ext>
+              </a:extLst>
+            </p:cNvPr>
+            <p:cNvPicPr>
+              <a:picLocks noChangeAspect="1"/>
+            </p:cNvPicPr>
+            <p:nvPr/>
+          </p:nvPicPr>
+          <p:blipFill>
+            <a:blip r:embed="rId4">
+              <a:extLst>
+                <a:ext uri="{28A0092B-C50C-407E-A947-70E740481C1C}">
+                  <a14:useLocalDpi xmlns:a14="http://schemas.microsoft.com/office/drawing/2010/main" val="0"/>
+                </a:ext>
+              </a:extLst>
+            </a:blip>
+            <a:stretch>
+              <a:fillRect/>
+            </a:stretch>
+          </p:blipFill>
+          <p:spPr>
+            <a:xfrm>
+              <a:off x="4057271" y="5538649"/>
+              <a:ext cx="565266" cy="565266"/>
+            </a:xfrm>
+            <a:prstGeom prst="rect">
+              <a:avLst/>
+            </a:prstGeom>
+          </p:spPr>
+        </p:pic>
+        <p:pic>
+          <p:nvPicPr>
+            <p:cNvPr id="135" name="Picture 134">
+              <a:extLst>
+                <a:ext uri="{FF2B5EF4-FFF2-40B4-BE49-F238E27FC236}">
+                  <a16:creationId xmlns:a16="http://schemas.microsoft.com/office/drawing/2014/main" id="{CF64E74B-9F90-4E80-9A77-9FF7A4A4BC5A}"/>
+                </a:ext>
+              </a:extLst>
+            </p:cNvPr>
+            <p:cNvPicPr>
+              <a:picLocks noChangeAspect="1"/>
+            </p:cNvPicPr>
+            <p:nvPr/>
+          </p:nvPicPr>
+          <p:blipFill>
+            <a:blip r:embed="rId5">
+              <a:extLst>
+                <a:ext uri="{28A0092B-C50C-407E-A947-70E740481C1C}">
+                  <a14:useLocalDpi xmlns:a14="http://schemas.microsoft.com/office/drawing/2010/main" val="0"/>
+                </a:ext>
+              </a:extLst>
+            </a:blip>
+            <a:stretch>
+              <a:fillRect/>
+            </a:stretch>
+          </p:blipFill>
+          <p:spPr>
+            <a:xfrm>
+              <a:off x="5945311" y="5533848"/>
+              <a:ext cx="565266" cy="565266"/>
+            </a:xfrm>
+            <a:prstGeom prst="rect">
+              <a:avLst/>
+            </a:prstGeom>
+          </p:spPr>
+        </p:pic>
+        <p:sp>
+          <p:nvSpPr>
+            <p:cNvPr id="149" name="Rectangle 148">
+              <a:extLst>
+                <a:ext uri="{FF2B5EF4-FFF2-40B4-BE49-F238E27FC236}">
+                  <a16:creationId xmlns:a16="http://schemas.microsoft.com/office/drawing/2014/main" id="{46124230-936D-4277-97D9-344B77949C1D}"/>
+                </a:ext>
+              </a:extLst>
+            </p:cNvPr>
+            <p:cNvSpPr/>
+            <p:nvPr/>
+          </p:nvSpPr>
+          <p:spPr>
+            <a:xfrm>
+              <a:off x="224916" y="172720"/>
+              <a:ext cx="11794364" cy="2638520"/>
+            </a:xfrm>
+            <a:prstGeom prst="rect">
+              <a:avLst/>
+            </a:prstGeom>
+            <a:noFill/>
+            <a:ln w="9525" cap="flat" cmpd="sng" algn="ctr">
+              <a:solidFill>
+                <a:schemeClr val="dk1"/>
+              </a:solidFill>
+              <a:prstDash val="dash"/>
+              <a:round/>
+              <a:headEnd type="none" w="med" len="med"/>
+              <a:tailEnd type="none" w="med" len="med"/>
+            </a:ln>
+          </p:spPr>
+          <p:style>
+            <a:lnRef idx="0">
+              <a:scrgbClr r="0" g="0" b="0"/>
+            </a:lnRef>
+            <a:fillRef idx="0">
+              <a:scrgbClr r="0" g="0" b="0"/>
+            </a:fillRef>
+            <a:effectRef idx="0">
+              <a:scrgbClr r="0" g="0" b="0"/>
+            </a:effectRef>
+            <a:fontRef idx="minor">
+              <a:schemeClr val="dk1"/>
+            </a:fontRef>
+          </p:style>
+          <p:txBody>
+            <a:bodyPr rtlCol="0" anchor="ctr"/>
+            <a:lstStyle/>
+            <a:p>
+              <a:pPr algn="ctr"/>
+              <a:endParaRPr lang="en-SG"/>
+            </a:p>
+          </p:txBody>
+        </p:sp>
+        <p:cxnSp>
+          <p:nvCxnSpPr>
+            <p:cNvPr id="157" name="Straight Arrow Connector 156">
+              <a:extLst>
+                <a:ext uri="{FF2B5EF4-FFF2-40B4-BE49-F238E27FC236}">
+                  <a16:creationId xmlns:a16="http://schemas.microsoft.com/office/drawing/2014/main" id="{697DD977-3BBC-4AC3-9213-7783D7252274}"/>
+                </a:ext>
+              </a:extLst>
+            </p:cNvPr>
+            <p:cNvCxnSpPr>
+              <a:cxnSpLocks/>
+              <a:endCxn id="114" idx="0"/>
+            </p:cNvCxnSpPr>
+            <p:nvPr/>
+          </p:nvCxnSpPr>
+          <p:spPr>
+            <a:xfrm>
+              <a:off x="5073065" y="2816821"/>
+              <a:ext cx="0" cy="501372"/>
+            </a:xfrm>
+            <a:prstGeom prst="straightConnector1">
+              <a:avLst/>
+            </a:prstGeom>
+            <a:ln w="28575">
+              <a:tailEnd type="triangle"/>
+            </a:ln>
+          </p:spPr>
+          <p:style>
+            <a:lnRef idx="3">
+              <a:schemeClr val="dk1"/>
+            </a:lnRef>
+            <a:fillRef idx="0">
+              <a:schemeClr val="dk1"/>
+            </a:fillRef>
+            <a:effectRef idx="2">
+              <a:schemeClr val="dk1"/>
+            </a:effectRef>
+            <a:fontRef idx="minor">
+              <a:schemeClr val="tx1"/>
+            </a:fontRef>
+          </p:style>
+        </p:cxnSp>
+        <p:cxnSp>
+          <p:nvCxnSpPr>
+            <p:cNvPr id="159" name="Straight Arrow Connector 158">
+              <a:extLst>
+                <a:ext uri="{FF2B5EF4-FFF2-40B4-BE49-F238E27FC236}">
+                  <a16:creationId xmlns:a16="http://schemas.microsoft.com/office/drawing/2014/main" id="{F69906AC-7B9E-4E24-802B-E30A22B6592C}"/>
+                </a:ext>
+              </a:extLst>
+            </p:cNvPr>
+            <p:cNvCxnSpPr>
+              <a:cxnSpLocks/>
+              <a:endCxn id="124" idx="2"/>
+            </p:cNvCxnSpPr>
+            <p:nvPr/>
+          </p:nvCxnSpPr>
+          <p:spPr>
+            <a:xfrm flipV="1">
+              <a:off x="5051488" y="4944077"/>
+              <a:ext cx="11417" cy="472198"/>
+            </a:xfrm>
+            <a:prstGeom prst="straightConnector1">
+              <a:avLst/>
+            </a:prstGeom>
+            <a:ln w="28575">
+              <a:tailEnd type="triangle"/>
+            </a:ln>
+          </p:spPr>
+          <p:style>
+            <a:lnRef idx="3">
+              <a:schemeClr val="dk1"/>
+            </a:lnRef>
+            <a:fillRef idx="0">
+              <a:schemeClr val="dk1"/>
+            </a:fillRef>
+            <a:effectRef idx="2">
+              <a:schemeClr val="dk1"/>
+            </a:effectRef>
+            <a:fontRef idx="minor">
+              <a:schemeClr val="tx1"/>
+            </a:fontRef>
+          </p:style>
+        </p:cxnSp>
+        <p:cxnSp>
+          <p:nvCxnSpPr>
+            <p:cNvPr id="169" name="Straight Arrow Connector 168">
+              <a:extLst>
+                <a:ext uri="{FF2B5EF4-FFF2-40B4-BE49-F238E27FC236}">
+                  <a16:creationId xmlns:a16="http://schemas.microsoft.com/office/drawing/2014/main" id="{FBE0B139-E645-4104-B242-DB04E5C17D40}"/>
+                </a:ext>
+              </a:extLst>
+            </p:cNvPr>
+            <p:cNvCxnSpPr>
+              <a:cxnSpLocks/>
+            </p:cNvCxnSpPr>
+            <p:nvPr/>
+          </p:nvCxnSpPr>
+          <p:spPr>
+            <a:xfrm>
+              <a:off x="6558445" y="3502859"/>
+              <a:ext cx="1213955" cy="404302"/>
+            </a:xfrm>
+            <a:prstGeom prst="straightConnector1">
+              <a:avLst/>
+            </a:prstGeom>
+            <a:ln w="28575">
+              <a:tailEnd type="triangle"/>
+            </a:ln>
+          </p:spPr>
+          <p:style>
+            <a:lnRef idx="3">
+              <a:schemeClr val="dk1"/>
+            </a:lnRef>
+            <a:fillRef idx="0">
+              <a:schemeClr val="dk1"/>
+            </a:fillRef>
+            <a:effectRef idx="2">
+              <a:schemeClr val="dk1"/>
+            </a:effectRef>
+            <a:fontRef idx="minor">
+              <a:schemeClr val="tx1"/>
+            </a:fontRef>
+          </p:style>
+        </p:cxnSp>
+        <p:cxnSp>
+          <p:nvCxnSpPr>
+            <p:cNvPr id="173" name="Straight Arrow Connector 172">
+              <a:extLst>
+                <a:ext uri="{FF2B5EF4-FFF2-40B4-BE49-F238E27FC236}">
+                  <a16:creationId xmlns:a16="http://schemas.microsoft.com/office/drawing/2014/main" id="{D42F7751-0051-4A88-85AF-5778F913DFDA}"/>
+                </a:ext>
+              </a:extLst>
+            </p:cNvPr>
+            <p:cNvCxnSpPr>
+              <a:cxnSpLocks/>
+            </p:cNvCxnSpPr>
+            <p:nvPr/>
+          </p:nvCxnSpPr>
+          <p:spPr>
+            <a:xfrm flipV="1">
+              <a:off x="6558445" y="4300961"/>
+              <a:ext cx="1213955" cy="336282"/>
+            </a:xfrm>
+            <a:prstGeom prst="straightConnector1">
+              <a:avLst/>
+            </a:prstGeom>
+            <a:ln w="28575">
+              <a:tailEnd type="triangle"/>
+            </a:ln>
+          </p:spPr>
+          <p:style>
+            <a:lnRef idx="3">
+              <a:schemeClr val="dk1"/>
+            </a:lnRef>
+            <a:fillRef idx="0">
+              <a:schemeClr val="dk1"/>
+            </a:fillRef>
+            <a:effectRef idx="2">
+              <a:schemeClr val="dk1"/>
+            </a:effectRef>
+            <a:fontRef idx="minor">
+              <a:schemeClr val="tx1"/>
+            </a:fontRef>
+          </p:style>
+        </p:cxnSp>
+        <p:sp>
+          <p:nvSpPr>
+            <p:cNvPr id="180" name="TextBox 179">
+              <a:extLst>
+                <a:ext uri="{FF2B5EF4-FFF2-40B4-BE49-F238E27FC236}">
+                  <a16:creationId xmlns:a16="http://schemas.microsoft.com/office/drawing/2014/main" id="{AEEB2F11-EA8D-4031-85A2-8D36C9631DB8}"/>
+                </a:ext>
+              </a:extLst>
+            </p:cNvPr>
+            <p:cNvSpPr txBox="1"/>
+            <p:nvPr/>
+          </p:nvSpPr>
+          <p:spPr>
+            <a:xfrm>
+              <a:off x="10799661" y="1563788"/>
+              <a:ext cx="1481329" cy="369332"/>
+            </a:xfrm>
+            <a:prstGeom prst="rect">
+              <a:avLst/>
+            </a:prstGeom>
+            <a:noFill/>
+          </p:spPr>
+          <p:style>
+            <a:lnRef idx="0">
+              <a:schemeClr val="accent2"/>
+            </a:lnRef>
+            <a:fillRef idx="3">
+              <a:schemeClr val="accent2"/>
+            </a:fillRef>
+            <a:effectRef idx="3">
+              <a:schemeClr val="accent2"/>
+            </a:effectRef>
+            <a:fontRef idx="minor">
+              <a:schemeClr val="lt1"/>
+            </a:fontRef>
+          </p:style>
+          <p:txBody>
+            <a:bodyPr wrap="square" rtlCol="0">
+              <a:spAutoFit/>
+            </a:bodyPr>
+            <a:lstStyle/>
+            <a:p>
+              <a:pPr algn="ctr"/>
+              <a:r>
+                <a:rPr lang="en-SG" b="1" i="1" dirty="0">
+                  <a:solidFill>
+                    <a:schemeClr val="tx1"/>
+                  </a:solidFill>
+                  <a:latin typeface="Bahnschrift" panose="020B0502040204020203" pitchFamily="34" charset="0"/>
+                </a:rPr>
+                <a:t> .  .  .</a:t>
+              </a:r>
+            </a:p>
+          </p:txBody>
+        </p:sp>
+        <p:sp>
+          <p:nvSpPr>
+            <p:cNvPr id="181" name="Rectangle 180">
+              <a:extLst>
+                <a:ext uri="{FF2B5EF4-FFF2-40B4-BE49-F238E27FC236}">
+                  <a16:creationId xmlns:a16="http://schemas.microsoft.com/office/drawing/2014/main" id="{5F8C63A8-1CD6-4ADE-ABC0-F1BAC842DF32}"/>
+                </a:ext>
+              </a:extLst>
+            </p:cNvPr>
+            <p:cNvSpPr/>
+            <p:nvPr/>
+          </p:nvSpPr>
+          <p:spPr>
+            <a:xfrm>
+              <a:off x="8003876" y="3285663"/>
+              <a:ext cx="2335896" cy="1754326"/>
+            </a:xfrm>
+            <a:prstGeom prst="rect">
+              <a:avLst/>
+            </a:prstGeom>
+            <a:noFill/>
+          </p:spPr>
+          <p:txBody>
+            <a:bodyPr wrap="none" lIns="91440" tIns="45720" rIns="91440" bIns="45720">
+              <a:spAutoFit/>
+            </a:bodyPr>
+            <a:lstStyle/>
+            <a:p>
+              <a:pPr algn="ctr"/>
+              <a:r>
+                <a:rPr lang="en-US" sz="5400" b="0" i="1" cap="none" spc="0" dirty="0">
+                  <a:ln w="0"/>
+                  <a:solidFill>
+                    <a:schemeClr val="tx1"/>
+                  </a:solidFill>
+                  <a:effectLst>
+                    <a:outerShdw blurRad="38100" dist="19050" dir="2700000" algn="tl" rotWithShape="0">
+                      <a:schemeClr val="dk1">
+                        <a:alpha val="40000"/>
+                      </a:schemeClr>
+                    </a:outerShdw>
+                  </a:effectLst>
+                </a:rPr>
+                <a:t>START   </a:t>
+              </a:r>
+            </a:p>
+            <a:p>
+              <a:pPr algn="ctr"/>
+              <a:r>
+                <a:rPr lang="en-US" sz="5400" b="0" i="1" cap="none" spc="0" dirty="0">
+                  <a:ln w="0"/>
+                  <a:solidFill>
+                    <a:schemeClr val="tx1"/>
+                  </a:solidFill>
+                  <a:effectLst>
+                    <a:outerShdw blurRad="38100" dist="19050" dir="2700000" algn="tl" rotWithShape="0">
+                      <a:schemeClr val="dk1">
+                        <a:alpha val="40000"/>
+                      </a:schemeClr>
+                    </a:outerShdw>
+                  </a:effectLst>
+                </a:rPr>
+                <a:t> GAME!</a:t>
+              </a:r>
+            </a:p>
+          </p:txBody>
+        </p:sp>
+        <p:pic>
+          <p:nvPicPr>
+            <p:cNvPr id="183" name="Picture 182">
+              <a:extLst>
+                <a:ext uri="{FF2B5EF4-FFF2-40B4-BE49-F238E27FC236}">
+                  <a16:creationId xmlns:a16="http://schemas.microsoft.com/office/drawing/2014/main" id="{787E123F-6B2C-448E-96C8-18EE9A3CDF82}"/>
+                </a:ext>
+              </a:extLst>
+            </p:cNvPr>
+            <p:cNvPicPr>
+              <a:picLocks noChangeAspect="1"/>
+            </p:cNvPicPr>
+            <p:nvPr/>
+          </p:nvPicPr>
+          <p:blipFill>
+            <a:blip r:embed="rId6">
+              <a:extLst>
+                <a:ext uri="{28A0092B-C50C-407E-A947-70E740481C1C}">
+                  <a14:useLocalDpi xmlns:a14="http://schemas.microsoft.com/office/drawing/2010/main" val="0"/>
+                </a:ext>
+              </a:extLst>
+            </a:blip>
+            <a:stretch>
+              <a:fillRect/>
+            </a:stretch>
+          </p:blipFill>
+          <p:spPr>
+            <a:xfrm>
+              <a:off x="9972787" y="3465856"/>
+              <a:ext cx="643470" cy="643470"/>
+            </a:xfrm>
+            <a:prstGeom prst="rect">
+              <a:avLst/>
+            </a:prstGeom>
+          </p:spPr>
+        </p:pic>
       </p:grpSp>
-      <p:grpSp>
-        <p:nvGrpSpPr>
-          <p:cNvPr id="60" name="Group 59">
+    </p:spTree>
+    <p:extLst>
+      <p:ext uri="{BB962C8B-B14F-4D97-AF65-F5344CB8AC3E}">
+        <p14:creationId xmlns:p14="http://schemas.microsoft.com/office/powerpoint/2010/main" val="479322122"/>
+      </p:ext>
+    </p:extLst>
+  </p:cSld>
+  <p:clrMapOvr>
+    <a:masterClrMapping/>
+  </p:clrMapOvr>
+</p:sld>
+</file>
+
+<file path=ppt/slides/slide3.xml><?xml version="1.0" encoding="utf-8"?>
+<p:sld xmlns:a="http://schemas.openxmlformats.org/drawingml/2006/main" xmlns:r="http://schemas.openxmlformats.org/officeDocument/2006/relationships" xmlns:p="http://schemas.openxmlformats.org/presentationml/2006/main">
+  <p:cSld>
+    <p:spTree>
+      <p:nvGrpSpPr>
+        <p:cNvPr id="1" name=""/>
+        <p:cNvGrpSpPr/>
+        <p:nvPr/>
+      </p:nvGrpSpPr>
+      <p:grpSpPr>
+        <a:xfrm>
+          <a:off x="0" y="0"/>
+          <a:ext cx="0" cy="0"/>
+          <a:chOff x="0" y="0"/>
+          <a:chExt cx="0" cy="0"/>
+        </a:xfrm>
+      </p:grpSpPr>
+      <p:sp>
+        <p:nvSpPr>
+          <p:cNvPr id="2" name="Title 1">
             <a:extLst>
               <a:ext uri="{FF2B5EF4-FFF2-40B4-BE49-F238E27FC236}">
-                <a16:creationId xmlns:a16="http://schemas.microsoft.com/office/drawing/2014/main" id="{545E2774-6C30-4FA8-8FBA-F84656DEB2FD}"/>
+                <a16:creationId xmlns:a16="http://schemas.microsoft.com/office/drawing/2014/main" id="{3F04347C-C1CD-4CE5-8E9F-232B0571AD7D}"/>
               </a:ext>
             </a:extLst>
           </p:cNvPr>
-          <p:cNvGrpSpPr/>
-          <p:nvPr/>
-        </p:nvGrpSpPr>
-        <p:grpSpPr>
-          <a:xfrm>
-            <a:off x="4166167" y="1589184"/>
-            <a:ext cx="1545012" cy="650353"/>
-            <a:chOff x="3593015" y="3956407"/>
-            <a:chExt cx="1545012" cy="650353"/>
-          </a:xfrm>
-        </p:grpSpPr>
-        <p:grpSp>
-          <p:nvGrpSpPr>
-            <p:cNvPr id="61" name="Group 60">
-              <a:extLst>
-                <a:ext uri="{FF2B5EF4-FFF2-40B4-BE49-F238E27FC236}">
-                  <a16:creationId xmlns:a16="http://schemas.microsoft.com/office/drawing/2014/main" id="{96E90A56-8979-408B-96FC-B8D476974A86}"/>
-                </a:ext>
-              </a:extLst>
-            </p:cNvPr>
-            <p:cNvGrpSpPr/>
-            <p:nvPr/>
-          </p:nvGrpSpPr>
-          <p:grpSpPr>
-            <a:xfrm>
-              <a:off x="3593015" y="3956407"/>
-              <a:ext cx="1545012" cy="319596"/>
-              <a:chOff x="3016098" y="2411398"/>
-              <a:chExt cx="1545012" cy="319596"/>
-            </a:xfrm>
-          </p:grpSpPr>
-          <p:sp>
-            <p:nvSpPr>
-              <p:cNvPr id="65" name="Rectangle 64">
-                <a:extLst>
-                  <a:ext uri="{FF2B5EF4-FFF2-40B4-BE49-F238E27FC236}">
-                    <a16:creationId xmlns:a16="http://schemas.microsoft.com/office/drawing/2014/main" id="{6AD860B0-726A-4D40-99D0-CBA307D545E6}"/>
-                  </a:ext>
-                </a:extLst>
-              </p:cNvPr>
-              <p:cNvSpPr/>
-              <p:nvPr/>
-            </p:nvSpPr>
-            <p:spPr>
-              <a:xfrm>
-                <a:off x="3227713" y="2411398"/>
-                <a:ext cx="1121783" cy="319596"/>
-              </a:xfrm>
-              <a:prstGeom prst="rect">
-                <a:avLst/>
-              </a:prstGeom>
-              <a:solidFill>
-                <a:srgbClr val="0070C0"/>
-              </a:solidFill>
-              <a:ln>
-                <a:solidFill>
-                  <a:schemeClr val="tx1"/>
-                </a:solidFill>
-              </a:ln>
-            </p:spPr>
-            <p:style>
-              <a:lnRef idx="2">
-                <a:schemeClr val="accent1">
-                  <a:shade val="50000"/>
-                </a:schemeClr>
-              </a:lnRef>
-              <a:fillRef idx="1">
-                <a:schemeClr val="accent1"/>
-              </a:fillRef>
-              <a:effectRef idx="0">
-                <a:schemeClr val="accent1"/>
-              </a:effectRef>
-              <a:fontRef idx="minor">
-                <a:schemeClr val="lt1"/>
-              </a:fontRef>
-            </p:style>
-            <p:txBody>
-              <a:bodyPr rtlCol="0" anchor="ctr"/>
-              <a:lstStyle/>
-              <a:p>
-                <a:pPr algn="ctr"/>
-                <a:endParaRPr lang="en-SG" sz="1050" dirty="0">
-                  <a:latin typeface="Arial" panose="020B0604020202020204" pitchFamily="34" charset="0"/>
-                  <a:cs typeface="Arial" panose="020B0604020202020204" pitchFamily="34" charset="0"/>
-                </a:endParaRPr>
-              </a:p>
-            </p:txBody>
-          </p:sp>
-          <p:sp>
-            <p:nvSpPr>
-              <p:cNvPr id="66" name="TextBox 65">
-                <a:extLst>
-                  <a:ext uri="{FF2B5EF4-FFF2-40B4-BE49-F238E27FC236}">
-                    <a16:creationId xmlns:a16="http://schemas.microsoft.com/office/drawing/2014/main" id="{BF62EB53-7882-41EA-936D-B3D84D52AAF3}"/>
-                  </a:ext>
-                </a:extLst>
-              </p:cNvPr>
-              <p:cNvSpPr txBox="1"/>
-              <p:nvPr/>
-            </p:nvSpPr>
-            <p:spPr>
-              <a:xfrm>
-                <a:off x="3016098" y="2411398"/>
-                <a:ext cx="1545012" cy="307777"/>
-              </a:xfrm>
-              <a:prstGeom prst="rect">
-                <a:avLst/>
-              </a:prstGeom>
-              <a:noFill/>
-            </p:spPr>
-            <p:txBody>
-              <a:bodyPr wrap="square" rtlCol="0">
-                <a:spAutoFit/>
-              </a:bodyPr>
-              <a:lstStyle/>
-              <a:p>
-                <a:pPr algn="ctr"/>
-                <a:r>
-                  <a:rPr lang="en-SG" sz="1400" dirty="0">
-                    <a:solidFill>
-                      <a:schemeClr val="bg1"/>
-                    </a:solidFill>
-                    <a:latin typeface="Arial" panose="020B0604020202020204" pitchFamily="34" charset="0"/>
-                    <a:cs typeface="Arial" panose="020B0604020202020204" pitchFamily="34" charset="0"/>
-                  </a:rPr>
-                  <a:t>Word</a:t>
-                </a:r>
-              </a:p>
-            </p:txBody>
-          </p:sp>
-        </p:grpSp>
-        <p:grpSp>
-          <p:nvGrpSpPr>
-            <p:cNvPr id="62" name="Group 61">
-              <a:extLst>
-                <a:ext uri="{FF2B5EF4-FFF2-40B4-BE49-F238E27FC236}">
-                  <a16:creationId xmlns:a16="http://schemas.microsoft.com/office/drawing/2014/main" id="{10D4E602-8E5A-4402-AA2E-DA685DA1C688}"/>
-                </a:ext>
-              </a:extLst>
-            </p:cNvPr>
-            <p:cNvGrpSpPr/>
-            <p:nvPr/>
-          </p:nvGrpSpPr>
-          <p:grpSpPr>
-            <a:xfrm>
-              <a:off x="3593015" y="4275674"/>
-              <a:ext cx="1545012" cy="331086"/>
-              <a:chOff x="3016098" y="2411398"/>
-              <a:chExt cx="1545012" cy="331086"/>
-            </a:xfrm>
-          </p:grpSpPr>
-          <p:sp>
-            <p:nvSpPr>
-              <p:cNvPr id="63" name="Rectangle 62">
-                <a:extLst>
-                  <a:ext uri="{FF2B5EF4-FFF2-40B4-BE49-F238E27FC236}">
-                    <a16:creationId xmlns:a16="http://schemas.microsoft.com/office/drawing/2014/main" id="{F30012F3-CE81-497A-AD2D-C21692F4A71A}"/>
-                  </a:ext>
-                </a:extLst>
-              </p:cNvPr>
-              <p:cNvSpPr/>
-              <p:nvPr/>
-            </p:nvSpPr>
-            <p:spPr>
-              <a:xfrm>
-                <a:off x="3227713" y="2411398"/>
-                <a:ext cx="1121783" cy="319596"/>
-              </a:xfrm>
-              <a:prstGeom prst="rect">
-                <a:avLst/>
-              </a:prstGeom>
-              <a:solidFill>
-                <a:srgbClr val="00B0F0"/>
-              </a:solidFill>
-              <a:ln>
-                <a:solidFill>
-                  <a:schemeClr val="tx1"/>
-                </a:solidFill>
-              </a:ln>
-            </p:spPr>
-            <p:style>
-              <a:lnRef idx="2">
-                <a:schemeClr val="accent1">
-                  <a:shade val="50000"/>
-                </a:schemeClr>
-              </a:lnRef>
-              <a:fillRef idx="1">
-                <a:schemeClr val="accent1"/>
-              </a:fillRef>
-              <a:effectRef idx="0">
-                <a:schemeClr val="accent1"/>
-              </a:effectRef>
-              <a:fontRef idx="minor">
-                <a:schemeClr val="lt1"/>
-              </a:fontRef>
-            </p:style>
-            <p:txBody>
-              <a:bodyPr rtlCol="0" anchor="ctr"/>
-              <a:lstStyle/>
-              <a:p>
-                <a:pPr algn="ctr"/>
-                <a:endParaRPr lang="en-SG" sz="1050" dirty="0">
-                  <a:latin typeface="Arial" panose="020B0604020202020204" pitchFamily="34" charset="0"/>
-                  <a:cs typeface="Arial" panose="020B0604020202020204" pitchFamily="34" charset="0"/>
-                </a:endParaRPr>
-              </a:p>
-            </p:txBody>
-          </p:sp>
-          <p:sp>
-            <p:nvSpPr>
-              <p:cNvPr id="64" name="TextBox 63">
-                <a:extLst>
-                  <a:ext uri="{FF2B5EF4-FFF2-40B4-BE49-F238E27FC236}">
-                    <a16:creationId xmlns:a16="http://schemas.microsoft.com/office/drawing/2014/main" id="{FAD0BBAE-BCB9-46B9-9BA8-C53E22FEF6B5}"/>
-                  </a:ext>
-                </a:extLst>
-              </p:cNvPr>
-              <p:cNvSpPr txBox="1"/>
-              <p:nvPr/>
-            </p:nvSpPr>
-            <p:spPr>
-              <a:xfrm>
-                <a:off x="3016098" y="2434707"/>
-                <a:ext cx="1545012" cy="307777"/>
-              </a:xfrm>
-              <a:prstGeom prst="rect">
-                <a:avLst/>
-              </a:prstGeom>
-              <a:noFill/>
-            </p:spPr>
-            <p:txBody>
-              <a:bodyPr wrap="square" rtlCol="0">
-                <a:spAutoFit/>
-              </a:bodyPr>
-              <a:lstStyle/>
-              <a:p>
-                <a:pPr algn="ctr"/>
-                <a:r>
-                  <a:rPr lang="en-SG" sz="1400" dirty="0">
-                    <a:solidFill>
-                      <a:schemeClr val="bg1"/>
-                    </a:solidFill>
-                    <a:latin typeface="Arial" panose="020B0604020202020204" pitchFamily="34" charset="0"/>
-                    <a:cs typeface="Arial" panose="020B0604020202020204" pitchFamily="34" charset="0"/>
-                  </a:rPr>
-                  <a:t>Meaning</a:t>
-                </a:r>
-              </a:p>
-            </p:txBody>
-          </p:sp>
-        </p:grpSp>
-      </p:grpSp>
-      <p:grpSp>
-        <p:nvGrpSpPr>
-          <p:cNvPr id="67" name="Group 66">
-            <a:extLst>
-              <a:ext uri="{FF2B5EF4-FFF2-40B4-BE49-F238E27FC236}">
-                <a16:creationId xmlns:a16="http://schemas.microsoft.com/office/drawing/2014/main" id="{BA869812-24B9-4E41-BC34-4CFE66BA782A}"/>
-              </a:ext>
-            </a:extLst>
-          </p:cNvPr>
-          <p:cNvGrpSpPr/>
-          <p:nvPr/>
-        </p:nvGrpSpPr>
-        <p:grpSpPr>
-          <a:xfrm>
-            <a:off x="5495838" y="1606583"/>
-            <a:ext cx="1545012" cy="650353"/>
-            <a:chOff x="3593015" y="3956407"/>
-            <a:chExt cx="1545012" cy="650353"/>
-          </a:xfrm>
-        </p:grpSpPr>
-        <p:grpSp>
-          <p:nvGrpSpPr>
-            <p:cNvPr id="68" name="Group 67">
-              <a:extLst>
-                <a:ext uri="{FF2B5EF4-FFF2-40B4-BE49-F238E27FC236}">
-                  <a16:creationId xmlns:a16="http://schemas.microsoft.com/office/drawing/2014/main" id="{23688239-1C58-4A04-A48B-EE8F8E905AF7}"/>
-                </a:ext>
-              </a:extLst>
-            </p:cNvPr>
-            <p:cNvGrpSpPr/>
-            <p:nvPr/>
-          </p:nvGrpSpPr>
-          <p:grpSpPr>
-            <a:xfrm>
-              <a:off x="3593015" y="3956407"/>
-              <a:ext cx="1545012" cy="319596"/>
-              <a:chOff x="3016098" y="2411398"/>
-              <a:chExt cx="1545012" cy="319596"/>
-            </a:xfrm>
-          </p:grpSpPr>
-          <p:sp>
-            <p:nvSpPr>
-              <p:cNvPr id="72" name="Rectangle 71">
-                <a:extLst>
-                  <a:ext uri="{FF2B5EF4-FFF2-40B4-BE49-F238E27FC236}">
-                    <a16:creationId xmlns:a16="http://schemas.microsoft.com/office/drawing/2014/main" id="{C4F15A97-E69C-42FB-B9D7-7D1E0DCCA769}"/>
-                  </a:ext>
-                </a:extLst>
-              </p:cNvPr>
-              <p:cNvSpPr/>
-              <p:nvPr/>
-            </p:nvSpPr>
-            <p:spPr>
-              <a:xfrm>
-                <a:off x="3227713" y="2411398"/>
-                <a:ext cx="1121783" cy="319596"/>
-              </a:xfrm>
-              <a:prstGeom prst="rect">
-                <a:avLst/>
-              </a:prstGeom>
-              <a:solidFill>
-                <a:srgbClr val="0070C0"/>
-              </a:solidFill>
-              <a:ln>
-                <a:solidFill>
-                  <a:schemeClr val="tx1"/>
-                </a:solidFill>
-              </a:ln>
-            </p:spPr>
-            <p:style>
-              <a:lnRef idx="2">
-                <a:schemeClr val="accent1">
-                  <a:shade val="50000"/>
-                </a:schemeClr>
-              </a:lnRef>
-              <a:fillRef idx="1">
-                <a:schemeClr val="accent1"/>
-              </a:fillRef>
-              <a:effectRef idx="0">
-                <a:schemeClr val="accent1"/>
-              </a:effectRef>
-              <a:fontRef idx="minor">
-                <a:schemeClr val="lt1"/>
-              </a:fontRef>
-            </p:style>
-            <p:txBody>
-              <a:bodyPr rtlCol="0" anchor="ctr"/>
-              <a:lstStyle/>
-              <a:p>
-                <a:pPr algn="ctr"/>
-                <a:endParaRPr lang="en-SG" sz="1050" dirty="0">
-                  <a:latin typeface="Arial" panose="020B0604020202020204" pitchFamily="34" charset="0"/>
-                  <a:cs typeface="Arial" panose="020B0604020202020204" pitchFamily="34" charset="0"/>
-                </a:endParaRPr>
-              </a:p>
-            </p:txBody>
-          </p:sp>
-          <p:sp>
-            <p:nvSpPr>
-              <p:cNvPr id="73" name="TextBox 72">
-                <a:extLst>
-                  <a:ext uri="{FF2B5EF4-FFF2-40B4-BE49-F238E27FC236}">
-                    <a16:creationId xmlns:a16="http://schemas.microsoft.com/office/drawing/2014/main" id="{B11E4C49-ECAE-46D5-A2DF-73930B580278}"/>
-                  </a:ext>
-                </a:extLst>
-              </p:cNvPr>
-              <p:cNvSpPr txBox="1"/>
-              <p:nvPr/>
-            </p:nvSpPr>
-            <p:spPr>
-              <a:xfrm>
-                <a:off x="3016098" y="2411398"/>
-                <a:ext cx="1545012" cy="307777"/>
-              </a:xfrm>
-              <a:prstGeom prst="rect">
-                <a:avLst/>
-              </a:prstGeom>
-              <a:noFill/>
-            </p:spPr>
-            <p:txBody>
-              <a:bodyPr wrap="square" rtlCol="0">
-                <a:spAutoFit/>
-              </a:bodyPr>
-              <a:lstStyle/>
-              <a:p>
-                <a:pPr algn="ctr"/>
-                <a:r>
-                  <a:rPr lang="en-SG" sz="1400" dirty="0">
-                    <a:solidFill>
-                      <a:schemeClr val="bg1"/>
-                    </a:solidFill>
-                    <a:latin typeface="Arial" panose="020B0604020202020204" pitchFamily="34" charset="0"/>
-                    <a:cs typeface="Arial" panose="020B0604020202020204" pitchFamily="34" charset="0"/>
-                  </a:rPr>
-                  <a:t>Word</a:t>
-                </a:r>
-              </a:p>
-            </p:txBody>
-          </p:sp>
-        </p:grpSp>
-        <p:grpSp>
-          <p:nvGrpSpPr>
-            <p:cNvPr id="69" name="Group 68">
-              <a:extLst>
-                <a:ext uri="{FF2B5EF4-FFF2-40B4-BE49-F238E27FC236}">
-                  <a16:creationId xmlns:a16="http://schemas.microsoft.com/office/drawing/2014/main" id="{C10644DB-E214-4C47-9314-DE56F39DBB7E}"/>
-                </a:ext>
-              </a:extLst>
-            </p:cNvPr>
-            <p:cNvGrpSpPr/>
-            <p:nvPr/>
-          </p:nvGrpSpPr>
-          <p:grpSpPr>
-            <a:xfrm>
-              <a:off x="3593015" y="4275674"/>
-              <a:ext cx="1545012" cy="331086"/>
-              <a:chOff x="3016098" y="2411398"/>
-              <a:chExt cx="1545012" cy="331086"/>
-            </a:xfrm>
-          </p:grpSpPr>
-          <p:sp>
-            <p:nvSpPr>
-              <p:cNvPr id="70" name="Rectangle 69">
-                <a:extLst>
-                  <a:ext uri="{FF2B5EF4-FFF2-40B4-BE49-F238E27FC236}">
-                    <a16:creationId xmlns:a16="http://schemas.microsoft.com/office/drawing/2014/main" id="{59374BEC-4804-4D3E-99C0-78543C5C2F86}"/>
-                  </a:ext>
-                </a:extLst>
-              </p:cNvPr>
-              <p:cNvSpPr/>
-              <p:nvPr/>
-            </p:nvSpPr>
-            <p:spPr>
-              <a:xfrm>
-                <a:off x="3227713" y="2411398"/>
-                <a:ext cx="1121783" cy="319596"/>
-              </a:xfrm>
-              <a:prstGeom prst="rect">
-                <a:avLst/>
-              </a:prstGeom>
-              <a:solidFill>
-                <a:srgbClr val="00B0F0"/>
-              </a:solidFill>
-              <a:ln>
-                <a:solidFill>
-                  <a:schemeClr val="tx1"/>
-                </a:solidFill>
-              </a:ln>
-            </p:spPr>
-            <p:style>
-              <a:lnRef idx="2">
-                <a:schemeClr val="accent1">
-                  <a:shade val="50000"/>
-                </a:schemeClr>
-              </a:lnRef>
-              <a:fillRef idx="1">
-                <a:schemeClr val="accent1"/>
-              </a:fillRef>
-              <a:effectRef idx="0">
-                <a:schemeClr val="accent1"/>
-              </a:effectRef>
-              <a:fontRef idx="minor">
-                <a:schemeClr val="lt1"/>
-              </a:fontRef>
-            </p:style>
-            <p:txBody>
-              <a:bodyPr rtlCol="0" anchor="ctr"/>
-              <a:lstStyle/>
-              <a:p>
-                <a:pPr algn="ctr"/>
-                <a:endParaRPr lang="en-SG" sz="1050" dirty="0">
-                  <a:latin typeface="Arial" panose="020B0604020202020204" pitchFamily="34" charset="0"/>
-                  <a:cs typeface="Arial" panose="020B0604020202020204" pitchFamily="34" charset="0"/>
-                </a:endParaRPr>
-              </a:p>
-            </p:txBody>
-          </p:sp>
-          <p:sp>
-            <p:nvSpPr>
-              <p:cNvPr id="71" name="TextBox 70">
-                <a:extLst>
-                  <a:ext uri="{FF2B5EF4-FFF2-40B4-BE49-F238E27FC236}">
-                    <a16:creationId xmlns:a16="http://schemas.microsoft.com/office/drawing/2014/main" id="{F910D391-DC49-4111-A27F-E18240DEF597}"/>
-                  </a:ext>
-                </a:extLst>
-              </p:cNvPr>
-              <p:cNvSpPr txBox="1"/>
-              <p:nvPr/>
-            </p:nvSpPr>
-            <p:spPr>
-              <a:xfrm>
-                <a:off x="3016098" y="2434707"/>
-                <a:ext cx="1545012" cy="307777"/>
-              </a:xfrm>
-              <a:prstGeom prst="rect">
-                <a:avLst/>
-              </a:prstGeom>
-              <a:noFill/>
-            </p:spPr>
-            <p:txBody>
-              <a:bodyPr wrap="square" rtlCol="0">
-                <a:spAutoFit/>
-              </a:bodyPr>
-              <a:lstStyle/>
-              <a:p>
-                <a:pPr algn="ctr"/>
-                <a:r>
-                  <a:rPr lang="en-SG" sz="1400" dirty="0">
-                    <a:solidFill>
-                      <a:schemeClr val="bg1"/>
-                    </a:solidFill>
-                    <a:latin typeface="Arial" panose="020B0604020202020204" pitchFamily="34" charset="0"/>
-                    <a:cs typeface="Arial" panose="020B0604020202020204" pitchFamily="34" charset="0"/>
-                  </a:rPr>
-                  <a:t>Meaning</a:t>
-                </a:r>
-              </a:p>
-            </p:txBody>
-          </p:sp>
-        </p:grpSp>
-      </p:grpSp>
-      <p:sp>
-        <p:nvSpPr>
-          <p:cNvPr id="74" name="TextBox 73">
-            <a:extLst>
-              <a:ext uri="{FF2B5EF4-FFF2-40B4-BE49-F238E27FC236}">
-                <a16:creationId xmlns:a16="http://schemas.microsoft.com/office/drawing/2014/main" id="{AE1C2EA8-E48F-435A-A478-643F74486C68}"/>
-              </a:ext>
-            </a:extLst>
-          </p:cNvPr>
-          <p:cNvSpPr txBox="1"/>
-          <p:nvPr/>
+          <p:cNvSpPr>
+            <a:spLocks noGrp="1"/>
+          </p:cNvSpPr>
+          <p:nvPr>
+            <p:ph type="title"/>
+          </p:nvPr>
         </p:nvSpPr>
-        <p:spPr>
-          <a:xfrm>
-            <a:off x="5073524" y="231300"/>
-            <a:ext cx="1545012" cy="368858"/>
-          </a:xfrm>
-          <a:prstGeom prst="rect">
-            <a:avLst/>
-          </a:prstGeom>
-          <a:noFill/>
-        </p:spPr>
+        <p:spPr/>
         <p:txBody>
-          <a:bodyPr wrap="square" rtlCol="0">
-            <a:spAutoFit/>
-          </a:bodyPr>
+          <a:bodyPr/>
           <a:lstStyle/>
           <a:p>
-            <a:r>
-              <a:rPr lang="en-SG" i="1" dirty="0"/>
-              <a:t>WordBank 2</a:t>
-            </a:r>
-          </a:p>
-        </p:txBody>
-      </p:sp>
-      <p:sp>
-        <p:nvSpPr>
-          <p:cNvPr id="75" name="Rectangle 74">
-            <a:extLst>
-              <a:ext uri="{FF2B5EF4-FFF2-40B4-BE49-F238E27FC236}">
-                <a16:creationId xmlns:a16="http://schemas.microsoft.com/office/drawing/2014/main" id="{4616B2A8-5932-4ED6-9B0E-35A049158DBB}"/>
-              </a:ext>
-            </a:extLst>
-          </p:cNvPr>
-          <p:cNvSpPr/>
-          <p:nvPr/>
-        </p:nvSpPr>
-        <p:spPr>
-          <a:xfrm>
-            <a:off x="7751290" y="261259"/>
-            <a:ext cx="3124200" cy="2361609"/>
-          </a:xfrm>
-          <a:prstGeom prst="rect">
-            <a:avLst/>
-          </a:prstGeom>
-          <a:gradFill flip="none" rotWithShape="1">
-            <a:gsLst>
-              <a:gs pos="0">
-                <a:schemeClr val="accent6">
-                  <a:lumMod val="40000"/>
-                  <a:lumOff val="60000"/>
-                  <a:tint val="66000"/>
-                  <a:satMod val="160000"/>
-                </a:schemeClr>
-              </a:gs>
-              <a:gs pos="50000">
-                <a:schemeClr val="accent6">
-                  <a:lumMod val="40000"/>
-                  <a:lumOff val="60000"/>
-                  <a:tint val="44500"/>
-                  <a:satMod val="160000"/>
-                </a:schemeClr>
-              </a:gs>
-              <a:gs pos="100000">
-                <a:schemeClr val="accent6">
-                  <a:lumMod val="40000"/>
-                  <a:lumOff val="60000"/>
-                  <a:tint val="23500"/>
-                  <a:satMod val="160000"/>
-                </a:schemeClr>
-              </a:gs>
-            </a:gsLst>
-            <a:lin ang="16200000" scaled="1"/>
-            <a:tileRect/>
-          </a:gradFill>
-          <a:ln>
-            <a:solidFill>
-              <a:schemeClr val="accent1">
-                <a:lumMod val="75000"/>
-              </a:schemeClr>
-            </a:solidFill>
-          </a:ln>
-        </p:spPr>
-        <p:style>
-          <a:lnRef idx="2">
-            <a:schemeClr val="accent1">
-              <a:shade val="50000"/>
-            </a:schemeClr>
-          </a:lnRef>
-          <a:fillRef idx="1">
-            <a:schemeClr val="accent1"/>
-          </a:fillRef>
-          <a:effectRef idx="0">
-            <a:schemeClr val="accent1"/>
-          </a:effectRef>
-          <a:fontRef idx="minor">
-            <a:schemeClr val="lt1"/>
-          </a:fontRef>
-        </p:style>
-        <p:txBody>
-          <a:bodyPr rtlCol="0" anchor="ctr"/>
-          <a:lstStyle/>
-          <a:p>
-            <a:pPr algn="ctr"/>
             <a:endParaRPr lang="en-SG"/>
-          </a:p>
-        </p:txBody>
-      </p:sp>
-      <p:grpSp>
-        <p:nvGrpSpPr>
-          <p:cNvPr id="76" name="Group 75">
-            <a:extLst>
-              <a:ext uri="{FF2B5EF4-FFF2-40B4-BE49-F238E27FC236}">
-                <a16:creationId xmlns:a16="http://schemas.microsoft.com/office/drawing/2014/main" id="{1E9999E9-BE76-4FDD-8B73-7FE15145E2DB}"/>
-              </a:ext>
-            </a:extLst>
-          </p:cNvPr>
-          <p:cNvGrpSpPr/>
-          <p:nvPr/>
-        </p:nvGrpSpPr>
-        <p:grpSpPr>
-          <a:xfrm>
-            <a:off x="7842153" y="784068"/>
-            <a:ext cx="1545012" cy="650353"/>
-            <a:chOff x="3593015" y="3956407"/>
-            <a:chExt cx="1545012" cy="650353"/>
-          </a:xfrm>
-        </p:grpSpPr>
-        <p:grpSp>
-          <p:nvGrpSpPr>
-            <p:cNvPr id="77" name="Group 76">
-              <a:extLst>
-                <a:ext uri="{FF2B5EF4-FFF2-40B4-BE49-F238E27FC236}">
-                  <a16:creationId xmlns:a16="http://schemas.microsoft.com/office/drawing/2014/main" id="{D3A5994E-BC42-4F9D-AFC8-1667A4A3D39C}"/>
-                </a:ext>
-              </a:extLst>
-            </p:cNvPr>
-            <p:cNvGrpSpPr/>
-            <p:nvPr/>
-          </p:nvGrpSpPr>
-          <p:grpSpPr>
-            <a:xfrm>
-              <a:off x="3593015" y="3956407"/>
-              <a:ext cx="1545012" cy="319596"/>
-              <a:chOff x="3016098" y="2411398"/>
-              <a:chExt cx="1545012" cy="319596"/>
-            </a:xfrm>
-          </p:grpSpPr>
-          <p:sp>
-            <p:nvSpPr>
-              <p:cNvPr id="81" name="Rectangle 80">
-                <a:extLst>
-                  <a:ext uri="{FF2B5EF4-FFF2-40B4-BE49-F238E27FC236}">
-                    <a16:creationId xmlns:a16="http://schemas.microsoft.com/office/drawing/2014/main" id="{0C51B4E7-B6F1-4F7A-9326-D5F66CCCC87B}"/>
-                  </a:ext>
-                </a:extLst>
-              </p:cNvPr>
-              <p:cNvSpPr/>
-              <p:nvPr/>
-            </p:nvSpPr>
-            <p:spPr>
-              <a:xfrm>
-                <a:off x="3227713" y="2411398"/>
-                <a:ext cx="1121783" cy="319596"/>
-              </a:xfrm>
-              <a:prstGeom prst="rect">
-                <a:avLst/>
-              </a:prstGeom>
-              <a:solidFill>
-                <a:srgbClr val="0070C0"/>
-              </a:solidFill>
-              <a:ln>
-                <a:solidFill>
-                  <a:schemeClr val="tx1"/>
-                </a:solidFill>
-              </a:ln>
-            </p:spPr>
-            <p:style>
-              <a:lnRef idx="2">
-                <a:schemeClr val="accent1">
-                  <a:shade val="50000"/>
-                </a:schemeClr>
-              </a:lnRef>
-              <a:fillRef idx="1">
-                <a:schemeClr val="accent1"/>
-              </a:fillRef>
-              <a:effectRef idx="0">
-                <a:schemeClr val="accent1"/>
-              </a:effectRef>
-              <a:fontRef idx="minor">
-                <a:schemeClr val="lt1"/>
-              </a:fontRef>
-            </p:style>
-            <p:txBody>
-              <a:bodyPr rtlCol="0" anchor="ctr"/>
-              <a:lstStyle/>
-              <a:p>
-                <a:pPr algn="ctr"/>
-                <a:endParaRPr lang="en-SG" sz="1050" dirty="0">
-                  <a:latin typeface="Arial" panose="020B0604020202020204" pitchFamily="34" charset="0"/>
-                  <a:cs typeface="Arial" panose="020B0604020202020204" pitchFamily="34" charset="0"/>
-                </a:endParaRPr>
-              </a:p>
-            </p:txBody>
-          </p:sp>
-          <p:sp>
-            <p:nvSpPr>
-              <p:cNvPr id="82" name="TextBox 81">
-                <a:extLst>
-                  <a:ext uri="{FF2B5EF4-FFF2-40B4-BE49-F238E27FC236}">
-                    <a16:creationId xmlns:a16="http://schemas.microsoft.com/office/drawing/2014/main" id="{E63B404E-B6CA-4238-8E6C-EE0EB08C183C}"/>
-                  </a:ext>
-                </a:extLst>
-              </p:cNvPr>
-              <p:cNvSpPr txBox="1"/>
-              <p:nvPr/>
-            </p:nvSpPr>
-            <p:spPr>
-              <a:xfrm>
-                <a:off x="3016098" y="2411398"/>
-                <a:ext cx="1545012" cy="307777"/>
-              </a:xfrm>
-              <a:prstGeom prst="rect">
-                <a:avLst/>
-              </a:prstGeom>
-              <a:noFill/>
-            </p:spPr>
-            <p:txBody>
-              <a:bodyPr wrap="square" rtlCol="0">
-                <a:spAutoFit/>
-              </a:bodyPr>
-              <a:lstStyle/>
-              <a:p>
-                <a:pPr algn="ctr"/>
-                <a:r>
-                  <a:rPr lang="en-SG" sz="1400" dirty="0">
-                    <a:solidFill>
-                      <a:schemeClr val="bg1"/>
-                    </a:solidFill>
-                    <a:latin typeface="Arial" panose="020B0604020202020204" pitchFamily="34" charset="0"/>
-                    <a:cs typeface="Arial" panose="020B0604020202020204" pitchFamily="34" charset="0"/>
-                  </a:rPr>
-                  <a:t>Word</a:t>
-                </a:r>
-              </a:p>
-            </p:txBody>
-          </p:sp>
-        </p:grpSp>
-        <p:grpSp>
-          <p:nvGrpSpPr>
-            <p:cNvPr id="78" name="Group 77">
-              <a:extLst>
-                <a:ext uri="{FF2B5EF4-FFF2-40B4-BE49-F238E27FC236}">
-                  <a16:creationId xmlns:a16="http://schemas.microsoft.com/office/drawing/2014/main" id="{F1EA5C31-D736-4D23-923B-0C0A616E2E68}"/>
-                </a:ext>
-              </a:extLst>
-            </p:cNvPr>
-            <p:cNvGrpSpPr/>
-            <p:nvPr/>
-          </p:nvGrpSpPr>
-          <p:grpSpPr>
-            <a:xfrm>
-              <a:off x="3593015" y="4275674"/>
-              <a:ext cx="1545012" cy="331086"/>
-              <a:chOff x="3016098" y="2411398"/>
-              <a:chExt cx="1545012" cy="331086"/>
-            </a:xfrm>
-          </p:grpSpPr>
-          <p:sp>
-            <p:nvSpPr>
-              <p:cNvPr id="79" name="Rectangle 78">
-                <a:extLst>
-                  <a:ext uri="{FF2B5EF4-FFF2-40B4-BE49-F238E27FC236}">
-                    <a16:creationId xmlns:a16="http://schemas.microsoft.com/office/drawing/2014/main" id="{AEC4886A-0DDF-460D-9520-B39A979C8204}"/>
-                  </a:ext>
-                </a:extLst>
-              </p:cNvPr>
-              <p:cNvSpPr/>
-              <p:nvPr/>
-            </p:nvSpPr>
-            <p:spPr>
-              <a:xfrm>
-                <a:off x="3227713" y="2411398"/>
-                <a:ext cx="1121783" cy="319596"/>
-              </a:xfrm>
-              <a:prstGeom prst="rect">
-                <a:avLst/>
-              </a:prstGeom>
-              <a:solidFill>
-                <a:srgbClr val="00B0F0"/>
-              </a:solidFill>
-              <a:ln>
-                <a:solidFill>
-                  <a:schemeClr val="tx1"/>
-                </a:solidFill>
-              </a:ln>
-            </p:spPr>
-            <p:style>
-              <a:lnRef idx="2">
-                <a:schemeClr val="accent1">
-                  <a:shade val="50000"/>
-                </a:schemeClr>
-              </a:lnRef>
-              <a:fillRef idx="1">
-                <a:schemeClr val="accent1"/>
-              </a:fillRef>
-              <a:effectRef idx="0">
-                <a:schemeClr val="accent1"/>
-              </a:effectRef>
-              <a:fontRef idx="minor">
-                <a:schemeClr val="lt1"/>
-              </a:fontRef>
-            </p:style>
-            <p:txBody>
-              <a:bodyPr rtlCol="0" anchor="ctr"/>
-              <a:lstStyle/>
-              <a:p>
-                <a:pPr algn="ctr"/>
-                <a:endParaRPr lang="en-SG" sz="1050" dirty="0">
-                  <a:latin typeface="Arial" panose="020B0604020202020204" pitchFamily="34" charset="0"/>
-                  <a:cs typeface="Arial" panose="020B0604020202020204" pitchFamily="34" charset="0"/>
-                </a:endParaRPr>
-              </a:p>
-            </p:txBody>
-          </p:sp>
-          <p:sp>
-            <p:nvSpPr>
-              <p:cNvPr id="80" name="TextBox 79">
-                <a:extLst>
-                  <a:ext uri="{FF2B5EF4-FFF2-40B4-BE49-F238E27FC236}">
-                    <a16:creationId xmlns:a16="http://schemas.microsoft.com/office/drawing/2014/main" id="{9FDF9D74-668C-42D0-B55B-61D08E7FEF53}"/>
-                  </a:ext>
-                </a:extLst>
-              </p:cNvPr>
-              <p:cNvSpPr txBox="1"/>
-              <p:nvPr/>
-            </p:nvSpPr>
-            <p:spPr>
-              <a:xfrm>
-                <a:off x="3016098" y="2434707"/>
-                <a:ext cx="1545012" cy="307777"/>
-              </a:xfrm>
-              <a:prstGeom prst="rect">
-                <a:avLst/>
-              </a:prstGeom>
-              <a:noFill/>
-            </p:spPr>
-            <p:txBody>
-              <a:bodyPr wrap="square" rtlCol="0">
-                <a:spAutoFit/>
-              </a:bodyPr>
-              <a:lstStyle/>
-              <a:p>
-                <a:pPr algn="ctr"/>
-                <a:r>
-                  <a:rPr lang="en-SG" sz="1400" dirty="0">
-                    <a:solidFill>
-                      <a:schemeClr val="bg1"/>
-                    </a:solidFill>
-                    <a:latin typeface="Arial" panose="020B0604020202020204" pitchFamily="34" charset="0"/>
-                    <a:cs typeface="Arial" panose="020B0604020202020204" pitchFamily="34" charset="0"/>
-                  </a:rPr>
-                  <a:t>Meaning</a:t>
-                </a:r>
-              </a:p>
-            </p:txBody>
-          </p:sp>
-        </p:grpSp>
-      </p:grpSp>
-      <p:grpSp>
-        <p:nvGrpSpPr>
-          <p:cNvPr id="83" name="Group 82">
-            <a:extLst>
-              <a:ext uri="{FF2B5EF4-FFF2-40B4-BE49-F238E27FC236}">
-                <a16:creationId xmlns:a16="http://schemas.microsoft.com/office/drawing/2014/main" id="{C7E04E84-EC2A-48D9-B8A9-023CF45FC17E}"/>
-              </a:ext>
-            </a:extLst>
-          </p:cNvPr>
-          <p:cNvGrpSpPr/>
-          <p:nvPr/>
-        </p:nvGrpSpPr>
-        <p:grpSpPr>
-          <a:xfrm>
-            <a:off x="9175551" y="795816"/>
-            <a:ext cx="1545012" cy="650353"/>
-            <a:chOff x="3593015" y="3956407"/>
-            <a:chExt cx="1545012" cy="650353"/>
-          </a:xfrm>
-        </p:grpSpPr>
-        <p:grpSp>
-          <p:nvGrpSpPr>
-            <p:cNvPr id="84" name="Group 83">
-              <a:extLst>
-                <a:ext uri="{FF2B5EF4-FFF2-40B4-BE49-F238E27FC236}">
-                  <a16:creationId xmlns:a16="http://schemas.microsoft.com/office/drawing/2014/main" id="{E1841202-8B77-43EE-AC29-B52B44C86766}"/>
-                </a:ext>
-              </a:extLst>
-            </p:cNvPr>
-            <p:cNvGrpSpPr/>
-            <p:nvPr/>
-          </p:nvGrpSpPr>
-          <p:grpSpPr>
-            <a:xfrm>
-              <a:off x="3593015" y="3956407"/>
-              <a:ext cx="1545012" cy="319596"/>
-              <a:chOff x="3016098" y="2411398"/>
-              <a:chExt cx="1545012" cy="319596"/>
-            </a:xfrm>
-          </p:grpSpPr>
-          <p:sp>
-            <p:nvSpPr>
-              <p:cNvPr id="88" name="Rectangle 87">
-                <a:extLst>
-                  <a:ext uri="{FF2B5EF4-FFF2-40B4-BE49-F238E27FC236}">
-                    <a16:creationId xmlns:a16="http://schemas.microsoft.com/office/drawing/2014/main" id="{6365D775-3127-42CF-A610-01E710658C9F}"/>
-                  </a:ext>
-                </a:extLst>
-              </p:cNvPr>
-              <p:cNvSpPr/>
-              <p:nvPr/>
-            </p:nvSpPr>
-            <p:spPr>
-              <a:xfrm>
-                <a:off x="3227713" y="2411398"/>
-                <a:ext cx="1121783" cy="319596"/>
-              </a:xfrm>
-              <a:prstGeom prst="rect">
-                <a:avLst/>
-              </a:prstGeom>
-              <a:solidFill>
-                <a:srgbClr val="0070C0"/>
-              </a:solidFill>
-              <a:ln>
-                <a:solidFill>
-                  <a:schemeClr val="tx1"/>
-                </a:solidFill>
-              </a:ln>
-            </p:spPr>
-            <p:style>
-              <a:lnRef idx="2">
-                <a:schemeClr val="accent1">
-                  <a:shade val="50000"/>
-                </a:schemeClr>
-              </a:lnRef>
-              <a:fillRef idx="1">
-                <a:schemeClr val="accent1"/>
-              </a:fillRef>
-              <a:effectRef idx="0">
-                <a:schemeClr val="accent1"/>
-              </a:effectRef>
-              <a:fontRef idx="minor">
-                <a:schemeClr val="lt1"/>
-              </a:fontRef>
-            </p:style>
-            <p:txBody>
-              <a:bodyPr rtlCol="0" anchor="ctr"/>
-              <a:lstStyle/>
-              <a:p>
-                <a:pPr algn="ctr"/>
-                <a:endParaRPr lang="en-SG" sz="1050" dirty="0">
-                  <a:latin typeface="Arial" panose="020B0604020202020204" pitchFamily="34" charset="0"/>
-                  <a:cs typeface="Arial" panose="020B0604020202020204" pitchFamily="34" charset="0"/>
-                </a:endParaRPr>
-              </a:p>
-            </p:txBody>
-          </p:sp>
-          <p:sp>
-            <p:nvSpPr>
-              <p:cNvPr id="89" name="TextBox 88">
-                <a:extLst>
-                  <a:ext uri="{FF2B5EF4-FFF2-40B4-BE49-F238E27FC236}">
-                    <a16:creationId xmlns:a16="http://schemas.microsoft.com/office/drawing/2014/main" id="{1A212D81-FCC6-4D21-8CFF-A77A3DED3539}"/>
-                  </a:ext>
-                </a:extLst>
-              </p:cNvPr>
-              <p:cNvSpPr txBox="1"/>
-              <p:nvPr/>
-            </p:nvSpPr>
-            <p:spPr>
-              <a:xfrm>
-                <a:off x="3016098" y="2411398"/>
-                <a:ext cx="1545012" cy="307777"/>
-              </a:xfrm>
-              <a:prstGeom prst="rect">
-                <a:avLst/>
-              </a:prstGeom>
-              <a:noFill/>
-            </p:spPr>
-            <p:txBody>
-              <a:bodyPr wrap="square" rtlCol="0">
-                <a:spAutoFit/>
-              </a:bodyPr>
-              <a:lstStyle/>
-              <a:p>
-                <a:pPr algn="ctr"/>
-                <a:r>
-                  <a:rPr lang="en-SG" sz="1400" dirty="0">
-                    <a:solidFill>
-                      <a:schemeClr val="bg1"/>
-                    </a:solidFill>
-                    <a:latin typeface="Arial" panose="020B0604020202020204" pitchFamily="34" charset="0"/>
-                    <a:cs typeface="Arial" panose="020B0604020202020204" pitchFamily="34" charset="0"/>
-                  </a:rPr>
-                  <a:t>Word</a:t>
-                </a:r>
-              </a:p>
-            </p:txBody>
-          </p:sp>
-        </p:grpSp>
-        <p:grpSp>
-          <p:nvGrpSpPr>
-            <p:cNvPr id="85" name="Group 84">
-              <a:extLst>
-                <a:ext uri="{FF2B5EF4-FFF2-40B4-BE49-F238E27FC236}">
-                  <a16:creationId xmlns:a16="http://schemas.microsoft.com/office/drawing/2014/main" id="{41BC5458-207E-4760-85F0-56680A30228B}"/>
-                </a:ext>
-              </a:extLst>
-            </p:cNvPr>
-            <p:cNvGrpSpPr/>
-            <p:nvPr/>
-          </p:nvGrpSpPr>
-          <p:grpSpPr>
-            <a:xfrm>
-              <a:off x="3593015" y="4275674"/>
-              <a:ext cx="1545012" cy="331086"/>
-              <a:chOff x="3016098" y="2411398"/>
-              <a:chExt cx="1545012" cy="331086"/>
-            </a:xfrm>
-          </p:grpSpPr>
-          <p:sp>
-            <p:nvSpPr>
-              <p:cNvPr id="86" name="Rectangle 85">
-                <a:extLst>
-                  <a:ext uri="{FF2B5EF4-FFF2-40B4-BE49-F238E27FC236}">
-                    <a16:creationId xmlns:a16="http://schemas.microsoft.com/office/drawing/2014/main" id="{2435C2B2-6E23-46BF-9E7A-62FA1085863E}"/>
-                  </a:ext>
-                </a:extLst>
-              </p:cNvPr>
-              <p:cNvSpPr/>
-              <p:nvPr/>
-            </p:nvSpPr>
-            <p:spPr>
-              <a:xfrm>
-                <a:off x="3227713" y="2411398"/>
-                <a:ext cx="1121783" cy="319596"/>
-              </a:xfrm>
-              <a:prstGeom prst="rect">
-                <a:avLst/>
-              </a:prstGeom>
-              <a:solidFill>
-                <a:srgbClr val="00B0F0"/>
-              </a:solidFill>
-              <a:ln>
-                <a:solidFill>
-                  <a:schemeClr val="tx1"/>
-                </a:solidFill>
-              </a:ln>
-            </p:spPr>
-            <p:style>
-              <a:lnRef idx="2">
-                <a:schemeClr val="accent1">
-                  <a:shade val="50000"/>
-                </a:schemeClr>
-              </a:lnRef>
-              <a:fillRef idx="1">
-                <a:schemeClr val="accent1"/>
-              </a:fillRef>
-              <a:effectRef idx="0">
-                <a:schemeClr val="accent1"/>
-              </a:effectRef>
-              <a:fontRef idx="minor">
-                <a:schemeClr val="lt1"/>
-              </a:fontRef>
-            </p:style>
-            <p:txBody>
-              <a:bodyPr rtlCol="0" anchor="ctr"/>
-              <a:lstStyle/>
-              <a:p>
-                <a:pPr algn="ctr"/>
-                <a:endParaRPr lang="en-SG" sz="1050" dirty="0">
-                  <a:latin typeface="Arial" panose="020B0604020202020204" pitchFamily="34" charset="0"/>
-                  <a:cs typeface="Arial" panose="020B0604020202020204" pitchFamily="34" charset="0"/>
-                </a:endParaRPr>
-              </a:p>
-            </p:txBody>
-          </p:sp>
-          <p:sp>
-            <p:nvSpPr>
-              <p:cNvPr id="87" name="TextBox 86">
-                <a:extLst>
-                  <a:ext uri="{FF2B5EF4-FFF2-40B4-BE49-F238E27FC236}">
-                    <a16:creationId xmlns:a16="http://schemas.microsoft.com/office/drawing/2014/main" id="{B84EF7A1-BB8C-496A-B610-DB15B8E6EAA8}"/>
-                  </a:ext>
-                </a:extLst>
-              </p:cNvPr>
-              <p:cNvSpPr txBox="1"/>
-              <p:nvPr/>
-            </p:nvSpPr>
-            <p:spPr>
-              <a:xfrm>
-                <a:off x="3016098" y="2434707"/>
-                <a:ext cx="1545012" cy="307777"/>
-              </a:xfrm>
-              <a:prstGeom prst="rect">
-                <a:avLst/>
-              </a:prstGeom>
-              <a:noFill/>
-            </p:spPr>
-            <p:txBody>
-              <a:bodyPr wrap="square" rtlCol="0">
-                <a:spAutoFit/>
-              </a:bodyPr>
-              <a:lstStyle/>
-              <a:p>
-                <a:pPr algn="ctr"/>
-                <a:r>
-                  <a:rPr lang="en-SG" sz="1400" dirty="0">
-                    <a:solidFill>
-                      <a:schemeClr val="bg1"/>
-                    </a:solidFill>
-                    <a:latin typeface="Arial" panose="020B0604020202020204" pitchFamily="34" charset="0"/>
-                    <a:cs typeface="Arial" panose="020B0604020202020204" pitchFamily="34" charset="0"/>
-                  </a:rPr>
-                  <a:t>Meaning</a:t>
-                </a:r>
-              </a:p>
-            </p:txBody>
-          </p:sp>
-        </p:grpSp>
-      </p:grpSp>
-      <p:grpSp>
-        <p:nvGrpSpPr>
-          <p:cNvPr id="90" name="Group 89">
-            <a:extLst>
-              <a:ext uri="{FF2B5EF4-FFF2-40B4-BE49-F238E27FC236}">
-                <a16:creationId xmlns:a16="http://schemas.microsoft.com/office/drawing/2014/main" id="{2AE0FE47-FE6E-4CAD-BE3B-488ABEEC90DA}"/>
-              </a:ext>
-            </a:extLst>
-          </p:cNvPr>
-          <p:cNvGrpSpPr/>
-          <p:nvPr/>
-        </p:nvGrpSpPr>
-        <p:grpSpPr>
-          <a:xfrm>
-            <a:off x="7842153" y="1600932"/>
-            <a:ext cx="1545012" cy="650353"/>
-            <a:chOff x="3593015" y="3956407"/>
-            <a:chExt cx="1545012" cy="650353"/>
-          </a:xfrm>
-        </p:grpSpPr>
-        <p:grpSp>
-          <p:nvGrpSpPr>
-            <p:cNvPr id="91" name="Group 90">
-              <a:extLst>
-                <a:ext uri="{FF2B5EF4-FFF2-40B4-BE49-F238E27FC236}">
-                  <a16:creationId xmlns:a16="http://schemas.microsoft.com/office/drawing/2014/main" id="{A83CC1E3-6939-4279-A36D-4BD130D86A9E}"/>
-                </a:ext>
-              </a:extLst>
-            </p:cNvPr>
-            <p:cNvGrpSpPr/>
-            <p:nvPr/>
-          </p:nvGrpSpPr>
-          <p:grpSpPr>
-            <a:xfrm>
-              <a:off x="3593015" y="3956407"/>
-              <a:ext cx="1545012" cy="319596"/>
-              <a:chOff x="3016098" y="2411398"/>
-              <a:chExt cx="1545012" cy="319596"/>
-            </a:xfrm>
-          </p:grpSpPr>
-          <p:sp>
-            <p:nvSpPr>
-              <p:cNvPr id="95" name="Rectangle 94">
-                <a:extLst>
-                  <a:ext uri="{FF2B5EF4-FFF2-40B4-BE49-F238E27FC236}">
-                    <a16:creationId xmlns:a16="http://schemas.microsoft.com/office/drawing/2014/main" id="{91747F9C-323E-42A2-8C18-C487AA13BDEF}"/>
-                  </a:ext>
-                </a:extLst>
-              </p:cNvPr>
-              <p:cNvSpPr/>
-              <p:nvPr/>
-            </p:nvSpPr>
-            <p:spPr>
-              <a:xfrm>
-                <a:off x="3227713" y="2411398"/>
-                <a:ext cx="1121783" cy="319596"/>
-              </a:xfrm>
-              <a:prstGeom prst="rect">
-                <a:avLst/>
-              </a:prstGeom>
-              <a:solidFill>
-                <a:srgbClr val="0070C0"/>
-              </a:solidFill>
-              <a:ln>
-                <a:solidFill>
-                  <a:schemeClr val="tx1"/>
-                </a:solidFill>
-              </a:ln>
-            </p:spPr>
-            <p:style>
-              <a:lnRef idx="2">
-                <a:schemeClr val="accent1">
-                  <a:shade val="50000"/>
-                </a:schemeClr>
-              </a:lnRef>
-              <a:fillRef idx="1">
-                <a:schemeClr val="accent1"/>
-              </a:fillRef>
-              <a:effectRef idx="0">
-                <a:schemeClr val="accent1"/>
-              </a:effectRef>
-              <a:fontRef idx="minor">
-                <a:schemeClr val="lt1"/>
-              </a:fontRef>
-            </p:style>
-            <p:txBody>
-              <a:bodyPr rtlCol="0" anchor="ctr"/>
-              <a:lstStyle/>
-              <a:p>
-                <a:pPr algn="ctr"/>
-                <a:endParaRPr lang="en-SG" sz="1050" dirty="0">
-                  <a:latin typeface="Arial" panose="020B0604020202020204" pitchFamily="34" charset="0"/>
-                  <a:cs typeface="Arial" panose="020B0604020202020204" pitchFamily="34" charset="0"/>
-                </a:endParaRPr>
-              </a:p>
-            </p:txBody>
-          </p:sp>
-          <p:sp>
-            <p:nvSpPr>
-              <p:cNvPr id="96" name="TextBox 95">
-                <a:extLst>
-                  <a:ext uri="{FF2B5EF4-FFF2-40B4-BE49-F238E27FC236}">
-                    <a16:creationId xmlns:a16="http://schemas.microsoft.com/office/drawing/2014/main" id="{AE91A6E3-7F60-4F7D-B4F4-0F7D2E41DA75}"/>
-                  </a:ext>
-                </a:extLst>
-              </p:cNvPr>
-              <p:cNvSpPr txBox="1"/>
-              <p:nvPr/>
-            </p:nvSpPr>
-            <p:spPr>
-              <a:xfrm>
-                <a:off x="3016098" y="2411398"/>
-                <a:ext cx="1545012" cy="307777"/>
-              </a:xfrm>
-              <a:prstGeom prst="rect">
-                <a:avLst/>
-              </a:prstGeom>
-              <a:noFill/>
-            </p:spPr>
-            <p:txBody>
-              <a:bodyPr wrap="square" rtlCol="0">
-                <a:spAutoFit/>
-              </a:bodyPr>
-              <a:lstStyle/>
-              <a:p>
-                <a:pPr algn="ctr"/>
-                <a:r>
-                  <a:rPr lang="en-SG" sz="1400" dirty="0">
-                    <a:solidFill>
-                      <a:schemeClr val="bg1"/>
-                    </a:solidFill>
-                    <a:latin typeface="Arial" panose="020B0604020202020204" pitchFamily="34" charset="0"/>
-                    <a:cs typeface="Arial" panose="020B0604020202020204" pitchFamily="34" charset="0"/>
-                  </a:rPr>
-                  <a:t>Word</a:t>
-                </a:r>
-              </a:p>
-            </p:txBody>
-          </p:sp>
-        </p:grpSp>
-        <p:grpSp>
-          <p:nvGrpSpPr>
-            <p:cNvPr id="92" name="Group 91">
-              <a:extLst>
-                <a:ext uri="{FF2B5EF4-FFF2-40B4-BE49-F238E27FC236}">
-                  <a16:creationId xmlns:a16="http://schemas.microsoft.com/office/drawing/2014/main" id="{74E932CD-2176-4FC5-B18F-D1CECAB7E531}"/>
-                </a:ext>
-              </a:extLst>
-            </p:cNvPr>
-            <p:cNvGrpSpPr/>
-            <p:nvPr/>
-          </p:nvGrpSpPr>
-          <p:grpSpPr>
-            <a:xfrm>
-              <a:off x="3593015" y="4275674"/>
-              <a:ext cx="1545012" cy="331086"/>
-              <a:chOff x="3016098" y="2411398"/>
-              <a:chExt cx="1545012" cy="331086"/>
-            </a:xfrm>
-          </p:grpSpPr>
-          <p:sp>
-            <p:nvSpPr>
-              <p:cNvPr id="93" name="Rectangle 92">
-                <a:extLst>
-                  <a:ext uri="{FF2B5EF4-FFF2-40B4-BE49-F238E27FC236}">
-                    <a16:creationId xmlns:a16="http://schemas.microsoft.com/office/drawing/2014/main" id="{4163C33D-E5DF-40C8-98BE-53D76CBCF59E}"/>
-                  </a:ext>
-                </a:extLst>
-              </p:cNvPr>
-              <p:cNvSpPr/>
-              <p:nvPr/>
-            </p:nvSpPr>
-            <p:spPr>
-              <a:xfrm>
-                <a:off x="3227713" y="2411398"/>
-                <a:ext cx="1121783" cy="319596"/>
-              </a:xfrm>
-              <a:prstGeom prst="rect">
-                <a:avLst/>
-              </a:prstGeom>
-              <a:solidFill>
-                <a:srgbClr val="00B0F0"/>
-              </a:solidFill>
-              <a:ln>
-                <a:solidFill>
-                  <a:schemeClr val="tx1"/>
-                </a:solidFill>
-              </a:ln>
-            </p:spPr>
-            <p:style>
-              <a:lnRef idx="2">
-                <a:schemeClr val="accent1">
-                  <a:shade val="50000"/>
-                </a:schemeClr>
-              </a:lnRef>
-              <a:fillRef idx="1">
-                <a:schemeClr val="accent1"/>
-              </a:fillRef>
-              <a:effectRef idx="0">
-                <a:schemeClr val="accent1"/>
-              </a:effectRef>
-              <a:fontRef idx="minor">
-                <a:schemeClr val="lt1"/>
-              </a:fontRef>
-            </p:style>
-            <p:txBody>
-              <a:bodyPr rtlCol="0" anchor="ctr"/>
-              <a:lstStyle/>
-              <a:p>
-                <a:pPr algn="ctr"/>
-                <a:endParaRPr lang="en-SG" sz="1050" dirty="0">
-                  <a:latin typeface="Arial" panose="020B0604020202020204" pitchFamily="34" charset="0"/>
-                  <a:cs typeface="Arial" panose="020B0604020202020204" pitchFamily="34" charset="0"/>
-                </a:endParaRPr>
-              </a:p>
-            </p:txBody>
-          </p:sp>
-          <p:sp>
-            <p:nvSpPr>
-              <p:cNvPr id="94" name="TextBox 93">
-                <a:extLst>
-                  <a:ext uri="{FF2B5EF4-FFF2-40B4-BE49-F238E27FC236}">
-                    <a16:creationId xmlns:a16="http://schemas.microsoft.com/office/drawing/2014/main" id="{475F1798-CA40-4AC3-A25B-84642255CCB6}"/>
-                  </a:ext>
-                </a:extLst>
-              </p:cNvPr>
-              <p:cNvSpPr txBox="1"/>
-              <p:nvPr/>
-            </p:nvSpPr>
-            <p:spPr>
-              <a:xfrm>
-                <a:off x="3016098" y="2434707"/>
-                <a:ext cx="1545012" cy="307777"/>
-              </a:xfrm>
-              <a:prstGeom prst="rect">
-                <a:avLst/>
-              </a:prstGeom>
-              <a:noFill/>
-            </p:spPr>
-            <p:txBody>
-              <a:bodyPr wrap="square" rtlCol="0">
-                <a:spAutoFit/>
-              </a:bodyPr>
-              <a:lstStyle/>
-              <a:p>
-                <a:pPr algn="ctr"/>
-                <a:r>
-                  <a:rPr lang="en-SG" sz="1400" dirty="0">
-                    <a:solidFill>
-                      <a:schemeClr val="bg1"/>
-                    </a:solidFill>
-                    <a:latin typeface="Arial" panose="020B0604020202020204" pitchFamily="34" charset="0"/>
-                    <a:cs typeface="Arial" panose="020B0604020202020204" pitchFamily="34" charset="0"/>
-                  </a:rPr>
-                  <a:t>Meaning</a:t>
-                </a:r>
-              </a:p>
-            </p:txBody>
-          </p:sp>
-        </p:grpSp>
-      </p:grpSp>
-      <p:grpSp>
-        <p:nvGrpSpPr>
-          <p:cNvPr id="97" name="Group 96">
-            <a:extLst>
-              <a:ext uri="{FF2B5EF4-FFF2-40B4-BE49-F238E27FC236}">
-                <a16:creationId xmlns:a16="http://schemas.microsoft.com/office/drawing/2014/main" id="{06244D83-0412-4D02-AB15-1148E54801A3}"/>
-              </a:ext>
-            </a:extLst>
-          </p:cNvPr>
-          <p:cNvGrpSpPr/>
-          <p:nvPr/>
-        </p:nvGrpSpPr>
-        <p:grpSpPr>
-          <a:xfrm>
-            <a:off x="9171824" y="1618331"/>
-            <a:ext cx="1545012" cy="650353"/>
-            <a:chOff x="3593015" y="3956407"/>
-            <a:chExt cx="1545012" cy="650353"/>
-          </a:xfrm>
-        </p:grpSpPr>
-        <p:grpSp>
-          <p:nvGrpSpPr>
-            <p:cNvPr id="98" name="Group 97">
-              <a:extLst>
-                <a:ext uri="{FF2B5EF4-FFF2-40B4-BE49-F238E27FC236}">
-                  <a16:creationId xmlns:a16="http://schemas.microsoft.com/office/drawing/2014/main" id="{EF160AAF-EC1E-418F-81FD-C2818FACF9BD}"/>
-                </a:ext>
-              </a:extLst>
-            </p:cNvPr>
-            <p:cNvGrpSpPr/>
-            <p:nvPr/>
-          </p:nvGrpSpPr>
-          <p:grpSpPr>
-            <a:xfrm>
-              <a:off x="3593015" y="3956407"/>
-              <a:ext cx="1545012" cy="319596"/>
-              <a:chOff x="3016098" y="2411398"/>
-              <a:chExt cx="1545012" cy="319596"/>
-            </a:xfrm>
-          </p:grpSpPr>
-          <p:sp>
-            <p:nvSpPr>
-              <p:cNvPr id="102" name="Rectangle 101">
-                <a:extLst>
-                  <a:ext uri="{FF2B5EF4-FFF2-40B4-BE49-F238E27FC236}">
-                    <a16:creationId xmlns:a16="http://schemas.microsoft.com/office/drawing/2014/main" id="{4B5445EA-4901-43F1-9507-7449AA6D7C42}"/>
-                  </a:ext>
-                </a:extLst>
-              </p:cNvPr>
-              <p:cNvSpPr/>
-              <p:nvPr/>
-            </p:nvSpPr>
-            <p:spPr>
-              <a:xfrm>
-                <a:off x="3227713" y="2411398"/>
-                <a:ext cx="1121783" cy="319596"/>
-              </a:xfrm>
-              <a:prstGeom prst="rect">
-                <a:avLst/>
-              </a:prstGeom>
-              <a:solidFill>
-                <a:srgbClr val="0070C0"/>
-              </a:solidFill>
-              <a:ln>
-                <a:solidFill>
-                  <a:schemeClr val="tx1"/>
-                </a:solidFill>
-              </a:ln>
-            </p:spPr>
-            <p:style>
-              <a:lnRef idx="2">
-                <a:schemeClr val="accent1">
-                  <a:shade val="50000"/>
-                </a:schemeClr>
-              </a:lnRef>
-              <a:fillRef idx="1">
-                <a:schemeClr val="accent1"/>
-              </a:fillRef>
-              <a:effectRef idx="0">
-                <a:schemeClr val="accent1"/>
-              </a:effectRef>
-              <a:fontRef idx="minor">
-                <a:schemeClr val="lt1"/>
-              </a:fontRef>
-            </p:style>
-            <p:txBody>
-              <a:bodyPr rtlCol="0" anchor="ctr"/>
-              <a:lstStyle/>
-              <a:p>
-                <a:pPr algn="ctr"/>
-                <a:endParaRPr lang="en-SG" sz="1050" dirty="0">
-                  <a:latin typeface="Arial" panose="020B0604020202020204" pitchFamily="34" charset="0"/>
-                  <a:cs typeface="Arial" panose="020B0604020202020204" pitchFamily="34" charset="0"/>
-                </a:endParaRPr>
-              </a:p>
-            </p:txBody>
-          </p:sp>
-          <p:sp>
-            <p:nvSpPr>
-              <p:cNvPr id="103" name="TextBox 102">
-                <a:extLst>
-                  <a:ext uri="{FF2B5EF4-FFF2-40B4-BE49-F238E27FC236}">
-                    <a16:creationId xmlns:a16="http://schemas.microsoft.com/office/drawing/2014/main" id="{2F1687B6-A344-4DE6-899E-EFB3EF8BF615}"/>
-                  </a:ext>
-                </a:extLst>
-              </p:cNvPr>
-              <p:cNvSpPr txBox="1"/>
-              <p:nvPr/>
-            </p:nvSpPr>
-            <p:spPr>
-              <a:xfrm>
-                <a:off x="3016098" y="2411398"/>
-                <a:ext cx="1545012" cy="307777"/>
-              </a:xfrm>
-              <a:prstGeom prst="rect">
-                <a:avLst/>
-              </a:prstGeom>
-              <a:noFill/>
-            </p:spPr>
-            <p:txBody>
-              <a:bodyPr wrap="square" rtlCol="0">
-                <a:spAutoFit/>
-              </a:bodyPr>
-              <a:lstStyle/>
-              <a:p>
-                <a:pPr algn="ctr"/>
-                <a:r>
-                  <a:rPr lang="en-SG" sz="1400" dirty="0">
-                    <a:solidFill>
-                      <a:schemeClr val="bg1"/>
-                    </a:solidFill>
-                    <a:latin typeface="Arial" panose="020B0604020202020204" pitchFamily="34" charset="0"/>
-                    <a:cs typeface="Arial" panose="020B0604020202020204" pitchFamily="34" charset="0"/>
-                  </a:rPr>
-                  <a:t>Word</a:t>
-                </a:r>
-              </a:p>
-            </p:txBody>
-          </p:sp>
-        </p:grpSp>
-        <p:grpSp>
-          <p:nvGrpSpPr>
-            <p:cNvPr id="99" name="Group 98">
-              <a:extLst>
-                <a:ext uri="{FF2B5EF4-FFF2-40B4-BE49-F238E27FC236}">
-                  <a16:creationId xmlns:a16="http://schemas.microsoft.com/office/drawing/2014/main" id="{91F00607-151E-41C2-BD39-198A508B2E61}"/>
-                </a:ext>
-              </a:extLst>
-            </p:cNvPr>
-            <p:cNvGrpSpPr/>
-            <p:nvPr/>
-          </p:nvGrpSpPr>
-          <p:grpSpPr>
-            <a:xfrm>
-              <a:off x="3593015" y="4275674"/>
-              <a:ext cx="1545012" cy="331086"/>
-              <a:chOff x="3016098" y="2411398"/>
-              <a:chExt cx="1545012" cy="331086"/>
-            </a:xfrm>
-          </p:grpSpPr>
-          <p:sp>
-            <p:nvSpPr>
-              <p:cNvPr id="100" name="Rectangle 99">
-                <a:extLst>
-                  <a:ext uri="{FF2B5EF4-FFF2-40B4-BE49-F238E27FC236}">
-                    <a16:creationId xmlns:a16="http://schemas.microsoft.com/office/drawing/2014/main" id="{496DBFCC-67B2-43A2-B6F1-9EFB9A3DE0E2}"/>
-                  </a:ext>
-                </a:extLst>
-              </p:cNvPr>
-              <p:cNvSpPr/>
-              <p:nvPr/>
-            </p:nvSpPr>
-            <p:spPr>
-              <a:xfrm>
-                <a:off x="3227713" y="2411398"/>
-                <a:ext cx="1121783" cy="319596"/>
-              </a:xfrm>
-              <a:prstGeom prst="rect">
-                <a:avLst/>
-              </a:prstGeom>
-              <a:solidFill>
-                <a:srgbClr val="00B0F0"/>
-              </a:solidFill>
-              <a:ln>
-                <a:solidFill>
-                  <a:schemeClr val="tx1"/>
-                </a:solidFill>
-              </a:ln>
-            </p:spPr>
-            <p:style>
-              <a:lnRef idx="2">
-                <a:schemeClr val="accent1">
-                  <a:shade val="50000"/>
-                </a:schemeClr>
-              </a:lnRef>
-              <a:fillRef idx="1">
-                <a:schemeClr val="accent1"/>
-              </a:fillRef>
-              <a:effectRef idx="0">
-                <a:schemeClr val="accent1"/>
-              </a:effectRef>
-              <a:fontRef idx="minor">
-                <a:schemeClr val="lt1"/>
-              </a:fontRef>
-            </p:style>
-            <p:txBody>
-              <a:bodyPr rtlCol="0" anchor="ctr"/>
-              <a:lstStyle/>
-              <a:p>
-                <a:pPr algn="ctr"/>
-                <a:endParaRPr lang="en-SG" sz="1050" dirty="0">
-                  <a:latin typeface="Arial" panose="020B0604020202020204" pitchFamily="34" charset="0"/>
-                  <a:cs typeface="Arial" panose="020B0604020202020204" pitchFamily="34" charset="0"/>
-                </a:endParaRPr>
-              </a:p>
-            </p:txBody>
-          </p:sp>
-          <p:sp>
-            <p:nvSpPr>
-              <p:cNvPr id="101" name="TextBox 100">
-                <a:extLst>
-                  <a:ext uri="{FF2B5EF4-FFF2-40B4-BE49-F238E27FC236}">
-                    <a16:creationId xmlns:a16="http://schemas.microsoft.com/office/drawing/2014/main" id="{4CB7EB75-094E-4DD0-AD5B-C6653B1A5AEB}"/>
-                  </a:ext>
-                </a:extLst>
-              </p:cNvPr>
-              <p:cNvSpPr txBox="1"/>
-              <p:nvPr/>
-            </p:nvSpPr>
-            <p:spPr>
-              <a:xfrm>
-                <a:off x="3016098" y="2434707"/>
-                <a:ext cx="1545012" cy="307777"/>
-              </a:xfrm>
-              <a:prstGeom prst="rect">
-                <a:avLst/>
-              </a:prstGeom>
-              <a:noFill/>
-            </p:spPr>
-            <p:txBody>
-              <a:bodyPr wrap="square" rtlCol="0">
-                <a:spAutoFit/>
-              </a:bodyPr>
-              <a:lstStyle/>
-              <a:p>
-                <a:pPr algn="ctr"/>
-                <a:r>
-                  <a:rPr lang="en-SG" sz="1400" dirty="0">
-                    <a:solidFill>
-                      <a:schemeClr val="bg1"/>
-                    </a:solidFill>
-                    <a:latin typeface="Arial" panose="020B0604020202020204" pitchFamily="34" charset="0"/>
-                    <a:cs typeface="Arial" panose="020B0604020202020204" pitchFamily="34" charset="0"/>
-                  </a:rPr>
-                  <a:t>Meaning</a:t>
-                </a:r>
-              </a:p>
-            </p:txBody>
-          </p:sp>
-        </p:grpSp>
-      </p:grpSp>
-      <p:sp>
-        <p:nvSpPr>
-          <p:cNvPr id="104" name="TextBox 103">
-            <a:extLst>
-              <a:ext uri="{FF2B5EF4-FFF2-40B4-BE49-F238E27FC236}">
-                <a16:creationId xmlns:a16="http://schemas.microsoft.com/office/drawing/2014/main" id="{AFD5AA1E-D851-457E-A56B-8BFC2B1A8CE3}"/>
-              </a:ext>
-            </a:extLst>
-          </p:cNvPr>
-          <p:cNvSpPr txBox="1"/>
-          <p:nvPr/>
-        </p:nvSpPr>
-        <p:spPr>
-          <a:xfrm>
-            <a:off x="8749510" y="243048"/>
-            <a:ext cx="1545012" cy="368858"/>
-          </a:xfrm>
-          <a:prstGeom prst="rect">
-            <a:avLst/>
-          </a:prstGeom>
-          <a:noFill/>
-        </p:spPr>
-        <p:txBody>
-          <a:bodyPr wrap="square" rtlCol="0">
-            <a:spAutoFit/>
-          </a:bodyPr>
-          <a:lstStyle/>
-          <a:p>
-            <a:r>
-              <a:rPr lang="en-SG" i="1" dirty="0"/>
-              <a:t>WordBank 3</a:t>
-            </a:r>
-          </a:p>
-        </p:txBody>
-      </p:sp>
-      <p:sp>
-        <p:nvSpPr>
-          <p:cNvPr id="114" name="TextBox 113">
-            <a:extLst>
-              <a:ext uri="{FF2B5EF4-FFF2-40B4-BE49-F238E27FC236}">
-                <a16:creationId xmlns:a16="http://schemas.microsoft.com/office/drawing/2014/main" id="{2043C378-2CEC-44CA-8E14-4ED1AD1F0FF8}"/>
-              </a:ext>
-            </a:extLst>
-          </p:cNvPr>
-          <p:cNvSpPr txBox="1"/>
-          <p:nvPr/>
-        </p:nvSpPr>
-        <p:spPr>
-          <a:xfrm>
-            <a:off x="3648644" y="3318193"/>
-            <a:ext cx="2848841" cy="369332"/>
-          </a:xfrm>
-          <a:prstGeom prst="rect">
-            <a:avLst/>
-          </a:prstGeom>
-          <a:solidFill>
-            <a:schemeClr val="accent1">
-              <a:lumMod val="50000"/>
-            </a:schemeClr>
-          </a:solidFill>
-        </p:spPr>
-        <p:style>
-          <a:lnRef idx="0">
-            <a:schemeClr val="accent2"/>
-          </a:lnRef>
-          <a:fillRef idx="3">
-            <a:schemeClr val="accent2"/>
-          </a:fillRef>
-          <a:effectRef idx="3">
-            <a:schemeClr val="accent2"/>
-          </a:effectRef>
-          <a:fontRef idx="minor">
-            <a:schemeClr val="lt1"/>
-          </a:fontRef>
-        </p:style>
-        <p:txBody>
-          <a:bodyPr wrap="square" rtlCol="0">
-            <a:spAutoFit/>
-          </a:bodyPr>
-          <a:lstStyle/>
-          <a:p>
-            <a:pPr algn="ctr"/>
-            <a:r>
-              <a:rPr lang="en-SG" i="1" u="sng" dirty="0">
-                <a:latin typeface="Bahnschrift" panose="020B0502040204020203" pitchFamily="34" charset="0"/>
-              </a:rPr>
-              <a:t>Choose a </a:t>
-            </a:r>
-            <a:r>
-              <a:rPr lang="en-SG" b="1" i="1" u="sng" dirty="0">
-                <a:latin typeface="Bahnschrift" panose="020B0502040204020203" pitchFamily="34" charset="0"/>
-              </a:rPr>
-              <a:t>WORDBANK!</a:t>
-            </a:r>
-          </a:p>
-        </p:txBody>
-      </p:sp>
-      <p:sp>
-        <p:nvSpPr>
-          <p:cNvPr id="124" name="TextBox 123">
-            <a:extLst>
-              <a:ext uri="{FF2B5EF4-FFF2-40B4-BE49-F238E27FC236}">
-                <a16:creationId xmlns:a16="http://schemas.microsoft.com/office/drawing/2014/main" id="{F8B3C558-5829-4D07-B7F9-9F62A0E7424D}"/>
-              </a:ext>
-            </a:extLst>
-          </p:cNvPr>
-          <p:cNvSpPr txBox="1"/>
-          <p:nvPr/>
-        </p:nvSpPr>
-        <p:spPr>
-          <a:xfrm>
-            <a:off x="3638484" y="4574745"/>
-            <a:ext cx="2848841" cy="369332"/>
-          </a:xfrm>
-          <a:prstGeom prst="rect">
-            <a:avLst/>
-          </a:prstGeom>
-          <a:solidFill>
-            <a:schemeClr val="accent4">
-              <a:lumMod val="40000"/>
-              <a:lumOff val="60000"/>
-            </a:schemeClr>
-          </a:solidFill>
-        </p:spPr>
-        <p:style>
-          <a:lnRef idx="0">
-            <a:schemeClr val="accent6"/>
-          </a:lnRef>
-          <a:fillRef idx="3">
-            <a:schemeClr val="accent6"/>
-          </a:fillRef>
-          <a:effectRef idx="3">
-            <a:schemeClr val="accent6"/>
-          </a:effectRef>
-          <a:fontRef idx="minor">
-            <a:schemeClr val="lt1"/>
-          </a:fontRef>
-        </p:style>
-        <p:txBody>
-          <a:bodyPr wrap="square" rtlCol="0">
-            <a:spAutoFit/>
-          </a:bodyPr>
-          <a:lstStyle/>
-          <a:p>
-            <a:pPr algn="ctr"/>
-            <a:r>
-              <a:rPr lang="en-SG" i="1" u="sng" dirty="0">
-                <a:solidFill>
-                  <a:schemeClr val="tx1"/>
-                </a:solidFill>
-                <a:latin typeface="Bahnschrift" panose="020B0502040204020203" pitchFamily="34" charset="0"/>
-              </a:rPr>
-              <a:t>Choose a </a:t>
-            </a:r>
-            <a:r>
-              <a:rPr lang="en-SG" b="1" i="1" u="sng" dirty="0">
-                <a:solidFill>
-                  <a:schemeClr val="tx1"/>
-                </a:solidFill>
-                <a:latin typeface="Bahnschrift" panose="020B0502040204020203" pitchFamily="34" charset="0"/>
-              </a:rPr>
-              <a:t>DIFFICULTY!</a:t>
-            </a:r>
-          </a:p>
-        </p:txBody>
-      </p:sp>
-      <p:sp>
-        <p:nvSpPr>
-          <p:cNvPr id="125" name="Rectangle: Rounded Corners 124">
-            <a:extLst>
-              <a:ext uri="{FF2B5EF4-FFF2-40B4-BE49-F238E27FC236}">
-                <a16:creationId xmlns:a16="http://schemas.microsoft.com/office/drawing/2014/main" id="{B29D7D31-9C0A-48AD-9EEA-66DCED675574}"/>
-              </a:ext>
-            </a:extLst>
-          </p:cNvPr>
-          <p:cNvSpPr/>
-          <p:nvPr/>
-        </p:nvSpPr>
-        <p:spPr>
-          <a:xfrm>
-            <a:off x="2919181" y="5576357"/>
-            <a:ext cx="931160" cy="461488"/>
-          </a:xfrm>
-          <a:prstGeom prst="roundRect">
-            <a:avLst/>
-          </a:prstGeom>
-        </p:spPr>
-        <p:style>
-          <a:lnRef idx="2">
-            <a:schemeClr val="accent3"/>
-          </a:lnRef>
-          <a:fillRef idx="1">
-            <a:schemeClr val="lt1"/>
-          </a:fillRef>
-          <a:effectRef idx="0">
-            <a:schemeClr val="accent3"/>
-          </a:effectRef>
-          <a:fontRef idx="minor">
-            <a:schemeClr val="dk1"/>
-          </a:fontRef>
-        </p:style>
-        <p:txBody>
-          <a:bodyPr rtlCol="0" anchor="ctr"/>
-          <a:lstStyle/>
-          <a:p>
-            <a:pPr algn="ctr"/>
-            <a:r>
-              <a:rPr lang="en-SG" dirty="0"/>
-              <a:t>EASY</a:t>
-            </a:r>
-          </a:p>
-        </p:txBody>
-      </p:sp>
-      <p:sp>
-        <p:nvSpPr>
-          <p:cNvPr id="127" name="Rectangle: Rounded Corners 126">
-            <a:extLst>
-              <a:ext uri="{FF2B5EF4-FFF2-40B4-BE49-F238E27FC236}">
-                <a16:creationId xmlns:a16="http://schemas.microsoft.com/office/drawing/2014/main" id="{43364AC7-4018-4312-88CC-F14F1EBE72E1}"/>
-              </a:ext>
-            </a:extLst>
-          </p:cNvPr>
-          <p:cNvSpPr/>
-          <p:nvPr/>
-        </p:nvSpPr>
-        <p:spPr>
-          <a:xfrm>
-            <a:off x="4678139" y="5594791"/>
-            <a:ext cx="1117683" cy="461488"/>
-          </a:xfrm>
-          <a:prstGeom prst="roundRect">
-            <a:avLst/>
-          </a:prstGeom>
-        </p:spPr>
-        <p:style>
-          <a:lnRef idx="2">
-            <a:schemeClr val="accent3"/>
-          </a:lnRef>
-          <a:fillRef idx="1">
-            <a:schemeClr val="lt1"/>
-          </a:fillRef>
-          <a:effectRef idx="0">
-            <a:schemeClr val="accent3"/>
-          </a:effectRef>
-          <a:fontRef idx="minor">
-            <a:schemeClr val="dk1"/>
-          </a:fontRef>
-        </p:style>
-        <p:txBody>
-          <a:bodyPr rtlCol="0" anchor="ctr"/>
-          <a:lstStyle/>
-          <a:p>
-            <a:pPr algn="ctr"/>
-            <a:r>
-              <a:rPr lang="en-SG" dirty="0"/>
-              <a:t>MEDIUM</a:t>
-            </a:r>
-          </a:p>
-        </p:txBody>
-      </p:sp>
-      <p:sp>
-        <p:nvSpPr>
-          <p:cNvPr id="129" name="Rectangle: Rounded Corners 128">
-            <a:extLst>
-              <a:ext uri="{FF2B5EF4-FFF2-40B4-BE49-F238E27FC236}">
-                <a16:creationId xmlns:a16="http://schemas.microsoft.com/office/drawing/2014/main" id="{23D7C16D-3EA9-44D2-8321-EF1BCAB41E4C}"/>
-              </a:ext>
-            </a:extLst>
-          </p:cNvPr>
-          <p:cNvSpPr/>
-          <p:nvPr/>
-        </p:nvSpPr>
-        <p:spPr>
-          <a:xfrm>
-            <a:off x="6558445" y="5589980"/>
-            <a:ext cx="1117683" cy="461488"/>
-          </a:xfrm>
-          <a:prstGeom prst="roundRect">
-            <a:avLst/>
-          </a:prstGeom>
-        </p:spPr>
-        <p:style>
-          <a:lnRef idx="2">
-            <a:schemeClr val="accent3"/>
-          </a:lnRef>
-          <a:fillRef idx="1">
-            <a:schemeClr val="lt1"/>
-          </a:fillRef>
-          <a:effectRef idx="0">
-            <a:schemeClr val="accent3"/>
-          </a:effectRef>
-          <a:fontRef idx="minor">
-            <a:schemeClr val="dk1"/>
-          </a:fontRef>
-        </p:style>
-        <p:txBody>
-          <a:bodyPr rtlCol="0" anchor="ctr"/>
-          <a:lstStyle/>
-          <a:p>
-            <a:pPr algn="ctr"/>
-            <a:r>
-              <a:rPr lang="en-SG" dirty="0"/>
-              <a:t>HARD</a:t>
-            </a:r>
           </a:p>
         </p:txBody>
       </p:sp>
       <p:pic>
         <p:nvPicPr>
-          <p:cNvPr id="131" name="Picture 130">
+          <p:cNvPr id="5" name="Content Placeholder 4">
             <a:extLst>
               <a:ext uri="{FF2B5EF4-FFF2-40B4-BE49-F238E27FC236}">
-                <a16:creationId xmlns:a16="http://schemas.microsoft.com/office/drawing/2014/main" id="{CC8678F0-27C0-4874-AEE6-C84758354E25}"/>
+                <a16:creationId xmlns:a16="http://schemas.microsoft.com/office/drawing/2014/main" id="{AEA1825F-DD48-436E-B058-4CFF2FA44895}"/>
               </a:ext>
             </a:extLst>
           </p:cNvPr>
           <p:cNvPicPr>
-            <a:picLocks noChangeAspect="1"/>
+            <a:picLocks noGrp="1" noChangeAspect="1"/>
           </p:cNvPicPr>
-          <p:nvPr/>
+          <p:nvPr>
+            <p:ph idx="1"/>
+          </p:nvPr>
         </p:nvPicPr>
         <p:blipFill>
           <a:blip r:embed="rId3">
@@ -10720,468 +11375,28 @@
         </p:blipFill>
         <p:spPr>
           <a:xfrm>
-            <a:off x="4080967" y="5542902"/>
-            <a:ext cx="565266" cy="565266"/>
+            <a:off x="2079058" y="1846263"/>
+            <a:ext cx="8094210" cy="4022725"/>
           </a:xfrm>
           <a:prstGeom prst="rect">
             <a:avLst/>
           </a:prstGeom>
-        </p:spPr>
-      </p:pic>
-      <p:pic>
-        <p:nvPicPr>
-          <p:cNvPr id="133" name="Picture 132">
-            <a:extLst>
-              <a:ext uri="{FF2B5EF4-FFF2-40B4-BE49-F238E27FC236}">
-                <a16:creationId xmlns:a16="http://schemas.microsoft.com/office/drawing/2014/main" id="{5701A672-886B-4310-A4F6-29EAC0ED03D6}"/>
-              </a:ext>
-            </a:extLst>
-          </p:cNvPr>
-          <p:cNvPicPr>
-            <a:picLocks noChangeAspect="1"/>
-          </p:cNvPicPr>
-          <p:nvPr/>
-        </p:nvPicPr>
-        <p:blipFill>
-          <a:blip r:embed="rId4">
-            <a:extLst>
-              <a:ext uri="{28A0092B-C50C-407E-A947-70E740481C1C}">
-                <a14:useLocalDpi xmlns:a14="http://schemas.microsoft.com/office/drawing/2010/main" val="0"/>
-              </a:ext>
-            </a:extLst>
-          </a:blip>
-          <a:stretch>
-            <a:fillRect/>
-          </a:stretch>
-        </p:blipFill>
-        <p:spPr>
-          <a:xfrm>
-            <a:off x="2323657" y="5528499"/>
-            <a:ext cx="565266" cy="565266"/>
-          </a:xfrm>
-          <a:prstGeom prst="rect">
-            <a:avLst/>
-          </a:prstGeom>
-        </p:spPr>
-      </p:pic>
-      <p:pic>
-        <p:nvPicPr>
-          <p:cNvPr id="135" name="Picture 134">
-            <a:extLst>
-              <a:ext uri="{FF2B5EF4-FFF2-40B4-BE49-F238E27FC236}">
-                <a16:creationId xmlns:a16="http://schemas.microsoft.com/office/drawing/2014/main" id="{CF64E74B-9F90-4E80-9A77-9FF7A4A4BC5A}"/>
-              </a:ext>
-            </a:extLst>
-          </p:cNvPr>
-          <p:cNvPicPr>
-            <a:picLocks noChangeAspect="1"/>
-          </p:cNvPicPr>
-          <p:nvPr/>
-        </p:nvPicPr>
-        <p:blipFill>
-          <a:blip r:embed="rId5">
-            <a:extLst>
-              <a:ext uri="{28A0092B-C50C-407E-A947-70E740481C1C}">
-                <a14:useLocalDpi xmlns:a14="http://schemas.microsoft.com/office/drawing/2010/main" val="0"/>
-              </a:ext>
-            </a:extLst>
-          </a:blip>
-          <a:stretch>
-            <a:fillRect/>
-          </a:stretch>
-        </p:blipFill>
-        <p:spPr>
-          <a:xfrm>
-            <a:off x="5983019" y="5533848"/>
-            <a:ext cx="565266" cy="565266"/>
-          </a:xfrm>
-          <a:prstGeom prst="rect">
-            <a:avLst/>
-          </a:prstGeom>
-        </p:spPr>
-      </p:pic>
-      <p:sp>
-        <p:nvSpPr>
-          <p:cNvPr id="149" name="Rectangle 148">
-            <a:extLst>
-              <a:ext uri="{FF2B5EF4-FFF2-40B4-BE49-F238E27FC236}">
-                <a16:creationId xmlns:a16="http://schemas.microsoft.com/office/drawing/2014/main" id="{46124230-936D-4277-97D9-344B77949C1D}"/>
-              </a:ext>
-            </a:extLst>
-          </p:cNvPr>
-          <p:cNvSpPr/>
-          <p:nvPr/>
-        </p:nvSpPr>
-        <p:spPr>
-          <a:xfrm>
-            <a:off x="224916" y="172720"/>
-            <a:ext cx="11794364" cy="2638520"/>
-          </a:xfrm>
-          <a:prstGeom prst="rect">
-            <a:avLst/>
-          </a:prstGeom>
-          <a:noFill/>
-          <a:ln w="9525" cap="flat" cmpd="sng" algn="ctr">
-            <a:solidFill>
-              <a:schemeClr val="dk1"/>
-            </a:solidFill>
-            <a:prstDash val="dash"/>
-            <a:round/>
-            <a:headEnd type="none" w="med" len="med"/>
-            <a:tailEnd type="none" w="med" len="med"/>
+          <a:ln>
+            <a:noFill/>
           </a:ln>
-        </p:spPr>
-        <p:style>
-          <a:lnRef idx="0">
-            <a:scrgbClr r="0" g="0" b="0"/>
-          </a:lnRef>
-          <a:fillRef idx="0">
-            <a:scrgbClr r="0" g="0" b="0"/>
-          </a:fillRef>
-          <a:effectRef idx="0">
-            <a:scrgbClr r="0" g="0" b="0"/>
-          </a:effectRef>
-          <a:fontRef idx="minor">
-            <a:schemeClr val="dk1"/>
-          </a:fontRef>
-        </p:style>
-        <p:txBody>
-          <a:bodyPr rtlCol="0" anchor="ctr"/>
-          <a:lstStyle/>
-          <a:p>
-            <a:pPr algn="ctr"/>
-            <a:endParaRPr lang="en-SG"/>
-          </a:p>
-        </p:txBody>
-      </p:sp>
-      <p:cxnSp>
-        <p:nvCxnSpPr>
-          <p:cNvPr id="157" name="Straight Arrow Connector 156">
-            <a:extLst>
-              <a:ext uri="{FF2B5EF4-FFF2-40B4-BE49-F238E27FC236}">
-                <a16:creationId xmlns:a16="http://schemas.microsoft.com/office/drawing/2014/main" id="{697DD977-3BBC-4AC3-9213-7783D7252274}"/>
-              </a:ext>
-            </a:extLst>
-          </p:cNvPr>
-          <p:cNvCxnSpPr>
-            <a:cxnSpLocks/>
-            <a:endCxn id="114" idx="0"/>
-          </p:cNvCxnSpPr>
-          <p:nvPr/>
-        </p:nvCxnSpPr>
-        <p:spPr>
-          <a:xfrm>
-            <a:off x="5073065" y="2816821"/>
-            <a:ext cx="0" cy="501372"/>
-          </a:xfrm>
-          <a:prstGeom prst="straightConnector1">
-            <a:avLst/>
-          </a:prstGeom>
-          <a:ln w="28575">
-            <a:tailEnd type="triangle"/>
-          </a:ln>
-        </p:spPr>
-        <p:style>
-          <a:lnRef idx="3">
-            <a:schemeClr val="dk1"/>
-          </a:lnRef>
-          <a:fillRef idx="0">
-            <a:schemeClr val="dk1"/>
-          </a:fillRef>
-          <a:effectRef idx="2">
-            <a:schemeClr val="dk1"/>
-          </a:effectRef>
-          <a:fontRef idx="minor">
-            <a:schemeClr val="tx1"/>
-          </a:fontRef>
-        </p:style>
-      </p:cxnSp>
-      <p:cxnSp>
-        <p:nvCxnSpPr>
-          <p:cNvPr id="159" name="Straight Arrow Connector 158">
-            <a:extLst>
-              <a:ext uri="{FF2B5EF4-FFF2-40B4-BE49-F238E27FC236}">
-                <a16:creationId xmlns:a16="http://schemas.microsoft.com/office/drawing/2014/main" id="{F69906AC-7B9E-4E24-802B-E30A22B6592C}"/>
-              </a:ext>
-            </a:extLst>
-          </p:cNvPr>
-          <p:cNvCxnSpPr>
-            <a:cxnSpLocks/>
-            <a:endCxn id="124" idx="2"/>
-          </p:cNvCxnSpPr>
-          <p:nvPr/>
-        </p:nvCxnSpPr>
-        <p:spPr>
-          <a:xfrm flipV="1">
-            <a:off x="5051488" y="4944077"/>
-            <a:ext cx="11417" cy="472198"/>
-          </a:xfrm>
-          <a:prstGeom prst="straightConnector1">
-            <a:avLst/>
-          </a:prstGeom>
-          <a:ln w="28575">
-            <a:tailEnd type="triangle"/>
-          </a:ln>
-        </p:spPr>
-        <p:style>
-          <a:lnRef idx="3">
-            <a:schemeClr val="dk1"/>
-          </a:lnRef>
-          <a:fillRef idx="0">
-            <a:schemeClr val="dk1"/>
-          </a:fillRef>
-          <a:effectRef idx="2">
-            <a:schemeClr val="dk1"/>
-          </a:effectRef>
-          <a:fontRef idx="minor">
-            <a:schemeClr val="tx1"/>
-          </a:fontRef>
-        </p:style>
-      </p:cxnSp>
-      <p:cxnSp>
-        <p:nvCxnSpPr>
-          <p:cNvPr id="169" name="Straight Arrow Connector 168">
-            <a:extLst>
-              <a:ext uri="{FF2B5EF4-FFF2-40B4-BE49-F238E27FC236}">
-                <a16:creationId xmlns:a16="http://schemas.microsoft.com/office/drawing/2014/main" id="{FBE0B139-E645-4104-B242-DB04E5C17D40}"/>
-              </a:ext>
-            </a:extLst>
-          </p:cNvPr>
-          <p:cNvCxnSpPr>
-            <a:cxnSpLocks/>
-          </p:cNvCxnSpPr>
-          <p:nvPr/>
-        </p:nvCxnSpPr>
-        <p:spPr>
-          <a:xfrm>
-            <a:off x="6558445" y="3502859"/>
-            <a:ext cx="1213955" cy="404302"/>
-          </a:xfrm>
-          <a:prstGeom prst="straightConnector1">
-            <a:avLst/>
-          </a:prstGeom>
-          <a:ln w="28575">
-            <a:tailEnd type="triangle"/>
-          </a:ln>
-        </p:spPr>
-        <p:style>
-          <a:lnRef idx="3">
-            <a:schemeClr val="dk1"/>
-          </a:lnRef>
-          <a:fillRef idx="0">
-            <a:schemeClr val="dk1"/>
-          </a:fillRef>
-          <a:effectRef idx="2">
-            <a:schemeClr val="dk1"/>
-          </a:effectRef>
-          <a:fontRef idx="minor">
-            <a:schemeClr val="tx1"/>
-          </a:fontRef>
-        </p:style>
-      </p:cxnSp>
-      <p:cxnSp>
-        <p:nvCxnSpPr>
-          <p:cNvPr id="173" name="Straight Arrow Connector 172">
-            <a:extLst>
-              <a:ext uri="{FF2B5EF4-FFF2-40B4-BE49-F238E27FC236}">
-                <a16:creationId xmlns:a16="http://schemas.microsoft.com/office/drawing/2014/main" id="{D42F7751-0051-4A88-85AF-5778F913DFDA}"/>
-              </a:ext>
-            </a:extLst>
-          </p:cNvPr>
-          <p:cNvCxnSpPr>
-            <a:cxnSpLocks/>
-          </p:cNvCxnSpPr>
-          <p:nvPr/>
-        </p:nvCxnSpPr>
-        <p:spPr>
-          <a:xfrm flipV="1">
-            <a:off x="6558445" y="4300961"/>
-            <a:ext cx="1213955" cy="336282"/>
-          </a:xfrm>
-          <a:prstGeom prst="straightConnector1">
-            <a:avLst/>
-          </a:prstGeom>
-          <a:ln w="28575">
-            <a:tailEnd type="triangle"/>
-          </a:ln>
-        </p:spPr>
-        <p:style>
-          <a:lnRef idx="3">
-            <a:schemeClr val="dk1"/>
-          </a:lnRef>
-          <a:fillRef idx="0">
-            <a:schemeClr val="dk1"/>
-          </a:fillRef>
-          <a:effectRef idx="2">
-            <a:schemeClr val="dk1"/>
-          </a:effectRef>
-          <a:fontRef idx="minor">
-            <a:schemeClr val="tx1"/>
-          </a:fontRef>
-        </p:style>
-      </p:cxnSp>
-      <p:sp>
-        <p:nvSpPr>
-          <p:cNvPr id="180" name="TextBox 179">
-            <a:extLst>
-              <a:ext uri="{FF2B5EF4-FFF2-40B4-BE49-F238E27FC236}">
-                <a16:creationId xmlns:a16="http://schemas.microsoft.com/office/drawing/2014/main" id="{AEEB2F11-EA8D-4031-85A2-8D36C9631DB8}"/>
-              </a:ext>
-            </a:extLst>
-          </p:cNvPr>
-          <p:cNvSpPr txBox="1"/>
-          <p:nvPr/>
-        </p:nvSpPr>
-        <p:spPr>
-          <a:xfrm>
-            <a:off x="10799661" y="1563788"/>
-            <a:ext cx="1481329" cy="369332"/>
-          </a:xfrm>
-          <a:prstGeom prst="rect">
-            <a:avLst/>
-          </a:prstGeom>
-          <a:noFill/>
-        </p:spPr>
-        <p:style>
-          <a:lnRef idx="0">
-            <a:schemeClr val="accent2"/>
-          </a:lnRef>
-          <a:fillRef idx="3">
-            <a:schemeClr val="accent2"/>
-          </a:fillRef>
-          <a:effectRef idx="3">
-            <a:schemeClr val="accent2"/>
-          </a:effectRef>
-          <a:fontRef idx="minor">
-            <a:schemeClr val="lt1"/>
-          </a:fontRef>
-        </p:style>
-        <p:txBody>
-          <a:bodyPr wrap="square" rtlCol="0">
-            <a:spAutoFit/>
-          </a:bodyPr>
-          <a:lstStyle/>
-          <a:p>
-            <a:pPr algn="ctr"/>
-            <a:r>
-              <a:rPr lang="en-SG" b="1" i="1" dirty="0">
-                <a:solidFill>
-                  <a:schemeClr val="tx1"/>
-                </a:solidFill>
-                <a:latin typeface="Bahnschrift" panose="020B0502040204020203" pitchFamily="34" charset="0"/>
-              </a:rPr>
-              <a:t> .  .  .</a:t>
-            </a:r>
-          </a:p>
-        </p:txBody>
-      </p:sp>
-      <p:sp>
-        <p:nvSpPr>
-          <p:cNvPr id="181" name="Rectangle 180">
-            <a:extLst>
-              <a:ext uri="{FF2B5EF4-FFF2-40B4-BE49-F238E27FC236}">
-                <a16:creationId xmlns:a16="http://schemas.microsoft.com/office/drawing/2014/main" id="{5F8C63A8-1CD6-4ADE-ABC0-F1BAC842DF32}"/>
-              </a:ext>
-            </a:extLst>
-          </p:cNvPr>
-          <p:cNvSpPr/>
-          <p:nvPr/>
-        </p:nvSpPr>
-        <p:spPr>
-          <a:xfrm>
-            <a:off x="8003876" y="3285663"/>
-            <a:ext cx="2335896" cy="1754326"/>
-          </a:xfrm>
-          <a:prstGeom prst="rect">
-            <a:avLst/>
-          </a:prstGeom>
-          <a:noFill/>
-        </p:spPr>
-        <p:txBody>
-          <a:bodyPr wrap="none" lIns="91440" tIns="45720" rIns="91440" bIns="45720">
-            <a:spAutoFit/>
-          </a:bodyPr>
-          <a:lstStyle/>
-          <a:p>
-            <a:pPr algn="ctr"/>
-            <a:r>
-              <a:rPr lang="en-US" sz="5400" b="0" i="1" cap="none" spc="0" dirty="0">
-                <a:ln w="0"/>
-                <a:solidFill>
-                  <a:schemeClr val="tx1"/>
-                </a:solidFill>
-                <a:effectLst>
-                  <a:outerShdw blurRad="38100" dist="19050" dir="2700000" algn="tl" rotWithShape="0">
-                    <a:schemeClr val="dk1">
-                      <a:alpha val="40000"/>
-                    </a:schemeClr>
-                  </a:outerShdw>
-                </a:effectLst>
-              </a:rPr>
-              <a:t>START   </a:t>
-            </a:r>
-          </a:p>
-          <a:p>
-            <a:pPr algn="ctr"/>
-            <a:r>
-              <a:rPr lang="en-US" sz="5400" b="0" i="1" cap="none" spc="0" dirty="0">
-                <a:ln w="0"/>
-                <a:solidFill>
-                  <a:schemeClr val="tx1"/>
-                </a:solidFill>
-                <a:effectLst>
-                  <a:outerShdw blurRad="38100" dist="19050" dir="2700000" algn="tl" rotWithShape="0">
-                    <a:schemeClr val="dk1">
-                      <a:alpha val="40000"/>
-                    </a:schemeClr>
-                  </a:outerShdw>
-                </a:effectLst>
-              </a:rPr>
-              <a:t> GAME!</a:t>
-            </a:r>
-          </a:p>
-        </p:txBody>
-      </p:sp>
-      <p:pic>
-        <p:nvPicPr>
-          <p:cNvPr id="183" name="Picture 182">
-            <a:extLst>
-              <a:ext uri="{FF2B5EF4-FFF2-40B4-BE49-F238E27FC236}">
-                <a16:creationId xmlns:a16="http://schemas.microsoft.com/office/drawing/2014/main" id="{787E123F-6B2C-448E-96C8-18EE9A3CDF82}"/>
-              </a:ext>
-            </a:extLst>
-          </p:cNvPr>
-          <p:cNvPicPr>
-            <a:picLocks noChangeAspect="1"/>
-          </p:cNvPicPr>
-          <p:nvPr/>
-        </p:nvPicPr>
-        <p:blipFill>
-          <a:blip r:embed="rId6">
-            <a:extLst>
-              <a:ext uri="{28A0092B-C50C-407E-A947-70E740481C1C}">
-                <a14:useLocalDpi xmlns:a14="http://schemas.microsoft.com/office/drawing/2010/main" val="0"/>
-              </a:ext>
-            </a:extLst>
-          </a:blip>
-          <a:stretch>
-            <a:fillRect/>
-          </a:stretch>
-        </p:blipFill>
-        <p:spPr>
-          <a:xfrm>
-            <a:off x="9972787" y="3465856"/>
-            <a:ext cx="643470" cy="643470"/>
-          </a:xfrm>
-          <a:prstGeom prst="rect">
-            <a:avLst/>
-          </a:prstGeom>
+          <a:effectLst>
+            <a:outerShdw blurRad="292100" dist="139700" dir="2700000" algn="tl" rotWithShape="0">
+              <a:srgbClr val="333333">
+                <a:alpha val="65000"/>
+              </a:srgbClr>
+            </a:outerShdw>
+          </a:effectLst>
         </p:spPr>
       </p:pic>
     </p:spTree>
     <p:extLst>
       <p:ext uri="{BB962C8B-B14F-4D97-AF65-F5344CB8AC3E}">
-        <p14:creationId xmlns:p14="http://schemas.microsoft.com/office/powerpoint/2010/main" val="479322122"/>
+        <p14:creationId xmlns:p14="http://schemas.microsoft.com/office/powerpoint/2010/main" val="83049924"/>
       </p:ext>
     </p:extLst>
   </p:cSld>
@@ -11191,7 +11406,7 @@
 </p:sld>
 </file>
 
-<file path=ppt/slides/slide3.xml><?xml version="1.0" encoding="utf-8"?>
+<file path=ppt/slides/slide4.xml><?xml version="1.0" encoding="utf-8"?>
 <p:sld xmlns:a="http://schemas.openxmlformats.org/drawingml/2006/main" xmlns:r="http://schemas.openxmlformats.org/officeDocument/2006/relationships" xmlns:p="http://schemas.openxmlformats.org/presentationml/2006/main">
   <p:cSld>
     <p:spTree>
@@ -11519,7 +11734,7 @@
 </p:sld>
 </file>
 
-<file path=ppt/slides/slide4.xml><?xml version="1.0" encoding="utf-8"?>
+<file path=ppt/slides/slide5.xml><?xml version="1.0" encoding="utf-8"?>
 <p:sld xmlns:a="http://schemas.openxmlformats.org/drawingml/2006/main" xmlns:r="http://schemas.openxmlformats.org/officeDocument/2006/relationships" xmlns:p="http://schemas.openxmlformats.org/presentationml/2006/main">
   <p:cSld>
     <p:spTree>
@@ -12136,7 +12351,7 @@
 </p:sld>
 </file>
 
-<file path=ppt/slides/slide5.xml><?xml version="1.0" encoding="utf-8"?>
+<file path=ppt/slides/slide6.xml><?xml version="1.0" encoding="utf-8"?>
 <p:sld xmlns:a="http://schemas.openxmlformats.org/drawingml/2006/main" xmlns:r="http://schemas.openxmlformats.org/officeDocument/2006/relationships" xmlns:p="http://schemas.openxmlformats.org/presentationml/2006/main">
   <p:cSld>
     <p:spTree>
@@ -12648,7 +12863,7 @@
 </p:sld>
 </file>
 
-<file path=ppt/slides/slide6.xml><?xml version="1.0" encoding="utf-8"?>
+<file path=ppt/slides/slide7.xml><?xml version="1.0" encoding="utf-8"?>
 <p:sld xmlns:a="http://schemas.openxmlformats.org/drawingml/2006/main" xmlns:r="http://schemas.openxmlformats.org/officeDocument/2006/relationships" xmlns:p="http://schemas.openxmlformats.org/presentationml/2006/main">
   <p:cSld>
     <p:spTree>
@@ -13061,7 +13276,7 @@
 </p:sld>
 </file>
 
-<file path=ppt/slides/slide7.xml><?xml version="1.0" encoding="utf-8"?>
+<file path=ppt/slides/slide8.xml><?xml version="1.0" encoding="utf-8"?>
 <p:sld xmlns:a="http://schemas.openxmlformats.org/drawingml/2006/main" xmlns:r="http://schemas.openxmlformats.org/officeDocument/2006/relationships" xmlns:p="http://schemas.openxmlformats.org/presentationml/2006/main">
   <p:cSld>
     <p:spTree>
@@ -13372,7 +13587,7 @@
 </p:sld>
 </file>
 
-<file path=ppt/slides/slide8.xml><?xml version="1.0" encoding="utf-8"?>
+<file path=ppt/slides/slide9.xml><?xml version="1.0" encoding="utf-8"?>
 <p:sld xmlns:a="http://schemas.openxmlformats.org/drawingml/2006/main" xmlns:r="http://schemas.openxmlformats.org/officeDocument/2006/relationships" xmlns:p="http://schemas.openxmlformats.org/presentationml/2006/main">
   <p:cSld>
     <p:spTree>

--- a/docs/diagrams/powerpoint/User Guide Diagrams.pptx
+++ b/docs/diagrams/powerpoint/User Guide Diagrams.pptx
@@ -5,7 +5,7 @@
     <p:sldMasterId id="2147483761" r:id="rId1"/>
   </p:sldMasterIdLst>
   <p:notesMasterIdLst>
-    <p:notesMasterId r:id="rId11"/>
+    <p:notesMasterId r:id="rId13"/>
   </p:notesMasterIdLst>
   <p:sldIdLst>
     <p:sldId id="256" r:id="rId2"/>
@@ -13,10 +13,12 @@
     <p:sldId id="264" r:id="rId4"/>
     <p:sldId id="258" r:id="rId5"/>
     <p:sldId id="259" r:id="rId6"/>
-    <p:sldId id="260" r:id="rId7"/>
-    <p:sldId id="261" r:id="rId8"/>
-    <p:sldId id="262" r:id="rId9"/>
-    <p:sldId id="263" r:id="rId10"/>
+    <p:sldId id="265" r:id="rId7"/>
+    <p:sldId id="260" r:id="rId8"/>
+    <p:sldId id="266" r:id="rId9"/>
+    <p:sldId id="261" r:id="rId10"/>
+    <p:sldId id="262" r:id="rId11"/>
+    <p:sldId id="263" r:id="rId12"/>
   </p:sldIdLst>
   <p:sldSz cx="12192000" cy="6858000"/>
   <p:notesSz cx="6858000" cy="9144000"/>
@@ -217,7 +219,7 @@
           <a:p>
             <a:fld id="{5B2801D8-4D43-438D-9515-44C566CDC596}" type="datetimeFigureOut">
               <a:rPr lang="en-SG" smtClean="0"/>
-              <a:t>1/11/2019</a:t>
+              <a:t>10/11/2019</a:t>
             </a:fld>
             <a:endParaRPr lang="en-SG"/>
           </a:p>
@@ -1011,7 +1013,7 @@
           <a:p>
             <a:fld id="{0FCAFDEF-04E4-4E08-87E8-ABCCC2F47D5C}" type="slidenum">
               <a:rPr lang="en-SG" smtClean="0"/>
-              <a:t>6</a:t>
+              <a:t>7</a:t>
             </a:fld>
             <a:endParaRPr lang="en-SG"/>
           </a:p>
@@ -1139,7 +1141,7 @@
           <a:p>
             <a:fld id="{0FCAFDEF-04E4-4E08-87E8-ABCCC2F47D5C}" type="slidenum">
               <a:rPr lang="en-SG" smtClean="0"/>
-              <a:t>7</a:t>
+              <a:t>9</a:t>
             </a:fld>
             <a:endParaRPr lang="en-SG"/>
           </a:p>
@@ -1226,7 +1228,7 @@
           <a:p>
             <a:fld id="{0FCAFDEF-04E4-4E08-87E8-ABCCC2F47D5C}" type="slidenum">
               <a:rPr lang="en-SG" smtClean="0"/>
-              <a:t>9</a:t>
+              <a:t>11</a:t>
             </a:fld>
             <a:endParaRPr lang="en-SG"/>
           </a:p>
@@ -1471,7 +1473,7 @@
           <a:p>
             <a:fld id="{7C816BAC-D0E5-4D54-8E35-1143676EFB9B}" type="datetimeFigureOut">
               <a:rPr lang="en-SG" smtClean="0"/>
-              <a:t>1/11/2019</a:t>
+              <a:t>10/11/2019</a:t>
             </a:fld>
             <a:endParaRPr lang="en-SG"/>
           </a:p>
@@ -1679,7 +1681,7 @@
           <a:p>
             <a:fld id="{7C816BAC-D0E5-4D54-8E35-1143676EFB9B}" type="datetimeFigureOut">
               <a:rPr lang="en-SG" smtClean="0"/>
-              <a:t>1/11/2019</a:t>
+              <a:t>10/11/2019</a:t>
             </a:fld>
             <a:endParaRPr lang="en-SG"/>
           </a:p>
@@ -1935,7 +1937,7 @@
           <a:p>
             <a:fld id="{7C816BAC-D0E5-4D54-8E35-1143676EFB9B}" type="datetimeFigureOut">
               <a:rPr lang="en-SG" smtClean="0"/>
-              <a:t>1/11/2019</a:t>
+              <a:t>10/11/2019</a:t>
             </a:fld>
             <a:endParaRPr lang="en-SG"/>
           </a:p>
@@ -2109,7 +2111,7 @@
           <a:p>
             <a:fld id="{7C816BAC-D0E5-4D54-8E35-1143676EFB9B}" type="datetimeFigureOut">
               <a:rPr lang="en-SG" smtClean="0"/>
-              <a:t>1/11/2019</a:t>
+              <a:t>10/11/2019</a:t>
             </a:fld>
             <a:endParaRPr lang="en-SG"/>
           </a:p>
@@ -2452,7 +2454,7 @@
           <a:p>
             <a:fld id="{7C816BAC-D0E5-4D54-8E35-1143676EFB9B}" type="datetimeFigureOut">
               <a:rPr lang="en-SG" smtClean="0"/>
-              <a:t>1/11/2019</a:t>
+              <a:t>10/11/2019</a:t>
             </a:fld>
             <a:endParaRPr lang="en-SG"/>
           </a:p>
@@ -2727,7 +2729,7 @@
           <a:p>
             <a:fld id="{7C816BAC-D0E5-4D54-8E35-1143676EFB9B}" type="datetimeFigureOut">
               <a:rPr lang="en-SG" smtClean="0"/>
-              <a:t>1/11/2019</a:t>
+              <a:t>10/11/2019</a:t>
             </a:fld>
             <a:endParaRPr lang="en-SG"/>
           </a:p>
@@ -3106,7 +3108,7 @@
           <a:p>
             <a:fld id="{7C816BAC-D0E5-4D54-8E35-1143676EFB9B}" type="datetimeFigureOut">
               <a:rPr lang="en-SG" smtClean="0"/>
-              <a:t>1/11/2019</a:t>
+              <a:t>10/11/2019</a:t>
             </a:fld>
             <a:endParaRPr lang="en-SG"/>
           </a:p>
@@ -3224,7 +3226,7 @@
           <a:p>
             <a:fld id="{7C816BAC-D0E5-4D54-8E35-1143676EFB9B}" type="datetimeFigureOut">
               <a:rPr lang="en-SG" smtClean="0"/>
-              <a:t>1/11/2019</a:t>
+              <a:t>10/11/2019</a:t>
             </a:fld>
             <a:endParaRPr lang="en-SG"/>
           </a:p>
@@ -3395,7 +3397,7 @@
           <a:p>
             <a:fld id="{7C816BAC-D0E5-4D54-8E35-1143676EFB9B}" type="datetimeFigureOut">
               <a:rPr lang="en-SG" smtClean="0"/>
-              <a:t>1/11/2019</a:t>
+              <a:t>10/11/2019</a:t>
             </a:fld>
             <a:endParaRPr lang="en-SG"/>
           </a:p>
@@ -3749,7 +3751,7 @@
           <a:p>
             <a:fld id="{7C816BAC-D0E5-4D54-8E35-1143676EFB9B}" type="datetimeFigureOut">
               <a:rPr lang="en-SG" smtClean="0"/>
-              <a:t>1/11/2019</a:t>
+              <a:t>10/11/2019</a:t>
             </a:fld>
             <a:endParaRPr lang="en-SG"/>
           </a:p>
@@ -4131,7 +4133,7 @@
           <a:p>
             <a:fld id="{7C816BAC-D0E5-4D54-8E35-1143676EFB9B}" type="datetimeFigureOut">
               <a:rPr lang="en-SG" smtClean="0"/>
-              <a:t>1/11/2019</a:t>
+              <a:t>10/11/2019</a:t>
             </a:fld>
             <a:endParaRPr lang="en-SG"/>
           </a:p>
@@ -4418,7 +4420,7 @@
           <a:p>
             <a:fld id="{7C816BAC-D0E5-4D54-8E35-1143676EFB9B}" type="datetimeFigureOut">
               <a:rPr lang="en-SG" smtClean="0"/>
-              <a:t>1/11/2019</a:t>
+              <a:t>10/11/2019</a:t>
             </a:fld>
             <a:endParaRPr lang="en-SG"/>
           </a:p>
@@ -6953,6 +6955,436 @@
     <p:extLst>
       <p:ext uri="{BB962C8B-B14F-4D97-AF65-F5344CB8AC3E}">
         <p14:creationId xmlns:p14="http://schemas.microsoft.com/office/powerpoint/2010/main" val="4078269616"/>
+      </p:ext>
+    </p:extLst>
+  </p:cSld>
+  <p:clrMapOvr>
+    <a:masterClrMapping/>
+  </p:clrMapOvr>
+</p:sld>
+</file>
+
+<file path=ppt/slides/slide10.xml><?xml version="1.0" encoding="utf-8"?>
+<p:sld xmlns:a="http://schemas.openxmlformats.org/drawingml/2006/main" xmlns:r="http://schemas.openxmlformats.org/officeDocument/2006/relationships" xmlns:p="http://schemas.openxmlformats.org/presentationml/2006/main">
+  <p:cSld>
+    <p:spTree>
+      <p:nvGrpSpPr>
+        <p:cNvPr id="1" name=""/>
+        <p:cNvGrpSpPr/>
+        <p:nvPr/>
+      </p:nvGrpSpPr>
+      <p:grpSpPr>
+        <a:xfrm>
+          <a:off x="0" y="0"/>
+          <a:ext cx="0" cy="0"/>
+          <a:chOff x="0" y="0"/>
+          <a:chExt cx="0" cy="0"/>
+        </a:xfrm>
+      </p:grpSpPr>
+      <p:grpSp>
+        <p:nvGrpSpPr>
+          <p:cNvPr id="7" name="Group 6">
+            <a:extLst>
+              <a:ext uri="{FF2B5EF4-FFF2-40B4-BE49-F238E27FC236}">
+                <a16:creationId xmlns:a16="http://schemas.microsoft.com/office/drawing/2014/main" id="{45DED426-3C43-4D82-9555-865CCA00F127}"/>
+              </a:ext>
+            </a:extLst>
+          </p:cNvPr>
+          <p:cNvGrpSpPr/>
+          <p:nvPr/>
+        </p:nvGrpSpPr>
+        <p:grpSpPr>
+          <a:xfrm>
+            <a:off x="2977975" y="286603"/>
+            <a:ext cx="7043850" cy="6133051"/>
+            <a:chOff x="2977975" y="286603"/>
+            <a:chExt cx="7043850" cy="6133051"/>
+          </a:xfrm>
+        </p:grpSpPr>
+        <p:pic>
+          <p:nvPicPr>
+            <p:cNvPr id="4" name="Picture 3">
+              <a:extLst>
+                <a:ext uri="{FF2B5EF4-FFF2-40B4-BE49-F238E27FC236}">
+                  <a16:creationId xmlns:a16="http://schemas.microsoft.com/office/drawing/2014/main" id="{06C69A90-07D7-488D-9952-3C6D6B7A565F}"/>
+                </a:ext>
+              </a:extLst>
+            </p:cNvPr>
+            <p:cNvPicPr>
+              <a:picLocks noChangeAspect="1"/>
+            </p:cNvPicPr>
+            <p:nvPr/>
+          </p:nvPicPr>
+          <p:blipFill rotWithShape="1">
+            <a:blip r:embed="rId2"/>
+            <a:srcRect l="24437" t="4180" r="17800" b="6392"/>
+            <a:stretch/>
+          </p:blipFill>
+          <p:spPr>
+            <a:xfrm>
+              <a:off x="2979421" y="286603"/>
+              <a:ext cx="7042404" cy="6133051"/>
+            </a:xfrm>
+            <a:prstGeom prst="rect">
+              <a:avLst/>
+            </a:prstGeom>
+            <a:solidFill>
+              <a:srgbClr val="FFFFFF">
+                <a:shade val="85000"/>
+              </a:srgbClr>
+            </a:solidFill>
+            <a:ln w="88900" cap="sq">
+              <a:solidFill>
+                <a:srgbClr val="FFFFFF"/>
+              </a:solidFill>
+              <a:miter lim="800000"/>
+            </a:ln>
+            <a:effectLst>
+              <a:outerShdw blurRad="55000" dist="18000" dir="5400000" algn="tl" rotWithShape="0">
+                <a:srgbClr val="000000">
+                  <a:alpha val="40000"/>
+                </a:srgbClr>
+              </a:outerShdw>
+            </a:effectLst>
+            <a:scene3d>
+              <a:camera prst="orthographicFront"/>
+              <a:lightRig rig="twoPt" dir="t">
+                <a:rot lat="0" lon="0" rev="7200000"/>
+              </a:lightRig>
+            </a:scene3d>
+            <a:sp3d>
+              <a:bevelT w="25400" h="19050"/>
+              <a:contourClr>
+                <a:srgbClr val="FFFFFF"/>
+              </a:contourClr>
+            </a:sp3d>
+          </p:spPr>
+        </p:pic>
+        <p:sp>
+          <p:nvSpPr>
+            <p:cNvPr id="5" name="Rectangle: Rounded Corners 4">
+              <a:extLst>
+                <a:ext uri="{FF2B5EF4-FFF2-40B4-BE49-F238E27FC236}">
+                  <a16:creationId xmlns:a16="http://schemas.microsoft.com/office/drawing/2014/main" id="{0E0E444D-BFC2-4CAD-9E3F-BC56BE752500}"/>
+                </a:ext>
+              </a:extLst>
+            </p:cNvPr>
+            <p:cNvSpPr/>
+            <p:nvPr/>
+          </p:nvSpPr>
+          <p:spPr>
+            <a:xfrm>
+              <a:off x="2977975" y="1517714"/>
+              <a:ext cx="7025561" cy="782426"/>
+            </a:xfrm>
+            <a:prstGeom prst="roundRect">
+              <a:avLst/>
+            </a:prstGeom>
+            <a:noFill/>
+            <a:ln w="19050">
+              <a:solidFill>
+                <a:schemeClr val="bg2">
+                  <a:lumMod val="75000"/>
+                </a:schemeClr>
+              </a:solidFill>
+              <a:prstDash val="sysDash"/>
+            </a:ln>
+          </p:spPr>
+          <p:style>
+            <a:lnRef idx="2">
+              <a:schemeClr val="accent1">
+                <a:shade val="50000"/>
+              </a:schemeClr>
+            </a:lnRef>
+            <a:fillRef idx="1">
+              <a:schemeClr val="accent1"/>
+            </a:fillRef>
+            <a:effectRef idx="0">
+              <a:schemeClr val="accent1"/>
+            </a:effectRef>
+            <a:fontRef idx="minor">
+              <a:schemeClr val="lt1"/>
+            </a:fontRef>
+          </p:style>
+          <p:txBody>
+            <a:bodyPr rtlCol="0" anchor="ctr"/>
+            <a:lstStyle/>
+            <a:p>
+              <a:pPr algn="ctr"/>
+              <a:endParaRPr lang="en-SG" dirty="0"/>
+            </a:p>
+          </p:txBody>
+        </p:sp>
+        <p:sp>
+          <p:nvSpPr>
+            <p:cNvPr id="6" name="Rectangle: Rounded Corners 5">
+              <a:extLst>
+                <a:ext uri="{FF2B5EF4-FFF2-40B4-BE49-F238E27FC236}">
+                  <a16:creationId xmlns:a16="http://schemas.microsoft.com/office/drawing/2014/main" id="{830CE4AE-0457-4742-A9B0-7D5195B14D99}"/>
+                </a:ext>
+              </a:extLst>
+            </p:cNvPr>
+            <p:cNvSpPr/>
+            <p:nvPr/>
+          </p:nvSpPr>
+          <p:spPr>
+            <a:xfrm>
+              <a:off x="7652931" y="1236183"/>
+              <a:ext cx="2259244" cy="532399"/>
+            </a:xfrm>
+            <a:prstGeom prst="roundRect">
+              <a:avLst/>
+            </a:prstGeom>
+            <a:gradFill flip="none" rotWithShape="1">
+              <a:gsLst>
+                <a:gs pos="0">
+                  <a:schemeClr val="bg2">
+                    <a:lumMod val="90000"/>
+                    <a:tint val="66000"/>
+                    <a:satMod val="160000"/>
+                  </a:schemeClr>
+                </a:gs>
+                <a:gs pos="50000">
+                  <a:schemeClr val="bg2">
+                    <a:lumMod val="90000"/>
+                    <a:tint val="44500"/>
+                    <a:satMod val="160000"/>
+                  </a:schemeClr>
+                </a:gs>
+                <a:gs pos="100000">
+                  <a:schemeClr val="bg2">
+                    <a:lumMod val="90000"/>
+                    <a:tint val="23500"/>
+                    <a:satMod val="160000"/>
+                  </a:schemeClr>
+                </a:gs>
+              </a:gsLst>
+              <a:lin ang="8100000" scaled="1"/>
+              <a:tileRect/>
+            </a:gradFill>
+            <a:ln>
+              <a:solidFill>
+                <a:schemeClr val="bg2">
+                  <a:lumMod val="50000"/>
+                </a:schemeClr>
+              </a:solidFill>
+            </a:ln>
+          </p:spPr>
+          <p:style>
+            <a:lnRef idx="2">
+              <a:schemeClr val="accent1">
+                <a:shade val="50000"/>
+              </a:schemeClr>
+            </a:lnRef>
+            <a:fillRef idx="1">
+              <a:schemeClr val="accent1"/>
+            </a:fillRef>
+            <a:effectRef idx="0">
+              <a:schemeClr val="accent1"/>
+            </a:effectRef>
+            <a:fontRef idx="minor">
+              <a:schemeClr val="lt1"/>
+            </a:fontRef>
+          </p:style>
+          <p:txBody>
+            <a:bodyPr rtlCol="0" anchor="ctr"/>
+            <a:lstStyle/>
+            <a:p>
+              <a:pPr algn="ctr"/>
+              <a:r>
+                <a:rPr lang="en-SG" sz="1400" dirty="0">
+                  <a:solidFill>
+                    <a:schemeClr val="tx1"/>
+                  </a:solidFill>
+                  <a:effectLst>
+                    <a:outerShdw blurRad="38100" dist="38100" dir="2700000" algn="tl">
+                      <a:srgbClr val="000000">
+                        <a:alpha val="43137"/>
+                      </a:srgbClr>
+                    </a:outerShdw>
+                  </a:effectLst>
+                  <a:latin typeface="Bahnschrift Light Condensed" panose="020B0502040204020203" pitchFamily="34" charset="0"/>
+                </a:rPr>
+                <a:t>Feedback when </a:t>
+              </a:r>
+              <a:r>
+                <a:rPr lang="en-SG" sz="1400" b="1" dirty="0">
+                  <a:solidFill>
+                    <a:schemeClr val="tx1"/>
+                  </a:solidFill>
+                  <a:effectLst>
+                    <a:outerShdw blurRad="38100" dist="38100" dir="2700000" algn="tl">
+                      <a:srgbClr val="000000">
+                        <a:alpha val="43137"/>
+                      </a:srgbClr>
+                    </a:outerShdw>
+                  </a:effectLst>
+                  <a:latin typeface="Bahnschrift Light Condensed" panose="020B0502040204020203" pitchFamily="34" charset="0"/>
+                </a:rPr>
+                <a:t>Game</a:t>
+              </a:r>
+            </a:p>
+            <a:p>
+              <a:pPr algn="ctr"/>
+              <a:r>
+                <a:rPr lang="en-SG" sz="1400" b="1" dirty="0">
+                  <a:solidFill>
+                    <a:schemeClr val="tx1"/>
+                  </a:solidFill>
+                  <a:effectLst>
+                    <a:outerShdw blurRad="38100" dist="38100" dir="2700000" algn="tl">
+                      <a:srgbClr val="000000">
+                        <a:alpha val="43137"/>
+                      </a:srgbClr>
+                    </a:outerShdw>
+                  </a:effectLst>
+                  <a:latin typeface="Bahnschrift Light Condensed" panose="020B0502040204020203" pitchFamily="34" charset="0"/>
+                </a:rPr>
+                <a:t> </a:t>
+              </a:r>
+              <a:r>
+                <a:rPr lang="en-SG" sz="1400" dirty="0">
+                  <a:solidFill>
+                    <a:schemeClr val="tx1"/>
+                  </a:solidFill>
+                  <a:effectLst>
+                    <a:outerShdw blurRad="38100" dist="38100" dir="2700000" algn="tl">
+                      <a:srgbClr val="000000">
+                        <a:alpha val="43137"/>
+                      </a:srgbClr>
+                    </a:outerShdw>
+                  </a:effectLst>
+                  <a:latin typeface="Bahnschrift Light Condensed" panose="020B0502040204020203" pitchFamily="34" charset="0"/>
+                </a:rPr>
+                <a:t>is stopped</a:t>
+              </a:r>
+            </a:p>
+          </p:txBody>
+        </p:sp>
+      </p:grpSp>
+    </p:spTree>
+    <p:extLst>
+      <p:ext uri="{BB962C8B-B14F-4D97-AF65-F5344CB8AC3E}">
+        <p14:creationId xmlns:p14="http://schemas.microsoft.com/office/powerpoint/2010/main" val="1795090436"/>
+      </p:ext>
+    </p:extLst>
+  </p:cSld>
+  <p:clrMapOvr>
+    <a:masterClrMapping/>
+  </p:clrMapOvr>
+</p:sld>
+</file>
+
+<file path=ppt/slides/slide11.xml><?xml version="1.0" encoding="utf-8"?>
+<p:sld xmlns:a="http://schemas.openxmlformats.org/drawingml/2006/main" xmlns:r="http://schemas.openxmlformats.org/officeDocument/2006/relationships" xmlns:p="http://schemas.openxmlformats.org/presentationml/2006/main">
+  <p:cSld>
+    <p:spTree>
+      <p:nvGrpSpPr>
+        <p:cNvPr id="1" name=""/>
+        <p:cNvGrpSpPr/>
+        <p:nvPr/>
+      </p:nvGrpSpPr>
+      <p:grpSpPr>
+        <a:xfrm>
+          <a:off x="0" y="0"/>
+          <a:ext cx="0" cy="0"/>
+          <a:chOff x="0" y="0"/>
+          <a:chExt cx="0" cy="0"/>
+        </a:xfrm>
+      </p:grpSpPr>
+      <p:sp>
+        <p:nvSpPr>
+          <p:cNvPr id="2" name="Title 1">
+            <a:extLst>
+              <a:ext uri="{FF2B5EF4-FFF2-40B4-BE49-F238E27FC236}">
+                <a16:creationId xmlns:a16="http://schemas.microsoft.com/office/drawing/2014/main" id="{E70CC326-E048-4666-92D1-EE93F81C75B2}"/>
+              </a:ext>
+            </a:extLst>
+          </p:cNvPr>
+          <p:cNvSpPr>
+            <a:spLocks noGrp="1"/>
+          </p:cNvSpPr>
+          <p:nvPr>
+            <p:ph type="title"/>
+          </p:nvPr>
+        </p:nvSpPr>
+        <p:spPr/>
+        <p:txBody>
+          <a:bodyPr/>
+          <a:lstStyle/>
+          <a:p>
+            <a:endParaRPr lang="en-SG"/>
+          </a:p>
+        </p:txBody>
+      </p:sp>
+      <p:sp>
+        <p:nvSpPr>
+          <p:cNvPr id="3" name="Content Placeholder 2">
+            <a:extLst>
+              <a:ext uri="{FF2B5EF4-FFF2-40B4-BE49-F238E27FC236}">
+                <a16:creationId xmlns:a16="http://schemas.microsoft.com/office/drawing/2014/main" id="{017416C7-AE5F-48DD-91E0-161486727C52}"/>
+              </a:ext>
+            </a:extLst>
+          </p:cNvPr>
+          <p:cNvSpPr>
+            <a:spLocks noGrp="1"/>
+          </p:cNvSpPr>
+          <p:nvPr>
+            <p:ph idx="1"/>
+          </p:nvPr>
+        </p:nvSpPr>
+        <p:spPr/>
+        <p:txBody>
+          <a:bodyPr/>
+          <a:lstStyle/>
+          <a:p>
+            <a:endParaRPr lang="en-SG"/>
+          </a:p>
+        </p:txBody>
+      </p:sp>
+      <p:pic>
+        <p:nvPicPr>
+          <p:cNvPr id="9" name="Picture 8">
+            <a:extLst>
+              <a:ext uri="{FF2B5EF4-FFF2-40B4-BE49-F238E27FC236}">
+                <a16:creationId xmlns:a16="http://schemas.microsoft.com/office/drawing/2014/main" id="{751EE8B3-8063-4B95-BBDD-243173A28F1E}"/>
+              </a:ext>
+            </a:extLst>
+          </p:cNvPr>
+          <p:cNvPicPr>
+            <a:picLocks noChangeAspect="1"/>
+          </p:cNvPicPr>
+          <p:nvPr/>
+        </p:nvPicPr>
+        <p:blipFill rotWithShape="1">
+          <a:blip r:embed="rId3"/>
+          <a:srcRect t="2400" b="5333"/>
+          <a:stretch/>
+        </p:blipFill>
+        <p:spPr>
+          <a:xfrm>
+            <a:off x="0" y="164592"/>
+            <a:ext cx="12192000" cy="6327648"/>
+          </a:xfrm>
+          <a:prstGeom prst="rect">
+            <a:avLst/>
+          </a:prstGeom>
+          <a:ln>
+            <a:noFill/>
+          </a:ln>
+          <a:effectLst>
+            <a:outerShdw blurRad="190500" algn="tl" rotWithShape="0">
+              <a:srgbClr val="000000">
+                <a:alpha val="70000"/>
+              </a:srgbClr>
+            </a:outerShdw>
+          </a:effectLst>
+        </p:spPr>
+      </p:pic>
+    </p:spTree>
+    <p:extLst>
+      <p:ext uri="{BB962C8B-B14F-4D97-AF65-F5344CB8AC3E}">
+        <p14:creationId xmlns:p14="http://schemas.microsoft.com/office/powerpoint/2010/main" val="965872846"/>
       </p:ext>
     </p:extLst>
   </p:cSld>
@@ -12370,6 +12802,686 @@
       </p:grpSpPr>
       <p:grpSp>
         <p:nvGrpSpPr>
+          <p:cNvPr id="15" name="Group 14">
+            <a:extLst>
+              <a:ext uri="{FF2B5EF4-FFF2-40B4-BE49-F238E27FC236}">
+                <a16:creationId xmlns:a16="http://schemas.microsoft.com/office/drawing/2014/main" id="{39E69AC5-2134-446A-A618-1584465509C2}"/>
+              </a:ext>
+            </a:extLst>
+          </p:cNvPr>
+          <p:cNvGrpSpPr/>
+          <p:nvPr/>
+        </p:nvGrpSpPr>
+        <p:grpSpPr>
+          <a:xfrm>
+            <a:off x="1036320" y="965200"/>
+            <a:ext cx="10281501" cy="5086808"/>
+            <a:chOff x="1036320" y="965200"/>
+            <a:chExt cx="10281501" cy="5086808"/>
+          </a:xfrm>
+        </p:grpSpPr>
+        <p:pic>
+          <p:nvPicPr>
+            <p:cNvPr id="7" name="Picture 6">
+              <a:extLst>
+                <a:ext uri="{FF2B5EF4-FFF2-40B4-BE49-F238E27FC236}">
+                  <a16:creationId xmlns:a16="http://schemas.microsoft.com/office/drawing/2014/main" id="{654B830E-0790-49A8-800C-47ED41370104}"/>
+                </a:ext>
+              </a:extLst>
+            </p:cNvPr>
+            <p:cNvPicPr>
+              <a:picLocks noChangeAspect="1"/>
+            </p:cNvPicPr>
+            <p:nvPr/>
+          </p:nvPicPr>
+          <p:blipFill rotWithShape="1">
+            <a:blip r:embed="rId2"/>
+            <a:srcRect l="8500" t="16111" r="7294" b="11753"/>
+            <a:stretch/>
+          </p:blipFill>
+          <p:spPr>
+            <a:xfrm>
+              <a:off x="1036320" y="1104900"/>
+              <a:ext cx="10266418" cy="4947108"/>
+            </a:xfrm>
+            <a:prstGeom prst="rect">
+              <a:avLst/>
+            </a:prstGeom>
+            <a:ln>
+              <a:noFill/>
+            </a:ln>
+            <a:effectLst>
+              <a:outerShdw blurRad="190500" algn="tl" rotWithShape="0">
+                <a:srgbClr val="000000">
+                  <a:alpha val="70000"/>
+                </a:srgbClr>
+              </a:outerShdw>
+            </a:effectLst>
+          </p:spPr>
+        </p:pic>
+        <p:sp>
+          <p:nvSpPr>
+            <p:cNvPr id="8" name="Rectangle: Rounded Corners 7">
+              <a:extLst>
+                <a:ext uri="{FF2B5EF4-FFF2-40B4-BE49-F238E27FC236}">
+                  <a16:creationId xmlns:a16="http://schemas.microsoft.com/office/drawing/2014/main" id="{363B2D78-A11F-49B4-814F-360AD83F7ED5}"/>
+                </a:ext>
+              </a:extLst>
+            </p:cNvPr>
+            <p:cNvSpPr/>
+            <p:nvPr/>
+          </p:nvSpPr>
+          <p:spPr>
+            <a:xfrm>
+              <a:off x="5091085" y="1282700"/>
+              <a:ext cx="6226736" cy="378460"/>
+            </a:xfrm>
+            <a:prstGeom prst="roundRect">
+              <a:avLst/>
+            </a:prstGeom>
+            <a:noFill/>
+            <a:ln w="19050">
+              <a:solidFill>
+                <a:srgbClr val="FFC000"/>
+              </a:solidFill>
+              <a:prstDash val="sysDash"/>
+            </a:ln>
+          </p:spPr>
+          <p:style>
+            <a:lnRef idx="2">
+              <a:schemeClr val="accent1">
+                <a:shade val="50000"/>
+              </a:schemeClr>
+            </a:lnRef>
+            <a:fillRef idx="1">
+              <a:schemeClr val="accent1"/>
+            </a:fillRef>
+            <a:effectRef idx="0">
+              <a:schemeClr val="accent1"/>
+            </a:effectRef>
+            <a:fontRef idx="minor">
+              <a:schemeClr val="lt1"/>
+            </a:fontRef>
+          </p:style>
+          <p:txBody>
+            <a:bodyPr rtlCol="0" anchor="ctr"/>
+            <a:lstStyle/>
+            <a:p>
+              <a:pPr algn="ctr"/>
+              <a:endParaRPr lang="en-SG" dirty="0"/>
+            </a:p>
+          </p:txBody>
+        </p:sp>
+        <p:sp>
+          <p:nvSpPr>
+            <p:cNvPr id="9" name="Rectangle: Rounded Corners 8">
+              <a:extLst>
+                <a:ext uri="{FF2B5EF4-FFF2-40B4-BE49-F238E27FC236}">
+                  <a16:creationId xmlns:a16="http://schemas.microsoft.com/office/drawing/2014/main" id="{37F44BD9-1B0D-4BDB-9D06-21B749359C7B}"/>
+                </a:ext>
+              </a:extLst>
+            </p:cNvPr>
+            <p:cNvSpPr/>
+            <p:nvPr/>
+          </p:nvSpPr>
+          <p:spPr>
+            <a:xfrm>
+              <a:off x="8776716" y="965200"/>
+              <a:ext cx="2373332" cy="378459"/>
+            </a:xfrm>
+            <a:prstGeom prst="roundRect">
+              <a:avLst/>
+            </a:prstGeom>
+            <a:gradFill flip="none" rotWithShape="1">
+              <a:gsLst>
+                <a:gs pos="0">
+                  <a:srgbClr val="FFC000">
+                    <a:tint val="66000"/>
+                    <a:satMod val="160000"/>
+                  </a:srgbClr>
+                </a:gs>
+                <a:gs pos="50000">
+                  <a:srgbClr val="FFC000">
+                    <a:tint val="44500"/>
+                    <a:satMod val="160000"/>
+                  </a:srgbClr>
+                </a:gs>
+                <a:gs pos="100000">
+                  <a:srgbClr val="FFC000">
+                    <a:tint val="23500"/>
+                    <a:satMod val="160000"/>
+                  </a:srgbClr>
+                </a:gs>
+              </a:gsLst>
+              <a:path path="circle">
+                <a:fillToRect l="50000" t="50000" r="50000" b="50000"/>
+              </a:path>
+              <a:tileRect/>
+            </a:gradFill>
+          </p:spPr>
+          <p:style>
+            <a:lnRef idx="2">
+              <a:schemeClr val="accent1">
+                <a:shade val="50000"/>
+              </a:schemeClr>
+            </a:lnRef>
+            <a:fillRef idx="1">
+              <a:schemeClr val="accent1"/>
+            </a:fillRef>
+            <a:effectRef idx="0">
+              <a:schemeClr val="accent1"/>
+            </a:effectRef>
+            <a:fontRef idx="minor">
+              <a:schemeClr val="lt1"/>
+            </a:fontRef>
+          </p:style>
+          <p:txBody>
+            <a:bodyPr rtlCol="0" anchor="ctr"/>
+            <a:lstStyle/>
+            <a:p>
+              <a:pPr algn="ctr"/>
+              <a:r>
+                <a:rPr lang="en-SG" dirty="0">
+                  <a:solidFill>
+                    <a:schemeClr val="tx1"/>
+                  </a:solidFill>
+                  <a:effectLst>
+                    <a:outerShdw blurRad="38100" dist="38100" dir="2700000" algn="tl">
+                      <a:srgbClr val="000000">
+                        <a:alpha val="43137"/>
+                      </a:srgbClr>
+                    </a:outerShdw>
+                  </a:effectLst>
+                  <a:latin typeface="Bahnschrift Light Condensed" panose="020B0502040204020203" pitchFamily="34" charset="0"/>
+                </a:rPr>
+                <a:t>T</a:t>
+              </a:r>
+              <a:r>
+                <a:rPr lang="en-SG" b="1" dirty="0">
+                  <a:solidFill>
+                    <a:schemeClr val="tx1"/>
+                  </a:solidFill>
+                  <a:effectLst>
+                    <a:outerShdw blurRad="38100" dist="38100" dir="2700000" algn="tl">
+                      <a:srgbClr val="000000">
+                        <a:alpha val="43137"/>
+                      </a:srgbClr>
+                    </a:outerShdw>
+                  </a:effectLst>
+                  <a:latin typeface="Bahnschrift Light Condensed" panose="020B0502040204020203" pitchFamily="34" charset="0"/>
+                </a:rPr>
+                <a:t>ime</a:t>
+              </a:r>
+              <a:r>
+                <a:rPr lang="en-SG" dirty="0">
+                  <a:solidFill>
+                    <a:schemeClr val="tx1"/>
+                  </a:solidFill>
+                  <a:effectLst>
+                    <a:outerShdw blurRad="38100" dist="38100" dir="2700000" algn="tl">
+                      <a:srgbClr val="000000">
+                        <a:alpha val="43137"/>
+                      </a:srgbClr>
+                    </a:outerShdw>
+                  </a:effectLst>
+                  <a:latin typeface="Bahnschrift Light Condensed" panose="020B0502040204020203" pitchFamily="34" charset="0"/>
+                </a:rPr>
+                <a:t> left for current Card</a:t>
+              </a:r>
+            </a:p>
+          </p:txBody>
+        </p:sp>
+        <p:sp>
+          <p:nvSpPr>
+            <p:cNvPr id="10" name="Rectangle: Rounded Corners 9">
+              <a:extLst>
+                <a:ext uri="{FF2B5EF4-FFF2-40B4-BE49-F238E27FC236}">
+                  <a16:creationId xmlns:a16="http://schemas.microsoft.com/office/drawing/2014/main" id="{0C263FF1-24D6-489F-BBDA-B63B9BA4E28C}"/>
+                </a:ext>
+              </a:extLst>
+            </p:cNvPr>
+            <p:cNvSpPr/>
+            <p:nvPr/>
+          </p:nvSpPr>
+          <p:spPr>
+            <a:xfrm>
+              <a:off x="1081904" y="2971800"/>
+              <a:ext cx="10190354" cy="1703895"/>
+            </a:xfrm>
+            <a:prstGeom prst="roundRect">
+              <a:avLst/>
+            </a:prstGeom>
+            <a:noFill/>
+            <a:ln w="19050">
+              <a:solidFill>
+                <a:srgbClr val="FF0000"/>
+              </a:solidFill>
+              <a:prstDash val="sysDash"/>
+            </a:ln>
+          </p:spPr>
+          <p:style>
+            <a:lnRef idx="2">
+              <a:schemeClr val="accent1">
+                <a:shade val="50000"/>
+              </a:schemeClr>
+            </a:lnRef>
+            <a:fillRef idx="1">
+              <a:schemeClr val="accent1"/>
+            </a:fillRef>
+            <a:effectRef idx="0">
+              <a:schemeClr val="accent1"/>
+            </a:effectRef>
+            <a:fontRef idx="minor">
+              <a:schemeClr val="lt1"/>
+            </a:fontRef>
+          </p:style>
+          <p:txBody>
+            <a:bodyPr rtlCol="0" anchor="ctr"/>
+            <a:lstStyle/>
+            <a:p>
+              <a:pPr algn="ctr"/>
+              <a:endParaRPr lang="en-SG" dirty="0"/>
+            </a:p>
+          </p:txBody>
+        </p:sp>
+        <p:sp>
+          <p:nvSpPr>
+            <p:cNvPr id="11" name="Rectangle: Rounded Corners 10">
+              <a:extLst>
+                <a:ext uri="{FF2B5EF4-FFF2-40B4-BE49-F238E27FC236}">
+                  <a16:creationId xmlns:a16="http://schemas.microsoft.com/office/drawing/2014/main" id="{907BAB1D-A363-4111-BD81-F6240042BA53}"/>
+                </a:ext>
+              </a:extLst>
+            </p:cNvPr>
+            <p:cNvSpPr/>
+            <p:nvPr/>
+          </p:nvSpPr>
+          <p:spPr>
+            <a:xfrm>
+              <a:off x="6198544" y="2747772"/>
+              <a:ext cx="2558900" cy="470200"/>
+            </a:xfrm>
+            <a:prstGeom prst="roundRect">
+              <a:avLst/>
+            </a:prstGeom>
+            <a:gradFill flip="none" rotWithShape="1">
+              <a:gsLst>
+                <a:gs pos="0">
+                  <a:srgbClr val="F86262">
+                    <a:tint val="66000"/>
+                    <a:satMod val="160000"/>
+                  </a:srgbClr>
+                </a:gs>
+                <a:gs pos="50000">
+                  <a:srgbClr val="F86262">
+                    <a:tint val="44500"/>
+                    <a:satMod val="160000"/>
+                  </a:srgbClr>
+                </a:gs>
+                <a:gs pos="100000">
+                  <a:srgbClr val="F86262">
+                    <a:tint val="23500"/>
+                    <a:satMod val="160000"/>
+                  </a:srgbClr>
+                </a:gs>
+              </a:gsLst>
+              <a:lin ang="5400000" scaled="1"/>
+              <a:tileRect/>
+            </a:gradFill>
+            <a:ln>
+              <a:solidFill>
+                <a:srgbClr val="FF0000"/>
+              </a:solidFill>
+            </a:ln>
+          </p:spPr>
+          <p:style>
+            <a:lnRef idx="2">
+              <a:schemeClr val="accent1">
+                <a:shade val="50000"/>
+              </a:schemeClr>
+            </a:lnRef>
+            <a:fillRef idx="1">
+              <a:schemeClr val="accent1"/>
+            </a:fillRef>
+            <a:effectRef idx="0">
+              <a:schemeClr val="accent1"/>
+            </a:effectRef>
+            <a:fontRef idx="minor">
+              <a:schemeClr val="lt1"/>
+            </a:fontRef>
+          </p:style>
+          <p:txBody>
+            <a:bodyPr rtlCol="0" anchor="ctr"/>
+            <a:lstStyle/>
+            <a:p>
+              <a:pPr algn="ctr"/>
+              <a:r>
+                <a:rPr lang="en-SG" sz="1700" dirty="0">
+                  <a:solidFill>
+                    <a:schemeClr val="tx1"/>
+                  </a:solidFill>
+                  <a:effectLst>
+                    <a:outerShdw blurRad="38100" dist="38100" dir="2700000" algn="tl">
+                      <a:srgbClr val="000000">
+                        <a:alpha val="43137"/>
+                      </a:srgbClr>
+                    </a:outerShdw>
+                  </a:effectLst>
+                  <a:latin typeface="Bahnschrift Light Condensed" panose="020B0502040204020203" pitchFamily="34" charset="0"/>
+                </a:rPr>
+                <a:t>Current Card’s </a:t>
+              </a:r>
+              <a:r>
+                <a:rPr lang="en-SG" sz="1700" b="1" dirty="0">
+                  <a:solidFill>
+                    <a:schemeClr val="tx1"/>
+                  </a:solidFill>
+                  <a:effectLst>
+                    <a:outerShdw blurRad="38100" dist="38100" dir="2700000" algn="tl">
+                      <a:srgbClr val="000000">
+                        <a:alpha val="43137"/>
+                      </a:srgbClr>
+                    </a:outerShdw>
+                  </a:effectLst>
+                  <a:latin typeface="Bahnschrift Light Condensed" panose="020B0502040204020203" pitchFamily="34" charset="0"/>
+                </a:rPr>
+                <a:t>Meaning </a:t>
+              </a:r>
+              <a:br>
+                <a:rPr lang="en-SG" sz="1700" b="1" dirty="0">
+                  <a:solidFill>
+                    <a:schemeClr val="tx1"/>
+                  </a:solidFill>
+                  <a:effectLst>
+                    <a:outerShdw blurRad="38100" dist="38100" dir="2700000" algn="tl">
+                      <a:srgbClr val="000000">
+                        <a:alpha val="43137"/>
+                      </a:srgbClr>
+                    </a:outerShdw>
+                  </a:effectLst>
+                  <a:latin typeface="Bahnschrift Light Condensed" panose="020B0502040204020203" pitchFamily="34" charset="0"/>
+                </a:rPr>
+              </a:br>
+              <a:r>
+                <a:rPr lang="en-SG" sz="1700" dirty="0">
+                  <a:solidFill>
+                    <a:schemeClr val="tx1"/>
+                  </a:solidFill>
+                  <a:effectLst>
+                    <a:outerShdw blurRad="38100" dist="38100" dir="2700000" algn="tl">
+                      <a:srgbClr val="000000">
+                        <a:alpha val="43137"/>
+                      </a:srgbClr>
+                    </a:outerShdw>
+                  </a:effectLst>
+                  <a:latin typeface="Bahnschrift Light Condensed" panose="020B0502040204020203" pitchFamily="34" charset="0"/>
+                </a:rPr>
+                <a:t>(to guess)</a:t>
+              </a:r>
+              <a:r>
+                <a:rPr lang="en-SG" sz="1700" b="1" dirty="0">
+                  <a:solidFill>
+                    <a:schemeClr val="tx1"/>
+                  </a:solidFill>
+                  <a:effectLst>
+                    <a:outerShdw blurRad="38100" dist="38100" dir="2700000" algn="tl">
+                      <a:srgbClr val="000000">
+                        <a:alpha val="43137"/>
+                      </a:srgbClr>
+                    </a:outerShdw>
+                  </a:effectLst>
+                  <a:latin typeface="Bahnschrift Light Condensed" panose="020B0502040204020203" pitchFamily="34" charset="0"/>
+                </a:rPr>
+                <a:t> </a:t>
+              </a:r>
+              <a:r>
+                <a:rPr lang="en-SG" sz="1700" dirty="0">
+                  <a:solidFill>
+                    <a:schemeClr val="tx1"/>
+                  </a:solidFill>
+                  <a:effectLst>
+                    <a:outerShdw blurRad="38100" dist="38100" dir="2700000" algn="tl">
+                      <a:srgbClr val="000000">
+                        <a:alpha val="43137"/>
+                      </a:srgbClr>
+                    </a:outerShdw>
+                  </a:effectLst>
+                  <a:latin typeface="Bahnschrift Light Condensed" panose="020B0502040204020203" pitchFamily="34" charset="0"/>
+                </a:rPr>
+                <a:t> </a:t>
+              </a:r>
+            </a:p>
+          </p:txBody>
+        </p:sp>
+        <p:sp>
+          <p:nvSpPr>
+            <p:cNvPr id="12" name="Rectangle: Rounded Corners 11">
+              <a:extLst>
+                <a:ext uri="{FF2B5EF4-FFF2-40B4-BE49-F238E27FC236}">
+                  <a16:creationId xmlns:a16="http://schemas.microsoft.com/office/drawing/2014/main" id="{CF565CD1-8A46-42F1-A009-0F4802CEBEF9}"/>
+                </a:ext>
+              </a:extLst>
+            </p:cNvPr>
+            <p:cNvSpPr/>
+            <p:nvPr/>
+          </p:nvSpPr>
+          <p:spPr>
+            <a:xfrm>
+              <a:off x="1081904" y="4528612"/>
+              <a:ext cx="10190354" cy="1486161"/>
+            </a:xfrm>
+            <a:prstGeom prst="roundRect">
+              <a:avLst/>
+            </a:prstGeom>
+            <a:noFill/>
+            <a:ln w="19050">
+              <a:solidFill>
+                <a:srgbClr val="00B0F0"/>
+              </a:solidFill>
+              <a:prstDash val="sysDash"/>
+            </a:ln>
+          </p:spPr>
+          <p:style>
+            <a:lnRef idx="2">
+              <a:schemeClr val="accent1">
+                <a:shade val="50000"/>
+              </a:schemeClr>
+            </a:lnRef>
+            <a:fillRef idx="1">
+              <a:schemeClr val="accent1"/>
+            </a:fillRef>
+            <a:effectRef idx="0">
+              <a:schemeClr val="accent1"/>
+            </a:effectRef>
+            <a:fontRef idx="minor">
+              <a:schemeClr val="lt1"/>
+            </a:fontRef>
+          </p:style>
+          <p:txBody>
+            <a:bodyPr rtlCol="0" anchor="ctr"/>
+            <a:lstStyle/>
+            <a:p>
+              <a:pPr algn="ctr"/>
+              <a:endParaRPr lang="en-SG" dirty="0"/>
+            </a:p>
+          </p:txBody>
+        </p:sp>
+        <p:sp>
+          <p:nvSpPr>
+            <p:cNvPr id="13" name="Rectangle: Rounded Corners 12">
+              <a:extLst>
+                <a:ext uri="{FF2B5EF4-FFF2-40B4-BE49-F238E27FC236}">
+                  <a16:creationId xmlns:a16="http://schemas.microsoft.com/office/drawing/2014/main" id="{B6C26112-76F5-4B9A-B6C5-F224D92DD152}"/>
+                </a:ext>
+              </a:extLst>
+            </p:cNvPr>
+            <p:cNvSpPr/>
+            <p:nvPr/>
+          </p:nvSpPr>
+          <p:spPr>
+            <a:xfrm>
+              <a:off x="7883173" y="4292374"/>
+              <a:ext cx="2566295" cy="482410"/>
+            </a:xfrm>
+            <a:prstGeom prst="roundRect">
+              <a:avLst/>
+            </a:prstGeom>
+            <a:gradFill flip="none" rotWithShape="1">
+              <a:gsLst>
+                <a:gs pos="0">
+                  <a:schemeClr val="bg2">
+                    <a:lumMod val="50000"/>
+                    <a:tint val="66000"/>
+                    <a:satMod val="160000"/>
+                  </a:schemeClr>
+                </a:gs>
+                <a:gs pos="50000">
+                  <a:schemeClr val="bg2">
+                    <a:lumMod val="50000"/>
+                    <a:tint val="44500"/>
+                    <a:satMod val="160000"/>
+                  </a:schemeClr>
+                </a:gs>
+                <a:gs pos="100000">
+                  <a:schemeClr val="bg2">
+                    <a:lumMod val="50000"/>
+                    <a:tint val="23500"/>
+                    <a:satMod val="160000"/>
+                  </a:schemeClr>
+                </a:gs>
+              </a:gsLst>
+              <a:path path="circle">
+                <a:fillToRect l="50000" t="50000" r="50000" b="50000"/>
+              </a:path>
+              <a:tileRect/>
+            </a:gradFill>
+            <a:ln>
+              <a:solidFill>
+                <a:srgbClr val="00B0F0"/>
+              </a:solidFill>
+            </a:ln>
+          </p:spPr>
+          <p:style>
+            <a:lnRef idx="2">
+              <a:schemeClr val="accent1">
+                <a:shade val="50000"/>
+              </a:schemeClr>
+            </a:lnRef>
+            <a:fillRef idx="1">
+              <a:schemeClr val="accent1"/>
+            </a:fillRef>
+            <a:effectRef idx="0">
+              <a:schemeClr val="accent1"/>
+            </a:effectRef>
+            <a:fontRef idx="minor">
+              <a:schemeClr val="lt1"/>
+            </a:fontRef>
+          </p:style>
+          <p:txBody>
+            <a:bodyPr rtlCol="0" anchor="ctr"/>
+            <a:lstStyle/>
+            <a:p>
+              <a:pPr algn="ctr"/>
+              <a:r>
+                <a:rPr lang="en-SG" dirty="0">
+                  <a:solidFill>
+                    <a:schemeClr val="tx1"/>
+                  </a:solidFill>
+                  <a:effectLst>
+                    <a:outerShdw blurRad="38100" dist="38100" dir="2700000" algn="tl">
+                      <a:srgbClr val="000000">
+                        <a:alpha val="43137"/>
+                      </a:srgbClr>
+                    </a:outerShdw>
+                  </a:effectLst>
+                  <a:latin typeface="Bahnschrift Light Condensed" panose="020B0502040204020203" pitchFamily="34" charset="0"/>
+                </a:rPr>
+                <a:t>Current Card’s</a:t>
+              </a:r>
+            </a:p>
+            <a:p>
+              <a:pPr algn="ctr"/>
+              <a:r>
+                <a:rPr lang="en-SG" dirty="0">
+                  <a:solidFill>
+                    <a:schemeClr val="tx1"/>
+                  </a:solidFill>
+                  <a:effectLst>
+                    <a:outerShdw blurRad="38100" dist="38100" dir="2700000" algn="tl">
+                      <a:srgbClr val="000000">
+                        <a:alpha val="43137"/>
+                      </a:srgbClr>
+                    </a:outerShdw>
+                  </a:effectLst>
+                  <a:latin typeface="Bahnschrift Light Condensed" panose="020B0502040204020203" pitchFamily="34" charset="0"/>
+                </a:rPr>
+                <a:t> hangman-style </a:t>
+              </a:r>
+              <a:r>
+                <a:rPr lang="en-SG" b="1" dirty="0">
+                  <a:solidFill>
+                    <a:schemeClr val="tx1"/>
+                  </a:solidFill>
+                  <a:effectLst>
+                    <a:outerShdw blurRad="38100" dist="38100" dir="2700000" algn="tl">
+                      <a:srgbClr val="000000">
+                        <a:alpha val="43137"/>
+                      </a:srgbClr>
+                    </a:outerShdw>
+                  </a:effectLst>
+                  <a:latin typeface="Bahnschrift Light Condensed" panose="020B0502040204020203" pitchFamily="34" charset="0"/>
+                </a:rPr>
+                <a:t>Hints</a:t>
+              </a:r>
+              <a:endParaRPr lang="en-SG" dirty="0">
+                <a:solidFill>
+                  <a:schemeClr val="tx1"/>
+                </a:solidFill>
+                <a:effectLst>
+                  <a:outerShdw blurRad="38100" dist="38100" dir="2700000" algn="tl">
+                    <a:srgbClr val="000000">
+                      <a:alpha val="43137"/>
+                    </a:srgbClr>
+                  </a:outerShdw>
+                </a:effectLst>
+                <a:latin typeface="Bahnschrift Light Condensed" panose="020B0502040204020203" pitchFamily="34" charset="0"/>
+              </a:endParaRPr>
+            </a:p>
+          </p:txBody>
+        </p:sp>
+      </p:grpSp>
+    </p:spTree>
+    <p:extLst>
+      <p:ext uri="{BB962C8B-B14F-4D97-AF65-F5344CB8AC3E}">
+        <p14:creationId xmlns:p14="http://schemas.microsoft.com/office/powerpoint/2010/main" val="2252538942"/>
+      </p:ext>
+    </p:extLst>
+  </p:cSld>
+  <p:clrMapOvr>
+    <a:masterClrMapping/>
+  </p:clrMapOvr>
+</p:sld>
+</file>
+
+<file path=ppt/slides/slide7.xml><?xml version="1.0" encoding="utf-8"?>
+<p:sld xmlns:a="http://schemas.openxmlformats.org/drawingml/2006/main" xmlns:r="http://schemas.openxmlformats.org/officeDocument/2006/relationships" xmlns:p="http://schemas.openxmlformats.org/presentationml/2006/main">
+  <p:cSld>
+    <p:spTree>
+      <p:nvGrpSpPr>
+        <p:cNvPr id="1" name=""/>
+        <p:cNvGrpSpPr/>
+        <p:nvPr/>
+      </p:nvGrpSpPr>
+      <p:grpSpPr>
+        <a:xfrm>
+          <a:off x="0" y="0"/>
+          <a:ext cx="0" cy="0"/>
+          <a:chOff x="0" y="0"/>
+          <a:chExt cx="0" cy="0"/>
+        </a:xfrm>
+      </p:grpSpPr>
+      <p:grpSp>
+        <p:nvGrpSpPr>
           <p:cNvPr id="16" name="Group 15">
             <a:extLst>
               <a:ext uri="{FF2B5EF4-FFF2-40B4-BE49-F238E27FC236}">
@@ -12863,7 +13975,545 @@
 </p:sld>
 </file>
 
-<file path=ppt/slides/slide7.xml><?xml version="1.0" encoding="utf-8"?>
+<file path=ppt/slides/slide8.xml><?xml version="1.0" encoding="utf-8"?>
+<p:sld xmlns:a="http://schemas.openxmlformats.org/drawingml/2006/main" xmlns:r="http://schemas.openxmlformats.org/officeDocument/2006/relationships" xmlns:p="http://schemas.openxmlformats.org/presentationml/2006/main">
+  <p:cSld>
+    <p:spTree>
+      <p:nvGrpSpPr>
+        <p:cNvPr id="1" name=""/>
+        <p:cNvGrpSpPr/>
+        <p:nvPr/>
+      </p:nvGrpSpPr>
+      <p:grpSpPr>
+        <a:xfrm>
+          <a:off x="0" y="0"/>
+          <a:ext cx="0" cy="0"/>
+          <a:chOff x="0" y="0"/>
+          <a:chExt cx="0" cy="0"/>
+        </a:xfrm>
+      </p:grpSpPr>
+      <p:grpSp>
+        <p:nvGrpSpPr>
+          <p:cNvPr id="12" name="Group 11">
+            <a:extLst>
+              <a:ext uri="{FF2B5EF4-FFF2-40B4-BE49-F238E27FC236}">
+                <a16:creationId xmlns:a16="http://schemas.microsoft.com/office/drawing/2014/main" id="{7EA18C5F-C6E9-4085-9CD3-8905E2723DB3}"/>
+              </a:ext>
+            </a:extLst>
+          </p:cNvPr>
+          <p:cNvGrpSpPr/>
+          <p:nvPr/>
+        </p:nvGrpSpPr>
+        <p:grpSpPr>
+          <a:xfrm>
+            <a:off x="1046375" y="1015505"/>
+            <a:ext cx="10275218" cy="2129406"/>
+            <a:chOff x="1046375" y="1015505"/>
+            <a:chExt cx="10275218" cy="2129406"/>
+          </a:xfrm>
+        </p:grpSpPr>
+        <p:pic>
+          <p:nvPicPr>
+            <p:cNvPr id="4" name="Picture 3">
+              <a:extLst>
+                <a:ext uri="{FF2B5EF4-FFF2-40B4-BE49-F238E27FC236}">
+                  <a16:creationId xmlns:a16="http://schemas.microsoft.com/office/drawing/2014/main" id="{E5E437FB-0796-4453-82A3-D412E989D071}"/>
+                </a:ext>
+              </a:extLst>
+            </p:cNvPr>
+            <p:cNvPicPr>
+              <a:picLocks noChangeAspect="1"/>
+            </p:cNvPicPr>
+            <p:nvPr/>
+          </p:nvPicPr>
+          <p:blipFill rotWithShape="1">
+            <a:blip r:embed="rId2"/>
+            <a:srcRect l="8582" t="16220" r="7139" b="54143"/>
+            <a:stretch/>
+          </p:blipFill>
+          <p:spPr>
+            <a:xfrm>
+              <a:off x="1046375" y="1112363"/>
+              <a:ext cx="10275218" cy="2032548"/>
+            </a:xfrm>
+            <a:prstGeom prst="rect">
+              <a:avLst/>
+            </a:prstGeom>
+            <a:ln>
+              <a:noFill/>
+            </a:ln>
+            <a:effectLst>
+              <a:outerShdw blurRad="190500" algn="tl" rotWithShape="0">
+                <a:srgbClr val="000000">
+                  <a:alpha val="70000"/>
+                </a:srgbClr>
+              </a:outerShdw>
+            </a:effectLst>
+          </p:spPr>
+        </p:pic>
+        <p:sp>
+          <p:nvSpPr>
+            <p:cNvPr id="6" name="Rectangle: Rounded Corners 5">
+              <a:extLst>
+                <a:ext uri="{FF2B5EF4-FFF2-40B4-BE49-F238E27FC236}">
+                  <a16:creationId xmlns:a16="http://schemas.microsoft.com/office/drawing/2014/main" id="{46984D77-7C27-4E4C-8BD6-3E78D034E766}"/>
+                </a:ext>
+              </a:extLst>
+            </p:cNvPr>
+            <p:cNvSpPr/>
+            <p:nvPr/>
+          </p:nvSpPr>
+          <p:spPr>
+            <a:xfrm>
+              <a:off x="1131217" y="2296042"/>
+              <a:ext cx="10105534" cy="721403"/>
+            </a:xfrm>
+            <a:prstGeom prst="roundRect">
+              <a:avLst/>
+            </a:prstGeom>
+            <a:noFill/>
+            <a:ln w="19050">
+              <a:solidFill>
+                <a:srgbClr val="FF0000"/>
+              </a:solidFill>
+              <a:prstDash val="sysDash"/>
+            </a:ln>
+          </p:spPr>
+          <p:style>
+            <a:lnRef idx="2">
+              <a:schemeClr val="accent1">
+                <a:shade val="50000"/>
+              </a:schemeClr>
+            </a:lnRef>
+            <a:fillRef idx="1">
+              <a:schemeClr val="accent1"/>
+            </a:fillRef>
+            <a:effectRef idx="0">
+              <a:schemeClr val="accent1"/>
+            </a:effectRef>
+            <a:fontRef idx="minor">
+              <a:schemeClr val="lt1"/>
+            </a:fontRef>
+          </p:style>
+          <p:txBody>
+            <a:bodyPr rtlCol="0" anchor="ctr"/>
+            <a:lstStyle/>
+            <a:p>
+              <a:pPr algn="ctr"/>
+              <a:endParaRPr lang="en-SG" dirty="0"/>
+            </a:p>
+          </p:txBody>
+        </p:sp>
+        <p:sp>
+          <p:nvSpPr>
+            <p:cNvPr id="7" name="Rectangle: Rounded Corners 6">
+              <a:extLst>
+                <a:ext uri="{FF2B5EF4-FFF2-40B4-BE49-F238E27FC236}">
+                  <a16:creationId xmlns:a16="http://schemas.microsoft.com/office/drawing/2014/main" id="{321F3488-83E1-40D3-8DF7-4980196E6073}"/>
+                </a:ext>
+              </a:extLst>
+            </p:cNvPr>
+            <p:cNvSpPr/>
+            <p:nvPr/>
+          </p:nvSpPr>
+          <p:spPr>
+            <a:xfrm>
+              <a:off x="7975148" y="2032549"/>
+              <a:ext cx="2259244" cy="555362"/>
+            </a:xfrm>
+            <a:prstGeom prst="roundRect">
+              <a:avLst/>
+            </a:prstGeom>
+            <a:gradFill flip="none" rotWithShape="1">
+              <a:gsLst>
+                <a:gs pos="0">
+                  <a:srgbClr val="F86262">
+                    <a:tint val="66000"/>
+                    <a:satMod val="160000"/>
+                  </a:srgbClr>
+                </a:gs>
+                <a:gs pos="50000">
+                  <a:srgbClr val="F86262">
+                    <a:tint val="44500"/>
+                    <a:satMod val="160000"/>
+                  </a:srgbClr>
+                </a:gs>
+                <a:gs pos="100000">
+                  <a:srgbClr val="F86262">
+                    <a:tint val="23500"/>
+                    <a:satMod val="160000"/>
+                  </a:srgbClr>
+                </a:gs>
+              </a:gsLst>
+              <a:path path="circle">
+                <a:fillToRect l="50000" t="50000" r="50000" b="50000"/>
+              </a:path>
+              <a:tileRect/>
+            </a:gradFill>
+            <a:ln>
+              <a:solidFill>
+                <a:srgbClr val="FF0000"/>
+              </a:solidFill>
+            </a:ln>
+          </p:spPr>
+          <p:style>
+            <a:lnRef idx="2">
+              <a:schemeClr val="accent1">
+                <a:shade val="50000"/>
+              </a:schemeClr>
+            </a:lnRef>
+            <a:fillRef idx="1">
+              <a:schemeClr val="accent1"/>
+            </a:fillRef>
+            <a:effectRef idx="0">
+              <a:schemeClr val="accent1"/>
+            </a:effectRef>
+            <a:fontRef idx="minor">
+              <a:schemeClr val="lt1"/>
+            </a:fontRef>
+          </p:style>
+          <p:txBody>
+            <a:bodyPr rtlCol="0" anchor="ctr"/>
+            <a:lstStyle/>
+            <a:p>
+              <a:pPr algn="ctr"/>
+              <a:r>
+                <a:rPr lang="en-SG" sz="1900" dirty="0">
+                  <a:solidFill>
+                    <a:schemeClr val="tx1"/>
+                  </a:solidFill>
+                  <a:effectLst>
+                    <a:outerShdw blurRad="38100" dist="38100" dir="2700000" algn="tl">
+                      <a:srgbClr val="000000">
+                        <a:alpha val="43137"/>
+                      </a:srgbClr>
+                    </a:outerShdw>
+                  </a:effectLst>
+                  <a:latin typeface="Bahnschrift Light Condensed" panose="020B0502040204020203" pitchFamily="34" charset="0"/>
+                </a:rPr>
+                <a:t>Feedback for each </a:t>
+              </a:r>
+              <a:r>
+                <a:rPr lang="en-SG" sz="1900" b="1" dirty="0">
+                  <a:solidFill>
+                    <a:schemeClr val="tx1"/>
+                  </a:solidFill>
+                  <a:effectLst>
+                    <a:outerShdw blurRad="38100" dist="38100" dir="2700000" algn="tl">
+                      <a:srgbClr val="000000">
+                        <a:alpha val="43137"/>
+                      </a:srgbClr>
+                    </a:outerShdw>
+                  </a:effectLst>
+                  <a:latin typeface="Bahnschrift Light Condensed" panose="020B0502040204020203" pitchFamily="34" charset="0"/>
+                </a:rPr>
+                <a:t>Guess</a:t>
+              </a:r>
+              <a:endParaRPr lang="en-SG" sz="1900" dirty="0">
+                <a:solidFill>
+                  <a:schemeClr val="tx1"/>
+                </a:solidFill>
+                <a:effectLst>
+                  <a:outerShdw blurRad="38100" dist="38100" dir="2700000" algn="tl">
+                    <a:srgbClr val="000000">
+                      <a:alpha val="43137"/>
+                    </a:srgbClr>
+                  </a:outerShdw>
+                </a:effectLst>
+                <a:latin typeface="Bahnschrift Light Condensed" panose="020B0502040204020203" pitchFamily="34" charset="0"/>
+              </a:endParaRPr>
+            </a:p>
+          </p:txBody>
+        </p:sp>
+        <p:sp>
+          <p:nvSpPr>
+            <p:cNvPr id="8" name="Rectangle: Rounded Corners 7">
+              <a:extLst>
+                <a:ext uri="{FF2B5EF4-FFF2-40B4-BE49-F238E27FC236}">
+                  <a16:creationId xmlns:a16="http://schemas.microsoft.com/office/drawing/2014/main" id="{A5E9D3D2-8A83-4204-BCAE-8785DDFBC86A}"/>
+                </a:ext>
+              </a:extLst>
+            </p:cNvPr>
+            <p:cNvSpPr/>
+            <p:nvPr/>
+          </p:nvSpPr>
+          <p:spPr>
+            <a:xfrm>
+              <a:off x="5077051" y="1298041"/>
+              <a:ext cx="6226736" cy="304974"/>
+            </a:xfrm>
+            <a:prstGeom prst="roundRect">
+              <a:avLst/>
+            </a:prstGeom>
+            <a:noFill/>
+            <a:ln w="19050">
+              <a:solidFill>
+                <a:srgbClr val="00B050"/>
+              </a:solidFill>
+              <a:prstDash val="sysDash"/>
+            </a:ln>
+          </p:spPr>
+          <p:style>
+            <a:lnRef idx="2">
+              <a:schemeClr val="accent1">
+                <a:shade val="50000"/>
+              </a:schemeClr>
+            </a:lnRef>
+            <a:fillRef idx="1">
+              <a:schemeClr val="accent1"/>
+            </a:fillRef>
+            <a:effectRef idx="0">
+              <a:schemeClr val="accent1"/>
+            </a:effectRef>
+            <a:fontRef idx="minor">
+              <a:schemeClr val="lt1"/>
+            </a:fontRef>
+          </p:style>
+          <p:txBody>
+            <a:bodyPr rtlCol="0" anchor="ctr"/>
+            <a:lstStyle/>
+            <a:p>
+              <a:pPr algn="ctr"/>
+              <a:endParaRPr lang="en-SG" dirty="0"/>
+            </a:p>
+          </p:txBody>
+        </p:sp>
+        <p:sp>
+          <p:nvSpPr>
+            <p:cNvPr id="9" name="Rectangle: Rounded Corners 8">
+              <a:extLst>
+                <a:ext uri="{FF2B5EF4-FFF2-40B4-BE49-F238E27FC236}">
+                  <a16:creationId xmlns:a16="http://schemas.microsoft.com/office/drawing/2014/main" id="{272E8286-9A81-4E74-823F-9B09C6EF094E}"/>
+                </a:ext>
+              </a:extLst>
+            </p:cNvPr>
+            <p:cNvSpPr/>
+            <p:nvPr/>
+          </p:nvSpPr>
+          <p:spPr>
+            <a:xfrm>
+              <a:off x="8559692" y="1015505"/>
+              <a:ext cx="2466340" cy="460045"/>
+            </a:xfrm>
+            <a:prstGeom prst="roundRect">
+              <a:avLst/>
+            </a:prstGeom>
+            <a:gradFill flip="none" rotWithShape="1">
+              <a:gsLst>
+                <a:gs pos="0">
+                  <a:srgbClr val="92D050">
+                    <a:tint val="66000"/>
+                    <a:satMod val="160000"/>
+                  </a:srgbClr>
+                </a:gs>
+                <a:gs pos="50000">
+                  <a:srgbClr val="92D050">
+                    <a:tint val="44500"/>
+                    <a:satMod val="160000"/>
+                  </a:srgbClr>
+                </a:gs>
+                <a:gs pos="100000">
+                  <a:srgbClr val="92D050">
+                    <a:tint val="23500"/>
+                    <a:satMod val="160000"/>
+                  </a:srgbClr>
+                </a:gs>
+              </a:gsLst>
+              <a:path path="circle">
+                <a:fillToRect l="50000" t="50000" r="50000" b="50000"/>
+              </a:path>
+              <a:tileRect/>
+            </a:gradFill>
+            <a:ln>
+              <a:solidFill>
+                <a:srgbClr val="00B050"/>
+              </a:solidFill>
+            </a:ln>
+          </p:spPr>
+          <p:style>
+            <a:lnRef idx="2">
+              <a:schemeClr val="accent1">
+                <a:shade val="50000"/>
+              </a:schemeClr>
+            </a:lnRef>
+            <a:fillRef idx="1">
+              <a:schemeClr val="accent1"/>
+            </a:fillRef>
+            <a:effectRef idx="0">
+              <a:schemeClr val="accent1"/>
+            </a:effectRef>
+            <a:fontRef idx="minor">
+              <a:schemeClr val="lt1"/>
+            </a:fontRef>
+          </p:style>
+          <p:txBody>
+            <a:bodyPr rtlCol="0" anchor="ctr"/>
+            <a:lstStyle/>
+            <a:p>
+              <a:pPr algn="ctr"/>
+              <a:r>
+                <a:rPr lang="en-SG" dirty="0">
+                  <a:solidFill>
+                    <a:schemeClr val="tx1"/>
+                  </a:solidFill>
+                  <a:effectLst>
+                    <a:outerShdw blurRad="38100" dist="38100" dir="2700000" algn="tl">
+                      <a:srgbClr val="000000">
+                        <a:alpha val="43137"/>
+                      </a:srgbClr>
+                    </a:outerShdw>
+                  </a:effectLst>
+                  <a:latin typeface="Bahnschrift Light Condensed" panose="020B0502040204020203" pitchFamily="34" charset="0"/>
+                </a:rPr>
+                <a:t>T</a:t>
+              </a:r>
+              <a:r>
+                <a:rPr lang="en-SG" b="1" dirty="0">
+                  <a:solidFill>
+                    <a:schemeClr val="tx1"/>
+                  </a:solidFill>
+                  <a:effectLst>
+                    <a:outerShdw blurRad="38100" dist="38100" dir="2700000" algn="tl">
+                      <a:srgbClr val="000000">
+                        <a:alpha val="43137"/>
+                      </a:srgbClr>
+                    </a:outerShdw>
+                  </a:effectLst>
+                  <a:latin typeface="Bahnschrift Light Condensed" panose="020B0502040204020203" pitchFamily="34" charset="0"/>
+                </a:rPr>
+                <a:t>imer </a:t>
+              </a:r>
+              <a:r>
+                <a:rPr lang="en-SG" dirty="0">
+                  <a:solidFill>
+                    <a:schemeClr val="tx1"/>
+                  </a:solidFill>
+                  <a:effectLst>
+                    <a:outerShdw blurRad="38100" dist="38100" dir="2700000" algn="tl">
+                      <a:srgbClr val="000000">
+                        <a:alpha val="43137"/>
+                      </a:srgbClr>
+                    </a:outerShdw>
+                  </a:effectLst>
+                  <a:latin typeface="Bahnschrift Light Condensed" panose="020B0502040204020203" pitchFamily="34" charset="0"/>
+                </a:rPr>
+                <a:t>changes colour </a:t>
+              </a:r>
+              <a:br>
+                <a:rPr lang="en-SG" dirty="0">
+                  <a:solidFill>
+                    <a:schemeClr val="tx1"/>
+                  </a:solidFill>
+                  <a:effectLst>
+                    <a:outerShdw blurRad="38100" dist="38100" dir="2700000" algn="tl">
+                      <a:srgbClr val="000000">
+                        <a:alpha val="43137"/>
+                      </a:srgbClr>
+                    </a:outerShdw>
+                  </a:effectLst>
+                  <a:latin typeface="Bahnschrift Light Condensed" panose="020B0502040204020203" pitchFamily="34" charset="0"/>
+                </a:rPr>
+              </a:br>
+              <a:r>
+                <a:rPr lang="en-SG" dirty="0">
+                  <a:solidFill>
+                    <a:schemeClr val="tx1"/>
+                  </a:solidFill>
+                  <a:effectLst>
+                    <a:outerShdw blurRad="38100" dist="38100" dir="2700000" algn="tl">
+                      <a:srgbClr val="000000">
+                        <a:alpha val="43137"/>
+                      </a:srgbClr>
+                    </a:outerShdw>
+                  </a:effectLst>
+                  <a:latin typeface="Bahnschrift Light Condensed" panose="020B0502040204020203" pitchFamily="34" charset="0"/>
+                </a:rPr>
+                <a:t>when time is running out</a:t>
+              </a:r>
+              <a:endParaRPr lang="en-SG" b="1" dirty="0">
+                <a:solidFill>
+                  <a:schemeClr val="tx1"/>
+                </a:solidFill>
+                <a:effectLst>
+                  <a:outerShdw blurRad="38100" dist="38100" dir="2700000" algn="tl">
+                    <a:srgbClr val="000000">
+                      <a:alpha val="43137"/>
+                    </a:srgbClr>
+                  </a:outerShdw>
+                </a:effectLst>
+                <a:latin typeface="Bahnschrift Light Condensed" panose="020B0502040204020203" pitchFamily="34" charset="0"/>
+              </a:endParaRPr>
+            </a:p>
+          </p:txBody>
+        </p:sp>
+        <p:sp>
+          <p:nvSpPr>
+            <p:cNvPr id="10" name="Rectangle: Rounded Corners 9">
+              <a:extLst>
+                <a:ext uri="{FF2B5EF4-FFF2-40B4-BE49-F238E27FC236}">
+                  <a16:creationId xmlns:a16="http://schemas.microsoft.com/office/drawing/2014/main" id="{77D763D8-2986-41BF-963E-25CF58A01A3A}"/>
+                </a:ext>
+              </a:extLst>
+            </p:cNvPr>
+            <p:cNvSpPr/>
+            <p:nvPr/>
+          </p:nvSpPr>
+          <p:spPr>
+            <a:xfrm>
+              <a:off x="1206944" y="2344071"/>
+              <a:ext cx="1103375" cy="243840"/>
+            </a:xfrm>
+            <a:prstGeom prst="roundRect">
+              <a:avLst/>
+            </a:prstGeom>
+            <a:noFill/>
+            <a:ln w="19050">
+              <a:solidFill>
+                <a:srgbClr val="FF0000"/>
+              </a:solidFill>
+              <a:prstDash val="sysDash"/>
+            </a:ln>
+          </p:spPr>
+          <p:style>
+            <a:lnRef idx="2">
+              <a:schemeClr val="accent1">
+                <a:shade val="50000"/>
+              </a:schemeClr>
+            </a:lnRef>
+            <a:fillRef idx="1">
+              <a:schemeClr val="accent1"/>
+            </a:fillRef>
+            <a:effectRef idx="0">
+              <a:schemeClr val="accent1"/>
+            </a:effectRef>
+            <a:fontRef idx="minor">
+              <a:schemeClr val="lt1"/>
+            </a:fontRef>
+          </p:style>
+          <p:txBody>
+            <a:bodyPr rtlCol="0" anchor="ctr"/>
+            <a:lstStyle/>
+            <a:p>
+              <a:pPr algn="ctr"/>
+              <a:endParaRPr lang="en-SG" dirty="0"/>
+            </a:p>
+          </p:txBody>
+        </p:sp>
+      </p:grpSp>
+    </p:spTree>
+    <p:extLst>
+      <p:ext uri="{BB962C8B-B14F-4D97-AF65-F5344CB8AC3E}">
+        <p14:creationId xmlns:p14="http://schemas.microsoft.com/office/powerpoint/2010/main" val="3415976357"/>
+      </p:ext>
+    </p:extLst>
+  </p:cSld>
+  <p:clrMapOvr>
+    <a:masterClrMapping/>
+  </p:clrMapOvr>
+</p:sld>
+</file>
+
+<file path=ppt/slides/slide9.xml><?xml version="1.0" encoding="utf-8"?>
 <p:sld xmlns:a="http://schemas.openxmlformats.org/drawingml/2006/main" xmlns:r="http://schemas.openxmlformats.org/officeDocument/2006/relationships" xmlns:p="http://schemas.openxmlformats.org/presentationml/2006/main">
   <p:cSld>
     <p:spTree>
@@ -13267,436 +14917,6 @@
     <p:extLst>
       <p:ext uri="{BB962C8B-B14F-4D97-AF65-F5344CB8AC3E}">
         <p14:creationId xmlns:p14="http://schemas.microsoft.com/office/powerpoint/2010/main" val="2558258663"/>
-      </p:ext>
-    </p:extLst>
-  </p:cSld>
-  <p:clrMapOvr>
-    <a:masterClrMapping/>
-  </p:clrMapOvr>
-</p:sld>
-</file>
-
-<file path=ppt/slides/slide8.xml><?xml version="1.0" encoding="utf-8"?>
-<p:sld xmlns:a="http://schemas.openxmlformats.org/drawingml/2006/main" xmlns:r="http://schemas.openxmlformats.org/officeDocument/2006/relationships" xmlns:p="http://schemas.openxmlformats.org/presentationml/2006/main">
-  <p:cSld>
-    <p:spTree>
-      <p:nvGrpSpPr>
-        <p:cNvPr id="1" name=""/>
-        <p:cNvGrpSpPr/>
-        <p:nvPr/>
-      </p:nvGrpSpPr>
-      <p:grpSpPr>
-        <a:xfrm>
-          <a:off x="0" y="0"/>
-          <a:ext cx="0" cy="0"/>
-          <a:chOff x="0" y="0"/>
-          <a:chExt cx="0" cy="0"/>
-        </a:xfrm>
-      </p:grpSpPr>
-      <p:grpSp>
-        <p:nvGrpSpPr>
-          <p:cNvPr id="7" name="Group 6">
-            <a:extLst>
-              <a:ext uri="{FF2B5EF4-FFF2-40B4-BE49-F238E27FC236}">
-                <a16:creationId xmlns:a16="http://schemas.microsoft.com/office/drawing/2014/main" id="{45DED426-3C43-4D82-9555-865CCA00F127}"/>
-              </a:ext>
-            </a:extLst>
-          </p:cNvPr>
-          <p:cNvGrpSpPr/>
-          <p:nvPr/>
-        </p:nvGrpSpPr>
-        <p:grpSpPr>
-          <a:xfrm>
-            <a:off x="2977975" y="286603"/>
-            <a:ext cx="7043850" cy="6133051"/>
-            <a:chOff x="2977975" y="286603"/>
-            <a:chExt cx="7043850" cy="6133051"/>
-          </a:xfrm>
-        </p:grpSpPr>
-        <p:pic>
-          <p:nvPicPr>
-            <p:cNvPr id="4" name="Picture 3">
-              <a:extLst>
-                <a:ext uri="{FF2B5EF4-FFF2-40B4-BE49-F238E27FC236}">
-                  <a16:creationId xmlns:a16="http://schemas.microsoft.com/office/drawing/2014/main" id="{06C69A90-07D7-488D-9952-3C6D6B7A565F}"/>
-                </a:ext>
-              </a:extLst>
-            </p:cNvPr>
-            <p:cNvPicPr>
-              <a:picLocks noChangeAspect="1"/>
-            </p:cNvPicPr>
-            <p:nvPr/>
-          </p:nvPicPr>
-          <p:blipFill rotWithShape="1">
-            <a:blip r:embed="rId2"/>
-            <a:srcRect l="24437" t="4180" r="17800" b="6392"/>
-            <a:stretch/>
-          </p:blipFill>
-          <p:spPr>
-            <a:xfrm>
-              <a:off x="2979421" y="286603"/>
-              <a:ext cx="7042404" cy="6133051"/>
-            </a:xfrm>
-            <a:prstGeom prst="rect">
-              <a:avLst/>
-            </a:prstGeom>
-            <a:solidFill>
-              <a:srgbClr val="FFFFFF">
-                <a:shade val="85000"/>
-              </a:srgbClr>
-            </a:solidFill>
-            <a:ln w="88900" cap="sq">
-              <a:solidFill>
-                <a:srgbClr val="FFFFFF"/>
-              </a:solidFill>
-              <a:miter lim="800000"/>
-            </a:ln>
-            <a:effectLst>
-              <a:outerShdw blurRad="55000" dist="18000" dir="5400000" algn="tl" rotWithShape="0">
-                <a:srgbClr val="000000">
-                  <a:alpha val="40000"/>
-                </a:srgbClr>
-              </a:outerShdw>
-            </a:effectLst>
-            <a:scene3d>
-              <a:camera prst="orthographicFront"/>
-              <a:lightRig rig="twoPt" dir="t">
-                <a:rot lat="0" lon="0" rev="7200000"/>
-              </a:lightRig>
-            </a:scene3d>
-            <a:sp3d>
-              <a:bevelT w="25400" h="19050"/>
-              <a:contourClr>
-                <a:srgbClr val="FFFFFF"/>
-              </a:contourClr>
-            </a:sp3d>
-          </p:spPr>
-        </p:pic>
-        <p:sp>
-          <p:nvSpPr>
-            <p:cNvPr id="5" name="Rectangle: Rounded Corners 4">
-              <a:extLst>
-                <a:ext uri="{FF2B5EF4-FFF2-40B4-BE49-F238E27FC236}">
-                  <a16:creationId xmlns:a16="http://schemas.microsoft.com/office/drawing/2014/main" id="{0E0E444D-BFC2-4CAD-9E3F-BC56BE752500}"/>
-                </a:ext>
-              </a:extLst>
-            </p:cNvPr>
-            <p:cNvSpPr/>
-            <p:nvPr/>
-          </p:nvSpPr>
-          <p:spPr>
-            <a:xfrm>
-              <a:off x="2977975" y="1517714"/>
-              <a:ext cx="7025561" cy="782426"/>
-            </a:xfrm>
-            <a:prstGeom prst="roundRect">
-              <a:avLst/>
-            </a:prstGeom>
-            <a:noFill/>
-            <a:ln w="19050">
-              <a:solidFill>
-                <a:schemeClr val="bg2">
-                  <a:lumMod val="75000"/>
-                </a:schemeClr>
-              </a:solidFill>
-              <a:prstDash val="sysDash"/>
-            </a:ln>
-          </p:spPr>
-          <p:style>
-            <a:lnRef idx="2">
-              <a:schemeClr val="accent1">
-                <a:shade val="50000"/>
-              </a:schemeClr>
-            </a:lnRef>
-            <a:fillRef idx="1">
-              <a:schemeClr val="accent1"/>
-            </a:fillRef>
-            <a:effectRef idx="0">
-              <a:schemeClr val="accent1"/>
-            </a:effectRef>
-            <a:fontRef idx="minor">
-              <a:schemeClr val="lt1"/>
-            </a:fontRef>
-          </p:style>
-          <p:txBody>
-            <a:bodyPr rtlCol="0" anchor="ctr"/>
-            <a:lstStyle/>
-            <a:p>
-              <a:pPr algn="ctr"/>
-              <a:endParaRPr lang="en-SG" dirty="0"/>
-            </a:p>
-          </p:txBody>
-        </p:sp>
-        <p:sp>
-          <p:nvSpPr>
-            <p:cNvPr id="6" name="Rectangle: Rounded Corners 5">
-              <a:extLst>
-                <a:ext uri="{FF2B5EF4-FFF2-40B4-BE49-F238E27FC236}">
-                  <a16:creationId xmlns:a16="http://schemas.microsoft.com/office/drawing/2014/main" id="{830CE4AE-0457-4742-A9B0-7D5195B14D99}"/>
-                </a:ext>
-              </a:extLst>
-            </p:cNvPr>
-            <p:cNvSpPr/>
-            <p:nvPr/>
-          </p:nvSpPr>
-          <p:spPr>
-            <a:xfrm>
-              <a:off x="7652931" y="1236183"/>
-              <a:ext cx="2259244" cy="532399"/>
-            </a:xfrm>
-            <a:prstGeom prst="roundRect">
-              <a:avLst/>
-            </a:prstGeom>
-            <a:gradFill flip="none" rotWithShape="1">
-              <a:gsLst>
-                <a:gs pos="0">
-                  <a:schemeClr val="bg2">
-                    <a:lumMod val="90000"/>
-                    <a:tint val="66000"/>
-                    <a:satMod val="160000"/>
-                  </a:schemeClr>
-                </a:gs>
-                <a:gs pos="50000">
-                  <a:schemeClr val="bg2">
-                    <a:lumMod val="90000"/>
-                    <a:tint val="44500"/>
-                    <a:satMod val="160000"/>
-                  </a:schemeClr>
-                </a:gs>
-                <a:gs pos="100000">
-                  <a:schemeClr val="bg2">
-                    <a:lumMod val="90000"/>
-                    <a:tint val="23500"/>
-                    <a:satMod val="160000"/>
-                  </a:schemeClr>
-                </a:gs>
-              </a:gsLst>
-              <a:lin ang="8100000" scaled="1"/>
-              <a:tileRect/>
-            </a:gradFill>
-            <a:ln>
-              <a:solidFill>
-                <a:schemeClr val="bg2">
-                  <a:lumMod val="50000"/>
-                </a:schemeClr>
-              </a:solidFill>
-            </a:ln>
-          </p:spPr>
-          <p:style>
-            <a:lnRef idx="2">
-              <a:schemeClr val="accent1">
-                <a:shade val="50000"/>
-              </a:schemeClr>
-            </a:lnRef>
-            <a:fillRef idx="1">
-              <a:schemeClr val="accent1"/>
-            </a:fillRef>
-            <a:effectRef idx="0">
-              <a:schemeClr val="accent1"/>
-            </a:effectRef>
-            <a:fontRef idx="minor">
-              <a:schemeClr val="lt1"/>
-            </a:fontRef>
-          </p:style>
-          <p:txBody>
-            <a:bodyPr rtlCol="0" anchor="ctr"/>
-            <a:lstStyle/>
-            <a:p>
-              <a:pPr algn="ctr"/>
-              <a:r>
-                <a:rPr lang="en-SG" sz="1400" dirty="0">
-                  <a:solidFill>
-                    <a:schemeClr val="tx1"/>
-                  </a:solidFill>
-                  <a:effectLst>
-                    <a:outerShdw blurRad="38100" dist="38100" dir="2700000" algn="tl">
-                      <a:srgbClr val="000000">
-                        <a:alpha val="43137"/>
-                      </a:srgbClr>
-                    </a:outerShdw>
-                  </a:effectLst>
-                  <a:latin typeface="Bahnschrift Light Condensed" panose="020B0502040204020203" pitchFamily="34" charset="0"/>
-                </a:rPr>
-                <a:t>Feedback when </a:t>
-              </a:r>
-              <a:r>
-                <a:rPr lang="en-SG" sz="1400" b="1" dirty="0">
-                  <a:solidFill>
-                    <a:schemeClr val="tx1"/>
-                  </a:solidFill>
-                  <a:effectLst>
-                    <a:outerShdw blurRad="38100" dist="38100" dir="2700000" algn="tl">
-                      <a:srgbClr val="000000">
-                        <a:alpha val="43137"/>
-                      </a:srgbClr>
-                    </a:outerShdw>
-                  </a:effectLst>
-                  <a:latin typeface="Bahnschrift Light Condensed" panose="020B0502040204020203" pitchFamily="34" charset="0"/>
-                </a:rPr>
-                <a:t>Game</a:t>
-              </a:r>
-            </a:p>
-            <a:p>
-              <a:pPr algn="ctr"/>
-              <a:r>
-                <a:rPr lang="en-SG" sz="1400" b="1" dirty="0">
-                  <a:solidFill>
-                    <a:schemeClr val="tx1"/>
-                  </a:solidFill>
-                  <a:effectLst>
-                    <a:outerShdw blurRad="38100" dist="38100" dir="2700000" algn="tl">
-                      <a:srgbClr val="000000">
-                        <a:alpha val="43137"/>
-                      </a:srgbClr>
-                    </a:outerShdw>
-                  </a:effectLst>
-                  <a:latin typeface="Bahnschrift Light Condensed" panose="020B0502040204020203" pitchFamily="34" charset="0"/>
-                </a:rPr>
-                <a:t> </a:t>
-              </a:r>
-              <a:r>
-                <a:rPr lang="en-SG" sz="1400" dirty="0">
-                  <a:solidFill>
-                    <a:schemeClr val="tx1"/>
-                  </a:solidFill>
-                  <a:effectLst>
-                    <a:outerShdw blurRad="38100" dist="38100" dir="2700000" algn="tl">
-                      <a:srgbClr val="000000">
-                        <a:alpha val="43137"/>
-                      </a:srgbClr>
-                    </a:outerShdw>
-                  </a:effectLst>
-                  <a:latin typeface="Bahnschrift Light Condensed" panose="020B0502040204020203" pitchFamily="34" charset="0"/>
-                </a:rPr>
-                <a:t>is stopped</a:t>
-              </a:r>
-            </a:p>
-          </p:txBody>
-        </p:sp>
-      </p:grpSp>
-    </p:spTree>
-    <p:extLst>
-      <p:ext uri="{BB962C8B-B14F-4D97-AF65-F5344CB8AC3E}">
-        <p14:creationId xmlns:p14="http://schemas.microsoft.com/office/powerpoint/2010/main" val="1795090436"/>
-      </p:ext>
-    </p:extLst>
-  </p:cSld>
-  <p:clrMapOvr>
-    <a:masterClrMapping/>
-  </p:clrMapOvr>
-</p:sld>
-</file>
-
-<file path=ppt/slides/slide9.xml><?xml version="1.0" encoding="utf-8"?>
-<p:sld xmlns:a="http://schemas.openxmlformats.org/drawingml/2006/main" xmlns:r="http://schemas.openxmlformats.org/officeDocument/2006/relationships" xmlns:p="http://schemas.openxmlformats.org/presentationml/2006/main">
-  <p:cSld>
-    <p:spTree>
-      <p:nvGrpSpPr>
-        <p:cNvPr id="1" name=""/>
-        <p:cNvGrpSpPr/>
-        <p:nvPr/>
-      </p:nvGrpSpPr>
-      <p:grpSpPr>
-        <a:xfrm>
-          <a:off x="0" y="0"/>
-          <a:ext cx="0" cy="0"/>
-          <a:chOff x="0" y="0"/>
-          <a:chExt cx="0" cy="0"/>
-        </a:xfrm>
-      </p:grpSpPr>
-      <p:sp>
-        <p:nvSpPr>
-          <p:cNvPr id="2" name="Title 1">
-            <a:extLst>
-              <a:ext uri="{FF2B5EF4-FFF2-40B4-BE49-F238E27FC236}">
-                <a16:creationId xmlns:a16="http://schemas.microsoft.com/office/drawing/2014/main" id="{E70CC326-E048-4666-92D1-EE93F81C75B2}"/>
-              </a:ext>
-            </a:extLst>
-          </p:cNvPr>
-          <p:cNvSpPr>
-            <a:spLocks noGrp="1"/>
-          </p:cNvSpPr>
-          <p:nvPr>
-            <p:ph type="title"/>
-          </p:nvPr>
-        </p:nvSpPr>
-        <p:spPr/>
-        <p:txBody>
-          <a:bodyPr/>
-          <a:lstStyle/>
-          <a:p>
-            <a:endParaRPr lang="en-SG"/>
-          </a:p>
-        </p:txBody>
-      </p:sp>
-      <p:sp>
-        <p:nvSpPr>
-          <p:cNvPr id="3" name="Content Placeholder 2">
-            <a:extLst>
-              <a:ext uri="{FF2B5EF4-FFF2-40B4-BE49-F238E27FC236}">
-                <a16:creationId xmlns:a16="http://schemas.microsoft.com/office/drawing/2014/main" id="{017416C7-AE5F-48DD-91E0-161486727C52}"/>
-              </a:ext>
-            </a:extLst>
-          </p:cNvPr>
-          <p:cNvSpPr>
-            <a:spLocks noGrp="1"/>
-          </p:cNvSpPr>
-          <p:nvPr>
-            <p:ph idx="1"/>
-          </p:nvPr>
-        </p:nvSpPr>
-        <p:spPr/>
-        <p:txBody>
-          <a:bodyPr/>
-          <a:lstStyle/>
-          <a:p>
-            <a:endParaRPr lang="en-SG"/>
-          </a:p>
-        </p:txBody>
-      </p:sp>
-      <p:pic>
-        <p:nvPicPr>
-          <p:cNvPr id="9" name="Picture 8">
-            <a:extLst>
-              <a:ext uri="{FF2B5EF4-FFF2-40B4-BE49-F238E27FC236}">
-                <a16:creationId xmlns:a16="http://schemas.microsoft.com/office/drawing/2014/main" id="{751EE8B3-8063-4B95-BBDD-243173A28F1E}"/>
-              </a:ext>
-            </a:extLst>
-          </p:cNvPr>
-          <p:cNvPicPr>
-            <a:picLocks noChangeAspect="1"/>
-          </p:cNvPicPr>
-          <p:nvPr/>
-        </p:nvPicPr>
-        <p:blipFill rotWithShape="1">
-          <a:blip r:embed="rId3"/>
-          <a:srcRect t="2400" b="5333"/>
-          <a:stretch/>
-        </p:blipFill>
-        <p:spPr>
-          <a:xfrm>
-            <a:off x="0" y="164592"/>
-            <a:ext cx="12192000" cy="6327648"/>
-          </a:xfrm>
-          <a:prstGeom prst="rect">
-            <a:avLst/>
-          </a:prstGeom>
-          <a:ln>
-            <a:noFill/>
-          </a:ln>
-          <a:effectLst>
-            <a:outerShdw blurRad="190500" algn="tl" rotWithShape="0">
-              <a:srgbClr val="000000">
-                <a:alpha val="70000"/>
-              </a:srgbClr>
-            </a:outerShdw>
-          </a:effectLst>
-        </p:spPr>
-      </p:pic>
-    </p:spTree>
-    <p:extLst>
-      <p:ext uri="{BB962C8B-B14F-4D97-AF65-F5344CB8AC3E}">
-        <p14:creationId xmlns:p14="http://schemas.microsoft.com/office/powerpoint/2010/main" val="965872846"/>
       </p:ext>
     </p:extLst>
   </p:cSld>
